--- a/Presentación1.pptx
+++ b/Presentación1.pptx
@@ -6,6 +6,7 @@
   </p:sldMasterIdLst>
   <p:sldIdLst>
     <p:sldId id="256" r:id="rId2"/>
+    <p:sldId id="258" r:id="rId3"/>
   </p:sldIdLst>
   <p:sldSz cx="12192000" cy="6858000"/>
   <p:notesSz cx="6858000" cy="9144000"/>
@@ -104,6 +105,11 @@
       </a:defRPr>
     </a:lvl9pPr>
   </p:defaultTextStyle>
+  <p:extLst>
+    <p:ext uri="{EFAFB233-063F-42B5-8137-9DF3F51BA10A}">
+      <p15:sldGuideLst xmlns:p15="http://schemas.microsoft.com/office/powerpoint/2012/main"/>
+    </p:ext>
+  </p:extLst>
 </p:presentation>
 </file>
 
@@ -256,7 +262,7 @@
           <a:p>
             <a:fld id="{99BE347A-6433-4F03-8E3B-34733628B187}" type="datetimeFigureOut">
               <a:rPr lang="es-MX" smtClean="0"/>
-              <a:t>20/06/2018</a:t>
+              <a:t>21/06/2018</a:t>
             </a:fld>
             <a:endParaRPr lang="es-MX"/>
           </a:p>
@@ -456,7 +462,7 @@
           <a:p>
             <a:fld id="{99BE347A-6433-4F03-8E3B-34733628B187}" type="datetimeFigureOut">
               <a:rPr lang="es-MX" smtClean="0"/>
-              <a:t>20/06/2018</a:t>
+              <a:t>21/06/2018</a:t>
             </a:fld>
             <a:endParaRPr lang="es-MX"/>
           </a:p>
@@ -666,7 +672,7 @@
           <a:p>
             <a:fld id="{99BE347A-6433-4F03-8E3B-34733628B187}" type="datetimeFigureOut">
               <a:rPr lang="es-MX" smtClean="0"/>
-              <a:t>20/06/2018</a:t>
+              <a:t>21/06/2018</a:t>
             </a:fld>
             <a:endParaRPr lang="es-MX"/>
           </a:p>
@@ -866,7 +872,7 @@
           <a:p>
             <a:fld id="{99BE347A-6433-4F03-8E3B-34733628B187}" type="datetimeFigureOut">
               <a:rPr lang="es-MX" smtClean="0"/>
-              <a:t>20/06/2018</a:t>
+              <a:t>21/06/2018</a:t>
             </a:fld>
             <a:endParaRPr lang="es-MX"/>
           </a:p>
@@ -1142,7 +1148,7 @@
           <a:p>
             <a:fld id="{99BE347A-6433-4F03-8E3B-34733628B187}" type="datetimeFigureOut">
               <a:rPr lang="es-MX" smtClean="0"/>
-              <a:t>20/06/2018</a:t>
+              <a:t>21/06/2018</a:t>
             </a:fld>
             <a:endParaRPr lang="es-MX"/>
           </a:p>
@@ -1410,7 +1416,7 @@
           <a:p>
             <a:fld id="{99BE347A-6433-4F03-8E3B-34733628B187}" type="datetimeFigureOut">
               <a:rPr lang="es-MX" smtClean="0"/>
-              <a:t>20/06/2018</a:t>
+              <a:t>21/06/2018</a:t>
             </a:fld>
             <a:endParaRPr lang="es-MX"/>
           </a:p>
@@ -1825,7 +1831,7 @@
           <a:p>
             <a:fld id="{99BE347A-6433-4F03-8E3B-34733628B187}" type="datetimeFigureOut">
               <a:rPr lang="es-MX" smtClean="0"/>
-              <a:t>20/06/2018</a:t>
+              <a:t>21/06/2018</a:t>
             </a:fld>
             <a:endParaRPr lang="es-MX"/>
           </a:p>
@@ -1967,7 +1973,7 @@
           <a:p>
             <a:fld id="{99BE347A-6433-4F03-8E3B-34733628B187}" type="datetimeFigureOut">
               <a:rPr lang="es-MX" smtClean="0"/>
-              <a:t>20/06/2018</a:t>
+              <a:t>21/06/2018</a:t>
             </a:fld>
             <a:endParaRPr lang="es-MX"/>
           </a:p>
@@ -2080,7 +2086,7 @@
           <a:p>
             <a:fld id="{99BE347A-6433-4F03-8E3B-34733628B187}" type="datetimeFigureOut">
               <a:rPr lang="es-MX" smtClean="0"/>
-              <a:t>20/06/2018</a:t>
+              <a:t>21/06/2018</a:t>
             </a:fld>
             <a:endParaRPr lang="es-MX"/>
           </a:p>
@@ -2393,7 +2399,7 @@
           <a:p>
             <a:fld id="{99BE347A-6433-4F03-8E3B-34733628B187}" type="datetimeFigureOut">
               <a:rPr lang="es-MX" smtClean="0"/>
-              <a:t>20/06/2018</a:t>
+              <a:t>21/06/2018</a:t>
             </a:fld>
             <a:endParaRPr lang="es-MX"/>
           </a:p>
@@ -2682,7 +2688,7 @@
           <a:p>
             <a:fld id="{99BE347A-6433-4F03-8E3B-34733628B187}" type="datetimeFigureOut">
               <a:rPr lang="es-MX" smtClean="0"/>
-              <a:t>20/06/2018</a:t>
+              <a:t>21/06/2018</a:t>
             </a:fld>
             <a:endParaRPr lang="es-MX"/>
           </a:p>
@@ -2925,7 +2931,7 @@
           <a:p>
             <a:fld id="{99BE347A-6433-4F03-8E3B-34733628B187}" type="datetimeFigureOut">
               <a:rPr lang="es-MX" smtClean="0"/>
-              <a:t>20/06/2018</a:t>
+              <a:t>21/06/2018</a:t>
             </a:fld>
             <a:endParaRPr lang="es-MX"/>
           </a:p>
@@ -3356,7 +3362,7 @@
         </p:nvSpPr>
         <p:spPr>
           <a:xfrm rot="2754615">
-            <a:off x="4026717" y="928582"/>
+            <a:off x="3391182" y="614564"/>
             <a:ext cx="148501" cy="143903"/>
           </a:xfrm>
           <a:prstGeom prst="diamond">
@@ -3495,7 +3501,7 @@
         </p:blipFill>
         <p:spPr bwMode="auto">
           <a:xfrm>
-            <a:off x="3518452" y="2203519"/>
+            <a:off x="3568775" y="1895061"/>
             <a:ext cx="11750675" cy="6858000"/>
           </a:xfrm>
           <a:prstGeom prst="rect">
@@ -3986,7 +3992,7 @@
         </p:nvSpPr>
         <p:spPr>
           <a:xfrm>
-            <a:off x="4332504" y="958916"/>
+            <a:off x="3696969" y="644898"/>
             <a:ext cx="100871" cy="102790"/>
           </a:xfrm>
           <a:prstGeom prst="rect">
@@ -4018,10 +4024,404 @@
           </a:p>
         </p:txBody>
       </p:sp>
+      <p:sp>
+        <p:nvSpPr>
+          <p:cNvPr id="2" name="Rectángulo: esquinas redondeadas 1">
+            <a:extLst>
+              <a:ext uri="{FF2B5EF4-FFF2-40B4-BE49-F238E27FC236}">
+                <a16:creationId xmlns:a16="http://schemas.microsoft.com/office/drawing/2014/main" id="{3D1D734F-5502-4DF2-841C-AF803EF0845B}"/>
+              </a:ext>
+            </a:extLst>
+          </p:cNvPr>
+          <p:cNvSpPr/>
+          <p:nvPr/>
+        </p:nvSpPr>
+        <p:spPr>
+          <a:xfrm>
+            <a:off x="4097868" y="911762"/>
+            <a:ext cx="1079500" cy="285790"/>
+          </a:xfrm>
+          <a:prstGeom prst="roundRect">
+            <a:avLst/>
+          </a:prstGeom>
+          <a:solidFill>
+            <a:srgbClr val="FF0000"/>
+          </a:solidFill>
+          <a:ln>
+            <a:noFill/>
+          </a:ln>
+          <a:effectLst/>
+          <a:scene3d>
+            <a:camera prst="orthographicFront">
+              <a:rot lat="0" lon="0" rev="0"/>
+            </a:camera>
+            <a:lightRig rig="contrasting" dir="t">
+              <a:rot lat="0" lon="0" rev="7800000"/>
+            </a:lightRig>
+          </a:scene3d>
+          <a:sp3d>
+            <a:bevelT w="139700" h="139700"/>
+          </a:sp3d>
+        </p:spPr>
+        <p:style>
+          <a:lnRef idx="2">
+            <a:schemeClr val="accent1">
+              <a:shade val="50000"/>
+            </a:schemeClr>
+          </a:lnRef>
+          <a:fillRef idx="1">
+            <a:schemeClr val="accent1"/>
+          </a:fillRef>
+          <a:effectRef idx="0">
+            <a:schemeClr val="accent1"/>
+          </a:effectRef>
+          <a:fontRef idx="minor">
+            <a:schemeClr val="lt1"/>
+          </a:fontRef>
+        </p:style>
+        <p:txBody>
+          <a:bodyPr rtlCol="0" anchor="ctr"/>
+          <a:lstStyle/>
+          <a:p>
+            <a:pPr algn="ctr"/>
+            <a:r>
+              <a:rPr lang="es-MX" sz="800" dirty="0"/>
+              <a:t>Cerrar sesión</a:t>
+            </a:r>
+          </a:p>
+        </p:txBody>
+      </p:sp>
+      <p:pic>
+        <p:nvPicPr>
+          <p:cNvPr id="9" name="Imagen 8">
+            <a:extLst>
+              <a:ext uri="{FF2B5EF4-FFF2-40B4-BE49-F238E27FC236}">
+                <a16:creationId xmlns:a16="http://schemas.microsoft.com/office/drawing/2014/main" id="{21966EDD-5287-4DE0-BDC8-E5C9F43DCB88}"/>
+              </a:ext>
+            </a:extLst>
+          </p:cNvPr>
+          <p:cNvPicPr>
+            <a:picLocks noChangeAspect="1"/>
+          </p:cNvPicPr>
+          <p:nvPr/>
+        </p:nvPicPr>
+        <p:blipFill>
+          <a:blip r:embed="rId3">
+            <a:extLst>
+              <a:ext uri="{28A0092B-C50C-407E-A947-70E740481C1C}">
+                <a14:useLocalDpi xmlns:a14="http://schemas.microsoft.com/office/drawing/2010/main" val="0"/>
+              </a:ext>
+            </a:extLst>
+          </a:blip>
+          <a:stretch>
+            <a:fillRect/>
+          </a:stretch>
+        </p:blipFill>
+        <p:spPr>
+          <a:xfrm>
+            <a:off x="4149624" y="938973"/>
+            <a:ext cx="205200" cy="205200"/>
+          </a:xfrm>
+          <a:prstGeom prst="rect">
+            <a:avLst/>
+          </a:prstGeom>
+        </p:spPr>
+      </p:pic>
+      <p:pic>
+        <p:nvPicPr>
+          <p:cNvPr id="20" name="Imagen 19">
+            <a:extLst>
+              <a:ext uri="{FF2B5EF4-FFF2-40B4-BE49-F238E27FC236}">
+                <a16:creationId xmlns:a16="http://schemas.microsoft.com/office/drawing/2014/main" id="{4B9A63B4-2283-43C6-B7B9-4EDEDAD714A6}"/>
+              </a:ext>
+            </a:extLst>
+          </p:cNvPr>
+          <p:cNvPicPr>
+            <a:picLocks noChangeAspect="1"/>
+          </p:cNvPicPr>
+          <p:nvPr/>
+        </p:nvPicPr>
+        <p:blipFill>
+          <a:blip r:embed="rId4">
+            <a:extLst>
+              <a:ext uri="{28A0092B-C50C-407E-A947-70E740481C1C}">
+                <a14:useLocalDpi xmlns:a14="http://schemas.microsoft.com/office/drawing/2010/main" val="0"/>
+              </a:ext>
+            </a:extLst>
+          </a:blip>
+          <a:stretch>
+            <a:fillRect/>
+          </a:stretch>
+        </p:blipFill>
+        <p:spPr>
+          <a:xfrm>
+            <a:off x="5970261" y="3222468"/>
+            <a:ext cx="167649" cy="172439"/>
+          </a:xfrm>
+          <a:prstGeom prst="rect">
+            <a:avLst/>
+          </a:prstGeom>
+        </p:spPr>
+      </p:pic>
+      <p:pic>
+        <p:nvPicPr>
+          <p:cNvPr id="29" name="Imagen 28">
+            <a:extLst>
+              <a:ext uri="{FF2B5EF4-FFF2-40B4-BE49-F238E27FC236}">
+                <a16:creationId xmlns:a16="http://schemas.microsoft.com/office/drawing/2014/main" id="{488F74E1-FB35-479B-A6DC-C07FB5C648A1}"/>
+              </a:ext>
+            </a:extLst>
+          </p:cNvPr>
+          <p:cNvPicPr>
+            <a:picLocks noChangeAspect="1"/>
+          </p:cNvPicPr>
+          <p:nvPr/>
+        </p:nvPicPr>
+        <p:blipFill>
+          <a:blip r:embed="rId5">
+            <a:extLst>
+              <a:ext uri="{28A0092B-C50C-407E-A947-70E740481C1C}">
+                <a14:useLocalDpi xmlns:a14="http://schemas.microsoft.com/office/drawing/2010/main" val="0"/>
+              </a:ext>
+            </a:extLst>
+          </a:blip>
+          <a:stretch>
+            <a:fillRect/>
+          </a:stretch>
+        </p:blipFill>
+        <p:spPr>
+          <a:xfrm>
+            <a:off x="6192759" y="3118362"/>
+            <a:ext cx="265191" cy="269844"/>
+          </a:xfrm>
+          <a:prstGeom prst="rect">
+            <a:avLst/>
+          </a:prstGeom>
+        </p:spPr>
+      </p:pic>
+      <p:pic>
+        <p:nvPicPr>
+          <p:cNvPr id="26" name="Imagen 25">
+            <a:extLst>
+              <a:ext uri="{FF2B5EF4-FFF2-40B4-BE49-F238E27FC236}">
+                <a16:creationId xmlns:a16="http://schemas.microsoft.com/office/drawing/2014/main" id="{61307837-AC3E-40B8-8F9F-173412863746}"/>
+              </a:ext>
+            </a:extLst>
+          </p:cNvPr>
+          <p:cNvPicPr>
+            <a:picLocks noChangeAspect="1"/>
+          </p:cNvPicPr>
+          <p:nvPr/>
+        </p:nvPicPr>
+        <p:blipFill>
+          <a:blip r:embed="rId6">
+            <a:extLst>
+              <a:ext uri="{28A0092B-C50C-407E-A947-70E740481C1C}">
+                <a14:useLocalDpi xmlns:a14="http://schemas.microsoft.com/office/drawing/2010/main" val="0"/>
+              </a:ext>
+            </a:extLst>
+          </a:blip>
+          <a:stretch>
+            <a:fillRect/>
+          </a:stretch>
+        </p:blipFill>
+        <p:spPr>
+          <a:xfrm>
+            <a:off x="6566873" y="3160277"/>
+            <a:ext cx="157777" cy="157777"/>
+          </a:xfrm>
+          <a:prstGeom prst="rect">
+            <a:avLst/>
+          </a:prstGeom>
+        </p:spPr>
+      </p:pic>
     </p:spTree>
     <p:extLst>
       <p:ext uri="{BB962C8B-B14F-4D97-AF65-F5344CB8AC3E}">
         <p14:creationId xmlns:p14="http://schemas.microsoft.com/office/powerpoint/2010/main" val="553295926"/>
+      </p:ext>
+    </p:extLst>
+  </p:cSld>
+  <p:clrMapOvr>
+    <a:masterClrMapping/>
+  </p:clrMapOvr>
+</p:sld>
+</file>
+
+<file path=ppt/slides/slide2.xml><?xml version="1.0" encoding="utf-8"?>
+<p:sld xmlns:a="http://schemas.openxmlformats.org/drawingml/2006/main" xmlns:r="http://schemas.openxmlformats.org/officeDocument/2006/relationships" xmlns:p="http://schemas.openxmlformats.org/presentationml/2006/main">
+  <p:cSld>
+    <p:spTree>
+      <p:nvGrpSpPr>
+        <p:cNvPr id="1" name=""/>
+        <p:cNvGrpSpPr/>
+        <p:nvPr/>
+      </p:nvGrpSpPr>
+      <p:grpSpPr>
+        <a:xfrm>
+          <a:off x="0" y="0"/>
+          <a:ext cx="0" cy="0"/>
+          <a:chOff x="0" y="0"/>
+          <a:chExt cx="0" cy="0"/>
+        </a:xfrm>
+      </p:grpSpPr>
+      <p:pic>
+        <p:nvPicPr>
+          <p:cNvPr id="3" name="Imagen 2">
+            <a:extLst>
+              <a:ext uri="{FF2B5EF4-FFF2-40B4-BE49-F238E27FC236}">
+                <a16:creationId xmlns:a16="http://schemas.microsoft.com/office/drawing/2014/main" id="{0951E60F-CB13-42D5-B5F8-8B779B2112CC}"/>
+              </a:ext>
+            </a:extLst>
+          </p:cNvPr>
+          <p:cNvPicPr>
+            <a:picLocks noChangeAspect="1"/>
+          </p:cNvPicPr>
+          <p:nvPr/>
+        </p:nvPicPr>
+        <p:blipFill>
+          <a:blip r:embed="rId2">
+            <a:extLst>
+              <a:ext uri="{28A0092B-C50C-407E-A947-70E740481C1C}">
+                <a14:useLocalDpi xmlns:a14="http://schemas.microsoft.com/office/drawing/2010/main" val="0"/>
+              </a:ext>
+            </a:extLst>
+          </a:blip>
+          <a:stretch>
+            <a:fillRect/>
+          </a:stretch>
+        </p:blipFill>
+        <p:spPr>
+          <a:xfrm>
+            <a:off x="1149844" y="1583091"/>
+            <a:ext cx="9138084" cy="4621207"/>
+          </a:xfrm>
+          <a:prstGeom prst="rect">
+            <a:avLst/>
+          </a:prstGeom>
+        </p:spPr>
+      </p:pic>
+      <p:pic>
+        <p:nvPicPr>
+          <p:cNvPr id="1026" name="Picture 2" descr="Resultado de imagen para fondo azul">
+            <a:extLst>
+              <a:ext uri="{FF2B5EF4-FFF2-40B4-BE49-F238E27FC236}">
+                <a16:creationId xmlns:a16="http://schemas.microsoft.com/office/drawing/2014/main" id="{ED4D34B2-4F15-473A-A6DA-BEDE499C4982}"/>
+              </a:ext>
+            </a:extLst>
+          </p:cNvPr>
+          <p:cNvPicPr>
+            <a:picLocks noChangeAspect="1" noChangeArrowheads="1"/>
+          </p:cNvPicPr>
+          <p:nvPr/>
+        </p:nvPicPr>
+        <p:blipFill>
+          <a:blip r:embed="rId3">
+            <a:extLst>
+              <a:ext uri="{28A0092B-C50C-407E-A947-70E740481C1C}">
+                <a14:useLocalDpi xmlns:a14="http://schemas.microsoft.com/office/drawing/2010/main" val="0"/>
+              </a:ext>
+            </a:extLst>
+          </a:blip>
+          <a:srcRect/>
+          <a:stretch>
+            <a:fillRect/>
+          </a:stretch>
+        </p:blipFill>
+        <p:spPr bwMode="auto">
+          <a:xfrm>
+            <a:off x="1149844" y="1564352"/>
+            <a:ext cx="9138084" cy="4631624"/>
+          </a:xfrm>
+          <a:prstGeom prst="rect">
+            <a:avLst/>
+          </a:prstGeom>
+          <a:noFill/>
+          <a:extLst>
+            <a:ext uri="{909E8E84-426E-40DD-AFC4-6F175D3DCCD1}">
+              <a14:hiddenFill xmlns:a14="http://schemas.microsoft.com/office/drawing/2010/main">
+                <a:solidFill>
+                  <a:srgbClr val="FFFFFF"/>
+                </a:solidFill>
+              </a14:hiddenFill>
+            </a:ext>
+          </a:extLst>
+        </p:spPr>
+      </p:pic>
+      <p:sp>
+        <p:nvSpPr>
+          <p:cNvPr id="5" name="Rectángulo 4">
+            <a:extLst>
+              <a:ext uri="{FF2B5EF4-FFF2-40B4-BE49-F238E27FC236}">
+                <a16:creationId xmlns:a16="http://schemas.microsoft.com/office/drawing/2014/main" id="{77A58823-1163-4C47-A394-46BA95AC0AF5}"/>
+              </a:ext>
+            </a:extLst>
+          </p:cNvPr>
+          <p:cNvSpPr/>
+          <p:nvPr/>
+        </p:nvSpPr>
+        <p:spPr>
+          <a:xfrm>
+            <a:off x="1149843" y="1564352"/>
+            <a:ext cx="9138083" cy="519281"/>
+          </a:xfrm>
+          <a:prstGeom prst="rect">
+            <a:avLst/>
+          </a:prstGeom>
+          <a:solidFill>
+            <a:srgbClr val="072561"/>
+          </a:solidFill>
+          <a:ln w="38100">
+            <a:noFill/>
+          </a:ln>
+          <a:effectLst>
+            <a:outerShdw blurRad="44450" dist="27940" dir="5400000" algn="ctr">
+              <a:srgbClr val="000000">
+                <a:alpha val="32000"/>
+              </a:srgbClr>
+            </a:outerShdw>
+          </a:effectLst>
+          <a:scene3d>
+            <a:camera prst="orthographicFront">
+              <a:rot lat="0" lon="0" rev="0"/>
+            </a:camera>
+            <a:lightRig rig="balanced" dir="t">
+              <a:rot lat="0" lon="0" rev="8700000"/>
+            </a:lightRig>
+          </a:scene3d>
+          <a:sp3d>
+            <a:bevelT w="190500" h="38100"/>
+          </a:sp3d>
+        </p:spPr>
+        <p:style>
+          <a:lnRef idx="2">
+            <a:schemeClr val="accent1">
+              <a:shade val="50000"/>
+            </a:schemeClr>
+          </a:lnRef>
+          <a:fillRef idx="1">
+            <a:schemeClr val="accent1"/>
+          </a:fillRef>
+          <a:effectRef idx="0">
+            <a:schemeClr val="accent1"/>
+          </a:effectRef>
+          <a:fontRef idx="minor">
+            <a:schemeClr val="lt1"/>
+          </a:fontRef>
+        </p:style>
+        <p:txBody>
+          <a:bodyPr rtlCol="0" anchor="ctr"/>
+          <a:lstStyle/>
+          <a:p>
+            <a:pPr algn="ctr"/>
+            <a:endParaRPr lang="es-MX"/>
+          </a:p>
+        </p:txBody>
+      </p:sp>
+    </p:spTree>
+    <p:extLst>
+      <p:ext uri="{BB962C8B-B14F-4D97-AF65-F5344CB8AC3E}">
+        <p14:creationId xmlns:p14="http://schemas.microsoft.com/office/powerpoint/2010/main" val="3650690262"/>
       </p:ext>
     </p:extLst>
   </p:cSld>

--- a/Presentación1.pptx
+++ b/Presentación1.pptx
@@ -7,6 +7,8 @@
   <p:sldIdLst>
     <p:sldId id="256" r:id="rId2"/>
     <p:sldId id="258" r:id="rId3"/>
+    <p:sldId id="259" r:id="rId4"/>
+    <p:sldId id="260" r:id="rId5"/>
   </p:sldIdLst>
   <p:sldSz cx="12192000" cy="6858000"/>
   <p:notesSz cx="6858000" cy="9144000"/>
@@ -4293,7 +4295,7 @@
         </p:blipFill>
         <p:spPr>
           <a:xfrm>
-            <a:off x="1149844" y="1583091"/>
+            <a:off x="-340760" y="1960859"/>
             <a:ext cx="9138084" cy="4621207"/>
           </a:xfrm>
           <a:prstGeom prst="rect">
@@ -4330,7 +4332,7 @@
         </p:blipFill>
         <p:spPr bwMode="auto">
           <a:xfrm>
-            <a:off x="1149844" y="1564352"/>
+            <a:off x="-8334133" y="1311776"/>
             <a:ext cx="9138084" cy="4631624"/>
           </a:xfrm>
           <a:prstGeom prst="rect">
@@ -4350,10 +4352,10 @@
       </p:pic>
       <p:sp>
         <p:nvSpPr>
-          <p:cNvPr id="5" name="Rectángulo 4">
-            <a:extLst>
-              <a:ext uri="{FF2B5EF4-FFF2-40B4-BE49-F238E27FC236}">
-                <a16:creationId xmlns:a16="http://schemas.microsoft.com/office/drawing/2014/main" id="{77A58823-1163-4C47-A394-46BA95AC0AF5}"/>
+          <p:cNvPr id="2" name="Rectángulo 1">
+            <a:extLst>
+              <a:ext uri="{FF2B5EF4-FFF2-40B4-BE49-F238E27FC236}">
+                <a16:creationId xmlns:a16="http://schemas.microsoft.com/office/drawing/2014/main" id="{1BE1488F-4B0C-4C36-AE2F-374F157DA3C5}"/>
               </a:ext>
             </a:extLst>
           </p:cNvPr>
@@ -4362,8 +4364,3926 @@
         </p:nvSpPr>
         <p:spPr>
           <a:xfrm>
-            <a:off x="1149843" y="1564352"/>
-            <a:ext cx="9138083" cy="519281"/>
+            <a:off x="3767328" y="1556030"/>
+            <a:ext cx="9504001" cy="4621207"/>
+          </a:xfrm>
+          <a:prstGeom prst="rect">
+            <a:avLst/>
+          </a:prstGeom>
+          <a:gradFill flip="none" rotWithShape="1">
+            <a:gsLst>
+              <a:gs pos="0">
+                <a:srgbClr val="000304"/>
+              </a:gs>
+              <a:gs pos="54000">
+                <a:srgbClr val="072561"/>
+              </a:gs>
+              <a:gs pos="100000">
+                <a:srgbClr val="000304"/>
+              </a:gs>
+            </a:gsLst>
+            <a:path path="circle">
+              <a:fillToRect l="50000" t="-80000" r="50000" b="180000"/>
+            </a:path>
+            <a:tileRect/>
+          </a:gradFill>
+        </p:spPr>
+        <p:style>
+          <a:lnRef idx="2">
+            <a:schemeClr val="accent1">
+              <a:shade val="50000"/>
+            </a:schemeClr>
+          </a:lnRef>
+          <a:fillRef idx="1">
+            <a:schemeClr val="accent1"/>
+          </a:fillRef>
+          <a:effectRef idx="0">
+            <a:schemeClr val="accent1"/>
+          </a:effectRef>
+          <a:fontRef idx="minor">
+            <a:schemeClr val="lt1"/>
+          </a:fontRef>
+        </p:style>
+        <p:txBody>
+          <a:bodyPr rtlCol="0" anchor="ctr"/>
+          <a:lstStyle/>
+          <a:p>
+            <a:pPr algn="ctr"/>
+            <a:endParaRPr lang="es-MX" dirty="0"/>
+          </a:p>
+        </p:txBody>
+      </p:sp>
+      <p:sp>
+        <p:nvSpPr>
+          <p:cNvPr id="18" name="Rectángulo: esquinas redondeadas 8">
+            <a:extLst>
+              <a:ext uri="{FF2B5EF4-FFF2-40B4-BE49-F238E27FC236}">
+                <a16:creationId xmlns:a16="http://schemas.microsoft.com/office/drawing/2014/main" id="{72F4076F-BD9D-4977-8BB8-22DD4B655582}"/>
+              </a:ext>
+            </a:extLst>
+          </p:cNvPr>
+          <p:cNvSpPr/>
+          <p:nvPr/>
+        </p:nvSpPr>
+        <p:spPr>
+          <a:xfrm>
+            <a:off x="10305683" y="2291039"/>
+            <a:ext cx="2978026" cy="3466458"/>
+          </a:xfrm>
+          <a:custGeom>
+            <a:avLst/>
+            <a:gdLst>
+              <a:gd name="connsiteX0" fmla="*/ 0 w 4115895"/>
+              <a:gd name="connsiteY0" fmla="*/ 275720 h 1654285"/>
+              <a:gd name="connsiteX1" fmla="*/ 275720 w 4115895"/>
+              <a:gd name="connsiteY1" fmla="*/ 0 h 1654285"/>
+              <a:gd name="connsiteX2" fmla="*/ 3840175 w 4115895"/>
+              <a:gd name="connsiteY2" fmla="*/ 0 h 1654285"/>
+              <a:gd name="connsiteX3" fmla="*/ 4115895 w 4115895"/>
+              <a:gd name="connsiteY3" fmla="*/ 275720 h 1654285"/>
+              <a:gd name="connsiteX4" fmla="*/ 4115895 w 4115895"/>
+              <a:gd name="connsiteY4" fmla="*/ 1378565 h 1654285"/>
+              <a:gd name="connsiteX5" fmla="*/ 3840175 w 4115895"/>
+              <a:gd name="connsiteY5" fmla="*/ 1654285 h 1654285"/>
+              <a:gd name="connsiteX6" fmla="*/ 275720 w 4115895"/>
+              <a:gd name="connsiteY6" fmla="*/ 1654285 h 1654285"/>
+              <a:gd name="connsiteX7" fmla="*/ 0 w 4115895"/>
+              <a:gd name="connsiteY7" fmla="*/ 1378565 h 1654285"/>
+              <a:gd name="connsiteX8" fmla="*/ 0 w 4115895"/>
+              <a:gd name="connsiteY8" fmla="*/ 275720 h 1654285"/>
+              <a:gd name="connsiteX0" fmla="*/ 0 w 4133143"/>
+              <a:gd name="connsiteY0" fmla="*/ 419411 h 1797976"/>
+              <a:gd name="connsiteX1" fmla="*/ 275720 w 4133143"/>
+              <a:gd name="connsiteY1" fmla="*/ 143691 h 1797976"/>
+              <a:gd name="connsiteX2" fmla="*/ 4036118 w 4133143"/>
+              <a:gd name="connsiteY2" fmla="*/ 0 h 1797976"/>
+              <a:gd name="connsiteX3" fmla="*/ 4115895 w 4133143"/>
+              <a:gd name="connsiteY3" fmla="*/ 419411 h 1797976"/>
+              <a:gd name="connsiteX4" fmla="*/ 4115895 w 4133143"/>
+              <a:gd name="connsiteY4" fmla="*/ 1522256 h 1797976"/>
+              <a:gd name="connsiteX5" fmla="*/ 3840175 w 4133143"/>
+              <a:gd name="connsiteY5" fmla="*/ 1797976 h 1797976"/>
+              <a:gd name="connsiteX6" fmla="*/ 275720 w 4133143"/>
+              <a:gd name="connsiteY6" fmla="*/ 1797976 h 1797976"/>
+              <a:gd name="connsiteX7" fmla="*/ 0 w 4133143"/>
+              <a:gd name="connsiteY7" fmla="*/ 1522256 h 1797976"/>
+              <a:gd name="connsiteX8" fmla="*/ 0 w 4133143"/>
+              <a:gd name="connsiteY8" fmla="*/ 419411 h 1797976"/>
+              <a:gd name="connsiteX0" fmla="*/ 0 w 4207335"/>
+              <a:gd name="connsiteY0" fmla="*/ 419411 h 1797976"/>
+              <a:gd name="connsiteX1" fmla="*/ 275720 w 4207335"/>
+              <a:gd name="connsiteY1" fmla="*/ 143691 h 1797976"/>
+              <a:gd name="connsiteX2" fmla="*/ 4036118 w 4207335"/>
+              <a:gd name="connsiteY2" fmla="*/ 0 h 1797976"/>
+              <a:gd name="connsiteX3" fmla="*/ 4207335 w 4207335"/>
+              <a:gd name="connsiteY3" fmla="*/ 223468 h 1797976"/>
+              <a:gd name="connsiteX4" fmla="*/ 4115895 w 4207335"/>
+              <a:gd name="connsiteY4" fmla="*/ 1522256 h 1797976"/>
+              <a:gd name="connsiteX5" fmla="*/ 3840175 w 4207335"/>
+              <a:gd name="connsiteY5" fmla="*/ 1797976 h 1797976"/>
+              <a:gd name="connsiteX6" fmla="*/ 275720 w 4207335"/>
+              <a:gd name="connsiteY6" fmla="*/ 1797976 h 1797976"/>
+              <a:gd name="connsiteX7" fmla="*/ 0 w 4207335"/>
+              <a:gd name="connsiteY7" fmla="*/ 1522256 h 1797976"/>
+              <a:gd name="connsiteX8" fmla="*/ 0 w 4207335"/>
+              <a:gd name="connsiteY8" fmla="*/ 419411 h 1797976"/>
+              <a:gd name="connsiteX0" fmla="*/ 0 w 4207335"/>
+              <a:gd name="connsiteY0" fmla="*/ 419411 h 1916216"/>
+              <a:gd name="connsiteX1" fmla="*/ 275720 w 4207335"/>
+              <a:gd name="connsiteY1" fmla="*/ 143691 h 1916216"/>
+              <a:gd name="connsiteX2" fmla="*/ 4036118 w 4207335"/>
+              <a:gd name="connsiteY2" fmla="*/ 0 h 1916216"/>
+              <a:gd name="connsiteX3" fmla="*/ 4207335 w 4207335"/>
+              <a:gd name="connsiteY3" fmla="*/ 223468 h 1916216"/>
+              <a:gd name="connsiteX4" fmla="*/ 3959141 w 4207335"/>
+              <a:gd name="connsiteY4" fmla="*/ 1861890 h 1916216"/>
+              <a:gd name="connsiteX5" fmla="*/ 3840175 w 4207335"/>
+              <a:gd name="connsiteY5" fmla="*/ 1797976 h 1916216"/>
+              <a:gd name="connsiteX6" fmla="*/ 275720 w 4207335"/>
+              <a:gd name="connsiteY6" fmla="*/ 1797976 h 1916216"/>
+              <a:gd name="connsiteX7" fmla="*/ 0 w 4207335"/>
+              <a:gd name="connsiteY7" fmla="*/ 1522256 h 1916216"/>
+              <a:gd name="connsiteX8" fmla="*/ 0 w 4207335"/>
+              <a:gd name="connsiteY8" fmla="*/ 419411 h 1916216"/>
+              <a:gd name="connsiteX0" fmla="*/ 0 w 4207335"/>
+              <a:gd name="connsiteY0" fmla="*/ 419411 h 1983941"/>
+              <a:gd name="connsiteX1" fmla="*/ 275720 w 4207335"/>
+              <a:gd name="connsiteY1" fmla="*/ 143691 h 1983941"/>
+              <a:gd name="connsiteX2" fmla="*/ 4036118 w 4207335"/>
+              <a:gd name="connsiteY2" fmla="*/ 0 h 1983941"/>
+              <a:gd name="connsiteX3" fmla="*/ 4207335 w 4207335"/>
+              <a:gd name="connsiteY3" fmla="*/ 223468 h 1983941"/>
+              <a:gd name="connsiteX4" fmla="*/ 3959141 w 4207335"/>
+              <a:gd name="connsiteY4" fmla="*/ 1861890 h 1983941"/>
+              <a:gd name="connsiteX5" fmla="*/ 3827112 w 4207335"/>
+              <a:gd name="connsiteY5" fmla="*/ 1980856 h 1983941"/>
+              <a:gd name="connsiteX6" fmla="*/ 275720 w 4207335"/>
+              <a:gd name="connsiteY6" fmla="*/ 1797976 h 1983941"/>
+              <a:gd name="connsiteX7" fmla="*/ 0 w 4207335"/>
+              <a:gd name="connsiteY7" fmla="*/ 1522256 h 1983941"/>
+              <a:gd name="connsiteX8" fmla="*/ 0 w 4207335"/>
+              <a:gd name="connsiteY8" fmla="*/ 419411 h 1983941"/>
+              <a:gd name="connsiteX0" fmla="*/ 11423 w 4218758"/>
+              <a:gd name="connsiteY0" fmla="*/ 419411 h 1983941"/>
+              <a:gd name="connsiteX1" fmla="*/ 287143 w 4218758"/>
+              <a:gd name="connsiteY1" fmla="*/ 143691 h 1983941"/>
+              <a:gd name="connsiteX2" fmla="*/ 4047541 w 4218758"/>
+              <a:gd name="connsiteY2" fmla="*/ 0 h 1983941"/>
+              <a:gd name="connsiteX3" fmla="*/ 4218758 w 4218758"/>
+              <a:gd name="connsiteY3" fmla="*/ 223468 h 1983941"/>
+              <a:gd name="connsiteX4" fmla="*/ 3970564 w 4218758"/>
+              <a:gd name="connsiteY4" fmla="*/ 1861890 h 1983941"/>
+              <a:gd name="connsiteX5" fmla="*/ 3838535 w 4218758"/>
+              <a:gd name="connsiteY5" fmla="*/ 1980856 h 1983941"/>
+              <a:gd name="connsiteX6" fmla="*/ 104263 w 4218758"/>
+              <a:gd name="connsiteY6" fmla="*/ 1602033 h 1983941"/>
+              <a:gd name="connsiteX7" fmla="*/ 11423 w 4218758"/>
+              <a:gd name="connsiteY7" fmla="*/ 1522256 h 1983941"/>
+              <a:gd name="connsiteX8" fmla="*/ 11423 w 4218758"/>
+              <a:gd name="connsiteY8" fmla="*/ 419411 h 1983941"/>
+              <a:gd name="connsiteX0" fmla="*/ 65314 w 4272649"/>
+              <a:gd name="connsiteY0" fmla="*/ 419411 h 1983941"/>
+              <a:gd name="connsiteX1" fmla="*/ 341034 w 4272649"/>
+              <a:gd name="connsiteY1" fmla="*/ 143691 h 1983941"/>
+              <a:gd name="connsiteX2" fmla="*/ 4101432 w 4272649"/>
+              <a:gd name="connsiteY2" fmla="*/ 0 h 1983941"/>
+              <a:gd name="connsiteX3" fmla="*/ 4272649 w 4272649"/>
+              <a:gd name="connsiteY3" fmla="*/ 223468 h 1983941"/>
+              <a:gd name="connsiteX4" fmla="*/ 4024455 w 4272649"/>
+              <a:gd name="connsiteY4" fmla="*/ 1861890 h 1983941"/>
+              <a:gd name="connsiteX5" fmla="*/ 3892426 w 4272649"/>
+              <a:gd name="connsiteY5" fmla="*/ 1980856 h 1983941"/>
+              <a:gd name="connsiteX6" fmla="*/ 158154 w 4272649"/>
+              <a:gd name="connsiteY6" fmla="*/ 1602033 h 1983941"/>
+              <a:gd name="connsiteX7" fmla="*/ 0 w 4272649"/>
+              <a:gd name="connsiteY7" fmla="*/ 1470004 h 1983941"/>
+              <a:gd name="connsiteX8" fmla="*/ 65314 w 4272649"/>
+              <a:gd name="connsiteY8" fmla="*/ 419411 h 1983941"/>
+              <a:gd name="connsiteX0" fmla="*/ 91440 w 4272649"/>
+              <a:gd name="connsiteY0" fmla="*/ 419411 h 1983941"/>
+              <a:gd name="connsiteX1" fmla="*/ 341034 w 4272649"/>
+              <a:gd name="connsiteY1" fmla="*/ 143691 h 1983941"/>
+              <a:gd name="connsiteX2" fmla="*/ 4101432 w 4272649"/>
+              <a:gd name="connsiteY2" fmla="*/ 0 h 1983941"/>
+              <a:gd name="connsiteX3" fmla="*/ 4272649 w 4272649"/>
+              <a:gd name="connsiteY3" fmla="*/ 223468 h 1983941"/>
+              <a:gd name="connsiteX4" fmla="*/ 4024455 w 4272649"/>
+              <a:gd name="connsiteY4" fmla="*/ 1861890 h 1983941"/>
+              <a:gd name="connsiteX5" fmla="*/ 3892426 w 4272649"/>
+              <a:gd name="connsiteY5" fmla="*/ 1980856 h 1983941"/>
+              <a:gd name="connsiteX6" fmla="*/ 158154 w 4272649"/>
+              <a:gd name="connsiteY6" fmla="*/ 1602033 h 1983941"/>
+              <a:gd name="connsiteX7" fmla="*/ 0 w 4272649"/>
+              <a:gd name="connsiteY7" fmla="*/ 1470004 h 1983941"/>
+              <a:gd name="connsiteX8" fmla="*/ 91440 w 4272649"/>
+              <a:gd name="connsiteY8" fmla="*/ 419411 h 1983941"/>
+              <a:gd name="connsiteX0" fmla="*/ 91440 w 4272649"/>
+              <a:gd name="connsiteY0" fmla="*/ 419411 h 1983941"/>
+              <a:gd name="connsiteX1" fmla="*/ 314908 w 4272649"/>
+              <a:gd name="connsiteY1" fmla="*/ 169816 h 1983941"/>
+              <a:gd name="connsiteX2" fmla="*/ 4101432 w 4272649"/>
+              <a:gd name="connsiteY2" fmla="*/ 0 h 1983941"/>
+              <a:gd name="connsiteX3" fmla="*/ 4272649 w 4272649"/>
+              <a:gd name="connsiteY3" fmla="*/ 223468 h 1983941"/>
+              <a:gd name="connsiteX4" fmla="*/ 4024455 w 4272649"/>
+              <a:gd name="connsiteY4" fmla="*/ 1861890 h 1983941"/>
+              <a:gd name="connsiteX5" fmla="*/ 3892426 w 4272649"/>
+              <a:gd name="connsiteY5" fmla="*/ 1980856 h 1983941"/>
+              <a:gd name="connsiteX6" fmla="*/ 158154 w 4272649"/>
+              <a:gd name="connsiteY6" fmla="*/ 1602033 h 1983941"/>
+              <a:gd name="connsiteX7" fmla="*/ 0 w 4272649"/>
+              <a:gd name="connsiteY7" fmla="*/ 1470004 h 1983941"/>
+              <a:gd name="connsiteX8" fmla="*/ 91440 w 4272649"/>
+              <a:gd name="connsiteY8" fmla="*/ 419411 h 1983941"/>
+              <a:gd name="connsiteX0" fmla="*/ 91440 w 4272649"/>
+              <a:gd name="connsiteY0" fmla="*/ 419411 h 1983941"/>
+              <a:gd name="connsiteX1" fmla="*/ 314908 w 4272649"/>
+              <a:gd name="connsiteY1" fmla="*/ 169816 h 1983941"/>
+              <a:gd name="connsiteX2" fmla="*/ 4101432 w 4272649"/>
+              <a:gd name="connsiteY2" fmla="*/ 0 h 1983941"/>
+              <a:gd name="connsiteX3" fmla="*/ 4272649 w 4272649"/>
+              <a:gd name="connsiteY3" fmla="*/ 223468 h 1983941"/>
+              <a:gd name="connsiteX4" fmla="*/ 4024455 w 4272649"/>
+              <a:gd name="connsiteY4" fmla="*/ 1861890 h 1983941"/>
+              <a:gd name="connsiteX5" fmla="*/ 3892426 w 4272649"/>
+              <a:gd name="connsiteY5" fmla="*/ 1980856 h 1983941"/>
+              <a:gd name="connsiteX6" fmla="*/ 158154 w 4272649"/>
+              <a:gd name="connsiteY6" fmla="*/ 1602033 h 1983941"/>
+              <a:gd name="connsiteX7" fmla="*/ 0 w 4272649"/>
+              <a:gd name="connsiteY7" fmla="*/ 1470004 h 1983941"/>
+              <a:gd name="connsiteX8" fmla="*/ 91440 w 4272649"/>
+              <a:gd name="connsiteY8" fmla="*/ 419411 h 1983941"/>
+              <a:gd name="connsiteX0" fmla="*/ 91440 w 4272649"/>
+              <a:gd name="connsiteY0" fmla="*/ 419411 h 1983941"/>
+              <a:gd name="connsiteX1" fmla="*/ 314908 w 4272649"/>
+              <a:gd name="connsiteY1" fmla="*/ 169816 h 1983941"/>
+              <a:gd name="connsiteX2" fmla="*/ 4101432 w 4272649"/>
+              <a:gd name="connsiteY2" fmla="*/ 0 h 1983941"/>
+              <a:gd name="connsiteX3" fmla="*/ 4272649 w 4272649"/>
+              <a:gd name="connsiteY3" fmla="*/ 223468 h 1983941"/>
+              <a:gd name="connsiteX4" fmla="*/ 4024455 w 4272649"/>
+              <a:gd name="connsiteY4" fmla="*/ 1861890 h 1983941"/>
+              <a:gd name="connsiteX5" fmla="*/ 3892426 w 4272649"/>
+              <a:gd name="connsiteY5" fmla="*/ 1980856 h 1983941"/>
+              <a:gd name="connsiteX6" fmla="*/ 158154 w 4272649"/>
+              <a:gd name="connsiteY6" fmla="*/ 1602033 h 1983941"/>
+              <a:gd name="connsiteX7" fmla="*/ 0 w 4272649"/>
+              <a:gd name="connsiteY7" fmla="*/ 1470004 h 1983941"/>
+              <a:gd name="connsiteX8" fmla="*/ 91440 w 4272649"/>
+              <a:gd name="connsiteY8" fmla="*/ 419411 h 1983941"/>
+              <a:gd name="connsiteX0" fmla="*/ 91440 w 4272649"/>
+              <a:gd name="connsiteY0" fmla="*/ 419411 h 1983941"/>
+              <a:gd name="connsiteX1" fmla="*/ 314908 w 4272649"/>
+              <a:gd name="connsiteY1" fmla="*/ 169816 h 1983941"/>
+              <a:gd name="connsiteX2" fmla="*/ 4101432 w 4272649"/>
+              <a:gd name="connsiteY2" fmla="*/ 0 h 1983941"/>
+              <a:gd name="connsiteX3" fmla="*/ 4272649 w 4272649"/>
+              <a:gd name="connsiteY3" fmla="*/ 223468 h 1983941"/>
+              <a:gd name="connsiteX4" fmla="*/ 4024455 w 4272649"/>
+              <a:gd name="connsiteY4" fmla="*/ 1861890 h 1983941"/>
+              <a:gd name="connsiteX5" fmla="*/ 3892426 w 4272649"/>
+              <a:gd name="connsiteY5" fmla="*/ 1980856 h 1983941"/>
+              <a:gd name="connsiteX6" fmla="*/ 158154 w 4272649"/>
+              <a:gd name="connsiteY6" fmla="*/ 1602033 h 1983941"/>
+              <a:gd name="connsiteX7" fmla="*/ 0 w 4272649"/>
+              <a:gd name="connsiteY7" fmla="*/ 1470004 h 1983941"/>
+              <a:gd name="connsiteX8" fmla="*/ 91440 w 4272649"/>
+              <a:gd name="connsiteY8" fmla="*/ 419411 h 1983941"/>
+              <a:gd name="connsiteX0" fmla="*/ 91440 w 4272649"/>
+              <a:gd name="connsiteY0" fmla="*/ 419411 h 1986100"/>
+              <a:gd name="connsiteX1" fmla="*/ 314908 w 4272649"/>
+              <a:gd name="connsiteY1" fmla="*/ 169816 h 1986100"/>
+              <a:gd name="connsiteX2" fmla="*/ 4101432 w 4272649"/>
+              <a:gd name="connsiteY2" fmla="*/ 0 h 1986100"/>
+              <a:gd name="connsiteX3" fmla="*/ 4272649 w 4272649"/>
+              <a:gd name="connsiteY3" fmla="*/ 223468 h 1986100"/>
+              <a:gd name="connsiteX4" fmla="*/ 4049855 w 4272649"/>
+              <a:gd name="connsiteY4" fmla="*/ 1870357 h 1986100"/>
+              <a:gd name="connsiteX5" fmla="*/ 3892426 w 4272649"/>
+              <a:gd name="connsiteY5" fmla="*/ 1980856 h 1986100"/>
+              <a:gd name="connsiteX6" fmla="*/ 158154 w 4272649"/>
+              <a:gd name="connsiteY6" fmla="*/ 1602033 h 1986100"/>
+              <a:gd name="connsiteX7" fmla="*/ 0 w 4272649"/>
+              <a:gd name="connsiteY7" fmla="*/ 1470004 h 1986100"/>
+              <a:gd name="connsiteX8" fmla="*/ 91440 w 4272649"/>
+              <a:gd name="connsiteY8" fmla="*/ 419411 h 1986100"/>
+              <a:gd name="connsiteX0" fmla="*/ 91440 w 4272649"/>
+              <a:gd name="connsiteY0" fmla="*/ 419411 h 1986100"/>
+              <a:gd name="connsiteX1" fmla="*/ 314908 w 4272649"/>
+              <a:gd name="connsiteY1" fmla="*/ 169816 h 1986100"/>
+              <a:gd name="connsiteX2" fmla="*/ 4101432 w 4272649"/>
+              <a:gd name="connsiteY2" fmla="*/ 0 h 1986100"/>
+              <a:gd name="connsiteX3" fmla="*/ 4272649 w 4272649"/>
+              <a:gd name="connsiteY3" fmla="*/ 223468 h 1986100"/>
+              <a:gd name="connsiteX4" fmla="*/ 4049855 w 4272649"/>
+              <a:gd name="connsiteY4" fmla="*/ 1870357 h 1986100"/>
+              <a:gd name="connsiteX5" fmla="*/ 3892426 w 4272649"/>
+              <a:gd name="connsiteY5" fmla="*/ 1980856 h 1986100"/>
+              <a:gd name="connsiteX6" fmla="*/ 158154 w 4272649"/>
+              <a:gd name="connsiteY6" fmla="*/ 1602033 h 1986100"/>
+              <a:gd name="connsiteX7" fmla="*/ 0 w 4272649"/>
+              <a:gd name="connsiteY7" fmla="*/ 1470004 h 1986100"/>
+              <a:gd name="connsiteX8" fmla="*/ 91440 w 4272649"/>
+              <a:gd name="connsiteY8" fmla="*/ 419411 h 1986100"/>
+              <a:gd name="connsiteX0" fmla="*/ 91440 w 4272649"/>
+              <a:gd name="connsiteY0" fmla="*/ 419411 h 1990708"/>
+              <a:gd name="connsiteX1" fmla="*/ 314908 w 4272649"/>
+              <a:gd name="connsiteY1" fmla="*/ 169816 h 1990708"/>
+              <a:gd name="connsiteX2" fmla="*/ 4101432 w 4272649"/>
+              <a:gd name="connsiteY2" fmla="*/ 0 h 1990708"/>
+              <a:gd name="connsiteX3" fmla="*/ 4272649 w 4272649"/>
+              <a:gd name="connsiteY3" fmla="*/ 223468 h 1990708"/>
+              <a:gd name="connsiteX4" fmla="*/ 4049855 w 4272649"/>
+              <a:gd name="connsiteY4" fmla="*/ 1870357 h 1990708"/>
+              <a:gd name="connsiteX5" fmla="*/ 3892426 w 4272649"/>
+              <a:gd name="connsiteY5" fmla="*/ 1980856 h 1990708"/>
+              <a:gd name="connsiteX6" fmla="*/ 158154 w 4272649"/>
+              <a:gd name="connsiteY6" fmla="*/ 1602033 h 1990708"/>
+              <a:gd name="connsiteX7" fmla="*/ 0 w 4272649"/>
+              <a:gd name="connsiteY7" fmla="*/ 1470004 h 1990708"/>
+              <a:gd name="connsiteX8" fmla="*/ 91440 w 4272649"/>
+              <a:gd name="connsiteY8" fmla="*/ 419411 h 1990708"/>
+              <a:gd name="connsiteX0" fmla="*/ 91440 w 4272649"/>
+              <a:gd name="connsiteY0" fmla="*/ 419411 h 1994350"/>
+              <a:gd name="connsiteX1" fmla="*/ 314908 w 4272649"/>
+              <a:gd name="connsiteY1" fmla="*/ 169816 h 1994350"/>
+              <a:gd name="connsiteX2" fmla="*/ 4101432 w 4272649"/>
+              <a:gd name="connsiteY2" fmla="*/ 0 h 1994350"/>
+              <a:gd name="connsiteX3" fmla="*/ 4272649 w 4272649"/>
+              <a:gd name="connsiteY3" fmla="*/ 223468 h 1994350"/>
+              <a:gd name="connsiteX4" fmla="*/ 4049855 w 4272649"/>
+              <a:gd name="connsiteY4" fmla="*/ 1870357 h 1994350"/>
+              <a:gd name="connsiteX5" fmla="*/ 3892426 w 4272649"/>
+              <a:gd name="connsiteY5" fmla="*/ 1980856 h 1994350"/>
+              <a:gd name="connsiteX6" fmla="*/ 158154 w 4272649"/>
+              <a:gd name="connsiteY6" fmla="*/ 1602033 h 1994350"/>
+              <a:gd name="connsiteX7" fmla="*/ 0 w 4272649"/>
+              <a:gd name="connsiteY7" fmla="*/ 1470004 h 1994350"/>
+              <a:gd name="connsiteX8" fmla="*/ 91440 w 4272649"/>
+              <a:gd name="connsiteY8" fmla="*/ 419411 h 1994350"/>
+              <a:gd name="connsiteX0" fmla="*/ 91440 w 4372612"/>
+              <a:gd name="connsiteY0" fmla="*/ 419411 h 1994350"/>
+              <a:gd name="connsiteX1" fmla="*/ 314908 w 4372612"/>
+              <a:gd name="connsiteY1" fmla="*/ 169816 h 1994350"/>
+              <a:gd name="connsiteX2" fmla="*/ 4101432 w 4372612"/>
+              <a:gd name="connsiteY2" fmla="*/ 0 h 1994350"/>
+              <a:gd name="connsiteX3" fmla="*/ 4049855 w 4372612"/>
+              <a:gd name="connsiteY3" fmla="*/ 1870357 h 1994350"/>
+              <a:gd name="connsiteX4" fmla="*/ 3892426 w 4372612"/>
+              <a:gd name="connsiteY4" fmla="*/ 1980856 h 1994350"/>
+              <a:gd name="connsiteX5" fmla="*/ 158154 w 4372612"/>
+              <a:gd name="connsiteY5" fmla="*/ 1602033 h 1994350"/>
+              <a:gd name="connsiteX6" fmla="*/ 0 w 4372612"/>
+              <a:gd name="connsiteY6" fmla="*/ 1470004 h 1994350"/>
+              <a:gd name="connsiteX7" fmla="*/ 91440 w 4372612"/>
+              <a:gd name="connsiteY7" fmla="*/ 419411 h 1994350"/>
+              <a:gd name="connsiteX0" fmla="*/ 91440 w 4476430"/>
+              <a:gd name="connsiteY0" fmla="*/ 419411 h 1980856"/>
+              <a:gd name="connsiteX1" fmla="*/ 314908 w 4476430"/>
+              <a:gd name="connsiteY1" fmla="*/ 169816 h 1980856"/>
+              <a:gd name="connsiteX2" fmla="*/ 4101432 w 4476430"/>
+              <a:gd name="connsiteY2" fmla="*/ 0 h 1980856"/>
+              <a:gd name="connsiteX3" fmla="*/ 3892426 w 4476430"/>
+              <a:gd name="connsiteY3" fmla="*/ 1980856 h 1980856"/>
+              <a:gd name="connsiteX4" fmla="*/ 158154 w 4476430"/>
+              <a:gd name="connsiteY4" fmla="*/ 1602033 h 1980856"/>
+              <a:gd name="connsiteX5" fmla="*/ 0 w 4476430"/>
+              <a:gd name="connsiteY5" fmla="*/ 1470004 h 1980856"/>
+              <a:gd name="connsiteX6" fmla="*/ 91440 w 4476430"/>
+              <a:gd name="connsiteY6" fmla="*/ 419411 h 1980856"/>
+              <a:gd name="connsiteX0" fmla="*/ 91440 w 4276793"/>
+              <a:gd name="connsiteY0" fmla="*/ 419411 h 1888953"/>
+              <a:gd name="connsiteX1" fmla="*/ 314908 w 4276793"/>
+              <a:gd name="connsiteY1" fmla="*/ 169816 h 1888953"/>
+              <a:gd name="connsiteX2" fmla="*/ 4101432 w 4276793"/>
+              <a:gd name="connsiteY2" fmla="*/ 0 h 1888953"/>
+              <a:gd name="connsiteX3" fmla="*/ 2978026 w 4276793"/>
+              <a:gd name="connsiteY3" fmla="*/ 1888953 h 1888953"/>
+              <a:gd name="connsiteX4" fmla="*/ 158154 w 4276793"/>
+              <a:gd name="connsiteY4" fmla="*/ 1602033 h 1888953"/>
+              <a:gd name="connsiteX5" fmla="*/ 0 w 4276793"/>
+              <a:gd name="connsiteY5" fmla="*/ 1470004 h 1888953"/>
+              <a:gd name="connsiteX6" fmla="*/ 91440 w 4276793"/>
+              <a:gd name="connsiteY6" fmla="*/ 419411 h 1888953"/>
+              <a:gd name="connsiteX0" fmla="*/ 91440 w 3447386"/>
+              <a:gd name="connsiteY0" fmla="*/ 391840 h 1861382"/>
+              <a:gd name="connsiteX1" fmla="*/ 314908 w 3447386"/>
+              <a:gd name="connsiteY1" fmla="*/ 142245 h 1861382"/>
+              <a:gd name="connsiteX2" fmla="*/ 2976016 w 3447386"/>
+              <a:gd name="connsiteY2" fmla="*/ 0 h 1861382"/>
+              <a:gd name="connsiteX3" fmla="*/ 2978026 w 3447386"/>
+              <a:gd name="connsiteY3" fmla="*/ 1861382 h 1861382"/>
+              <a:gd name="connsiteX4" fmla="*/ 158154 w 3447386"/>
+              <a:gd name="connsiteY4" fmla="*/ 1574462 h 1861382"/>
+              <a:gd name="connsiteX5" fmla="*/ 0 w 3447386"/>
+              <a:gd name="connsiteY5" fmla="*/ 1442433 h 1861382"/>
+              <a:gd name="connsiteX6" fmla="*/ 91440 w 3447386"/>
+              <a:gd name="connsiteY6" fmla="*/ 391840 h 1861382"/>
+              <a:gd name="connsiteX0" fmla="*/ 2976016 w 3447386"/>
+              <a:gd name="connsiteY0" fmla="*/ 0 h 1861382"/>
+              <a:gd name="connsiteX1" fmla="*/ 2978026 w 3447386"/>
+              <a:gd name="connsiteY1" fmla="*/ 1861382 h 1861382"/>
+              <a:gd name="connsiteX2" fmla="*/ 158154 w 3447386"/>
+              <a:gd name="connsiteY2" fmla="*/ 1574462 h 1861382"/>
+              <a:gd name="connsiteX3" fmla="*/ 0 w 3447386"/>
+              <a:gd name="connsiteY3" fmla="*/ 1442433 h 1861382"/>
+              <a:gd name="connsiteX4" fmla="*/ 91440 w 3447386"/>
+              <a:gd name="connsiteY4" fmla="*/ 391840 h 1861382"/>
+              <a:gd name="connsiteX5" fmla="*/ 314908 w 3447386"/>
+              <a:gd name="connsiteY5" fmla="*/ 142245 h 1861382"/>
+              <a:gd name="connsiteX6" fmla="*/ 3067456 w 3447386"/>
+              <a:gd name="connsiteY6" fmla="*/ 47790 h 1861382"/>
+              <a:gd name="connsiteX0" fmla="*/ 3222201 w 3583641"/>
+              <a:gd name="connsiteY0" fmla="*/ 1599498 h 1825004"/>
+              <a:gd name="connsiteX1" fmla="*/ 2978026 w 3583641"/>
+              <a:gd name="connsiteY1" fmla="*/ 1825004 h 1825004"/>
+              <a:gd name="connsiteX2" fmla="*/ 158154 w 3583641"/>
+              <a:gd name="connsiteY2" fmla="*/ 1538084 h 1825004"/>
+              <a:gd name="connsiteX3" fmla="*/ 0 w 3583641"/>
+              <a:gd name="connsiteY3" fmla="*/ 1406055 h 1825004"/>
+              <a:gd name="connsiteX4" fmla="*/ 91440 w 3583641"/>
+              <a:gd name="connsiteY4" fmla="*/ 355462 h 1825004"/>
+              <a:gd name="connsiteX5" fmla="*/ 314908 w 3583641"/>
+              <a:gd name="connsiteY5" fmla="*/ 105867 h 1825004"/>
+              <a:gd name="connsiteX6" fmla="*/ 3067456 w 3583641"/>
+              <a:gd name="connsiteY6" fmla="*/ 11412 h 1825004"/>
+              <a:gd name="connsiteX0" fmla="*/ 2978026 w 3067456"/>
+              <a:gd name="connsiteY0" fmla="*/ 1825004 h 1825004"/>
+              <a:gd name="connsiteX1" fmla="*/ 158154 w 3067456"/>
+              <a:gd name="connsiteY1" fmla="*/ 1538084 h 1825004"/>
+              <a:gd name="connsiteX2" fmla="*/ 0 w 3067456"/>
+              <a:gd name="connsiteY2" fmla="*/ 1406055 h 1825004"/>
+              <a:gd name="connsiteX3" fmla="*/ 91440 w 3067456"/>
+              <a:gd name="connsiteY3" fmla="*/ 355462 h 1825004"/>
+              <a:gd name="connsiteX4" fmla="*/ 314908 w 3067456"/>
+              <a:gd name="connsiteY4" fmla="*/ 105867 h 1825004"/>
+              <a:gd name="connsiteX5" fmla="*/ 3067456 w 3067456"/>
+              <a:gd name="connsiteY5" fmla="*/ 11412 h 1825004"/>
+              <a:gd name="connsiteX0" fmla="*/ 2978026 w 2978026"/>
+              <a:gd name="connsiteY0" fmla="*/ 1825004 h 1825004"/>
+              <a:gd name="connsiteX1" fmla="*/ 158154 w 2978026"/>
+              <a:gd name="connsiteY1" fmla="*/ 1538084 h 1825004"/>
+              <a:gd name="connsiteX2" fmla="*/ 0 w 2978026"/>
+              <a:gd name="connsiteY2" fmla="*/ 1406055 h 1825004"/>
+              <a:gd name="connsiteX3" fmla="*/ 91440 w 2978026"/>
+              <a:gd name="connsiteY3" fmla="*/ 355462 h 1825004"/>
+              <a:gd name="connsiteX4" fmla="*/ 314908 w 2978026"/>
+              <a:gd name="connsiteY4" fmla="*/ 105867 h 1825004"/>
+              <a:gd name="connsiteX5" fmla="*/ 2944364 w 2978026"/>
+              <a:gd name="connsiteY5" fmla="*/ 11412 h 1825004"/>
+              <a:gd name="connsiteX0" fmla="*/ 2978026 w 2978026"/>
+              <a:gd name="connsiteY0" fmla="*/ 1823243 h 1823243"/>
+              <a:gd name="connsiteX1" fmla="*/ 158154 w 2978026"/>
+              <a:gd name="connsiteY1" fmla="*/ 1536323 h 1823243"/>
+              <a:gd name="connsiteX2" fmla="*/ 0 w 2978026"/>
+              <a:gd name="connsiteY2" fmla="*/ 1404294 h 1823243"/>
+              <a:gd name="connsiteX3" fmla="*/ 91440 w 2978026"/>
+              <a:gd name="connsiteY3" fmla="*/ 353701 h 1823243"/>
+              <a:gd name="connsiteX4" fmla="*/ 314908 w 2978026"/>
+              <a:gd name="connsiteY4" fmla="*/ 104106 h 1823243"/>
+              <a:gd name="connsiteX5" fmla="*/ 2958937 w 2978026"/>
+              <a:gd name="connsiteY5" fmla="*/ 11556 h 1823243"/>
+              <a:gd name="connsiteX0" fmla="*/ 2978026 w 2978026"/>
+              <a:gd name="connsiteY0" fmla="*/ 1811687 h 1811687"/>
+              <a:gd name="connsiteX1" fmla="*/ 158154 w 2978026"/>
+              <a:gd name="connsiteY1" fmla="*/ 1524767 h 1811687"/>
+              <a:gd name="connsiteX2" fmla="*/ 0 w 2978026"/>
+              <a:gd name="connsiteY2" fmla="*/ 1392738 h 1811687"/>
+              <a:gd name="connsiteX3" fmla="*/ 91440 w 2978026"/>
+              <a:gd name="connsiteY3" fmla="*/ 342145 h 1811687"/>
+              <a:gd name="connsiteX4" fmla="*/ 314908 w 2978026"/>
+              <a:gd name="connsiteY4" fmla="*/ 92550 h 1811687"/>
+              <a:gd name="connsiteX5" fmla="*/ 2958937 w 2978026"/>
+              <a:gd name="connsiteY5" fmla="*/ 0 h 1811687"/>
+              <a:gd name="connsiteX0" fmla="*/ 2978026 w 2978026"/>
+              <a:gd name="connsiteY0" fmla="*/ 1811687 h 1811687"/>
+              <a:gd name="connsiteX1" fmla="*/ 158154 w 2978026"/>
+              <a:gd name="connsiteY1" fmla="*/ 1524767 h 1811687"/>
+              <a:gd name="connsiteX2" fmla="*/ 0 w 2978026"/>
+              <a:gd name="connsiteY2" fmla="*/ 1392738 h 1811687"/>
+              <a:gd name="connsiteX3" fmla="*/ 91440 w 2978026"/>
+              <a:gd name="connsiteY3" fmla="*/ 342145 h 1811687"/>
+              <a:gd name="connsiteX4" fmla="*/ 314908 w 2978026"/>
+              <a:gd name="connsiteY4" fmla="*/ 92550 h 1811687"/>
+              <a:gd name="connsiteX5" fmla="*/ 2958937 w 2978026"/>
+              <a:gd name="connsiteY5" fmla="*/ 0 h 1811687"/>
+            </a:gdLst>
+            <a:ahLst/>
+            <a:cxnLst>
+              <a:cxn ang="0">
+                <a:pos x="connsiteX0" y="connsiteY0"/>
+              </a:cxn>
+              <a:cxn ang="0">
+                <a:pos x="connsiteX1" y="connsiteY1"/>
+              </a:cxn>
+              <a:cxn ang="0">
+                <a:pos x="connsiteX2" y="connsiteY2"/>
+              </a:cxn>
+              <a:cxn ang="0">
+                <a:pos x="connsiteX3" y="connsiteY3"/>
+              </a:cxn>
+              <a:cxn ang="0">
+                <a:pos x="connsiteX4" y="connsiteY4"/>
+              </a:cxn>
+              <a:cxn ang="0">
+                <a:pos x="connsiteX5" y="connsiteY5"/>
+              </a:cxn>
+            </a:cxnLst>
+            <a:rect l="l" t="t" r="r" b="b"/>
+            <a:pathLst>
+              <a:path w="2978026" h="1811687">
+                <a:moveTo>
+                  <a:pt x="2978026" y="1811687"/>
+                </a:moveTo>
+                <a:lnTo>
+                  <a:pt x="158154" y="1524767"/>
+                </a:lnTo>
+                <a:cubicBezTo>
+                  <a:pt x="5878" y="1490900"/>
+                  <a:pt x="0" y="1545014"/>
+                  <a:pt x="0" y="1392738"/>
+                </a:cubicBezTo>
+                <a:lnTo>
+                  <a:pt x="91440" y="342145"/>
+                </a:lnTo>
+                <a:cubicBezTo>
+                  <a:pt x="91440" y="189869"/>
+                  <a:pt x="162632" y="92550"/>
+                  <a:pt x="314908" y="92550"/>
+                </a:cubicBezTo>
+                <a:lnTo>
+                  <a:pt x="2958937" y="0"/>
+                </a:lnTo>
+              </a:path>
+            </a:pathLst>
+          </a:custGeom>
+          <a:noFill/>
+          <a:ln w="57150">
+            <a:gradFill flip="none" rotWithShape="1">
+              <a:gsLst>
+                <a:gs pos="0">
+                  <a:srgbClr val="265B85"/>
+                </a:gs>
+                <a:gs pos="100000">
+                  <a:srgbClr val="64ADD0"/>
+                </a:gs>
+              </a:gsLst>
+              <a:path path="circle">
+                <a:fillToRect l="100000" t="100000"/>
+              </a:path>
+              <a:tileRect r="-100000" b="-100000"/>
+            </a:gradFill>
+          </a:ln>
+        </p:spPr>
+        <p:style>
+          <a:lnRef idx="2">
+            <a:schemeClr val="accent1">
+              <a:shade val="50000"/>
+            </a:schemeClr>
+          </a:lnRef>
+          <a:fillRef idx="1">
+            <a:schemeClr val="accent1"/>
+          </a:fillRef>
+          <a:effectRef idx="0">
+            <a:schemeClr val="accent1"/>
+          </a:effectRef>
+          <a:fontRef idx="minor">
+            <a:schemeClr val="lt1"/>
+          </a:fontRef>
+        </p:style>
+        <p:txBody>
+          <a:bodyPr rtlCol="0" anchor="ctr"/>
+          <a:lstStyle/>
+          <a:p>
+            <a:pPr algn="ctr"/>
+            <a:endParaRPr lang="es-MX"/>
+          </a:p>
+        </p:txBody>
+      </p:sp>
+      <p:sp>
+        <p:nvSpPr>
+          <p:cNvPr id="16" name="Elipse 15">
+            <a:extLst>
+              <a:ext uri="{FF2B5EF4-FFF2-40B4-BE49-F238E27FC236}">
+                <a16:creationId xmlns:a16="http://schemas.microsoft.com/office/drawing/2014/main" id="{058AAC3D-5C80-4BF6-9DA6-9C24981CBF16}"/>
+              </a:ext>
+            </a:extLst>
+          </p:cNvPr>
+          <p:cNvSpPr/>
+          <p:nvPr/>
+        </p:nvSpPr>
+        <p:spPr>
+          <a:xfrm>
+            <a:off x="6657502" y="2049090"/>
+            <a:ext cx="3521157" cy="3520800"/>
+          </a:xfrm>
+          <a:prstGeom prst="ellipse">
+            <a:avLst/>
+          </a:prstGeom>
+          <a:noFill/>
+          <a:ln w="76200">
+            <a:gradFill>
+              <a:gsLst>
+                <a:gs pos="0">
+                  <a:srgbClr val="25557B"/>
+                </a:gs>
+                <a:gs pos="49544">
+                  <a:schemeClr val="bg1"/>
+                </a:gs>
+                <a:gs pos="39000">
+                  <a:srgbClr val="64ADD0"/>
+                </a:gs>
+                <a:gs pos="59000">
+                  <a:srgbClr val="64ADD0"/>
+                </a:gs>
+                <a:gs pos="100000">
+                  <a:srgbClr val="25557B"/>
+                </a:gs>
+              </a:gsLst>
+              <a:lin ang="5400000" scaled="1"/>
+            </a:gradFill>
+          </a:ln>
+        </p:spPr>
+        <p:style>
+          <a:lnRef idx="2">
+            <a:schemeClr val="accent1">
+              <a:shade val="50000"/>
+            </a:schemeClr>
+          </a:lnRef>
+          <a:fillRef idx="1">
+            <a:schemeClr val="accent1"/>
+          </a:fillRef>
+          <a:effectRef idx="0">
+            <a:schemeClr val="accent1"/>
+          </a:effectRef>
+          <a:fontRef idx="minor">
+            <a:schemeClr val="lt1"/>
+          </a:fontRef>
+        </p:style>
+        <p:txBody>
+          <a:bodyPr rtlCol="0" anchor="ctr"/>
+          <a:lstStyle/>
+          <a:p>
+            <a:pPr algn="ctr"/>
+            <a:endParaRPr lang="es-MX"/>
+          </a:p>
+        </p:txBody>
+      </p:sp>
+      <p:sp>
+        <p:nvSpPr>
+          <p:cNvPr id="20" name="Elipse 19">
+            <a:extLst>
+              <a:ext uri="{FF2B5EF4-FFF2-40B4-BE49-F238E27FC236}">
+                <a16:creationId xmlns:a16="http://schemas.microsoft.com/office/drawing/2014/main" id="{E20FA36E-B437-43BD-812E-9F54F902B699}"/>
+              </a:ext>
+            </a:extLst>
+          </p:cNvPr>
+          <p:cNvSpPr/>
+          <p:nvPr/>
+        </p:nvSpPr>
+        <p:spPr>
+          <a:xfrm>
+            <a:off x="7170547" y="2485483"/>
+            <a:ext cx="2628704" cy="2618160"/>
+          </a:xfrm>
+          <a:prstGeom prst="ellipse">
+            <a:avLst/>
+          </a:prstGeom>
+          <a:noFill/>
+          <a:ln w="76200">
+            <a:gradFill>
+              <a:gsLst>
+                <a:gs pos="0">
+                  <a:srgbClr val="25557B"/>
+                </a:gs>
+                <a:gs pos="49544">
+                  <a:schemeClr val="bg1"/>
+                </a:gs>
+                <a:gs pos="39000">
+                  <a:srgbClr val="64ADD0"/>
+                </a:gs>
+                <a:gs pos="59000">
+                  <a:srgbClr val="64ADD0"/>
+                </a:gs>
+                <a:gs pos="100000">
+                  <a:srgbClr val="25557B"/>
+                </a:gs>
+              </a:gsLst>
+              <a:lin ang="5400000" scaled="1"/>
+            </a:gradFill>
+          </a:ln>
+        </p:spPr>
+        <p:style>
+          <a:lnRef idx="2">
+            <a:schemeClr val="accent1">
+              <a:shade val="50000"/>
+            </a:schemeClr>
+          </a:lnRef>
+          <a:fillRef idx="1">
+            <a:schemeClr val="accent1"/>
+          </a:fillRef>
+          <a:effectRef idx="0">
+            <a:schemeClr val="accent1"/>
+          </a:effectRef>
+          <a:fontRef idx="minor">
+            <a:schemeClr val="lt1"/>
+          </a:fontRef>
+        </p:style>
+        <p:txBody>
+          <a:bodyPr rtlCol="0" anchor="ctr"/>
+          <a:lstStyle/>
+          <a:p>
+            <a:pPr algn="ctr"/>
+            <a:endParaRPr lang="es-MX"/>
+          </a:p>
+        </p:txBody>
+      </p:sp>
+      <p:sp>
+        <p:nvSpPr>
+          <p:cNvPr id="21" name="Elipse 20">
+            <a:extLst>
+              <a:ext uri="{FF2B5EF4-FFF2-40B4-BE49-F238E27FC236}">
+                <a16:creationId xmlns:a16="http://schemas.microsoft.com/office/drawing/2014/main" id="{8987FA0C-B5DF-4CB1-9A47-CCB0A954B930}"/>
+              </a:ext>
+            </a:extLst>
+          </p:cNvPr>
+          <p:cNvSpPr/>
+          <p:nvPr/>
+        </p:nvSpPr>
+        <p:spPr>
+          <a:xfrm>
+            <a:off x="7640958" y="2847102"/>
+            <a:ext cx="1785813" cy="1830286"/>
+          </a:xfrm>
+          <a:prstGeom prst="ellipse">
+            <a:avLst/>
+          </a:prstGeom>
+          <a:noFill/>
+          <a:ln w="76200">
+            <a:gradFill>
+              <a:gsLst>
+                <a:gs pos="0">
+                  <a:srgbClr val="25557B"/>
+                </a:gs>
+                <a:gs pos="49544">
+                  <a:schemeClr val="bg1"/>
+                </a:gs>
+                <a:gs pos="39000">
+                  <a:srgbClr val="64ADD0"/>
+                </a:gs>
+                <a:gs pos="59000">
+                  <a:srgbClr val="64ADD0"/>
+                </a:gs>
+                <a:gs pos="100000">
+                  <a:srgbClr val="25557B"/>
+                </a:gs>
+              </a:gsLst>
+              <a:lin ang="5400000" scaled="1"/>
+            </a:gradFill>
+          </a:ln>
+        </p:spPr>
+        <p:style>
+          <a:lnRef idx="2">
+            <a:schemeClr val="accent1">
+              <a:shade val="50000"/>
+            </a:schemeClr>
+          </a:lnRef>
+          <a:fillRef idx="1">
+            <a:schemeClr val="accent1"/>
+          </a:fillRef>
+          <a:effectRef idx="0">
+            <a:schemeClr val="accent1"/>
+          </a:effectRef>
+          <a:fontRef idx="minor">
+            <a:schemeClr val="lt1"/>
+          </a:fontRef>
+        </p:style>
+        <p:txBody>
+          <a:bodyPr rtlCol="0" anchor="ctr"/>
+          <a:lstStyle/>
+          <a:p>
+            <a:pPr algn="ctr"/>
+            <a:endParaRPr lang="es-MX" dirty="0"/>
+          </a:p>
+        </p:txBody>
+      </p:sp>
+      <p:sp>
+        <p:nvSpPr>
+          <p:cNvPr id="27" name="Paralelogramo 5">
+            <a:extLst>
+              <a:ext uri="{FF2B5EF4-FFF2-40B4-BE49-F238E27FC236}">
+                <a16:creationId xmlns:a16="http://schemas.microsoft.com/office/drawing/2014/main" id="{5DEC3F12-DE51-405C-93B3-F924E1C2F70E}"/>
+              </a:ext>
+            </a:extLst>
+          </p:cNvPr>
+          <p:cNvSpPr/>
+          <p:nvPr/>
+        </p:nvSpPr>
+        <p:spPr>
+          <a:xfrm>
+            <a:off x="7148385" y="3140374"/>
+            <a:ext cx="2827118" cy="1325853"/>
+          </a:xfrm>
+          <a:custGeom>
+            <a:avLst/>
+            <a:gdLst>
+              <a:gd name="connsiteX0" fmla="*/ 0 w 2827118"/>
+              <a:gd name="connsiteY0" fmla="*/ 1325853 h 1325853"/>
+              <a:gd name="connsiteX1" fmla="*/ 331463 w 2827118"/>
+              <a:gd name="connsiteY1" fmla="*/ 0 h 1325853"/>
+              <a:gd name="connsiteX2" fmla="*/ 2827118 w 2827118"/>
+              <a:gd name="connsiteY2" fmla="*/ 0 h 1325853"/>
+              <a:gd name="connsiteX3" fmla="*/ 2495655 w 2827118"/>
+              <a:gd name="connsiteY3" fmla="*/ 1325853 h 1325853"/>
+              <a:gd name="connsiteX4" fmla="*/ 0 w 2827118"/>
+              <a:gd name="connsiteY4" fmla="*/ 1325853 h 1325853"/>
+              <a:gd name="connsiteX0" fmla="*/ 0 w 2827118"/>
+              <a:gd name="connsiteY0" fmla="*/ 1325853 h 1325853"/>
+              <a:gd name="connsiteX1" fmla="*/ 331463 w 2827118"/>
+              <a:gd name="connsiteY1" fmla="*/ 0 h 1325853"/>
+              <a:gd name="connsiteX2" fmla="*/ 2827118 w 2827118"/>
+              <a:gd name="connsiteY2" fmla="*/ 0 h 1325853"/>
+              <a:gd name="connsiteX3" fmla="*/ 2495655 w 2827118"/>
+              <a:gd name="connsiteY3" fmla="*/ 1325853 h 1325853"/>
+              <a:gd name="connsiteX4" fmla="*/ 0 w 2827118"/>
+              <a:gd name="connsiteY4" fmla="*/ 1325853 h 1325853"/>
+            </a:gdLst>
+            <a:ahLst/>
+            <a:cxnLst>
+              <a:cxn ang="0">
+                <a:pos x="connsiteX0" y="connsiteY0"/>
+              </a:cxn>
+              <a:cxn ang="0">
+                <a:pos x="connsiteX1" y="connsiteY1"/>
+              </a:cxn>
+              <a:cxn ang="0">
+                <a:pos x="connsiteX2" y="connsiteY2"/>
+              </a:cxn>
+              <a:cxn ang="0">
+                <a:pos x="connsiteX3" y="connsiteY3"/>
+              </a:cxn>
+              <a:cxn ang="0">
+                <a:pos x="connsiteX4" y="connsiteY4"/>
+              </a:cxn>
+            </a:cxnLst>
+            <a:rect l="l" t="t" r="r" b="b"/>
+            <a:pathLst>
+              <a:path w="2827118" h="1325853">
+                <a:moveTo>
+                  <a:pt x="0" y="1325853"/>
+                </a:moveTo>
+                <a:cubicBezTo>
+                  <a:pt x="110488" y="883902"/>
+                  <a:pt x="220975" y="346701"/>
+                  <a:pt x="331463" y="0"/>
+                </a:cubicBezTo>
+                <a:lnTo>
+                  <a:pt x="2827118" y="0"/>
+                </a:lnTo>
+                <a:lnTo>
+                  <a:pt x="2495655" y="1325853"/>
+                </a:lnTo>
+                <a:lnTo>
+                  <a:pt x="0" y="1325853"/>
+                </a:lnTo>
+                <a:close/>
+              </a:path>
+            </a:pathLst>
+          </a:custGeom>
+          <a:noFill/>
+          <a:ln>
+            <a:solidFill>
+              <a:schemeClr val="accent1">
+                <a:lumMod val="60000"/>
+                <a:lumOff val="40000"/>
+              </a:schemeClr>
+            </a:solidFill>
+          </a:ln>
+          <a:effectLst>
+            <a:softEdge rad="0"/>
+          </a:effectLst>
+        </p:spPr>
+        <p:style>
+          <a:lnRef idx="2">
+            <a:schemeClr val="accent1">
+              <a:shade val="50000"/>
+            </a:schemeClr>
+          </a:lnRef>
+          <a:fillRef idx="1">
+            <a:schemeClr val="accent1"/>
+          </a:fillRef>
+          <a:effectRef idx="0">
+            <a:schemeClr val="accent1"/>
+          </a:effectRef>
+          <a:fontRef idx="minor">
+            <a:schemeClr val="lt1"/>
+          </a:fontRef>
+        </p:style>
+        <p:txBody>
+          <a:bodyPr rtlCol="0" anchor="ctr"/>
+          <a:lstStyle/>
+          <a:p>
+            <a:pPr algn="ctr"/>
+            <a:endParaRPr lang="es-MX"/>
+          </a:p>
+        </p:txBody>
+      </p:sp>
+      <p:sp>
+        <p:nvSpPr>
+          <p:cNvPr id="28" name="Paralelogramo 5">
+            <a:extLst>
+              <a:ext uri="{FF2B5EF4-FFF2-40B4-BE49-F238E27FC236}">
+                <a16:creationId xmlns:a16="http://schemas.microsoft.com/office/drawing/2014/main" id="{6A731311-9725-45ED-AE78-65A09A0A57F3}"/>
+              </a:ext>
+            </a:extLst>
+          </p:cNvPr>
+          <p:cNvSpPr/>
+          <p:nvPr/>
+        </p:nvSpPr>
+        <p:spPr>
+          <a:xfrm>
+            <a:off x="7458882" y="3335137"/>
+            <a:ext cx="2206123" cy="936326"/>
+          </a:xfrm>
+          <a:custGeom>
+            <a:avLst/>
+            <a:gdLst>
+              <a:gd name="connsiteX0" fmla="*/ 0 w 2827118"/>
+              <a:gd name="connsiteY0" fmla="*/ 1325853 h 1325853"/>
+              <a:gd name="connsiteX1" fmla="*/ 331463 w 2827118"/>
+              <a:gd name="connsiteY1" fmla="*/ 0 h 1325853"/>
+              <a:gd name="connsiteX2" fmla="*/ 2827118 w 2827118"/>
+              <a:gd name="connsiteY2" fmla="*/ 0 h 1325853"/>
+              <a:gd name="connsiteX3" fmla="*/ 2495655 w 2827118"/>
+              <a:gd name="connsiteY3" fmla="*/ 1325853 h 1325853"/>
+              <a:gd name="connsiteX4" fmla="*/ 0 w 2827118"/>
+              <a:gd name="connsiteY4" fmla="*/ 1325853 h 1325853"/>
+              <a:gd name="connsiteX0" fmla="*/ 0 w 2827118"/>
+              <a:gd name="connsiteY0" fmla="*/ 1325853 h 1325853"/>
+              <a:gd name="connsiteX1" fmla="*/ 331463 w 2827118"/>
+              <a:gd name="connsiteY1" fmla="*/ 0 h 1325853"/>
+              <a:gd name="connsiteX2" fmla="*/ 2827118 w 2827118"/>
+              <a:gd name="connsiteY2" fmla="*/ 0 h 1325853"/>
+              <a:gd name="connsiteX3" fmla="*/ 2495655 w 2827118"/>
+              <a:gd name="connsiteY3" fmla="*/ 1325853 h 1325853"/>
+              <a:gd name="connsiteX4" fmla="*/ 0 w 2827118"/>
+              <a:gd name="connsiteY4" fmla="*/ 1325853 h 1325853"/>
+            </a:gdLst>
+            <a:ahLst/>
+            <a:cxnLst>
+              <a:cxn ang="0">
+                <a:pos x="connsiteX0" y="connsiteY0"/>
+              </a:cxn>
+              <a:cxn ang="0">
+                <a:pos x="connsiteX1" y="connsiteY1"/>
+              </a:cxn>
+              <a:cxn ang="0">
+                <a:pos x="connsiteX2" y="connsiteY2"/>
+              </a:cxn>
+              <a:cxn ang="0">
+                <a:pos x="connsiteX3" y="connsiteY3"/>
+              </a:cxn>
+              <a:cxn ang="0">
+                <a:pos x="connsiteX4" y="connsiteY4"/>
+              </a:cxn>
+            </a:cxnLst>
+            <a:rect l="l" t="t" r="r" b="b"/>
+            <a:pathLst>
+              <a:path w="2827118" h="1325853">
+                <a:moveTo>
+                  <a:pt x="0" y="1325853"/>
+                </a:moveTo>
+                <a:cubicBezTo>
+                  <a:pt x="110488" y="883902"/>
+                  <a:pt x="220975" y="346701"/>
+                  <a:pt x="331463" y="0"/>
+                </a:cubicBezTo>
+                <a:lnTo>
+                  <a:pt x="2827118" y="0"/>
+                </a:lnTo>
+                <a:lnTo>
+                  <a:pt x="2495655" y="1325853"/>
+                </a:lnTo>
+                <a:lnTo>
+                  <a:pt x="0" y="1325853"/>
+                </a:lnTo>
+                <a:close/>
+              </a:path>
+            </a:pathLst>
+          </a:custGeom>
+          <a:noFill/>
+          <a:ln>
+            <a:solidFill>
+              <a:schemeClr val="accent1">
+                <a:lumMod val="60000"/>
+                <a:lumOff val="40000"/>
+              </a:schemeClr>
+            </a:solidFill>
+          </a:ln>
+          <a:effectLst>
+            <a:softEdge rad="0"/>
+          </a:effectLst>
+        </p:spPr>
+        <p:style>
+          <a:lnRef idx="2">
+            <a:schemeClr val="accent1">
+              <a:shade val="50000"/>
+            </a:schemeClr>
+          </a:lnRef>
+          <a:fillRef idx="1">
+            <a:schemeClr val="accent1"/>
+          </a:fillRef>
+          <a:effectRef idx="0">
+            <a:schemeClr val="accent1"/>
+          </a:effectRef>
+          <a:fontRef idx="minor">
+            <a:schemeClr val="lt1"/>
+          </a:fontRef>
+        </p:style>
+        <p:txBody>
+          <a:bodyPr rtlCol="0" anchor="ctr"/>
+          <a:lstStyle/>
+          <a:p>
+            <a:pPr algn="ctr"/>
+            <a:endParaRPr lang="es-MX"/>
+          </a:p>
+        </p:txBody>
+      </p:sp>
+      <p:sp>
+        <p:nvSpPr>
+          <p:cNvPr id="29" name="Paralelogramo 5">
+            <a:extLst>
+              <a:ext uri="{FF2B5EF4-FFF2-40B4-BE49-F238E27FC236}">
+                <a16:creationId xmlns:a16="http://schemas.microsoft.com/office/drawing/2014/main" id="{7E5A0B5D-9DB5-455F-A3B8-2B9DE82FD526}"/>
+              </a:ext>
+            </a:extLst>
+          </p:cNvPr>
+          <p:cNvSpPr/>
+          <p:nvPr/>
+        </p:nvSpPr>
+        <p:spPr>
+          <a:xfrm>
+            <a:off x="7762524" y="3513482"/>
+            <a:ext cx="1620343" cy="579638"/>
+          </a:xfrm>
+          <a:custGeom>
+            <a:avLst/>
+            <a:gdLst>
+              <a:gd name="connsiteX0" fmla="*/ 0 w 2827118"/>
+              <a:gd name="connsiteY0" fmla="*/ 1325853 h 1325853"/>
+              <a:gd name="connsiteX1" fmla="*/ 331463 w 2827118"/>
+              <a:gd name="connsiteY1" fmla="*/ 0 h 1325853"/>
+              <a:gd name="connsiteX2" fmla="*/ 2827118 w 2827118"/>
+              <a:gd name="connsiteY2" fmla="*/ 0 h 1325853"/>
+              <a:gd name="connsiteX3" fmla="*/ 2495655 w 2827118"/>
+              <a:gd name="connsiteY3" fmla="*/ 1325853 h 1325853"/>
+              <a:gd name="connsiteX4" fmla="*/ 0 w 2827118"/>
+              <a:gd name="connsiteY4" fmla="*/ 1325853 h 1325853"/>
+              <a:gd name="connsiteX0" fmla="*/ 0 w 2827118"/>
+              <a:gd name="connsiteY0" fmla="*/ 1325853 h 1325853"/>
+              <a:gd name="connsiteX1" fmla="*/ 331463 w 2827118"/>
+              <a:gd name="connsiteY1" fmla="*/ 0 h 1325853"/>
+              <a:gd name="connsiteX2" fmla="*/ 2827118 w 2827118"/>
+              <a:gd name="connsiteY2" fmla="*/ 0 h 1325853"/>
+              <a:gd name="connsiteX3" fmla="*/ 2495655 w 2827118"/>
+              <a:gd name="connsiteY3" fmla="*/ 1325853 h 1325853"/>
+              <a:gd name="connsiteX4" fmla="*/ 0 w 2827118"/>
+              <a:gd name="connsiteY4" fmla="*/ 1325853 h 1325853"/>
+            </a:gdLst>
+            <a:ahLst/>
+            <a:cxnLst>
+              <a:cxn ang="0">
+                <a:pos x="connsiteX0" y="connsiteY0"/>
+              </a:cxn>
+              <a:cxn ang="0">
+                <a:pos x="connsiteX1" y="connsiteY1"/>
+              </a:cxn>
+              <a:cxn ang="0">
+                <a:pos x="connsiteX2" y="connsiteY2"/>
+              </a:cxn>
+              <a:cxn ang="0">
+                <a:pos x="connsiteX3" y="connsiteY3"/>
+              </a:cxn>
+              <a:cxn ang="0">
+                <a:pos x="connsiteX4" y="connsiteY4"/>
+              </a:cxn>
+            </a:cxnLst>
+            <a:rect l="l" t="t" r="r" b="b"/>
+            <a:pathLst>
+              <a:path w="2827118" h="1325853">
+                <a:moveTo>
+                  <a:pt x="0" y="1325853"/>
+                </a:moveTo>
+                <a:cubicBezTo>
+                  <a:pt x="110488" y="883902"/>
+                  <a:pt x="220975" y="346701"/>
+                  <a:pt x="331463" y="0"/>
+                </a:cubicBezTo>
+                <a:lnTo>
+                  <a:pt x="2827118" y="0"/>
+                </a:lnTo>
+                <a:lnTo>
+                  <a:pt x="2495655" y="1325853"/>
+                </a:lnTo>
+                <a:lnTo>
+                  <a:pt x="0" y="1325853"/>
+                </a:lnTo>
+                <a:close/>
+              </a:path>
+            </a:pathLst>
+          </a:custGeom>
+          <a:noFill/>
+          <a:ln>
+            <a:solidFill>
+              <a:schemeClr val="accent1">
+                <a:lumMod val="60000"/>
+                <a:lumOff val="40000"/>
+              </a:schemeClr>
+            </a:solidFill>
+          </a:ln>
+          <a:effectLst>
+            <a:softEdge rad="0"/>
+          </a:effectLst>
+        </p:spPr>
+        <p:style>
+          <a:lnRef idx="2">
+            <a:schemeClr val="accent1">
+              <a:shade val="50000"/>
+            </a:schemeClr>
+          </a:lnRef>
+          <a:fillRef idx="1">
+            <a:schemeClr val="accent1"/>
+          </a:fillRef>
+          <a:effectRef idx="0">
+            <a:schemeClr val="accent1"/>
+          </a:effectRef>
+          <a:fontRef idx="minor">
+            <a:schemeClr val="lt1"/>
+          </a:fontRef>
+        </p:style>
+        <p:txBody>
+          <a:bodyPr rtlCol="0" anchor="ctr"/>
+          <a:lstStyle/>
+          <a:p>
+            <a:pPr algn="ctr"/>
+            <a:endParaRPr lang="es-MX"/>
+          </a:p>
+        </p:txBody>
+      </p:sp>
+      <p:sp>
+        <p:nvSpPr>
+          <p:cNvPr id="30" name="Paralelogramo 5">
+            <a:extLst>
+              <a:ext uri="{FF2B5EF4-FFF2-40B4-BE49-F238E27FC236}">
+                <a16:creationId xmlns:a16="http://schemas.microsoft.com/office/drawing/2014/main" id="{C916B62C-1ADD-4967-B7C3-D4C662B74BE9}"/>
+              </a:ext>
+            </a:extLst>
+          </p:cNvPr>
+          <p:cNvSpPr/>
+          <p:nvPr/>
+        </p:nvSpPr>
+        <p:spPr>
+          <a:xfrm>
+            <a:off x="7965229" y="3627588"/>
+            <a:ext cx="1193428" cy="326730"/>
+          </a:xfrm>
+          <a:custGeom>
+            <a:avLst/>
+            <a:gdLst>
+              <a:gd name="connsiteX0" fmla="*/ 0 w 2827118"/>
+              <a:gd name="connsiteY0" fmla="*/ 1325853 h 1325853"/>
+              <a:gd name="connsiteX1" fmla="*/ 331463 w 2827118"/>
+              <a:gd name="connsiteY1" fmla="*/ 0 h 1325853"/>
+              <a:gd name="connsiteX2" fmla="*/ 2827118 w 2827118"/>
+              <a:gd name="connsiteY2" fmla="*/ 0 h 1325853"/>
+              <a:gd name="connsiteX3" fmla="*/ 2495655 w 2827118"/>
+              <a:gd name="connsiteY3" fmla="*/ 1325853 h 1325853"/>
+              <a:gd name="connsiteX4" fmla="*/ 0 w 2827118"/>
+              <a:gd name="connsiteY4" fmla="*/ 1325853 h 1325853"/>
+              <a:gd name="connsiteX0" fmla="*/ 0 w 2827118"/>
+              <a:gd name="connsiteY0" fmla="*/ 1325853 h 1325853"/>
+              <a:gd name="connsiteX1" fmla="*/ 331463 w 2827118"/>
+              <a:gd name="connsiteY1" fmla="*/ 0 h 1325853"/>
+              <a:gd name="connsiteX2" fmla="*/ 2827118 w 2827118"/>
+              <a:gd name="connsiteY2" fmla="*/ 0 h 1325853"/>
+              <a:gd name="connsiteX3" fmla="*/ 2495655 w 2827118"/>
+              <a:gd name="connsiteY3" fmla="*/ 1325853 h 1325853"/>
+              <a:gd name="connsiteX4" fmla="*/ 0 w 2827118"/>
+              <a:gd name="connsiteY4" fmla="*/ 1325853 h 1325853"/>
+            </a:gdLst>
+            <a:ahLst/>
+            <a:cxnLst>
+              <a:cxn ang="0">
+                <a:pos x="connsiteX0" y="connsiteY0"/>
+              </a:cxn>
+              <a:cxn ang="0">
+                <a:pos x="connsiteX1" y="connsiteY1"/>
+              </a:cxn>
+              <a:cxn ang="0">
+                <a:pos x="connsiteX2" y="connsiteY2"/>
+              </a:cxn>
+              <a:cxn ang="0">
+                <a:pos x="connsiteX3" y="connsiteY3"/>
+              </a:cxn>
+              <a:cxn ang="0">
+                <a:pos x="connsiteX4" y="connsiteY4"/>
+              </a:cxn>
+            </a:cxnLst>
+            <a:rect l="l" t="t" r="r" b="b"/>
+            <a:pathLst>
+              <a:path w="2827118" h="1325853">
+                <a:moveTo>
+                  <a:pt x="0" y="1325853"/>
+                </a:moveTo>
+                <a:cubicBezTo>
+                  <a:pt x="110488" y="883902"/>
+                  <a:pt x="220975" y="346701"/>
+                  <a:pt x="331463" y="0"/>
+                </a:cubicBezTo>
+                <a:lnTo>
+                  <a:pt x="2827118" y="0"/>
+                </a:lnTo>
+                <a:lnTo>
+                  <a:pt x="2495655" y="1325853"/>
+                </a:lnTo>
+                <a:lnTo>
+                  <a:pt x="0" y="1325853"/>
+                </a:lnTo>
+                <a:close/>
+              </a:path>
+            </a:pathLst>
+          </a:custGeom>
+          <a:noFill/>
+          <a:ln>
+            <a:solidFill>
+              <a:schemeClr val="accent1">
+                <a:lumMod val="60000"/>
+                <a:lumOff val="40000"/>
+              </a:schemeClr>
+            </a:solidFill>
+          </a:ln>
+          <a:effectLst>
+            <a:softEdge rad="0"/>
+          </a:effectLst>
+        </p:spPr>
+        <p:style>
+          <a:lnRef idx="2">
+            <a:schemeClr val="accent1">
+              <a:shade val="50000"/>
+            </a:schemeClr>
+          </a:lnRef>
+          <a:fillRef idx="1">
+            <a:schemeClr val="accent1"/>
+          </a:fillRef>
+          <a:effectRef idx="0">
+            <a:schemeClr val="accent1"/>
+          </a:effectRef>
+          <a:fontRef idx="minor">
+            <a:schemeClr val="lt1"/>
+          </a:fontRef>
+        </p:style>
+        <p:txBody>
+          <a:bodyPr rtlCol="0" anchor="ctr"/>
+          <a:lstStyle/>
+          <a:p>
+            <a:pPr algn="ctr"/>
+            <a:endParaRPr lang="es-MX"/>
+          </a:p>
+        </p:txBody>
+      </p:sp>
+      <p:sp>
+        <p:nvSpPr>
+          <p:cNvPr id="31" name="Rectángulo: esquinas redondeadas 8">
+            <a:extLst>
+              <a:ext uri="{FF2B5EF4-FFF2-40B4-BE49-F238E27FC236}">
+                <a16:creationId xmlns:a16="http://schemas.microsoft.com/office/drawing/2014/main" id="{5933151C-76F4-404B-A6A7-F7BD304D45FA}"/>
+              </a:ext>
+            </a:extLst>
+          </p:cNvPr>
+          <p:cNvSpPr/>
+          <p:nvPr/>
+        </p:nvSpPr>
+        <p:spPr>
+          <a:xfrm>
+            <a:off x="8957060" y="3337995"/>
+            <a:ext cx="4272649" cy="1994350"/>
+          </a:xfrm>
+          <a:custGeom>
+            <a:avLst/>
+            <a:gdLst>
+              <a:gd name="connsiteX0" fmla="*/ 0 w 4115895"/>
+              <a:gd name="connsiteY0" fmla="*/ 275720 h 1654285"/>
+              <a:gd name="connsiteX1" fmla="*/ 275720 w 4115895"/>
+              <a:gd name="connsiteY1" fmla="*/ 0 h 1654285"/>
+              <a:gd name="connsiteX2" fmla="*/ 3840175 w 4115895"/>
+              <a:gd name="connsiteY2" fmla="*/ 0 h 1654285"/>
+              <a:gd name="connsiteX3" fmla="*/ 4115895 w 4115895"/>
+              <a:gd name="connsiteY3" fmla="*/ 275720 h 1654285"/>
+              <a:gd name="connsiteX4" fmla="*/ 4115895 w 4115895"/>
+              <a:gd name="connsiteY4" fmla="*/ 1378565 h 1654285"/>
+              <a:gd name="connsiteX5" fmla="*/ 3840175 w 4115895"/>
+              <a:gd name="connsiteY5" fmla="*/ 1654285 h 1654285"/>
+              <a:gd name="connsiteX6" fmla="*/ 275720 w 4115895"/>
+              <a:gd name="connsiteY6" fmla="*/ 1654285 h 1654285"/>
+              <a:gd name="connsiteX7" fmla="*/ 0 w 4115895"/>
+              <a:gd name="connsiteY7" fmla="*/ 1378565 h 1654285"/>
+              <a:gd name="connsiteX8" fmla="*/ 0 w 4115895"/>
+              <a:gd name="connsiteY8" fmla="*/ 275720 h 1654285"/>
+              <a:gd name="connsiteX0" fmla="*/ 0 w 4133143"/>
+              <a:gd name="connsiteY0" fmla="*/ 419411 h 1797976"/>
+              <a:gd name="connsiteX1" fmla="*/ 275720 w 4133143"/>
+              <a:gd name="connsiteY1" fmla="*/ 143691 h 1797976"/>
+              <a:gd name="connsiteX2" fmla="*/ 4036118 w 4133143"/>
+              <a:gd name="connsiteY2" fmla="*/ 0 h 1797976"/>
+              <a:gd name="connsiteX3" fmla="*/ 4115895 w 4133143"/>
+              <a:gd name="connsiteY3" fmla="*/ 419411 h 1797976"/>
+              <a:gd name="connsiteX4" fmla="*/ 4115895 w 4133143"/>
+              <a:gd name="connsiteY4" fmla="*/ 1522256 h 1797976"/>
+              <a:gd name="connsiteX5" fmla="*/ 3840175 w 4133143"/>
+              <a:gd name="connsiteY5" fmla="*/ 1797976 h 1797976"/>
+              <a:gd name="connsiteX6" fmla="*/ 275720 w 4133143"/>
+              <a:gd name="connsiteY6" fmla="*/ 1797976 h 1797976"/>
+              <a:gd name="connsiteX7" fmla="*/ 0 w 4133143"/>
+              <a:gd name="connsiteY7" fmla="*/ 1522256 h 1797976"/>
+              <a:gd name="connsiteX8" fmla="*/ 0 w 4133143"/>
+              <a:gd name="connsiteY8" fmla="*/ 419411 h 1797976"/>
+              <a:gd name="connsiteX0" fmla="*/ 0 w 4207335"/>
+              <a:gd name="connsiteY0" fmla="*/ 419411 h 1797976"/>
+              <a:gd name="connsiteX1" fmla="*/ 275720 w 4207335"/>
+              <a:gd name="connsiteY1" fmla="*/ 143691 h 1797976"/>
+              <a:gd name="connsiteX2" fmla="*/ 4036118 w 4207335"/>
+              <a:gd name="connsiteY2" fmla="*/ 0 h 1797976"/>
+              <a:gd name="connsiteX3" fmla="*/ 4207335 w 4207335"/>
+              <a:gd name="connsiteY3" fmla="*/ 223468 h 1797976"/>
+              <a:gd name="connsiteX4" fmla="*/ 4115895 w 4207335"/>
+              <a:gd name="connsiteY4" fmla="*/ 1522256 h 1797976"/>
+              <a:gd name="connsiteX5" fmla="*/ 3840175 w 4207335"/>
+              <a:gd name="connsiteY5" fmla="*/ 1797976 h 1797976"/>
+              <a:gd name="connsiteX6" fmla="*/ 275720 w 4207335"/>
+              <a:gd name="connsiteY6" fmla="*/ 1797976 h 1797976"/>
+              <a:gd name="connsiteX7" fmla="*/ 0 w 4207335"/>
+              <a:gd name="connsiteY7" fmla="*/ 1522256 h 1797976"/>
+              <a:gd name="connsiteX8" fmla="*/ 0 w 4207335"/>
+              <a:gd name="connsiteY8" fmla="*/ 419411 h 1797976"/>
+              <a:gd name="connsiteX0" fmla="*/ 0 w 4207335"/>
+              <a:gd name="connsiteY0" fmla="*/ 419411 h 1916216"/>
+              <a:gd name="connsiteX1" fmla="*/ 275720 w 4207335"/>
+              <a:gd name="connsiteY1" fmla="*/ 143691 h 1916216"/>
+              <a:gd name="connsiteX2" fmla="*/ 4036118 w 4207335"/>
+              <a:gd name="connsiteY2" fmla="*/ 0 h 1916216"/>
+              <a:gd name="connsiteX3" fmla="*/ 4207335 w 4207335"/>
+              <a:gd name="connsiteY3" fmla="*/ 223468 h 1916216"/>
+              <a:gd name="connsiteX4" fmla="*/ 3959141 w 4207335"/>
+              <a:gd name="connsiteY4" fmla="*/ 1861890 h 1916216"/>
+              <a:gd name="connsiteX5" fmla="*/ 3840175 w 4207335"/>
+              <a:gd name="connsiteY5" fmla="*/ 1797976 h 1916216"/>
+              <a:gd name="connsiteX6" fmla="*/ 275720 w 4207335"/>
+              <a:gd name="connsiteY6" fmla="*/ 1797976 h 1916216"/>
+              <a:gd name="connsiteX7" fmla="*/ 0 w 4207335"/>
+              <a:gd name="connsiteY7" fmla="*/ 1522256 h 1916216"/>
+              <a:gd name="connsiteX8" fmla="*/ 0 w 4207335"/>
+              <a:gd name="connsiteY8" fmla="*/ 419411 h 1916216"/>
+              <a:gd name="connsiteX0" fmla="*/ 0 w 4207335"/>
+              <a:gd name="connsiteY0" fmla="*/ 419411 h 1983941"/>
+              <a:gd name="connsiteX1" fmla="*/ 275720 w 4207335"/>
+              <a:gd name="connsiteY1" fmla="*/ 143691 h 1983941"/>
+              <a:gd name="connsiteX2" fmla="*/ 4036118 w 4207335"/>
+              <a:gd name="connsiteY2" fmla="*/ 0 h 1983941"/>
+              <a:gd name="connsiteX3" fmla="*/ 4207335 w 4207335"/>
+              <a:gd name="connsiteY3" fmla="*/ 223468 h 1983941"/>
+              <a:gd name="connsiteX4" fmla="*/ 3959141 w 4207335"/>
+              <a:gd name="connsiteY4" fmla="*/ 1861890 h 1983941"/>
+              <a:gd name="connsiteX5" fmla="*/ 3827112 w 4207335"/>
+              <a:gd name="connsiteY5" fmla="*/ 1980856 h 1983941"/>
+              <a:gd name="connsiteX6" fmla="*/ 275720 w 4207335"/>
+              <a:gd name="connsiteY6" fmla="*/ 1797976 h 1983941"/>
+              <a:gd name="connsiteX7" fmla="*/ 0 w 4207335"/>
+              <a:gd name="connsiteY7" fmla="*/ 1522256 h 1983941"/>
+              <a:gd name="connsiteX8" fmla="*/ 0 w 4207335"/>
+              <a:gd name="connsiteY8" fmla="*/ 419411 h 1983941"/>
+              <a:gd name="connsiteX0" fmla="*/ 11423 w 4218758"/>
+              <a:gd name="connsiteY0" fmla="*/ 419411 h 1983941"/>
+              <a:gd name="connsiteX1" fmla="*/ 287143 w 4218758"/>
+              <a:gd name="connsiteY1" fmla="*/ 143691 h 1983941"/>
+              <a:gd name="connsiteX2" fmla="*/ 4047541 w 4218758"/>
+              <a:gd name="connsiteY2" fmla="*/ 0 h 1983941"/>
+              <a:gd name="connsiteX3" fmla="*/ 4218758 w 4218758"/>
+              <a:gd name="connsiteY3" fmla="*/ 223468 h 1983941"/>
+              <a:gd name="connsiteX4" fmla="*/ 3970564 w 4218758"/>
+              <a:gd name="connsiteY4" fmla="*/ 1861890 h 1983941"/>
+              <a:gd name="connsiteX5" fmla="*/ 3838535 w 4218758"/>
+              <a:gd name="connsiteY5" fmla="*/ 1980856 h 1983941"/>
+              <a:gd name="connsiteX6" fmla="*/ 104263 w 4218758"/>
+              <a:gd name="connsiteY6" fmla="*/ 1602033 h 1983941"/>
+              <a:gd name="connsiteX7" fmla="*/ 11423 w 4218758"/>
+              <a:gd name="connsiteY7" fmla="*/ 1522256 h 1983941"/>
+              <a:gd name="connsiteX8" fmla="*/ 11423 w 4218758"/>
+              <a:gd name="connsiteY8" fmla="*/ 419411 h 1983941"/>
+              <a:gd name="connsiteX0" fmla="*/ 65314 w 4272649"/>
+              <a:gd name="connsiteY0" fmla="*/ 419411 h 1983941"/>
+              <a:gd name="connsiteX1" fmla="*/ 341034 w 4272649"/>
+              <a:gd name="connsiteY1" fmla="*/ 143691 h 1983941"/>
+              <a:gd name="connsiteX2" fmla="*/ 4101432 w 4272649"/>
+              <a:gd name="connsiteY2" fmla="*/ 0 h 1983941"/>
+              <a:gd name="connsiteX3" fmla="*/ 4272649 w 4272649"/>
+              <a:gd name="connsiteY3" fmla="*/ 223468 h 1983941"/>
+              <a:gd name="connsiteX4" fmla="*/ 4024455 w 4272649"/>
+              <a:gd name="connsiteY4" fmla="*/ 1861890 h 1983941"/>
+              <a:gd name="connsiteX5" fmla="*/ 3892426 w 4272649"/>
+              <a:gd name="connsiteY5" fmla="*/ 1980856 h 1983941"/>
+              <a:gd name="connsiteX6" fmla="*/ 158154 w 4272649"/>
+              <a:gd name="connsiteY6" fmla="*/ 1602033 h 1983941"/>
+              <a:gd name="connsiteX7" fmla="*/ 0 w 4272649"/>
+              <a:gd name="connsiteY7" fmla="*/ 1470004 h 1983941"/>
+              <a:gd name="connsiteX8" fmla="*/ 65314 w 4272649"/>
+              <a:gd name="connsiteY8" fmla="*/ 419411 h 1983941"/>
+              <a:gd name="connsiteX0" fmla="*/ 91440 w 4272649"/>
+              <a:gd name="connsiteY0" fmla="*/ 419411 h 1983941"/>
+              <a:gd name="connsiteX1" fmla="*/ 341034 w 4272649"/>
+              <a:gd name="connsiteY1" fmla="*/ 143691 h 1983941"/>
+              <a:gd name="connsiteX2" fmla="*/ 4101432 w 4272649"/>
+              <a:gd name="connsiteY2" fmla="*/ 0 h 1983941"/>
+              <a:gd name="connsiteX3" fmla="*/ 4272649 w 4272649"/>
+              <a:gd name="connsiteY3" fmla="*/ 223468 h 1983941"/>
+              <a:gd name="connsiteX4" fmla="*/ 4024455 w 4272649"/>
+              <a:gd name="connsiteY4" fmla="*/ 1861890 h 1983941"/>
+              <a:gd name="connsiteX5" fmla="*/ 3892426 w 4272649"/>
+              <a:gd name="connsiteY5" fmla="*/ 1980856 h 1983941"/>
+              <a:gd name="connsiteX6" fmla="*/ 158154 w 4272649"/>
+              <a:gd name="connsiteY6" fmla="*/ 1602033 h 1983941"/>
+              <a:gd name="connsiteX7" fmla="*/ 0 w 4272649"/>
+              <a:gd name="connsiteY7" fmla="*/ 1470004 h 1983941"/>
+              <a:gd name="connsiteX8" fmla="*/ 91440 w 4272649"/>
+              <a:gd name="connsiteY8" fmla="*/ 419411 h 1983941"/>
+              <a:gd name="connsiteX0" fmla="*/ 91440 w 4272649"/>
+              <a:gd name="connsiteY0" fmla="*/ 419411 h 1983941"/>
+              <a:gd name="connsiteX1" fmla="*/ 314908 w 4272649"/>
+              <a:gd name="connsiteY1" fmla="*/ 169816 h 1983941"/>
+              <a:gd name="connsiteX2" fmla="*/ 4101432 w 4272649"/>
+              <a:gd name="connsiteY2" fmla="*/ 0 h 1983941"/>
+              <a:gd name="connsiteX3" fmla="*/ 4272649 w 4272649"/>
+              <a:gd name="connsiteY3" fmla="*/ 223468 h 1983941"/>
+              <a:gd name="connsiteX4" fmla="*/ 4024455 w 4272649"/>
+              <a:gd name="connsiteY4" fmla="*/ 1861890 h 1983941"/>
+              <a:gd name="connsiteX5" fmla="*/ 3892426 w 4272649"/>
+              <a:gd name="connsiteY5" fmla="*/ 1980856 h 1983941"/>
+              <a:gd name="connsiteX6" fmla="*/ 158154 w 4272649"/>
+              <a:gd name="connsiteY6" fmla="*/ 1602033 h 1983941"/>
+              <a:gd name="connsiteX7" fmla="*/ 0 w 4272649"/>
+              <a:gd name="connsiteY7" fmla="*/ 1470004 h 1983941"/>
+              <a:gd name="connsiteX8" fmla="*/ 91440 w 4272649"/>
+              <a:gd name="connsiteY8" fmla="*/ 419411 h 1983941"/>
+              <a:gd name="connsiteX0" fmla="*/ 91440 w 4272649"/>
+              <a:gd name="connsiteY0" fmla="*/ 419411 h 1983941"/>
+              <a:gd name="connsiteX1" fmla="*/ 314908 w 4272649"/>
+              <a:gd name="connsiteY1" fmla="*/ 169816 h 1983941"/>
+              <a:gd name="connsiteX2" fmla="*/ 4101432 w 4272649"/>
+              <a:gd name="connsiteY2" fmla="*/ 0 h 1983941"/>
+              <a:gd name="connsiteX3" fmla="*/ 4272649 w 4272649"/>
+              <a:gd name="connsiteY3" fmla="*/ 223468 h 1983941"/>
+              <a:gd name="connsiteX4" fmla="*/ 4024455 w 4272649"/>
+              <a:gd name="connsiteY4" fmla="*/ 1861890 h 1983941"/>
+              <a:gd name="connsiteX5" fmla="*/ 3892426 w 4272649"/>
+              <a:gd name="connsiteY5" fmla="*/ 1980856 h 1983941"/>
+              <a:gd name="connsiteX6" fmla="*/ 158154 w 4272649"/>
+              <a:gd name="connsiteY6" fmla="*/ 1602033 h 1983941"/>
+              <a:gd name="connsiteX7" fmla="*/ 0 w 4272649"/>
+              <a:gd name="connsiteY7" fmla="*/ 1470004 h 1983941"/>
+              <a:gd name="connsiteX8" fmla="*/ 91440 w 4272649"/>
+              <a:gd name="connsiteY8" fmla="*/ 419411 h 1983941"/>
+              <a:gd name="connsiteX0" fmla="*/ 91440 w 4272649"/>
+              <a:gd name="connsiteY0" fmla="*/ 419411 h 1983941"/>
+              <a:gd name="connsiteX1" fmla="*/ 314908 w 4272649"/>
+              <a:gd name="connsiteY1" fmla="*/ 169816 h 1983941"/>
+              <a:gd name="connsiteX2" fmla="*/ 4101432 w 4272649"/>
+              <a:gd name="connsiteY2" fmla="*/ 0 h 1983941"/>
+              <a:gd name="connsiteX3" fmla="*/ 4272649 w 4272649"/>
+              <a:gd name="connsiteY3" fmla="*/ 223468 h 1983941"/>
+              <a:gd name="connsiteX4" fmla="*/ 4024455 w 4272649"/>
+              <a:gd name="connsiteY4" fmla="*/ 1861890 h 1983941"/>
+              <a:gd name="connsiteX5" fmla="*/ 3892426 w 4272649"/>
+              <a:gd name="connsiteY5" fmla="*/ 1980856 h 1983941"/>
+              <a:gd name="connsiteX6" fmla="*/ 158154 w 4272649"/>
+              <a:gd name="connsiteY6" fmla="*/ 1602033 h 1983941"/>
+              <a:gd name="connsiteX7" fmla="*/ 0 w 4272649"/>
+              <a:gd name="connsiteY7" fmla="*/ 1470004 h 1983941"/>
+              <a:gd name="connsiteX8" fmla="*/ 91440 w 4272649"/>
+              <a:gd name="connsiteY8" fmla="*/ 419411 h 1983941"/>
+              <a:gd name="connsiteX0" fmla="*/ 91440 w 4272649"/>
+              <a:gd name="connsiteY0" fmla="*/ 419411 h 1983941"/>
+              <a:gd name="connsiteX1" fmla="*/ 314908 w 4272649"/>
+              <a:gd name="connsiteY1" fmla="*/ 169816 h 1983941"/>
+              <a:gd name="connsiteX2" fmla="*/ 4101432 w 4272649"/>
+              <a:gd name="connsiteY2" fmla="*/ 0 h 1983941"/>
+              <a:gd name="connsiteX3" fmla="*/ 4272649 w 4272649"/>
+              <a:gd name="connsiteY3" fmla="*/ 223468 h 1983941"/>
+              <a:gd name="connsiteX4" fmla="*/ 4024455 w 4272649"/>
+              <a:gd name="connsiteY4" fmla="*/ 1861890 h 1983941"/>
+              <a:gd name="connsiteX5" fmla="*/ 3892426 w 4272649"/>
+              <a:gd name="connsiteY5" fmla="*/ 1980856 h 1983941"/>
+              <a:gd name="connsiteX6" fmla="*/ 158154 w 4272649"/>
+              <a:gd name="connsiteY6" fmla="*/ 1602033 h 1983941"/>
+              <a:gd name="connsiteX7" fmla="*/ 0 w 4272649"/>
+              <a:gd name="connsiteY7" fmla="*/ 1470004 h 1983941"/>
+              <a:gd name="connsiteX8" fmla="*/ 91440 w 4272649"/>
+              <a:gd name="connsiteY8" fmla="*/ 419411 h 1983941"/>
+              <a:gd name="connsiteX0" fmla="*/ 91440 w 4272649"/>
+              <a:gd name="connsiteY0" fmla="*/ 419411 h 1986100"/>
+              <a:gd name="connsiteX1" fmla="*/ 314908 w 4272649"/>
+              <a:gd name="connsiteY1" fmla="*/ 169816 h 1986100"/>
+              <a:gd name="connsiteX2" fmla="*/ 4101432 w 4272649"/>
+              <a:gd name="connsiteY2" fmla="*/ 0 h 1986100"/>
+              <a:gd name="connsiteX3" fmla="*/ 4272649 w 4272649"/>
+              <a:gd name="connsiteY3" fmla="*/ 223468 h 1986100"/>
+              <a:gd name="connsiteX4" fmla="*/ 4049855 w 4272649"/>
+              <a:gd name="connsiteY4" fmla="*/ 1870357 h 1986100"/>
+              <a:gd name="connsiteX5" fmla="*/ 3892426 w 4272649"/>
+              <a:gd name="connsiteY5" fmla="*/ 1980856 h 1986100"/>
+              <a:gd name="connsiteX6" fmla="*/ 158154 w 4272649"/>
+              <a:gd name="connsiteY6" fmla="*/ 1602033 h 1986100"/>
+              <a:gd name="connsiteX7" fmla="*/ 0 w 4272649"/>
+              <a:gd name="connsiteY7" fmla="*/ 1470004 h 1986100"/>
+              <a:gd name="connsiteX8" fmla="*/ 91440 w 4272649"/>
+              <a:gd name="connsiteY8" fmla="*/ 419411 h 1986100"/>
+              <a:gd name="connsiteX0" fmla="*/ 91440 w 4272649"/>
+              <a:gd name="connsiteY0" fmla="*/ 419411 h 1986100"/>
+              <a:gd name="connsiteX1" fmla="*/ 314908 w 4272649"/>
+              <a:gd name="connsiteY1" fmla="*/ 169816 h 1986100"/>
+              <a:gd name="connsiteX2" fmla="*/ 4101432 w 4272649"/>
+              <a:gd name="connsiteY2" fmla="*/ 0 h 1986100"/>
+              <a:gd name="connsiteX3" fmla="*/ 4272649 w 4272649"/>
+              <a:gd name="connsiteY3" fmla="*/ 223468 h 1986100"/>
+              <a:gd name="connsiteX4" fmla="*/ 4049855 w 4272649"/>
+              <a:gd name="connsiteY4" fmla="*/ 1870357 h 1986100"/>
+              <a:gd name="connsiteX5" fmla="*/ 3892426 w 4272649"/>
+              <a:gd name="connsiteY5" fmla="*/ 1980856 h 1986100"/>
+              <a:gd name="connsiteX6" fmla="*/ 158154 w 4272649"/>
+              <a:gd name="connsiteY6" fmla="*/ 1602033 h 1986100"/>
+              <a:gd name="connsiteX7" fmla="*/ 0 w 4272649"/>
+              <a:gd name="connsiteY7" fmla="*/ 1470004 h 1986100"/>
+              <a:gd name="connsiteX8" fmla="*/ 91440 w 4272649"/>
+              <a:gd name="connsiteY8" fmla="*/ 419411 h 1986100"/>
+              <a:gd name="connsiteX0" fmla="*/ 91440 w 4272649"/>
+              <a:gd name="connsiteY0" fmla="*/ 419411 h 1990708"/>
+              <a:gd name="connsiteX1" fmla="*/ 314908 w 4272649"/>
+              <a:gd name="connsiteY1" fmla="*/ 169816 h 1990708"/>
+              <a:gd name="connsiteX2" fmla="*/ 4101432 w 4272649"/>
+              <a:gd name="connsiteY2" fmla="*/ 0 h 1990708"/>
+              <a:gd name="connsiteX3" fmla="*/ 4272649 w 4272649"/>
+              <a:gd name="connsiteY3" fmla="*/ 223468 h 1990708"/>
+              <a:gd name="connsiteX4" fmla="*/ 4049855 w 4272649"/>
+              <a:gd name="connsiteY4" fmla="*/ 1870357 h 1990708"/>
+              <a:gd name="connsiteX5" fmla="*/ 3892426 w 4272649"/>
+              <a:gd name="connsiteY5" fmla="*/ 1980856 h 1990708"/>
+              <a:gd name="connsiteX6" fmla="*/ 158154 w 4272649"/>
+              <a:gd name="connsiteY6" fmla="*/ 1602033 h 1990708"/>
+              <a:gd name="connsiteX7" fmla="*/ 0 w 4272649"/>
+              <a:gd name="connsiteY7" fmla="*/ 1470004 h 1990708"/>
+              <a:gd name="connsiteX8" fmla="*/ 91440 w 4272649"/>
+              <a:gd name="connsiteY8" fmla="*/ 419411 h 1990708"/>
+              <a:gd name="connsiteX0" fmla="*/ 91440 w 4272649"/>
+              <a:gd name="connsiteY0" fmla="*/ 419411 h 1994350"/>
+              <a:gd name="connsiteX1" fmla="*/ 314908 w 4272649"/>
+              <a:gd name="connsiteY1" fmla="*/ 169816 h 1994350"/>
+              <a:gd name="connsiteX2" fmla="*/ 4101432 w 4272649"/>
+              <a:gd name="connsiteY2" fmla="*/ 0 h 1994350"/>
+              <a:gd name="connsiteX3" fmla="*/ 4272649 w 4272649"/>
+              <a:gd name="connsiteY3" fmla="*/ 223468 h 1994350"/>
+              <a:gd name="connsiteX4" fmla="*/ 4049855 w 4272649"/>
+              <a:gd name="connsiteY4" fmla="*/ 1870357 h 1994350"/>
+              <a:gd name="connsiteX5" fmla="*/ 3892426 w 4272649"/>
+              <a:gd name="connsiteY5" fmla="*/ 1980856 h 1994350"/>
+              <a:gd name="connsiteX6" fmla="*/ 158154 w 4272649"/>
+              <a:gd name="connsiteY6" fmla="*/ 1602033 h 1994350"/>
+              <a:gd name="connsiteX7" fmla="*/ 0 w 4272649"/>
+              <a:gd name="connsiteY7" fmla="*/ 1470004 h 1994350"/>
+              <a:gd name="connsiteX8" fmla="*/ 91440 w 4272649"/>
+              <a:gd name="connsiteY8" fmla="*/ 419411 h 1994350"/>
+            </a:gdLst>
+            <a:ahLst/>
+            <a:cxnLst>
+              <a:cxn ang="0">
+                <a:pos x="connsiteX0" y="connsiteY0"/>
+              </a:cxn>
+              <a:cxn ang="0">
+                <a:pos x="connsiteX1" y="connsiteY1"/>
+              </a:cxn>
+              <a:cxn ang="0">
+                <a:pos x="connsiteX2" y="connsiteY2"/>
+              </a:cxn>
+              <a:cxn ang="0">
+                <a:pos x="connsiteX3" y="connsiteY3"/>
+              </a:cxn>
+              <a:cxn ang="0">
+                <a:pos x="connsiteX4" y="connsiteY4"/>
+              </a:cxn>
+              <a:cxn ang="0">
+                <a:pos x="connsiteX5" y="connsiteY5"/>
+              </a:cxn>
+              <a:cxn ang="0">
+                <a:pos x="connsiteX6" y="connsiteY6"/>
+              </a:cxn>
+              <a:cxn ang="0">
+                <a:pos x="connsiteX7" y="connsiteY7"/>
+              </a:cxn>
+              <a:cxn ang="0">
+                <a:pos x="connsiteX8" y="connsiteY8"/>
+              </a:cxn>
+            </a:cxnLst>
+            <a:rect l="l" t="t" r="r" b="b"/>
+            <a:pathLst>
+              <a:path w="4272649" h="1994350">
+                <a:moveTo>
+                  <a:pt x="91440" y="419411"/>
+                </a:moveTo>
+                <a:cubicBezTo>
+                  <a:pt x="91440" y="267135"/>
+                  <a:pt x="162632" y="169816"/>
+                  <a:pt x="314908" y="169816"/>
+                </a:cubicBezTo>
+                <a:cubicBezTo>
+                  <a:pt x="1503060" y="143691"/>
+                  <a:pt x="2913280" y="0"/>
+                  <a:pt x="4101432" y="0"/>
+                </a:cubicBezTo>
+                <a:cubicBezTo>
+                  <a:pt x="4253708" y="0"/>
+                  <a:pt x="4272649" y="71192"/>
+                  <a:pt x="4272649" y="223468"/>
+                </a:cubicBezTo>
+                <a:cubicBezTo>
+                  <a:pt x="4198384" y="772431"/>
+                  <a:pt x="4136820" y="1325627"/>
+                  <a:pt x="4049855" y="1870357"/>
+                </a:cubicBezTo>
+                <a:cubicBezTo>
+                  <a:pt x="4015988" y="2039566"/>
+                  <a:pt x="4032002" y="1989323"/>
+                  <a:pt x="3892426" y="1980856"/>
+                </a:cubicBezTo>
+                <a:lnTo>
+                  <a:pt x="158154" y="1602033"/>
+                </a:lnTo>
+                <a:cubicBezTo>
+                  <a:pt x="5878" y="1568166"/>
+                  <a:pt x="0" y="1622280"/>
+                  <a:pt x="0" y="1470004"/>
+                </a:cubicBezTo>
+                <a:lnTo>
+                  <a:pt x="91440" y="419411"/>
+                </a:lnTo>
+                <a:close/>
+              </a:path>
+            </a:pathLst>
+          </a:custGeom>
+          <a:noFill/>
+          <a:ln w="57150">
+            <a:solidFill>
+              <a:schemeClr val="bg1"/>
+            </a:solidFill>
+          </a:ln>
+        </p:spPr>
+        <p:style>
+          <a:lnRef idx="2">
+            <a:schemeClr val="accent1">
+              <a:shade val="50000"/>
+            </a:schemeClr>
+          </a:lnRef>
+          <a:fillRef idx="1">
+            <a:schemeClr val="accent1"/>
+          </a:fillRef>
+          <a:effectRef idx="0">
+            <a:schemeClr val="accent1"/>
+          </a:effectRef>
+          <a:fontRef idx="minor">
+            <a:schemeClr val="lt1"/>
+          </a:fontRef>
+        </p:style>
+        <p:txBody>
+          <a:bodyPr rtlCol="0" anchor="ctr"/>
+          <a:lstStyle/>
+          <a:p>
+            <a:pPr algn="ctr"/>
+            <a:endParaRPr lang="es-MX"/>
+          </a:p>
+        </p:txBody>
+      </p:sp>
+      <p:sp>
+        <p:nvSpPr>
+          <p:cNvPr id="32" name="Rectángulo: esquinas redondeadas 3">
+            <a:extLst>
+              <a:ext uri="{FF2B5EF4-FFF2-40B4-BE49-F238E27FC236}">
+                <a16:creationId xmlns:a16="http://schemas.microsoft.com/office/drawing/2014/main" id="{797ED57B-2C9F-4539-8CBA-B14FEEE899BE}"/>
+              </a:ext>
+            </a:extLst>
+          </p:cNvPr>
+          <p:cNvSpPr/>
+          <p:nvPr/>
+        </p:nvSpPr>
+        <p:spPr>
+          <a:xfrm>
+            <a:off x="4938702" y="3803301"/>
+            <a:ext cx="2285371" cy="2264898"/>
+          </a:xfrm>
+          <a:custGeom>
+            <a:avLst/>
+            <a:gdLst>
+              <a:gd name="connsiteX0" fmla="*/ 0 w 2307102"/>
+              <a:gd name="connsiteY0" fmla="*/ 248534 h 1491175"/>
+              <a:gd name="connsiteX1" fmla="*/ 248534 w 2307102"/>
+              <a:gd name="connsiteY1" fmla="*/ 0 h 1491175"/>
+              <a:gd name="connsiteX2" fmla="*/ 2058568 w 2307102"/>
+              <a:gd name="connsiteY2" fmla="*/ 0 h 1491175"/>
+              <a:gd name="connsiteX3" fmla="*/ 2307102 w 2307102"/>
+              <a:gd name="connsiteY3" fmla="*/ 248534 h 1491175"/>
+              <a:gd name="connsiteX4" fmla="*/ 2307102 w 2307102"/>
+              <a:gd name="connsiteY4" fmla="*/ 1242641 h 1491175"/>
+              <a:gd name="connsiteX5" fmla="*/ 2058568 w 2307102"/>
+              <a:gd name="connsiteY5" fmla="*/ 1491175 h 1491175"/>
+              <a:gd name="connsiteX6" fmla="*/ 248534 w 2307102"/>
+              <a:gd name="connsiteY6" fmla="*/ 1491175 h 1491175"/>
+              <a:gd name="connsiteX7" fmla="*/ 0 w 2307102"/>
+              <a:gd name="connsiteY7" fmla="*/ 1242641 h 1491175"/>
+              <a:gd name="connsiteX8" fmla="*/ 0 w 2307102"/>
+              <a:gd name="connsiteY8" fmla="*/ 248534 h 1491175"/>
+              <a:gd name="connsiteX0" fmla="*/ 0 w 2307102"/>
+              <a:gd name="connsiteY0" fmla="*/ 248534 h 1491175"/>
+              <a:gd name="connsiteX1" fmla="*/ 248534 w 2307102"/>
+              <a:gd name="connsiteY1" fmla="*/ 0 h 1491175"/>
+              <a:gd name="connsiteX2" fmla="*/ 2058568 w 2307102"/>
+              <a:gd name="connsiteY2" fmla="*/ 0 h 1491175"/>
+              <a:gd name="connsiteX3" fmla="*/ 2096086 w 2307102"/>
+              <a:gd name="connsiteY3" fmla="*/ 248534 h 1491175"/>
+              <a:gd name="connsiteX4" fmla="*/ 2307102 w 2307102"/>
+              <a:gd name="connsiteY4" fmla="*/ 1242641 h 1491175"/>
+              <a:gd name="connsiteX5" fmla="*/ 2058568 w 2307102"/>
+              <a:gd name="connsiteY5" fmla="*/ 1491175 h 1491175"/>
+              <a:gd name="connsiteX6" fmla="*/ 248534 w 2307102"/>
+              <a:gd name="connsiteY6" fmla="*/ 1491175 h 1491175"/>
+              <a:gd name="connsiteX7" fmla="*/ 0 w 2307102"/>
+              <a:gd name="connsiteY7" fmla="*/ 1242641 h 1491175"/>
+              <a:gd name="connsiteX8" fmla="*/ 0 w 2307102"/>
+              <a:gd name="connsiteY8" fmla="*/ 248534 h 1491175"/>
+              <a:gd name="connsiteX0" fmla="*/ 0 w 2307102"/>
+              <a:gd name="connsiteY0" fmla="*/ 248534 h 1856935"/>
+              <a:gd name="connsiteX1" fmla="*/ 248534 w 2307102"/>
+              <a:gd name="connsiteY1" fmla="*/ 0 h 1856935"/>
+              <a:gd name="connsiteX2" fmla="*/ 2058568 w 2307102"/>
+              <a:gd name="connsiteY2" fmla="*/ 0 h 1856935"/>
+              <a:gd name="connsiteX3" fmla="*/ 2096086 w 2307102"/>
+              <a:gd name="connsiteY3" fmla="*/ 248534 h 1856935"/>
+              <a:gd name="connsiteX4" fmla="*/ 2307102 w 2307102"/>
+              <a:gd name="connsiteY4" fmla="*/ 1242641 h 1856935"/>
+              <a:gd name="connsiteX5" fmla="*/ 1875688 w 2307102"/>
+              <a:gd name="connsiteY5" fmla="*/ 1856935 h 1856935"/>
+              <a:gd name="connsiteX6" fmla="*/ 248534 w 2307102"/>
+              <a:gd name="connsiteY6" fmla="*/ 1491175 h 1856935"/>
+              <a:gd name="connsiteX7" fmla="*/ 0 w 2307102"/>
+              <a:gd name="connsiteY7" fmla="*/ 1242641 h 1856935"/>
+              <a:gd name="connsiteX8" fmla="*/ 0 w 2307102"/>
+              <a:gd name="connsiteY8" fmla="*/ 248534 h 1856935"/>
+              <a:gd name="connsiteX0" fmla="*/ 0 w 2131088"/>
+              <a:gd name="connsiteY0" fmla="*/ 248534 h 1856935"/>
+              <a:gd name="connsiteX1" fmla="*/ 248534 w 2131088"/>
+              <a:gd name="connsiteY1" fmla="*/ 0 h 1856935"/>
+              <a:gd name="connsiteX2" fmla="*/ 2058568 w 2131088"/>
+              <a:gd name="connsiteY2" fmla="*/ 0 h 1856935"/>
+              <a:gd name="connsiteX3" fmla="*/ 2096086 w 2131088"/>
+              <a:gd name="connsiteY3" fmla="*/ 248534 h 1856935"/>
+              <a:gd name="connsiteX4" fmla="*/ 2025748 w 2131088"/>
+              <a:gd name="connsiteY4" fmla="*/ 1692808 h 1856935"/>
+              <a:gd name="connsiteX5" fmla="*/ 1875688 w 2131088"/>
+              <a:gd name="connsiteY5" fmla="*/ 1856935 h 1856935"/>
+              <a:gd name="connsiteX6" fmla="*/ 248534 w 2131088"/>
+              <a:gd name="connsiteY6" fmla="*/ 1491175 h 1856935"/>
+              <a:gd name="connsiteX7" fmla="*/ 0 w 2131088"/>
+              <a:gd name="connsiteY7" fmla="*/ 1242641 h 1856935"/>
+              <a:gd name="connsiteX8" fmla="*/ 0 w 2131088"/>
+              <a:gd name="connsiteY8" fmla="*/ 248534 h 1856935"/>
+              <a:gd name="connsiteX0" fmla="*/ 86342 w 2217430"/>
+              <a:gd name="connsiteY0" fmla="*/ 248534 h 2264898"/>
+              <a:gd name="connsiteX1" fmla="*/ 334876 w 2217430"/>
+              <a:gd name="connsiteY1" fmla="*/ 0 h 2264898"/>
+              <a:gd name="connsiteX2" fmla="*/ 2144910 w 2217430"/>
+              <a:gd name="connsiteY2" fmla="*/ 0 h 2264898"/>
+              <a:gd name="connsiteX3" fmla="*/ 2182428 w 2217430"/>
+              <a:gd name="connsiteY3" fmla="*/ 248534 h 2264898"/>
+              <a:gd name="connsiteX4" fmla="*/ 2112090 w 2217430"/>
+              <a:gd name="connsiteY4" fmla="*/ 1692808 h 2264898"/>
+              <a:gd name="connsiteX5" fmla="*/ 1962030 w 2217430"/>
+              <a:gd name="connsiteY5" fmla="*/ 1856935 h 2264898"/>
+              <a:gd name="connsiteX6" fmla="*/ 53522 w 2217430"/>
+              <a:gd name="connsiteY6" fmla="*/ 2264898 h 2264898"/>
+              <a:gd name="connsiteX7" fmla="*/ 86342 w 2217430"/>
+              <a:gd name="connsiteY7" fmla="*/ 1242641 h 2264898"/>
+              <a:gd name="connsiteX8" fmla="*/ 86342 w 2217430"/>
+              <a:gd name="connsiteY8" fmla="*/ 248534 h 2264898"/>
+              <a:gd name="connsiteX0" fmla="*/ 115610 w 2246698"/>
+              <a:gd name="connsiteY0" fmla="*/ 248534 h 2264898"/>
+              <a:gd name="connsiteX1" fmla="*/ 364144 w 2246698"/>
+              <a:gd name="connsiteY1" fmla="*/ 0 h 2264898"/>
+              <a:gd name="connsiteX2" fmla="*/ 2174178 w 2246698"/>
+              <a:gd name="connsiteY2" fmla="*/ 0 h 2264898"/>
+              <a:gd name="connsiteX3" fmla="*/ 2211696 w 2246698"/>
+              <a:gd name="connsiteY3" fmla="*/ 248534 h 2264898"/>
+              <a:gd name="connsiteX4" fmla="*/ 2141358 w 2246698"/>
+              <a:gd name="connsiteY4" fmla="*/ 1692808 h 2264898"/>
+              <a:gd name="connsiteX5" fmla="*/ 1991298 w 2246698"/>
+              <a:gd name="connsiteY5" fmla="*/ 1856935 h 2264898"/>
+              <a:gd name="connsiteX6" fmla="*/ 82790 w 2246698"/>
+              <a:gd name="connsiteY6" fmla="*/ 2264898 h 2264898"/>
+              <a:gd name="connsiteX7" fmla="*/ 20360 w 2246698"/>
+              <a:gd name="connsiteY7" fmla="*/ 1246451 h 2264898"/>
+              <a:gd name="connsiteX8" fmla="*/ 115610 w 2246698"/>
+              <a:gd name="connsiteY8" fmla="*/ 248534 h 2264898"/>
+              <a:gd name="connsiteX0" fmla="*/ 171450 w 2302538"/>
+              <a:gd name="connsiteY0" fmla="*/ 248534 h 2264898"/>
+              <a:gd name="connsiteX1" fmla="*/ 419984 w 2302538"/>
+              <a:gd name="connsiteY1" fmla="*/ 0 h 2264898"/>
+              <a:gd name="connsiteX2" fmla="*/ 2230018 w 2302538"/>
+              <a:gd name="connsiteY2" fmla="*/ 0 h 2264898"/>
+              <a:gd name="connsiteX3" fmla="*/ 2267536 w 2302538"/>
+              <a:gd name="connsiteY3" fmla="*/ 248534 h 2264898"/>
+              <a:gd name="connsiteX4" fmla="*/ 2197198 w 2302538"/>
+              <a:gd name="connsiteY4" fmla="*/ 1692808 h 2264898"/>
+              <a:gd name="connsiteX5" fmla="*/ 2047138 w 2302538"/>
+              <a:gd name="connsiteY5" fmla="*/ 1856935 h 2264898"/>
+              <a:gd name="connsiteX6" fmla="*/ 138630 w 2302538"/>
+              <a:gd name="connsiteY6" fmla="*/ 2264898 h 2264898"/>
+              <a:gd name="connsiteX7" fmla="*/ 0 w 2302538"/>
+              <a:gd name="connsiteY7" fmla="*/ 2012261 h 2264898"/>
+              <a:gd name="connsiteX8" fmla="*/ 171450 w 2302538"/>
+              <a:gd name="connsiteY8" fmla="*/ 248534 h 2264898"/>
+              <a:gd name="connsiteX0" fmla="*/ 171450 w 2302538"/>
+              <a:gd name="connsiteY0" fmla="*/ 248534 h 2264898"/>
+              <a:gd name="connsiteX1" fmla="*/ 419984 w 2302538"/>
+              <a:gd name="connsiteY1" fmla="*/ 0 h 2264898"/>
+              <a:gd name="connsiteX2" fmla="*/ 2230018 w 2302538"/>
+              <a:gd name="connsiteY2" fmla="*/ 0 h 2264898"/>
+              <a:gd name="connsiteX3" fmla="*/ 2267536 w 2302538"/>
+              <a:gd name="connsiteY3" fmla="*/ 248534 h 2264898"/>
+              <a:gd name="connsiteX4" fmla="*/ 2197198 w 2302538"/>
+              <a:gd name="connsiteY4" fmla="*/ 1692808 h 2264898"/>
+              <a:gd name="connsiteX5" fmla="*/ 2047138 w 2302538"/>
+              <a:gd name="connsiteY5" fmla="*/ 1856935 h 2264898"/>
+              <a:gd name="connsiteX6" fmla="*/ 138630 w 2302538"/>
+              <a:gd name="connsiteY6" fmla="*/ 2264898 h 2264898"/>
+              <a:gd name="connsiteX7" fmla="*/ 0 w 2302538"/>
+              <a:gd name="connsiteY7" fmla="*/ 2012261 h 2264898"/>
+              <a:gd name="connsiteX8" fmla="*/ 171450 w 2302538"/>
+              <a:gd name="connsiteY8" fmla="*/ 248534 h 2264898"/>
+              <a:gd name="connsiteX0" fmla="*/ 171450 w 2302538"/>
+              <a:gd name="connsiteY0" fmla="*/ 248534 h 2264898"/>
+              <a:gd name="connsiteX1" fmla="*/ 419984 w 2302538"/>
+              <a:gd name="connsiteY1" fmla="*/ 0 h 2264898"/>
+              <a:gd name="connsiteX2" fmla="*/ 2230018 w 2302538"/>
+              <a:gd name="connsiteY2" fmla="*/ 0 h 2264898"/>
+              <a:gd name="connsiteX3" fmla="*/ 2267536 w 2302538"/>
+              <a:gd name="connsiteY3" fmla="*/ 248534 h 2264898"/>
+              <a:gd name="connsiteX4" fmla="*/ 2197198 w 2302538"/>
+              <a:gd name="connsiteY4" fmla="*/ 1666138 h 2264898"/>
+              <a:gd name="connsiteX5" fmla="*/ 2047138 w 2302538"/>
+              <a:gd name="connsiteY5" fmla="*/ 1856935 h 2264898"/>
+              <a:gd name="connsiteX6" fmla="*/ 138630 w 2302538"/>
+              <a:gd name="connsiteY6" fmla="*/ 2264898 h 2264898"/>
+              <a:gd name="connsiteX7" fmla="*/ 0 w 2302538"/>
+              <a:gd name="connsiteY7" fmla="*/ 2012261 h 2264898"/>
+              <a:gd name="connsiteX8" fmla="*/ 171450 w 2302538"/>
+              <a:gd name="connsiteY8" fmla="*/ 248534 h 2264898"/>
+              <a:gd name="connsiteX0" fmla="*/ 171450 w 2302538"/>
+              <a:gd name="connsiteY0" fmla="*/ 248534 h 2264898"/>
+              <a:gd name="connsiteX1" fmla="*/ 419984 w 2302538"/>
+              <a:gd name="connsiteY1" fmla="*/ 0 h 2264898"/>
+              <a:gd name="connsiteX2" fmla="*/ 2230018 w 2302538"/>
+              <a:gd name="connsiteY2" fmla="*/ 0 h 2264898"/>
+              <a:gd name="connsiteX3" fmla="*/ 2267536 w 2302538"/>
+              <a:gd name="connsiteY3" fmla="*/ 248534 h 2264898"/>
+              <a:gd name="connsiteX4" fmla="*/ 2197198 w 2302538"/>
+              <a:gd name="connsiteY4" fmla="*/ 1666138 h 2264898"/>
+              <a:gd name="connsiteX5" fmla="*/ 2047138 w 2302538"/>
+              <a:gd name="connsiteY5" fmla="*/ 1856935 h 2264898"/>
+              <a:gd name="connsiteX6" fmla="*/ 138630 w 2302538"/>
+              <a:gd name="connsiteY6" fmla="*/ 2264898 h 2264898"/>
+              <a:gd name="connsiteX7" fmla="*/ 0 w 2302538"/>
+              <a:gd name="connsiteY7" fmla="*/ 2012261 h 2264898"/>
+              <a:gd name="connsiteX8" fmla="*/ 171450 w 2302538"/>
+              <a:gd name="connsiteY8" fmla="*/ 248534 h 2264898"/>
+              <a:gd name="connsiteX0" fmla="*/ 171450 w 2302538"/>
+              <a:gd name="connsiteY0" fmla="*/ 248534 h 2264898"/>
+              <a:gd name="connsiteX1" fmla="*/ 419984 w 2302538"/>
+              <a:gd name="connsiteY1" fmla="*/ 0 h 2264898"/>
+              <a:gd name="connsiteX2" fmla="*/ 2230018 w 2302538"/>
+              <a:gd name="connsiteY2" fmla="*/ 0 h 2264898"/>
+              <a:gd name="connsiteX3" fmla="*/ 2267536 w 2302538"/>
+              <a:gd name="connsiteY3" fmla="*/ 248534 h 2264898"/>
+              <a:gd name="connsiteX4" fmla="*/ 2197198 w 2302538"/>
+              <a:gd name="connsiteY4" fmla="*/ 1666138 h 2264898"/>
+              <a:gd name="connsiteX5" fmla="*/ 2043328 w 2302538"/>
+              <a:gd name="connsiteY5" fmla="*/ 1856935 h 2264898"/>
+              <a:gd name="connsiteX6" fmla="*/ 138630 w 2302538"/>
+              <a:gd name="connsiteY6" fmla="*/ 2264898 h 2264898"/>
+              <a:gd name="connsiteX7" fmla="*/ 0 w 2302538"/>
+              <a:gd name="connsiteY7" fmla="*/ 2012261 h 2264898"/>
+              <a:gd name="connsiteX8" fmla="*/ 171450 w 2302538"/>
+              <a:gd name="connsiteY8" fmla="*/ 248534 h 2264898"/>
+              <a:gd name="connsiteX0" fmla="*/ 171450 w 2302538"/>
+              <a:gd name="connsiteY0" fmla="*/ 248534 h 2264898"/>
+              <a:gd name="connsiteX1" fmla="*/ 419984 w 2302538"/>
+              <a:gd name="connsiteY1" fmla="*/ 0 h 2264898"/>
+              <a:gd name="connsiteX2" fmla="*/ 2230018 w 2302538"/>
+              <a:gd name="connsiteY2" fmla="*/ 0 h 2264898"/>
+              <a:gd name="connsiteX3" fmla="*/ 2267536 w 2302538"/>
+              <a:gd name="connsiteY3" fmla="*/ 248534 h 2264898"/>
+              <a:gd name="connsiteX4" fmla="*/ 2197198 w 2302538"/>
+              <a:gd name="connsiteY4" fmla="*/ 1666138 h 2264898"/>
+              <a:gd name="connsiteX5" fmla="*/ 2043328 w 2302538"/>
+              <a:gd name="connsiteY5" fmla="*/ 1856935 h 2264898"/>
+              <a:gd name="connsiteX6" fmla="*/ 138630 w 2302538"/>
+              <a:gd name="connsiteY6" fmla="*/ 2264898 h 2264898"/>
+              <a:gd name="connsiteX7" fmla="*/ 0 w 2302538"/>
+              <a:gd name="connsiteY7" fmla="*/ 2012261 h 2264898"/>
+              <a:gd name="connsiteX8" fmla="*/ 171450 w 2302538"/>
+              <a:gd name="connsiteY8" fmla="*/ 248534 h 2264898"/>
+              <a:gd name="connsiteX0" fmla="*/ 171450 w 2302538"/>
+              <a:gd name="connsiteY0" fmla="*/ 248534 h 2264898"/>
+              <a:gd name="connsiteX1" fmla="*/ 419984 w 2302538"/>
+              <a:gd name="connsiteY1" fmla="*/ 0 h 2264898"/>
+              <a:gd name="connsiteX2" fmla="*/ 2230018 w 2302538"/>
+              <a:gd name="connsiteY2" fmla="*/ 0 h 2264898"/>
+              <a:gd name="connsiteX3" fmla="*/ 2267536 w 2302538"/>
+              <a:gd name="connsiteY3" fmla="*/ 248534 h 2264898"/>
+              <a:gd name="connsiteX4" fmla="*/ 2189578 w 2302538"/>
+              <a:gd name="connsiteY4" fmla="*/ 1677568 h 2264898"/>
+              <a:gd name="connsiteX5" fmla="*/ 2043328 w 2302538"/>
+              <a:gd name="connsiteY5" fmla="*/ 1856935 h 2264898"/>
+              <a:gd name="connsiteX6" fmla="*/ 138630 w 2302538"/>
+              <a:gd name="connsiteY6" fmla="*/ 2264898 h 2264898"/>
+              <a:gd name="connsiteX7" fmla="*/ 0 w 2302538"/>
+              <a:gd name="connsiteY7" fmla="*/ 2012261 h 2264898"/>
+              <a:gd name="connsiteX8" fmla="*/ 171450 w 2302538"/>
+              <a:gd name="connsiteY8" fmla="*/ 248534 h 2264898"/>
+              <a:gd name="connsiteX0" fmla="*/ 171450 w 2302538"/>
+              <a:gd name="connsiteY0" fmla="*/ 248534 h 2264898"/>
+              <a:gd name="connsiteX1" fmla="*/ 419984 w 2302538"/>
+              <a:gd name="connsiteY1" fmla="*/ 0 h 2264898"/>
+              <a:gd name="connsiteX2" fmla="*/ 2230018 w 2302538"/>
+              <a:gd name="connsiteY2" fmla="*/ 0 h 2264898"/>
+              <a:gd name="connsiteX3" fmla="*/ 2267536 w 2302538"/>
+              <a:gd name="connsiteY3" fmla="*/ 248534 h 2264898"/>
+              <a:gd name="connsiteX4" fmla="*/ 2189578 w 2302538"/>
+              <a:gd name="connsiteY4" fmla="*/ 1677568 h 2264898"/>
+              <a:gd name="connsiteX5" fmla="*/ 2043328 w 2302538"/>
+              <a:gd name="connsiteY5" fmla="*/ 1856935 h 2264898"/>
+              <a:gd name="connsiteX6" fmla="*/ 138630 w 2302538"/>
+              <a:gd name="connsiteY6" fmla="*/ 2264898 h 2264898"/>
+              <a:gd name="connsiteX7" fmla="*/ 0 w 2302538"/>
+              <a:gd name="connsiteY7" fmla="*/ 2012261 h 2264898"/>
+              <a:gd name="connsiteX8" fmla="*/ 171450 w 2302538"/>
+              <a:gd name="connsiteY8" fmla="*/ 248534 h 2264898"/>
+              <a:gd name="connsiteX0" fmla="*/ 171450 w 2302538"/>
+              <a:gd name="connsiteY0" fmla="*/ 248534 h 2264898"/>
+              <a:gd name="connsiteX1" fmla="*/ 419984 w 2302538"/>
+              <a:gd name="connsiteY1" fmla="*/ 0 h 2264898"/>
+              <a:gd name="connsiteX2" fmla="*/ 2230018 w 2302538"/>
+              <a:gd name="connsiteY2" fmla="*/ 0 h 2264898"/>
+              <a:gd name="connsiteX3" fmla="*/ 2267536 w 2302538"/>
+              <a:gd name="connsiteY3" fmla="*/ 248534 h 2264898"/>
+              <a:gd name="connsiteX4" fmla="*/ 2189578 w 2302538"/>
+              <a:gd name="connsiteY4" fmla="*/ 1677568 h 2264898"/>
+              <a:gd name="connsiteX5" fmla="*/ 2043328 w 2302538"/>
+              <a:gd name="connsiteY5" fmla="*/ 1856935 h 2264898"/>
+              <a:gd name="connsiteX6" fmla="*/ 138630 w 2302538"/>
+              <a:gd name="connsiteY6" fmla="*/ 2264898 h 2264898"/>
+              <a:gd name="connsiteX7" fmla="*/ 0 w 2302538"/>
+              <a:gd name="connsiteY7" fmla="*/ 2012261 h 2264898"/>
+              <a:gd name="connsiteX8" fmla="*/ 171450 w 2302538"/>
+              <a:gd name="connsiteY8" fmla="*/ 248534 h 2264898"/>
+              <a:gd name="connsiteX0" fmla="*/ 171450 w 2296034"/>
+              <a:gd name="connsiteY0" fmla="*/ 248534 h 2264898"/>
+              <a:gd name="connsiteX1" fmla="*/ 419984 w 2296034"/>
+              <a:gd name="connsiteY1" fmla="*/ 0 h 2264898"/>
+              <a:gd name="connsiteX2" fmla="*/ 2230018 w 2296034"/>
+              <a:gd name="connsiteY2" fmla="*/ 0 h 2264898"/>
+              <a:gd name="connsiteX3" fmla="*/ 2267536 w 2296034"/>
+              <a:gd name="connsiteY3" fmla="*/ 248534 h 2264898"/>
+              <a:gd name="connsiteX4" fmla="*/ 2189578 w 2296034"/>
+              <a:gd name="connsiteY4" fmla="*/ 1677568 h 2264898"/>
+              <a:gd name="connsiteX5" fmla="*/ 2043328 w 2296034"/>
+              <a:gd name="connsiteY5" fmla="*/ 1856935 h 2264898"/>
+              <a:gd name="connsiteX6" fmla="*/ 138630 w 2296034"/>
+              <a:gd name="connsiteY6" fmla="*/ 2264898 h 2264898"/>
+              <a:gd name="connsiteX7" fmla="*/ 0 w 2296034"/>
+              <a:gd name="connsiteY7" fmla="*/ 2012261 h 2264898"/>
+              <a:gd name="connsiteX8" fmla="*/ 171450 w 2296034"/>
+              <a:gd name="connsiteY8" fmla="*/ 248534 h 2264898"/>
+              <a:gd name="connsiteX0" fmla="*/ 171450 w 2300669"/>
+              <a:gd name="connsiteY0" fmla="*/ 248534 h 2264898"/>
+              <a:gd name="connsiteX1" fmla="*/ 419984 w 2300669"/>
+              <a:gd name="connsiteY1" fmla="*/ 0 h 2264898"/>
+              <a:gd name="connsiteX2" fmla="*/ 2230018 w 2300669"/>
+              <a:gd name="connsiteY2" fmla="*/ 0 h 2264898"/>
+              <a:gd name="connsiteX3" fmla="*/ 2278966 w 2300669"/>
+              <a:gd name="connsiteY3" fmla="*/ 248534 h 2264898"/>
+              <a:gd name="connsiteX4" fmla="*/ 2189578 w 2300669"/>
+              <a:gd name="connsiteY4" fmla="*/ 1677568 h 2264898"/>
+              <a:gd name="connsiteX5" fmla="*/ 2043328 w 2300669"/>
+              <a:gd name="connsiteY5" fmla="*/ 1856935 h 2264898"/>
+              <a:gd name="connsiteX6" fmla="*/ 138630 w 2300669"/>
+              <a:gd name="connsiteY6" fmla="*/ 2264898 h 2264898"/>
+              <a:gd name="connsiteX7" fmla="*/ 0 w 2300669"/>
+              <a:gd name="connsiteY7" fmla="*/ 2012261 h 2264898"/>
+              <a:gd name="connsiteX8" fmla="*/ 171450 w 2300669"/>
+              <a:gd name="connsiteY8" fmla="*/ 248534 h 2264898"/>
+              <a:gd name="connsiteX0" fmla="*/ 171450 w 2300669"/>
+              <a:gd name="connsiteY0" fmla="*/ 248534 h 2264898"/>
+              <a:gd name="connsiteX1" fmla="*/ 419984 w 2300669"/>
+              <a:gd name="connsiteY1" fmla="*/ 0 h 2264898"/>
+              <a:gd name="connsiteX2" fmla="*/ 2230018 w 2300669"/>
+              <a:gd name="connsiteY2" fmla="*/ 0 h 2264898"/>
+              <a:gd name="connsiteX3" fmla="*/ 2278966 w 2300669"/>
+              <a:gd name="connsiteY3" fmla="*/ 248534 h 2264898"/>
+              <a:gd name="connsiteX4" fmla="*/ 2189578 w 2300669"/>
+              <a:gd name="connsiteY4" fmla="*/ 1677568 h 2264898"/>
+              <a:gd name="connsiteX5" fmla="*/ 2043328 w 2300669"/>
+              <a:gd name="connsiteY5" fmla="*/ 1856935 h 2264898"/>
+              <a:gd name="connsiteX6" fmla="*/ 138630 w 2300669"/>
+              <a:gd name="connsiteY6" fmla="*/ 2264898 h 2264898"/>
+              <a:gd name="connsiteX7" fmla="*/ 0 w 2300669"/>
+              <a:gd name="connsiteY7" fmla="*/ 2012261 h 2264898"/>
+              <a:gd name="connsiteX8" fmla="*/ 171450 w 2300669"/>
+              <a:gd name="connsiteY8" fmla="*/ 248534 h 2264898"/>
+              <a:gd name="connsiteX0" fmla="*/ 171450 w 2300669"/>
+              <a:gd name="connsiteY0" fmla="*/ 248534 h 2264898"/>
+              <a:gd name="connsiteX1" fmla="*/ 419984 w 2300669"/>
+              <a:gd name="connsiteY1" fmla="*/ 0 h 2264898"/>
+              <a:gd name="connsiteX2" fmla="*/ 2230018 w 2300669"/>
+              <a:gd name="connsiteY2" fmla="*/ 0 h 2264898"/>
+              <a:gd name="connsiteX3" fmla="*/ 2278966 w 2300669"/>
+              <a:gd name="connsiteY3" fmla="*/ 248534 h 2264898"/>
+              <a:gd name="connsiteX4" fmla="*/ 2189578 w 2300669"/>
+              <a:gd name="connsiteY4" fmla="*/ 1677568 h 2264898"/>
+              <a:gd name="connsiteX5" fmla="*/ 2043328 w 2300669"/>
+              <a:gd name="connsiteY5" fmla="*/ 1856935 h 2264898"/>
+              <a:gd name="connsiteX6" fmla="*/ 138630 w 2300669"/>
+              <a:gd name="connsiteY6" fmla="*/ 2264898 h 2264898"/>
+              <a:gd name="connsiteX7" fmla="*/ 0 w 2300669"/>
+              <a:gd name="connsiteY7" fmla="*/ 2012261 h 2264898"/>
+              <a:gd name="connsiteX8" fmla="*/ 171450 w 2300669"/>
+              <a:gd name="connsiteY8" fmla="*/ 248534 h 2264898"/>
+              <a:gd name="connsiteX0" fmla="*/ 171450 w 2299392"/>
+              <a:gd name="connsiteY0" fmla="*/ 248534 h 2264898"/>
+              <a:gd name="connsiteX1" fmla="*/ 419984 w 2299392"/>
+              <a:gd name="connsiteY1" fmla="*/ 0 h 2264898"/>
+              <a:gd name="connsiteX2" fmla="*/ 2230018 w 2299392"/>
+              <a:gd name="connsiteY2" fmla="*/ 0 h 2264898"/>
+              <a:gd name="connsiteX3" fmla="*/ 2278966 w 2299392"/>
+              <a:gd name="connsiteY3" fmla="*/ 248534 h 2264898"/>
+              <a:gd name="connsiteX4" fmla="*/ 2189578 w 2299392"/>
+              <a:gd name="connsiteY4" fmla="*/ 1677568 h 2264898"/>
+              <a:gd name="connsiteX5" fmla="*/ 2043328 w 2299392"/>
+              <a:gd name="connsiteY5" fmla="*/ 1856935 h 2264898"/>
+              <a:gd name="connsiteX6" fmla="*/ 138630 w 2299392"/>
+              <a:gd name="connsiteY6" fmla="*/ 2264898 h 2264898"/>
+              <a:gd name="connsiteX7" fmla="*/ 0 w 2299392"/>
+              <a:gd name="connsiteY7" fmla="*/ 2012261 h 2264898"/>
+              <a:gd name="connsiteX8" fmla="*/ 171450 w 2299392"/>
+              <a:gd name="connsiteY8" fmla="*/ 248534 h 2264898"/>
+              <a:gd name="connsiteX0" fmla="*/ 171450 w 2301034"/>
+              <a:gd name="connsiteY0" fmla="*/ 248534 h 2264898"/>
+              <a:gd name="connsiteX1" fmla="*/ 419984 w 2301034"/>
+              <a:gd name="connsiteY1" fmla="*/ 0 h 2264898"/>
+              <a:gd name="connsiteX2" fmla="*/ 2230018 w 2301034"/>
+              <a:gd name="connsiteY2" fmla="*/ 0 h 2264898"/>
+              <a:gd name="connsiteX3" fmla="*/ 2282776 w 2301034"/>
+              <a:gd name="connsiteY3" fmla="*/ 122804 h 2264898"/>
+              <a:gd name="connsiteX4" fmla="*/ 2189578 w 2301034"/>
+              <a:gd name="connsiteY4" fmla="*/ 1677568 h 2264898"/>
+              <a:gd name="connsiteX5" fmla="*/ 2043328 w 2301034"/>
+              <a:gd name="connsiteY5" fmla="*/ 1856935 h 2264898"/>
+              <a:gd name="connsiteX6" fmla="*/ 138630 w 2301034"/>
+              <a:gd name="connsiteY6" fmla="*/ 2264898 h 2264898"/>
+              <a:gd name="connsiteX7" fmla="*/ 0 w 2301034"/>
+              <a:gd name="connsiteY7" fmla="*/ 2012261 h 2264898"/>
+              <a:gd name="connsiteX8" fmla="*/ 171450 w 2301034"/>
+              <a:gd name="connsiteY8" fmla="*/ 248534 h 2264898"/>
+              <a:gd name="connsiteX0" fmla="*/ 171450 w 2297227"/>
+              <a:gd name="connsiteY0" fmla="*/ 248534 h 2264898"/>
+              <a:gd name="connsiteX1" fmla="*/ 419984 w 2297227"/>
+              <a:gd name="connsiteY1" fmla="*/ 0 h 2264898"/>
+              <a:gd name="connsiteX2" fmla="*/ 2230018 w 2297227"/>
+              <a:gd name="connsiteY2" fmla="*/ 0 h 2264898"/>
+              <a:gd name="connsiteX3" fmla="*/ 2282776 w 2297227"/>
+              <a:gd name="connsiteY3" fmla="*/ 122804 h 2264898"/>
+              <a:gd name="connsiteX4" fmla="*/ 2189578 w 2297227"/>
+              <a:gd name="connsiteY4" fmla="*/ 1677568 h 2264898"/>
+              <a:gd name="connsiteX5" fmla="*/ 2043328 w 2297227"/>
+              <a:gd name="connsiteY5" fmla="*/ 1856935 h 2264898"/>
+              <a:gd name="connsiteX6" fmla="*/ 138630 w 2297227"/>
+              <a:gd name="connsiteY6" fmla="*/ 2264898 h 2264898"/>
+              <a:gd name="connsiteX7" fmla="*/ 0 w 2297227"/>
+              <a:gd name="connsiteY7" fmla="*/ 2012261 h 2264898"/>
+              <a:gd name="connsiteX8" fmla="*/ 171450 w 2297227"/>
+              <a:gd name="connsiteY8" fmla="*/ 248534 h 2264898"/>
+              <a:gd name="connsiteX0" fmla="*/ 171450 w 2285371"/>
+              <a:gd name="connsiteY0" fmla="*/ 248534 h 2264898"/>
+              <a:gd name="connsiteX1" fmla="*/ 419984 w 2285371"/>
+              <a:gd name="connsiteY1" fmla="*/ 0 h 2264898"/>
+              <a:gd name="connsiteX2" fmla="*/ 2230018 w 2285371"/>
+              <a:gd name="connsiteY2" fmla="*/ 0 h 2264898"/>
+              <a:gd name="connsiteX3" fmla="*/ 2282776 w 2285371"/>
+              <a:gd name="connsiteY3" fmla="*/ 122804 h 2264898"/>
+              <a:gd name="connsiteX4" fmla="*/ 2189578 w 2285371"/>
+              <a:gd name="connsiteY4" fmla="*/ 1677568 h 2264898"/>
+              <a:gd name="connsiteX5" fmla="*/ 2043328 w 2285371"/>
+              <a:gd name="connsiteY5" fmla="*/ 1856935 h 2264898"/>
+              <a:gd name="connsiteX6" fmla="*/ 138630 w 2285371"/>
+              <a:gd name="connsiteY6" fmla="*/ 2264898 h 2264898"/>
+              <a:gd name="connsiteX7" fmla="*/ 0 w 2285371"/>
+              <a:gd name="connsiteY7" fmla="*/ 2012261 h 2264898"/>
+              <a:gd name="connsiteX8" fmla="*/ 171450 w 2285371"/>
+              <a:gd name="connsiteY8" fmla="*/ 248534 h 2264898"/>
+            </a:gdLst>
+            <a:ahLst/>
+            <a:cxnLst>
+              <a:cxn ang="0">
+                <a:pos x="connsiteX0" y="connsiteY0"/>
+              </a:cxn>
+              <a:cxn ang="0">
+                <a:pos x="connsiteX1" y="connsiteY1"/>
+              </a:cxn>
+              <a:cxn ang="0">
+                <a:pos x="connsiteX2" y="connsiteY2"/>
+              </a:cxn>
+              <a:cxn ang="0">
+                <a:pos x="connsiteX3" y="connsiteY3"/>
+              </a:cxn>
+              <a:cxn ang="0">
+                <a:pos x="connsiteX4" y="connsiteY4"/>
+              </a:cxn>
+              <a:cxn ang="0">
+                <a:pos x="connsiteX5" y="connsiteY5"/>
+              </a:cxn>
+              <a:cxn ang="0">
+                <a:pos x="connsiteX6" y="connsiteY6"/>
+              </a:cxn>
+              <a:cxn ang="0">
+                <a:pos x="connsiteX7" y="connsiteY7"/>
+              </a:cxn>
+              <a:cxn ang="0">
+                <a:pos x="connsiteX8" y="connsiteY8"/>
+              </a:cxn>
+            </a:cxnLst>
+            <a:rect l="l" t="t" r="r" b="b"/>
+            <a:pathLst>
+              <a:path w="2285371" h="2264898">
+                <a:moveTo>
+                  <a:pt x="171450" y="248534"/>
+                </a:moveTo>
+                <a:cubicBezTo>
+                  <a:pt x="171450" y="111272"/>
+                  <a:pt x="282722" y="0"/>
+                  <a:pt x="419984" y="0"/>
+                </a:cubicBezTo>
+                <a:lnTo>
+                  <a:pt x="2230018" y="0"/>
+                </a:lnTo>
+                <a:cubicBezTo>
+                  <a:pt x="2352040" y="3810"/>
+                  <a:pt x="2225626" y="282722"/>
+                  <a:pt x="2282776" y="122804"/>
+                </a:cubicBezTo>
+                <a:cubicBezTo>
+                  <a:pt x="2282776" y="454173"/>
+                  <a:pt x="2220058" y="1346199"/>
+                  <a:pt x="2189578" y="1677568"/>
+                </a:cubicBezTo>
+                <a:cubicBezTo>
+                  <a:pt x="2155288" y="1814830"/>
+                  <a:pt x="2203450" y="1822645"/>
+                  <a:pt x="2043328" y="1856935"/>
+                </a:cubicBezTo>
+                <a:lnTo>
+                  <a:pt x="138630" y="2264898"/>
+                </a:lnTo>
+                <a:cubicBezTo>
+                  <a:pt x="1368" y="2264898"/>
+                  <a:pt x="0" y="2149523"/>
+                  <a:pt x="0" y="2012261"/>
+                </a:cubicBezTo>
+                <a:lnTo>
+                  <a:pt x="171450" y="248534"/>
+                </a:lnTo>
+                <a:close/>
+              </a:path>
+            </a:pathLst>
+          </a:custGeom>
+          <a:solidFill>
+            <a:schemeClr val="accent1">
+              <a:lumMod val="75000"/>
+              <a:alpha val="44000"/>
+            </a:schemeClr>
+          </a:solidFill>
+          <a:ln w="1270">
+            <a:solidFill>
+              <a:srgbClr val="25557B">
+                <a:alpha val="66000"/>
+              </a:srgbClr>
+            </a:solidFill>
+          </a:ln>
+        </p:spPr>
+        <p:style>
+          <a:lnRef idx="2">
+            <a:schemeClr val="accent1">
+              <a:shade val="50000"/>
+            </a:schemeClr>
+          </a:lnRef>
+          <a:fillRef idx="1">
+            <a:schemeClr val="accent1"/>
+          </a:fillRef>
+          <a:effectRef idx="0">
+            <a:schemeClr val="accent1"/>
+          </a:effectRef>
+          <a:fontRef idx="minor">
+            <a:schemeClr val="lt1"/>
+          </a:fontRef>
+        </p:style>
+        <p:txBody>
+          <a:bodyPr rtlCol="0" anchor="ctr"/>
+          <a:lstStyle/>
+          <a:p>
+            <a:pPr algn="ctr"/>
+            <a:endParaRPr lang="es-MX"/>
+          </a:p>
+        </p:txBody>
+      </p:sp>
+      <p:sp>
+        <p:nvSpPr>
+          <p:cNvPr id="33" name="Rectángulo: esquinas redondeadas 3">
+            <a:extLst>
+              <a:ext uri="{FF2B5EF4-FFF2-40B4-BE49-F238E27FC236}">
+                <a16:creationId xmlns:a16="http://schemas.microsoft.com/office/drawing/2014/main" id="{17E58CCD-41FD-4AB9-9331-734445605820}"/>
+              </a:ext>
+            </a:extLst>
+          </p:cNvPr>
+          <p:cNvSpPr/>
+          <p:nvPr/>
+        </p:nvSpPr>
+        <p:spPr>
+          <a:xfrm>
+            <a:off x="4482259" y="3415883"/>
+            <a:ext cx="2285371" cy="2264898"/>
+          </a:xfrm>
+          <a:custGeom>
+            <a:avLst/>
+            <a:gdLst>
+              <a:gd name="connsiteX0" fmla="*/ 0 w 2307102"/>
+              <a:gd name="connsiteY0" fmla="*/ 248534 h 1491175"/>
+              <a:gd name="connsiteX1" fmla="*/ 248534 w 2307102"/>
+              <a:gd name="connsiteY1" fmla="*/ 0 h 1491175"/>
+              <a:gd name="connsiteX2" fmla="*/ 2058568 w 2307102"/>
+              <a:gd name="connsiteY2" fmla="*/ 0 h 1491175"/>
+              <a:gd name="connsiteX3" fmla="*/ 2307102 w 2307102"/>
+              <a:gd name="connsiteY3" fmla="*/ 248534 h 1491175"/>
+              <a:gd name="connsiteX4" fmla="*/ 2307102 w 2307102"/>
+              <a:gd name="connsiteY4" fmla="*/ 1242641 h 1491175"/>
+              <a:gd name="connsiteX5" fmla="*/ 2058568 w 2307102"/>
+              <a:gd name="connsiteY5" fmla="*/ 1491175 h 1491175"/>
+              <a:gd name="connsiteX6" fmla="*/ 248534 w 2307102"/>
+              <a:gd name="connsiteY6" fmla="*/ 1491175 h 1491175"/>
+              <a:gd name="connsiteX7" fmla="*/ 0 w 2307102"/>
+              <a:gd name="connsiteY7" fmla="*/ 1242641 h 1491175"/>
+              <a:gd name="connsiteX8" fmla="*/ 0 w 2307102"/>
+              <a:gd name="connsiteY8" fmla="*/ 248534 h 1491175"/>
+              <a:gd name="connsiteX0" fmla="*/ 0 w 2307102"/>
+              <a:gd name="connsiteY0" fmla="*/ 248534 h 1491175"/>
+              <a:gd name="connsiteX1" fmla="*/ 248534 w 2307102"/>
+              <a:gd name="connsiteY1" fmla="*/ 0 h 1491175"/>
+              <a:gd name="connsiteX2" fmla="*/ 2058568 w 2307102"/>
+              <a:gd name="connsiteY2" fmla="*/ 0 h 1491175"/>
+              <a:gd name="connsiteX3" fmla="*/ 2096086 w 2307102"/>
+              <a:gd name="connsiteY3" fmla="*/ 248534 h 1491175"/>
+              <a:gd name="connsiteX4" fmla="*/ 2307102 w 2307102"/>
+              <a:gd name="connsiteY4" fmla="*/ 1242641 h 1491175"/>
+              <a:gd name="connsiteX5" fmla="*/ 2058568 w 2307102"/>
+              <a:gd name="connsiteY5" fmla="*/ 1491175 h 1491175"/>
+              <a:gd name="connsiteX6" fmla="*/ 248534 w 2307102"/>
+              <a:gd name="connsiteY6" fmla="*/ 1491175 h 1491175"/>
+              <a:gd name="connsiteX7" fmla="*/ 0 w 2307102"/>
+              <a:gd name="connsiteY7" fmla="*/ 1242641 h 1491175"/>
+              <a:gd name="connsiteX8" fmla="*/ 0 w 2307102"/>
+              <a:gd name="connsiteY8" fmla="*/ 248534 h 1491175"/>
+              <a:gd name="connsiteX0" fmla="*/ 0 w 2307102"/>
+              <a:gd name="connsiteY0" fmla="*/ 248534 h 1856935"/>
+              <a:gd name="connsiteX1" fmla="*/ 248534 w 2307102"/>
+              <a:gd name="connsiteY1" fmla="*/ 0 h 1856935"/>
+              <a:gd name="connsiteX2" fmla="*/ 2058568 w 2307102"/>
+              <a:gd name="connsiteY2" fmla="*/ 0 h 1856935"/>
+              <a:gd name="connsiteX3" fmla="*/ 2096086 w 2307102"/>
+              <a:gd name="connsiteY3" fmla="*/ 248534 h 1856935"/>
+              <a:gd name="connsiteX4" fmla="*/ 2307102 w 2307102"/>
+              <a:gd name="connsiteY4" fmla="*/ 1242641 h 1856935"/>
+              <a:gd name="connsiteX5" fmla="*/ 1875688 w 2307102"/>
+              <a:gd name="connsiteY5" fmla="*/ 1856935 h 1856935"/>
+              <a:gd name="connsiteX6" fmla="*/ 248534 w 2307102"/>
+              <a:gd name="connsiteY6" fmla="*/ 1491175 h 1856935"/>
+              <a:gd name="connsiteX7" fmla="*/ 0 w 2307102"/>
+              <a:gd name="connsiteY7" fmla="*/ 1242641 h 1856935"/>
+              <a:gd name="connsiteX8" fmla="*/ 0 w 2307102"/>
+              <a:gd name="connsiteY8" fmla="*/ 248534 h 1856935"/>
+              <a:gd name="connsiteX0" fmla="*/ 0 w 2131088"/>
+              <a:gd name="connsiteY0" fmla="*/ 248534 h 1856935"/>
+              <a:gd name="connsiteX1" fmla="*/ 248534 w 2131088"/>
+              <a:gd name="connsiteY1" fmla="*/ 0 h 1856935"/>
+              <a:gd name="connsiteX2" fmla="*/ 2058568 w 2131088"/>
+              <a:gd name="connsiteY2" fmla="*/ 0 h 1856935"/>
+              <a:gd name="connsiteX3" fmla="*/ 2096086 w 2131088"/>
+              <a:gd name="connsiteY3" fmla="*/ 248534 h 1856935"/>
+              <a:gd name="connsiteX4" fmla="*/ 2025748 w 2131088"/>
+              <a:gd name="connsiteY4" fmla="*/ 1692808 h 1856935"/>
+              <a:gd name="connsiteX5" fmla="*/ 1875688 w 2131088"/>
+              <a:gd name="connsiteY5" fmla="*/ 1856935 h 1856935"/>
+              <a:gd name="connsiteX6" fmla="*/ 248534 w 2131088"/>
+              <a:gd name="connsiteY6" fmla="*/ 1491175 h 1856935"/>
+              <a:gd name="connsiteX7" fmla="*/ 0 w 2131088"/>
+              <a:gd name="connsiteY7" fmla="*/ 1242641 h 1856935"/>
+              <a:gd name="connsiteX8" fmla="*/ 0 w 2131088"/>
+              <a:gd name="connsiteY8" fmla="*/ 248534 h 1856935"/>
+              <a:gd name="connsiteX0" fmla="*/ 86342 w 2217430"/>
+              <a:gd name="connsiteY0" fmla="*/ 248534 h 2264898"/>
+              <a:gd name="connsiteX1" fmla="*/ 334876 w 2217430"/>
+              <a:gd name="connsiteY1" fmla="*/ 0 h 2264898"/>
+              <a:gd name="connsiteX2" fmla="*/ 2144910 w 2217430"/>
+              <a:gd name="connsiteY2" fmla="*/ 0 h 2264898"/>
+              <a:gd name="connsiteX3" fmla="*/ 2182428 w 2217430"/>
+              <a:gd name="connsiteY3" fmla="*/ 248534 h 2264898"/>
+              <a:gd name="connsiteX4" fmla="*/ 2112090 w 2217430"/>
+              <a:gd name="connsiteY4" fmla="*/ 1692808 h 2264898"/>
+              <a:gd name="connsiteX5" fmla="*/ 1962030 w 2217430"/>
+              <a:gd name="connsiteY5" fmla="*/ 1856935 h 2264898"/>
+              <a:gd name="connsiteX6" fmla="*/ 53522 w 2217430"/>
+              <a:gd name="connsiteY6" fmla="*/ 2264898 h 2264898"/>
+              <a:gd name="connsiteX7" fmla="*/ 86342 w 2217430"/>
+              <a:gd name="connsiteY7" fmla="*/ 1242641 h 2264898"/>
+              <a:gd name="connsiteX8" fmla="*/ 86342 w 2217430"/>
+              <a:gd name="connsiteY8" fmla="*/ 248534 h 2264898"/>
+              <a:gd name="connsiteX0" fmla="*/ 115610 w 2246698"/>
+              <a:gd name="connsiteY0" fmla="*/ 248534 h 2264898"/>
+              <a:gd name="connsiteX1" fmla="*/ 364144 w 2246698"/>
+              <a:gd name="connsiteY1" fmla="*/ 0 h 2264898"/>
+              <a:gd name="connsiteX2" fmla="*/ 2174178 w 2246698"/>
+              <a:gd name="connsiteY2" fmla="*/ 0 h 2264898"/>
+              <a:gd name="connsiteX3" fmla="*/ 2211696 w 2246698"/>
+              <a:gd name="connsiteY3" fmla="*/ 248534 h 2264898"/>
+              <a:gd name="connsiteX4" fmla="*/ 2141358 w 2246698"/>
+              <a:gd name="connsiteY4" fmla="*/ 1692808 h 2264898"/>
+              <a:gd name="connsiteX5" fmla="*/ 1991298 w 2246698"/>
+              <a:gd name="connsiteY5" fmla="*/ 1856935 h 2264898"/>
+              <a:gd name="connsiteX6" fmla="*/ 82790 w 2246698"/>
+              <a:gd name="connsiteY6" fmla="*/ 2264898 h 2264898"/>
+              <a:gd name="connsiteX7" fmla="*/ 20360 w 2246698"/>
+              <a:gd name="connsiteY7" fmla="*/ 1246451 h 2264898"/>
+              <a:gd name="connsiteX8" fmla="*/ 115610 w 2246698"/>
+              <a:gd name="connsiteY8" fmla="*/ 248534 h 2264898"/>
+              <a:gd name="connsiteX0" fmla="*/ 171450 w 2302538"/>
+              <a:gd name="connsiteY0" fmla="*/ 248534 h 2264898"/>
+              <a:gd name="connsiteX1" fmla="*/ 419984 w 2302538"/>
+              <a:gd name="connsiteY1" fmla="*/ 0 h 2264898"/>
+              <a:gd name="connsiteX2" fmla="*/ 2230018 w 2302538"/>
+              <a:gd name="connsiteY2" fmla="*/ 0 h 2264898"/>
+              <a:gd name="connsiteX3" fmla="*/ 2267536 w 2302538"/>
+              <a:gd name="connsiteY3" fmla="*/ 248534 h 2264898"/>
+              <a:gd name="connsiteX4" fmla="*/ 2197198 w 2302538"/>
+              <a:gd name="connsiteY4" fmla="*/ 1692808 h 2264898"/>
+              <a:gd name="connsiteX5" fmla="*/ 2047138 w 2302538"/>
+              <a:gd name="connsiteY5" fmla="*/ 1856935 h 2264898"/>
+              <a:gd name="connsiteX6" fmla="*/ 138630 w 2302538"/>
+              <a:gd name="connsiteY6" fmla="*/ 2264898 h 2264898"/>
+              <a:gd name="connsiteX7" fmla="*/ 0 w 2302538"/>
+              <a:gd name="connsiteY7" fmla="*/ 2012261 h 2264898"/>
+              <a:gd name="connsiteX8" fmla="*/ 171450 w 2302538"/>
+              <a:gd name="connsiteY8" fmla="*/ 248534 h 2264898"/>
+              <a:gd name="connsiteX0" fmla="*/ 171450 w 2302538"/>
+              <a:gd name="connsiteY0" fmla="*/ 248534 h 2264898"/>
+              <a:gd name="connsiteX1" fmla="*/ 419984 w 2302538"/>
+              <a:gd name="connsiteY1" fmla="*/ 0 h 2264898"/>
+              <a:gd name="connsiteX2" fmla="*/ 2230018 w 2302538"/>
+              <a:gd name="connsiteY2" fmla="*/ 0 h 2264898"/>
+              <a:gd name="connsiteX3" fmla="*/ 2267536 w 2302538"/>
+              <a:gd name="connsiteY3" fmla="*/ 248534 h 2264898"/>
+              <a:gd name="connsiteX4" fmla="*/ 2197198 w 2302538"/>
+              <a:gd name="connsiteY4" fmla="*/ 1692808 h 2264898"/>
+              <a:gd name="connsiteX5" fmla="*/ 2047138 w 2302538"/>
+              <a:gd name="connsiteY5" fmla="*/ 1856935 h 2264898"/>
+              <a:gd name="connsiteX6" fmla="*/ 138630 w 2302538"/>
+              <a:gd name="connsiteY6" fmla="*/ 2264898 h 2264898"/>
+              <a:gd name="connsiteX7" fmla="*/ 0 w 2302538"/>
+              <a:gd name="connsiteY7" fmla="*/ 2012261 h 2264898"/>
+              <a:gd name="connsiteX8" fmla="*/ 171450 w 2302538"/>
+              <a:gd name="connsiteY8" fmla="*/ 248534 h 2264898"/>
+              <a:gd name="connsiteX0" fmla="*/ 171450 w 2302538"/>
+              <a:gd name="connsiteY0" fmla="*/ 248534 h 2264898"/>
+              <a:gd name="connsiteX1" fmla="*/ 419984 w 2302538"/>
+              <a:gd name="connsiteY1" fmla="*/ 0 h 2264898"/>
+              <a:gd name="connsiteX2" fmla="*/ 2230018 w 2302538"/>
+              <a:gd name="connsiteY2" fmla="*/ 0 h 2264898"/>
+              <a:gd name="connsiteX3" fmla="*/ 2267536 w 2302538"/>
+              <a:gd name="connsiteY3" fmla="*/ 248534 h 2264898"/>
+              <a:gd name="connsiteX4" fmla="*/ 2197198 w 2302538"/>
+              <a:gd name="connsiteY4" fmla="*/ 1666138 h 2264898"/>
+              <a:gd name="connsiteX5" fmla="*/ 2047138 w 2302538"/>
+              <a:gd name="connsiteY5" fmla="*/ 1856935 h 2264898"/>
+              <a:gd name="connsiteX6" fmla="*/ 138630 w 2302538"/>
+              <a:gd name="connsiteY6" fmla="*/ 2264898 h 2264898"/>
+              <a:gd name="connsiteX7" fmla="*/ 0 w 2302538"/>
+              <a:gd name="connsiteY7" fmla="*/ 2012261 h 2264898"/>
+              <a:gd name="connsiteX8" fmla="*/ 171450 w 2302538"/>
+              <a:gd name="connsiteY8" fmla="*/ 248534 h 2264898"/>
+              <a:gd name="connsiteX0" fmla="*/ 171450 w 2302538"/>
+              <a:gd name="connsiteY0" fmla="*/ 248534 h 2264898"/>
+              <a:gd name="connsiteX1" fmla="*/ 419984 w 2302538"/>
+              <a:gd name="connsiteY1" fmla="*/ 0 h 2264898"/>
+              <a:gd name="connsiteX2" fmla="*/ 2230018 w 2302538"/>
+              <a:gd name="connsiteY2" fmla="*/ 0 h 2264898"/>
+              <a:gd name="connsiteX3" fmla="*/ 2267536 w 2302538"/>
+              <a:gd name="connsiteY3" fmla="*/ 248534 h 2264898"/>
+              <a:gd name="connsiteX4" fmla="*/ 2197198 w 2302538"/>
+              <a:gd name="connsiteY4" fmla="*/ 1666138 h 2264898"/>
+              <a:gd name="connsiteX5" fmla="*/ 2047138 w 2302538"/>
+              <a:gd name="connsiteY5" fmla="*/ 1856935 h 2264898"/>
+              <a:gd name="connsiteX6" fmla="*/ 138630 w 2302538"/>
+              <a:gd name="connsiteY6" fmla="*/ 2264898 h 2264898"/>
+              <a:gd name="connsiteX7" fmla="*/ 0 w 2302538"/>
+              <a:gd name="connsiteY7" fmla="*/ 2012261 h 2264898"/>
+              <a:gd name="connsiteX8" fmla="*/ 171450 w 2302538"/>
+              <a:gd name="connsiteY8" fmla="*/ 248534 h 2264898"/>
+              <a:gd name="connsiteX0" fmla="*/ 171450 w 2302538"/>
+              <a:gd name="connsiteY0" fmla="*/ 248534 h 2264898"/>
+              <a:gd name="connsiteX1" fmla="*/ 419984 w 2302538"/>
+              <a:gd name="connsiteY1" fmla="*/ 0 h 2264898"/>
+              <a:gd name="connsiteX2" fmla="*/ 2230018 w 2302538"/>
+              <a:gd name="connsiteY2" fmla="*/ 0 h 2264898"/>
+              <a:gd name="connsiteX3" fmla="*/ 2267536 w 2302538"/>
+              <a:gd name="connsiteY3" fmla="*/ 248534 h 2264898"/>
+              <a:gd name="connsiteX4" fmla="*/ 2197198 w 2302538"/>
+              <a:gd name="connsiteY4" fmla="*/ 1666138 h 2264898"/>
+              <a:gd name="connsiteX5" fmla="*/ 2043328 w 2302538"/>
+              <a:gd name="connsiteY5" fmla="*/ 1856935 h 2264898"/>
+              <a:gd name="connsiteX6" fmla="*/ 138630 w 2302538"/>
+              <a:gd name="connsiteY6" fmla="*/ 2264898 h 2264898"/>
+              <a:gd name="connsiteX7" fmla="*/ 0 w 2302538"/>
+              <a:gd name="connsiteY7" fmla="*/ 2012261 h 2264898"/>
+              <a:gd name="connsiteX8" fmla="*/ 171450 w 2302538"/>
+              <a:gd name="connsiteY8" fmla="*/ 248534 h 2264898"/>
+              <a:gd name="connsiteX0" fmla="*/ 171450 w 2302538"/>
+              <a:gd name="connsiteY0" fmla="*/ 248534 h 2264898"/>
+              <a:gd name="connsiteX1" fmla="*/ 419984 w 2302538"/>
+              <a:gd name="connsiteY1" fmla="*/ 0 h 2264898"/>
+              <a:gd name="connsiteX2" fmla="*/ 2230018 w 2302538"/>
+              <a:gd name="connsiteY2" fmla="*/ 0 h 2264898"/>
+              <a:gd name="connsiteX3" fmla="*/ 2267536 w 2302538"/>
+              <a:gd name="connsiteY3" fmla="*/ 248534 h 2264898"/>
+              <a:gd name="connsiteX4" fmla="*/ 2197198 w 2302538"/>
+              <a:gd name="connsiteY4" fmla="*/ 1666138 h 2264898"/>
+              <a:gd name="connsiteX5" fmla="*/ 2043328 w 2302538"/>
+              <a:gd name="connsiteY5" fmla="*/ 1856935 h 2264898"/>
+              <a:gd name="connsiteX6" fmla="*/ 138630 w 2302538"/>
+              <a:gd name="connsiteY6" fmla="*/ 2264898 h 2264898"/>
+              <a:gd name="connsiteX7" fmla="*/ 0 w 2302538"/>
+              <a:gd name="connsiteY7" fmla="*/ 2012261 h 2264898"/>
+              <a:gd name="connsiteX8" fmla="*/ 171450 w 2302538"/>
+              <a:gd name="connsiteY8" fmla="*/ 248534 h 2264898"/>
+              <a:gd name="connsiteX0" fmla="*/ 171450 w 2302538"/>
+              <a:gd name="connsiteY0" fmla="*/ 248534 h 2264898"/>
+              <a:gd name="connsiteX1" fmla="*/ 419984 w 2302538"/>
+              <a:gd name="connsiteY1" fmla="*/ 0 h 2264898"/>
+              <a:gd name="connsiteX2" fmla="*/ 2230018 w 2302538"/>
+              <a:gd name="connsiteY2" fmla="*/ 0 h 2264898"/>
+              <a:gd name="connsiteX3" fmla="*/ 2267536 w 2302538"/>
+              <a:gd name="connsiteY3" fmla="*/ 248534 h 2264898"/>
+              <a:gd name="connsiteX4" fmla="*/ 2189578 w 2302538"/>
+              <a:gd name="connsiteY4" fmla="*/ 1677568 h 2264898"/>
+              <a:gd name="connsiteX5" fmla="*/ 2043328 w 2302538"/>
+              <a:gd name="connsiteY5" fmla="*/ 1856935 h 2264898"/>
+              <a:gd name="connsiteX6" fmla="*/ 138630 w 2302538"/>
+              <a:gd name="connsiteY6" fmla="*/ 2264898 h 2264898"/>
+              <a:gd name="connsiteX7" fmla="*/ 0 w 2302538"/>
+              <a:gd name="connsiteY7" fmla="*/ 2012261 h 2264898"/>
+              <a:gd name="connsiteX8" fmla="*/ 171450 w 2302538"/>
+              <a:gd name="connsiteY8" fmla="*/ 248534 h 2264898"/>
+              <a:gd name="connsiteX0" fmla="*/ 171450 w 2302538"/>
+              <a:gd name="connsiteY0" fmla="*/ 248534 h 2264898"/>
+              <a:gd name="connsiteX1" fmla="*/ 419984 w 2302538"/>
+              <a:gd name="connsiteY1" fmla="*/ 0 h 2264898"/>
+              <a:gd name="connsiteX2" fmla="*/ 2230018 w 2302538"/>
+              <a:gd name="connsiteY2" fmla="*/ 0 h 2264898"/>
+              <a:gd name="connsiteX3" fmla="*/ 2267536 w 2302538"/>
+              <a:gd name="connsiteY3" fmla="*/ 248534 h 2264898"/>
+              <a:gd name="connsiteX4" fmla="*/ 2189578 w 2302538"/>
+              <a:gd name="connsiteY4" fmla="*/ 1677568 h 2264898"/>
+              <a:gd name="connsiteX5" fmla="*/ 2043328 w 2302538"/>
+              <a:gd name="connsiteY5" fmla="*/ 1856935 h 2264898"/>
+              <a:gd name="connsiteX6" fmla="*/ 138630 w 2302538"/>
+              <a:gd name="connsiteY6" fmla="*/ 2264898 h 2264898"/>
+              <a:gd name="connsiteX7" fmla="*/ 0 w 2302538"/>
+              <a:gd name="connsiteY7" fmla="*/ 2012261 h 2264898"/>
+              <a:gd name="connsiteX8" fmla="*/ 171450 w 2302538"/>
+              <a:gd name="connsiteY8" fmla="*/ 248534 h 2264898"/>
+              <a:gd name="connsiteX0" fmla="*/ 171450 w 2302538"/>
+              <a:gd name="connsiteY0" fmla="*/ 248534 h 2264898"/>
+              <a:gd name="connsiteX1" fmla="*/ 419984 w 2302538"/>
+              <a:gd name="connsiteY1" fmla="*/ 0 h 2264898"/>
+              <a:gd name="connsiteX2" fmla="*/ 2230018 w 2302538"/>
+              <a:gd name="connsiteY2" fmla="*/ 0 h 2264898"/>
+              <a:gd name="connsiteX3" fmla="*/ 2267536 w 2302538"/>
+              <a:gd name="connsiteY3" fmla="*/ 248534 h 2264898"/>
+              <a:gd name="connsiteX4" fmla="*/ 2189578 w 2302538"/>
+              <a:gd name="connsiteY4" fmla="*/ 1677568 h 2264898"/>
+              <a:gd name="connsiteX5" fmla="*/ 2043328 w 2302538"/>
+              <a:gd name="connsiteY5" fmla="*/ 1856935 h 2264898"/>
+              <a:gd name="connsiteX6" fmla="*/ 138630 w 2302538"/>
+              <a:gd name="connsiteY6" fmla="*/ 2264898 h 2264898"/>
+              <a:gd name="connsiteX7" fmla="*/ 0 w 2302538"/>
+              <a:gd name="connsiteY7" fmla="*/ 2012261 h 2264898"/>
+              <a:gd name="connsiteX8" fmla="*/ 171450 w 2302538"/>
+              <a:gd name="connsiteY8" fmla="*/ 248534 h 2264898"/>
+              <a:gd name="connsiteX0" fmla="*/ 171450 w 2296034"/>
+              <a:gd name="connsiteY0" fmla="*/ 248534 h 2264898"/>
+              <a:gd name="connsiteX1" fmla="*/ 419984 w 2296034"/>
+              <a:gd name="connsiteY1" fmla="*/ 0 h 2264898"/>
+              <a:gd name="connsiteX2" fmla="*/ 2230018 w 2296034"/>
+              <a:gd name="connsiteY2" fmla="*/ 0 h 2264898"/>
+              <a:gd name="connsiteX3" fmla="*/ 2267536 w 2296034"/>
+              <a:gd name="connsiteY3" fmla="*/ 248534 h 2264898"/>
+              <a:gd name="connsiteX4" fmla="*/ 2189578 w 2296034"/>
+              <a:gd name="connsiteY4" fmla="*/ 1677568 h 2264898"/>
+              <a:gd name="connsiteX5" fmla="*/ 2043328 w 2296034"/>
+              <a:gd name="connsiteY5" fmla="*/ 1856935 h 2264898"/>
+              <a:gd name="connsiteX6" fmla="*/ 138630 w 2296034"/>
+              <a:gd name="connsiteY6" fmla="*/ 2264898 h 2264898"/>
+              <a:gd name="connsiteX7" fmla="*/ 0 w 2296034"/>
+              <a:gd name="connsiteY7" fmla="*/ 2012261 h 2264898"/>
+              <a:gd name="connsiteX8" fmla="*/ 171450 w 2296034"/>
+              <a:gd name="connsiteY8" fmla="*/ 248534 h 2264898"/>
+              <a:gd name="connsiteX0" fmla="*/ 171450 w 2300669"/>
+              <a:gd name="connsiteY0" fmla="*/ 248534 h 2264898"/>
+              <a:gd name="connsiteX1" fmla="*/ 419984 w 2300669"/>
+              <a:gd name="connsiteY1" fmla="*/ 0 h 2264898"/>
+              <a:gd name="connsiteX2" fmla="*/ 2230018 w 2300669"/>
+              <a:gd name="connsiteY2" fmla="*/ 0 h 2264898"/>
+              <a:gd name="connsiteX3" fmla="*/ 2278966 w 2300669"/>
+              <a:gd name="connsiteY3" fmla="*/ 248534 h 2264898"/>
+              <a:gd name="connsiteX4" fmla="*/ 2189578 w 2300669"/>
+              <a:gd name="connsiteY4" fmla="*/ 1677568 h 2264898"/>
+              <a:gd name="connsiteX5" fmla="*/ 2043328 w 2300669"/>
+              <a:gd name="connsiteY5" fmla="*/ 1856935 h 2264898"/>
+              <a:gd name="connsiteX6" fmla="*/ 138630 w 2300669"/>
+              <a:gd name="connsiteY6" fmla="*/ 2264898 h 2264898"/>
+              <a:gd name="connsiteX7" fmla="*/ 0 w 2300669"/>
+              <a:gd name="connsiteY7" fmla="*/ 2012261 h 2264898"/>
+              <a:gd name="connsiteX8" fmla="*/ 171450 w 2300669"/>
+              <a:gd name="connsiteY8" fmla="*/ 248534 h 2264898"/>
+              <a:gd name="connsiteX0" fmla="*/ 171450 w 2300669"/>
+              <a:gd name="connsiteY0" fmla="*/ 248534 h 2264898"/>
+              <a:gd name="connsiteX1" fmla="*/ 419984 w 2300669"/>
+              <a:gd name="connsiteY1" fmla="*/ 0 h 2264898"/>
+              <a:gd name="connsiteX2" fmla="*/ 2230018 w 2300669"/>
+              <a:gd name="connsiteY2" fmla="*/ 0 h 2264898"/>
+              <a:gd name="connsiteX3" fmla="*/ 2278966 w 2300669"/>
+              <a:gd name="connsiteY3" fmla="*/ 248534 h 2264898"/>
+              <a:gd name="connsiteX4" fmla="*/ 2189578 w 2300669"/>
+              <a:gd name="connsiteY4" fmla="*/ 1677568 h 2264898"/>
+              <a:gd name="connsiteX5" fmla="*/ 2043328 w 2300669"/>
+              <a:gd name="connsiteY5" fmla="*/ 1856935 h 2264898"/>
+              <a:gd name="connsiteX6" fmla="*/ 138630 w 2300669"/>
+              <a:gd name="connsiteY6" fmla="*/ 2264898 h 2264898"/>
+              <a:gd name="connsiteX7" fmla="*/ 0 w 2300669"/>
+              <a:gd name="connsiteY7" fmla="*/ 2012261 h 2264898"/>
+              <a:gd name="connsiteX8" fmla="*/ 171450 w 2300669"/>
+              <a:gd name="connsiteY8" fmla="*/ 248534 h 2264898"/>
+              <a:gd name="connsiteX0" fmla="*/ 171450 w 2300669"/>
+              <a:gd name="connsiteY0" fmla="*/ 248534 h 2264898"/>
+              <a:gd name="connsiteX1" fmla="*/ 419984 w 2300669"/>
+              <a:gd name="connsiteY1" fmla="*/ 0 h 2264898"/>
+              <a:gd name="connsiteX2" fmla="*/ 2230018 w 2300669"/>
+              <a:gd name="connsiteY2" fmla="*/ 0 h 2264898"/>
+              <a:gd name="connsiteX3" fmla="*/ 2278966 w 2300669"/>
+              <a:gd name="connsiteY3" fmla="*/ 248534 h 2264898"/>
+              <a:gd name="connsiteX4" fmla="*/ 2189578 w 2300669"/>
+              <a:gd name="connsiteY4" fmla="*/ 1677568 h 2264898"/>
+              <a:gd name="connsiteX5" fmla="*/ 2043328 w 2300669"/>
+              <a:gd name="connsiteY5" fmla="*/ 1856935 h 2264898"/>
+              <a:gd name="connsiteX6" fmla="*/ 138630 w 2300669"/>
+              <a:gd name="connsiteY6" fmla="*/ 2264898 h 2264898"/>
+              <a:gd name="connsiteX7" fmla="*/ 0 w 2300669"/>
+              <a:gd name="connsiteY7" fmla="*/ 2012261 h 2264898"/>
+              <a:gd name="connsiteX8" fmla="*/ 171450 w 2300669"/>
+              <a:gd name="connsiteY8" fmla="*/ 248534 h 2264898"/>
+              <a:gd name="connsiteX0" fmla="*/ 171450 w 2299392"/>
+              <a:gd name="connsiteY0" fmla="*/ 248534 h 2264898"/>
+              <a:gd name="connsiteX1" fmla="*/ 419984 w 2299392"/>
+              <a:gd name="connsiteY1" fmla="*/ 0 h 2264898"/>
+              <a:gd name="connsiteX2" fmla="*/ 2230018 w 2299392"/>
+              <a:gd name="connsiteY2" fmla="*/ 0 h 2264898"/>
+              <a:gd name="connsiteX3" fmla="*/ 2278966 w 2299392"/>
+              <a:gd name="connsiteY3" fmla="*/ 248534 h 2264898"/>
+              <a:gd name="connsiteX4" fmla="*/ 2189578 w 2299392"/>
+              <a:gd name="connsiteY4" fmla="*/ 1677568 h 2264898"/>
+              <a:gd name="connsiteX5" fmla="*/ 2043328 w 2299392"/>
+              <a:gd name="connsiteY5" fmla="*/ 1856935 h 2264898"/>
+              <a:gd name="connsiteX6" fmla="*/ 138630 w 2299392"/>
+              <a:gd name="connsiteY6" fmla="*/ 2264898 h 2264898"/>
+              <a:gd name="connsiteX7" fmla="*/ 0 w 2299392"/>
+              <a:gd name="connsiteY7" fmla="*/ 2012261 h 2264898"/>
+              <a:gd name="connsiteX8" fmla="*/ 171450 w 2299392"/>
+              <a:gd name="connsiteY8" fmla="*/ 248534 h 2264898"/>
+              <a:gd name="connsiteX0" fmla="*/ 171450 w 2301034"/>
+              <a:gd name="connsiteY0" fmla="*/ 248534 h 2264898"/>
+              <a:gd name="connsiteX1" fmla="*/ 419984 w 2301034"/>
+              <a:gd name="connsiteY1" fmla="*/ 0 h 2264898"/>
+              <a:gd name="connsiteX2" fmla="*/ 2230018 w 2301034"/>
+              <a:gd name="connsiteY2" fmla="*/ 0 h 2264898"/>
+              <a:gd name="connsiteX3" fmla="*/ 2282776 w 2301034"/>
+              <a:gd name="connsiteY3" fmla="*/ 122804 h 2264898"/>
+              <a:gd name="connsiteX4" fmla="*/ 2189578 w 2301034"/>
+              <a:gd name="connsiteY4" fmla="*/ 1677568 h 2264898"/>
+              <a:gd name="connsiteX5" fmla="*/ 2043328 w 2301034"/>
+              <a:gd name="connsiteY5" fmla="*/ 1856935 h 2264898"/>
+              <a:gd name="connsiteX6" fmla="*/ 138630 w 2301034"/>
+              <a:gd name="connsiteY6" fmla="*/ 2264898 h 2264898"/>
+              <a:gd name="connsiteX7" fmla="*/ 0 w 2301034"/>
+              <a:gd name="connsiteY7" fmla="*/ 2012261 h 2264898"/>
+              <a:gd name="connsiteX8" fmla="*/ 171450 w 2301034"/>
+              <a:gd name="connsiteY8" fmla="*/ 248534 h 2264898"/>
+              <a:gd name="connsiteX0" fmla="*/ 171450 w 2297227"/>
+              <a:gd name="connsiteY0" fmla="*/ 248534 h 2264898"/>
+              <a:gd name="connsiteX1" fmla="*/ 419984 w 2297227"/>
+              <a:gd name="connsiteY1" fmla="*/ 0 h 2264898"/>
+              <a:gd name="connsiteX2" fmla="*/ 2230018 w 2297227"/>
+              <a:gd name="connsiteY2" fmla="*/ 0 h 2264898"/>
+              <a:gd name="connsiteX3" fmla="*/ 2282776 w 2297227"/>
+              <a:gd name="connsiteY3" fmla="*/ 122804 h 2264898"/>
+              <a:gd name="connsiteX4" fmla="*/ 2189578 w 2297227"/>
+              <a:gd name="connsiteY4" fmla="*/ 1677568 h 2264898"/>
+              <a:gd name="connsiteX5" fmla="*/ 2043328 w 2297227"/>
+              <a:gd name="connsiteY5" fmla="*/ 1856935 h 2264898"/>
+              <a:gd name="connsiteX6" fmla="*/ 138630 w 2297227"/>
+              <a:gd name="connsiteY6" fmla="*/ 2264898 h 2264898"/>
+              <a:gd name="connsiteX7" fmla="*/ 0 w 2297227"/>
+              <a:gd name="connsiteY7" fmla="*/ 2012261 h 2264898"/>
+              <a:gd name="connsiteX8" fmla="*/ 171450 w 2297227"/>
+              <a:gd name="connsiteY8" fmla="*/ 248534 h 2264898"/>
+              <a:gd name="connsiteX0" fmla="*/ 171450 w 2285371"/>
+              <a:gd name="connsiteY0" fmla="*/ 248534 h 2264898"/>
+              <a:gd name="connsiteX1" fmla="*/ 419984 w 2285371"/>
+              <a:gd name="connsiteY1" fmla="*/ 0 h 2264898"/>
+              <a:gd name="connsiteX2" fmla="*/ 2230018 w 2285371"/>
+              <a:gd name="connsiteY2" fmla="*/ 0 h 2264898"/>
+              <a:gd name="connsiteX3" fmla="*/ 2282776 w 2285371"/>
+              <a:gd name="connsiteY3" fmla="*/ 122804 h 2264898"/>
+              <a:gd name="connsiteX4" fmla="*/ 2189578 w 2285371"/>
+              <a:gd name="connsiteY4" fmla="*/ 1677568 h 2264898"/>
+              <a:gd name="connsiteX5" fmla="*/ 2043328 w 2285371"/>
+              <a:gd name="connsiteY5" fmla="*/ 1856935 h 2264898"/>
+              <a:gd name="connsiteX6" fmla="*/ 138630 w 2285371"/>
+              <a:gd name="connsiteY6" fmla="*/ 2264898 h 2264898"/>
+              <a:gd name="connsiteX7" fmla="*/ 0 w 2285371"/>
+              <a:gd name="connsiteY7" fmla="*/ 2012261 h 2264898"/>
+              <a:gd name="connsiteX8" fmla="*/ 171450 w 2285371"/>
+              <a:gd name="connsiteY8" fmla="*/ 248534 h 2264898"/>
+            </a:gdLst>
+            <a:ahLst/>
+            <a:cxnLst>
+              <a:cxn ang="0">
+                <a:pos x="connsiteX0" y="connsiteY0"/>
+              </a:cxn>
+              <a:cxn ang="0">
+                <a:pos x="connsiteX1" y="connsiteY1"/>
+              </a:cxn>
+              <a:cxn ang="0">
+                <a:pos x="connsiteX2" y="connsiteY2"/>
+              </a:cxn>
+              <a:cxn ang="0">
+                <a:pos x="connsiteX3" y="connsiteY3"/>
+              </a:cxn>
+              <a:cxn ang="0">
+                <a:pos x="connsiteX4" y="connsiteY4"/>
+              </a:cxn>
+              <a:cxn ang="0">
+                <a:pos x="connsiteX5" y="connsiteY5"/>
+              </a:cxn>
+              <a:cxn ang="0">
+                <a:pos x="connsiteX6" y="connsiteY6"/>
+              </a:cxn>
+              <a:cxn ang="0">
+                <a:pos x="connsiteX7" y="connsiteY7"/>
+              </a:cxn>
+              <a:cxn ang="0">
+                <a:pos x="connsiteX8" y="connsiteY8"/>
+              </a:cxn>
+            </a:cxnLst>
+            <a:rect l="l" t="t" r="r" b="b"/>
+            <a:pathLst>
+              <a:path w="2285371" h="2264898">
+                <a:moveTo>
+                  <a:pt x="171450" y="248534"/>
+                </a:moveTo>
+                <a:cubicBezTo>
+                  <a:pt x="171450" y="111272"/>
+                  <a:pt x="282722" y="0"/>
+                  <a:pt x="419984" y="0"/>
+                </a:cubicBezTo>
+                <a:lnTo>
+                  <a:pt x="2230018" y="0"/>
+                </a:lnTo>
+                <a:cubicBezTo>
+                  <a:pt x="2352040" y="3810"/>
+                  <a:pt x="2225626" y="282722"/>
+                  <a:pt x="2282776" y="122804"/>
+                </a:cubicBezTo>
+                <a:cubicBezTo>
+                  <a:pt x="2282776" y="454173"/>
+                  <a:pt x="2220058" y="1346199"/>
+                  <a:pt x="2189578" y="1677568"/>
+                </a:cubicBezTo>
+                <a:cubicBezTo>
+                  <a:pt x="2155288" y="1814830"/>
+                  <a:pt x="2203450" y="1822645"/>
+                  <a:pt x="2043328" y="1856935"/>
+                </a:cubicBezTo>
+                <a:lnTo>
+                  <a:pt x="138630" y="2264898"/>
+                </a:lnTo>
+                <a:cubicBezTo>
+                  <a:pt x="1368" y="2264898"/>
+                  <a:pt x="0" y="2149523"/>
+                  <a:pt x="0" y="2012261"/>
+                </a:cubicBezTo>
+                <a:lnTo>
+                  <a:pt x="171450" y="248534"/>
+                </a:lnTo>
+                <a:close/>
+              </a:path>
+            </a:pathLst>
+          </a:custGeom>
+          <a:solidFill>
+            <a:schemeClr val="accent1">
+              <a:lumMod val="75000"/>
+              <a:alpha val="44000"/>
+            </a:schemeClr>
+          </a:solidFill>
+          <a:ln w="1270">
+            <a:solidFill>
+              <a:srgbClr val="25557B">
+                <a:alpha val="66000"/>
+              </a:srgbClr>
+            </a:solidFill>
+          </a:ln>
+        </p:spPr>
+        <p:style>
+          <a:lnRef idx="2">
+            <a:schemeClr val="accent1">
+              <a:shade val="50000"/>
+            </a:schemeClr>
+          </a:lnRef>
+          <a:fillRef idx="1">
+            <a:schemeClr val="accent1"/>
+          </a:fillRef>
+          <a:effectRef idx="0">
+            <a:schemeClr val="accent1"/>
+          </a:effectRef>
+          <a:fontRef idx="minor">
+            <a:schemeClr val="lt1"/>
+          </a:fontRef>
+        </p:style>
+        <p:txBody>
+          <a:bodyPr rtlCol="0" anchor="ctr"/>
+          <a:lstStyle/>
+          <a:p>
+            <a:pPr algn="ctr"/>
+            <a:endParaRPr lang="es-MX" dirty="0"/>
+          </a:p>
+        </p:txBody>
+      </p:sp>
+      <p:sp>
+        <p:nvSpPr>
+          <p:cNvPr id="34" name="Rectángulo: esquinas redondeadas 3">
+            <a:extLst>
+              <a:ext uri="{FF2B5EF4-FFF2-40B4-BE49-F238E27FC236}">
+                <a16:creationId xmlns:a16="http://schemas.microsoft.com/office/drawing/2014/main" id="{080AF7EF-338D-44A8-BB02-E37462DD1BD9}"/>
+              </a:ext>
+            </a:extLst>
+          </p:cNvPr>
+          <p:cNvSpPr/>
+          <p:nvPr/>
+        </p:nvSpPr>
+        <p:spPr>
+          <a:xfrm>
+            <a:off x="4206397" y="3694263"/>
+            <a:ext cx="2285371" cy="2264898"/>
+          </a:xfrm>
+          <a:custGeom>
+            <a:avLst/>
+            <a:gdLst>
+              <a:gd name="connsiteX0" fmla="*/ 0 w 2307102"/>
+              <a:gd name="connsiteY0" fmla="*/ 248534 h 1491175"/>
+              <a:gd name="connsiteX1" fmla="*/ 248534 w 2307102"/>
+              <a:gd name="connsiteY1" fmla="*/ 0 h 1491175"/>
+              <a:gd name="connsiteX2" fmla="*/ 2058568 w 2307102"/>
+              <a:gd name="connsiteY2" fmla="*/ 0 h 1491175"/>
+              <a:gd name="connsiteX3" fmla="*/ 2307102 w 2307102"/>
+              <a:gd name="connsiteY3" fmla="*/ 248534 h 1491175"/>
+              <a:gd name="connsiteX4" fmla="*/ 2307102 w 2307102"/>
+              <a:gd name="connsiteY4" fmla="*/ 1242641 h 1491175"/>
+              <a:gd name="connsiteX5" fmla="*/ 2058568 w 2307102"/>
+              <a:gd name="connsiteY5" fmla="*/ 1491175 h 1491175"/>
+              <a:gd name="connsiteX6" fmla="*/ 248534 w 2307102"/>
+              <a:gd name="connsiteY6" fmla="*/ 1491175 h 1491175"/>
+              <a:gd name="connsiteX7" fmla="*/ 0 w 2307102"/>
+              <a:gd name="connsiteY7" fmla="*/ 1242641 h 1491175"/>
+              <a:gd name="connsiteX8" fmla="*/ 0 w 2307102"/>
+              <a:gd name="connsiteY8" fmla="*/ 248534 h 1491175"/>
+              <a:gd name="connsiteX0" fmla="*/ 0 w 2307102"/>
+              <a:gd name="connsiteY0" fmla="*/ 248534 h 1491175"/>
+              <a:gd name="connsiteX1" fmla="*/ 248534 w 2307102"/>
+              <a:gd name="connsiteY1" fmla="*/ 0 h 1491175"/>
+              <a:gd name="connsiteX2" fmla="*/ 2058568 w 2307102"/>
+              <a:gd name="connsiteY2" fmla="*/ 0 h 1491175"/>
+              <a:gd name="connsiteX3" fmla="*/ 2096086 w 2307102"/>
+              <a:gd name="connsiteY3" fmla="*/ 248534 h 1491175"/>
+              <a:gd name="connsiteX4" fmla="*/ 2307102 w 2307102"/>
+              <a:gd name="connsiteY4" fmla="*/ 1242641 h 1491175"/>
+              <a:gd name="connsiteX5" fmla="*/ 2058568 w 2307102"/>
+              <a:gd name="connsiteY5" fmla="*/ 1491175 h 1491175"/>
+              <a:gd name="connsiteX6" fmla="*/ 248534 w 2307102"/>
+              <a:gd name="connsiteY6" fmla="*/ 1491175 h 1491175"/>
+              <a:gd name="connsiteX7" fmla="*/ 0 w 2307102"/>
+              <a:gd name="connsiteY7" fmla="*/ 1242641 h 1491175"/>
+              <a:gd name="connsiteX8" fmla="*/ 0 w 2307102"/>
+              <a:gd name="connsiteY8" fmla="*/ 248534 h 1491175"/>
+              <a:gd name="connsiteX0" fmla="*/ 0 w 2307102"/>
+              <a:gd name="connsiteY0" fmla="*/ 248534 h 1856935"/>
+              <a:gd name="connsiteX1" fmla="*/ 248534 w 2307102"/>
+              <a:gd name="connsiteY1" fmla="*/ 0 h 1856935"/>
+              <a:gd name="connsiteX2" fmla="*/ 2058568 w 2307102"/>
+              <a:gd name="connsiteY2" fmla="*/ 0 h 1856935"/>
+              <a:gd name="connsiteX3" fmla="*/ 2096086 w 2307102"/>
+              <a:gd name="connsiteY3" fmla="*/ 248534 h 1856935"/>
+              <a:gd name="connsiteX4" fmla="*/ 2307102 w 2307102"/>
+              <a:gd name="connsiteY4" fmla="*/ 1242641 h 1856935"/>
+              <a:gd name="connsiteX5" fmla="*/ 1875688 w 2307102"/>
+              <a:gd name="connsiteY5" fmla="*/ 1856935 h 1856935"/>
+              <a:gd name="connsiteX6" fmla="*/ 248534 w 2307102"/>
+              <a:gd name="connsiteY6" fmla="*/ 1491175 h 1856935"/>
+              <a:gd name="connsiteX7" fmla="*/ 0 w 2307102"/>
+              <a:gd name="connsiteY7" fmla="*/ 1242641 h 1856935"/>
+              <a:gd name="connsiteX8" fmla="*/ 0 w 2307102"/>
+              <a:gd name="connsiteY8" fmla="*/ 248534 h 1856935"/>
+              <a:gd name="connsiteX0" fmla="*/ 0 w 2131088"/>
+              <a:gd name="connsiteY0" fmla="*/ 248534 h 1856935"/>
+              <a:gd name="connsiteX1" fmla="*/ 248534 w 2131088"/>
+              <a:gd name="connsiteY1" fmla="*/ 0 h 1856935"/>
+              <a:gd name="connsiteX2" fmla="*/ 2058568 w 2131088"/>
+              <a:gd name="connsiteY2" fmla="*/ 0 h 1856935"/>
+              <a:gd name="connsiteX3" fmla="*/ 2096086 w 2131088"/>
+              <a:gd name="connsiteY3" fmla="*/ 248534 h 1856935"/>
+              <a:gd name="connsiteX4" fmla="*/ 2025748 w 2131088"/>
+              <a:gd name="connsiteY4" fmla="*/ 1692808 h 1856935"/>
+              <a:gd name="connsiteX5" fmla="*/ 1875688 w 2131088"/>
+              <a:gd name="connsiteY5" fmla="*/ 1856935 h 1856935"/>
+              <a:gd name="connsiteX6" fmla="*/ 248534 w 2131088"/>
+              <a:gd name="connsiteY6" fmla="*/ 1491175 h 1856935"/>
+              <a:gd name="connsiteX7" fmla="*/ 0 w 2131088"/>
+              <a:gd name="connsiteY7" fmla="*/ 1242641 h 1856935"/>
+              <a:gd name="connsiteX8" fmla="*/ 0 w 2131088"/>
+              <a:gd name="connsiteY8" fmla="*/ 248534 h 1856935"/>
+              <a:gd name="connsiteX0" fmla="*/ 86342 w 2217430"/>
+              <a:gd name="connsiteY0" fmla="*/ 248534 h 2264898"/>
+              <a:gd name="connsiteX1" fmla="*/ 334876 w 2217430"/>
+              <a:gd name="connsiteY1" fmla="*/ 0 h 2264898"/>
+              <a:gd name="connsiteX2" fmla="*/ 2144910 w 2217430"/>
+              <a:gd name="connsiteY2" fmla="*/ 0 h 2264898"/>
+              <a:gd name="connsiteX3" fmla="*/ 2182428 w 2217430"/>
+              <a:gd name="connsiteY3" fmla="*/ 248534 h 2264898"/>
+              <a:gd name="connsiteX4" fmla="*/ 2112090 w 2217430"/>
+              <a:gd name="connsiteY4" fmla="*/ 1692808 h 2264898"/>
+              <a:gd name="connsiteX5" fmla="*/ 1962030 w 2217430"/>
+              <a:gd name="connsiteY5" fmla="*/ 1856935 h 2264898"/>
+              <a:gd name="connsiteX6" fmla="*/ 53522 w 2217430"/>
+              <a:gd name="connsiteY6" fmla="*/ 2264898 h 2264898"/>
+              <a:gd name="connsiteX7" fmla="*/ 86342 w 2217430"/>
+              <a:gd name="connsiteY7" fmla="*/ 1242641 h 2264898"/>
+              <a:gd name="connsiteX8" fmla="*/ 86342 w 2217430"/>
+              <a:gd name="connsiteY8" fmla="*/ 248534 h 2264898"/>
+              <a:gd name="connsiteX0" fmla="*/ 115610 w 2246698"/>
+              <a:gd name="connsiteY0" fmla="*/ 248534 h 2264898"/>
+              <a:gd name="connsiteX1" fmla="*/ 364144 w 2246698"/>
+              <a:gd name="connsiteY1" fmla="*/ 0 h 2264898"/>
+              <a:gd name="connsiteX2" fmla="*/ 2174178 w 2246698"/>
+              <a:gd name="connsiteY2" fmla="*/ 0 h 2264898"/>
+              <a:gd name="connsiteX3" fmla="*/ 2211696 w 2246698"/>
+              <a:gd name="connsiteY3" fmla="*/ 248534 h 2264898"/>
+              <a:gd name="connsiteX4" fmla="*/ 2141358 w 2246698"/>
+              <a:gd name="connsiteY4" fmla="*/ 1692808 h 2264898"/>
+              <a:gd name="connsiteX5" fmla="*/ 1991298 w 2246698"/>
+              <a:gd name="connsiteY5" fmla="*/ 1856935 h 2264898"/>
+              <a:gd name="connsiteX6" fmla="*/ 82790 w 2246698"/>
+              <a:gd name="connsiteY6" fmla="*/ 2264898 h 2264898"/>
+              <a:gd name="connsiteX7" fmla="*/ 20360 w 2246698"/>
+              <a:gd name="connsiteY7" fmla="*/ 1246451 h 2264898"/>
+              <a:gd name="connsiteX8" fmla="*/ 115610 w 2246698"/>
+              <a:gd name="connsiteY8" fmla="*/ 248534 h 2264898"/>
+              <a:gd name="connsiteX0" fmla="*/ 171450 w 2302538"/>
+              <a:gd name="connsiteY0" fmla="*/ 248534 h 2264898"/>
+              <a:gd name="connsiteX1" fmla="*/ 419984 w 2302538"/>
+              <a:gd name="connsiteY1" fmla="*/ 0 h 2264898"/>
+              <a:gd name="connsiteX2" fmla="*/ 2230018 w 2302538"/>
+              <a:gd name="connsiteY2" fmla="*/ 0 h 2264898"/>
+              <a:gd name="connsiteX3" fmla="*/ 2267536 w 2302538"/>
+              <a:gd name="connsiteY3" fmla="*/ 248534 h 2264898"/>
+              <a:gd name="connsiteX4" fmla="*/ 2197198 w 2302538"/>
+              <a:gd name="connsiteY4" fmla="*/ 1692808 h 2264898"/>
+              <a:gd name="connsiteX5" fmla="*/ 2047138 w 2302538"/>
+              <a:gd name="connsiteY5" fmla="*/ 1856935 h 2264898"/>
+              <a:gd name="connsiteX6" fmla="*/ 138630 w 2302538"/>
+              <a:gd name="connsiteY6" fmla="*/ 2264898 h 2264898"/>
+              <a:gd name="connsiteX7" fmla="*/ 0 w 2302538"/>
+              <a:gd name="connsiteY7" fmla="*/ 2012261 h 2264898"/>
+              <a:gd name="connsiteX8" fmla="*/ 171450 w 2302538"/>
+              <a:gd name="connsiteY8" fmla="*/ 248534 h 2264898"/>
+              <a:gd name="connsiteX0" fmla="*/ 171450 w 2302538"/>
+              <a:gd name="connsiteY0" fmla="*/ 248534 h 2264898"/>
+              <a:gd name="connsiteX1" fmla="*/ 419984 w 2302538"/>
+              <a:gd name="connsiteY1" fmla="*/ 0 h 2264898"/>
+              <a:gd name="connsiteX2" fmla="*/ 2230018 w 2302538"/>
+              <a:gd name="connsiteY2" fmla="*/ 0 h 2264898"/>
+              <a:gd name="connsiteX3" fmla="*/ 2267536 w 2302538"/>
+              <a:gd name="connsiteY3" fmla="*/ 248534 h 2264898"/>
+              <a:gd name="connsiteX4" fmla="*/ 2197198 w 2302538"/>
+              <a:gd name="connsiteY4" fmla="*/ 1692808 h 2264898"/>
+              <a:gd name="connsiteX5" fmla="*/ 2047138 w 2302538"/>
+              <a:gd name="connsiteY5" fmla="*/ 1856935 h 2264898"/>
+              <a:gd name="connsiteX6" fmla="*/ 138630 w 2302538"/>
+              <a:gd name="connsiteY6" fmla="*/ 2264898 h 2264898"/>
+              <a:gd name="connsiteX7" fmla="*/ 0 w 2302538"/>
+              <a:gd name="connsiteY7" fmla="*/ 2012261 h 2264898"/>
+              <a:gd name="connsiteX8" fmla="*/ 171450 w 2302538"/>
+              <a:gd name="connsiteY8" fmla="*/ 248534 h 2264898"/>
+              <a:gd name="connsiteX0" fmla="*/ 171450 w 2302538"/>
+              <a:gd name="connsiteY0" fmla="*/ 248534 h 2264898"/>
+              <a:gd name="connsiteX1" fmla="*/ 419984 w 2302538"/>
+              <a:gd name="connsiteY1" fmla="*/ 0 h 2264898"/>
+              <a:gd name="connsiteX2" fmla="*/ 2230018 w 2302538"/>
+              <a:gd name="connsiteY2" fmla="*/ 0 h 2264898"/>
+              <a:gd name="connsiteX3" fmla="*/ 2267536 w 2302538"/>
+              <a:gd name="connsiteY3" fmla="*/ 248534 h 2264898"/>
+              <a:gd name="connsiteX4" fmla="*/ 2197198 w 2302538"/>
+              <a:gd name="connsiteY4" fmla="*/ 1666138 h 2264898"/>
+              <a:gd name="connsiteX5" fmla="*/ 2047138 w 2302538"/>
+              <a:gd name="connsiteY5" fmla="*/ 1856935 h 2264898"/>
+              <a:gd name="connsiteX6" fmla="*/ 138630 w 2302538"/>
+              <a:gd name="connsiteY6" fmla="*/ 2264898 h 2264898"/>
+              <a:gd name="connsiteX7" fmla="*/ 0 w 2302538"/>
+              <a:gd name="connsiteY7" fmla="*/ 2012261 h 2264898"/>
+              <a:gd name="connsiteX8" fmla="*/ 171450 w 2302538"/>
+              <a:gd name="connsiteY8" fmla="*/ 248534 h 2264898"/>
+              <a:gd name="connsiteX0" fmla="*/ 171450 w 2302538"/>
+              <a:gd name="connsiteY0" fmla="*/ 248534 h 2264898"/>
+              <a:gd name="connsiteX1" fmla="*/ 419984 w 2302538"/>
+              <a:gd name="connsiteY1" fmla="*/ 0 h 2264898"/>
+              <a:gd name="connsiteX2" fmla="*/ 2230018 w 2302538"/>
+              <a:gd name="connsiteY2" fmla="*/ 0 h 2264898"/>
+              <a:gd name="connsiteX3" fmla="*/ 2267536 w 2302538"/>
+              <a:gd name="connsiteY3" fmla="*/ 248534 h 2264898"/>
+              <a:gd name="connsiteX4" fmla="*/ 2197198 w 2302538"/>
+              <a:gd name="connsiteY4" fmla="*/ 1666138 h 2264898"/>
+              <a:gd name="connsiteX5" fmla="*/ 2047138 w 2302538"/>
+              <a:gd name="connsiteY5" fmla="*/ 1856935 h 2264898"/>
+              <a:gd name="connsiteX6" fmla="*/ 138630 w 2302538"/>
+              <a:gd name="connsiteY6" fmla="*/ 2264898 h 2264898"/>
+              <a:gd name="connsiteX7" fmla="*/ 0 w 2302538"/>
+              <a:gd name="connsiteY7" fmla="*/ 2012261 h 2264898"/>
+              <a:gd name="connsiteX8" fmla="*/ 171450 w 2302538"/>
+              <a:gd name="connsiteY8" fmla="*/ 248534 h 2264898"/>
+              <a:gd name="connsiteX0" fmla="*/ 171450 w 2302538"/>
+              <a:gd name="connsiteY0" fmla="*/ 248534 h 2264898"/>
+              <a:gd name="connsiteX1" fmla="*/ 419984 w 2302538"/>
+              <a:gd name="connsiteY1" fmla="*/ 0 h 2264898"/>
+              <a:gd name="connsiteX2" fmla="*/ 2230018 w 2302538"/>
+              <a:gd name="connsiteY2" fmla="*/ 0 h 2264898"/>
+              <a:gd name="connsiteX3" fmla="*/ 2267536 w 2302538"/>
+              <a:gd name="connsiteY3" fmla="*/ 248534 h 2264898"/>
+              <a:gd name="connsiteX4" fmla="*/ 2197198 w 2302538"/>
+              <a:gd name="connsiteY4" fmla="*/ 1666138 h 2264898"/>
+              <a:gd name="connsiteX5" fmla="*/ 2043328 w 2302538"/>
+              <a:gd name="connsiteY5" fmla="*/ 1856935 h 2264898"/>
+              <a:gd name="connsiteX6" fmla="*/ 138630 w 2302538"/>
+              <a:gd name="connsiteY6" fmla="*/ 2264898 h 2264898"/>
+              <a:gd name="connsiteX7" fmla="*/ 0 w 2302538"/>
+              <a:gd name="connsiteY7" fmla="*/ 2012261 h 2264898"/>
+              <a:gd name="connsiteX8" fmla="*/ 171450 w 2302538"/>
+              <a:gd name="connsiteY8" fmla="*/ 248534 h 2264898"/>
+              <a:gd name="connsiteX0" fmla="*/ 171450 w 2302538"/>
+              <a:gd name="connsiteY0" fmla="*/ 248534 h 2264898"/>
+              <a:gd name="connsiteX1" fmla="*/ 419984 w 2302538"/>
+              <a:gd name="connsiteY1" fmla="*/ 0 h 2264898"/>
+              <a:gd name="connsiteX2" fmla="*/ 2230018 w 2302538"/>
+              <a:gd name="connsiteY2" fmla="*/ 0 h 2264898"/>
+              <a:gd name="connsiteX3" fmla="*/ 2267536 w 2302538"/>
+              <a:gd name="connsiteY3" fmla="*/ 248534 h 2264898"/>
+              <a:gd name="connsiteX4" fmla="*/ 2197198 w 2302538"/>
+              <a:gd name="connsiteY4" fmla="*/ 1666138 h 2264898"/>
+              <a:gd name="connsiteX5" fmla="*/ 2043328 w 2302538"/>
+              <a:gd name="connsiteY5" fmla="*/ 1856935 h 2264898"/>
+              <a:gd name="connsiteX6" fmla="*/ 138630 w 2302538"/>
+              <a:gd name="connsiteY6" fmla="*/ 2264898 h 2264898"/>
+              <a:gd name="connsiteX7" fmla="*/ 0 w 2302538"/>
+              <a:gd name="connsiteY7" fmla="*/ 2012261 h 2264898"/>
+              <a:gd name="connsiteX8" fmla="*/ 171450 w 2302538"/>
+              <a:gd name="connsiteY8" fmla="*/ 248534 h 2264898"/>
+              <a:gd name="connsiteX0" fmla="*/ 171450 w 2302538"/>
+              <a:gd name="connsiteY0" fmla="*/ 248534 h 2264898"/>
+              <a:gd name="connsiteX1" fmla="*/ 419984 w 2302538"/>
+              <a:gd name="connsiteY1" fmla="*/ 0 h 2264898"/>
+              <a:gd name="connsiteX2" fmla="*/ 2230018 w 2302538"/>
+              <a:gd name="connsiteY2" fmla="*/ 0 h 2264898"/>
+              <a:gd name="connsiteX3" fmla="*/ 2267536 w 2302538"/>
+              <a:gd name="connsiteY3" fmla="*/ 248534 h 2264898"/>
+              <a:gd name="connsiteX4" fmla="*/ 2189578 w 2302538"/>
+              <a:gd name="connsiteY4" fmla="*/ 1677568 h 2264898"/>
+              <a:gd name="connsiteX5" fmla="*/ 2043328 w 2302538"/>
+              <a:gd name="connsiteY5" fmla="*/ 1856935 h 2264898"/>
+              <a:gd name="connsiteX6" fmla="*/ 138630 w 2302538"/>
+              <a:gd name="connsiteY6" fmla="*/ 2264898 h 2264898"/>
+              <a:gd name="connsiteX7" fmla="*/ 0 w 2302538"/>
+              <a:gd name="connsiteY7" fmla="*/ 2012261 h 2264898"/>
+              <a:gd name="connsiteX8" fmla="*/ 171450 w 2302538"/>
+              <a:gd name="connsiteY8" fmla="*/ 248534 h 2264898"/>
+              <a:gd name="connsiteX0" fmla="*/ 171450 w 2302538"/>
+              <a:gd name="connsiteY0" fmla="*/ 248534 h 2264898"/>
+              <a:gd name="connsiteX1" fmla="*/ 419984 w 2302538"/>
+              <a:gd name="connsiteY1" fmla="*/ 0 h 2264898"/>
+              <a:gd name="connsiteX2" fmla="*/ 2230018 w 2302538"/>
+              <a:gd name="connsiteY2" fmla="*/ 0 h 2264898"/>
+              <a:gd name="connsiteX3" fmla="*/ 2267536 w 2302538"/>
+              <a:gd name="connsiteY3" fmla="*/ 248534 h 2264898"/>
+              <a:gd name="connsiteX4" fmla="*/ 2189578 w 2302538"/>
+              <a:gd name="connsiteY4" fmla="*/ 1677568 h 2264898"/>
+              <a:gd name="connsiteX5" fmla="*/ 2043328 w 2302538"/>
+              <a:gd name="connsiteY5" fmla="*/ 1856935 h 2264898"/>
+              <a:gd name="connsiteX6" fmla="*/ 138630 w 2302538"/>
+              <a:gd name="connsiteY6" fmla="*/ 2264898 h 2264898"/>
+              <a:gd name="connsiteX7" fmla="*/ 0 w 2302538"/>
+              <a:gd name="connsiteY7" fmla="*/ 2012261 h 2264898"/>
+              <a:gd name="connsiteX8" fmla="*/ 171450 w 2302538"/>
+              <a:gd name="connsiteY8" fmla="*/ 248534 h 2264898"/>
+              <a:gd name="connsiteX0" fmla="*/ 171450 w 2302538"/>
+              <a:gd name="connsiteY0" fmla="*/ 248534 h 2264898"/>
+              <a:gd name="connsiteX1" fmla="*/ 419984 w 2302538"/>
+              <a:gd name="connsiteY1" fmla="*/ 0 h 2264898"/>
+              <a:gd name="connsiteX2" fmla="*/ 2230018 w 2302538"/>
+              <a:gd name="connsiteY2" fmla="*/ 0 h 2264898"/>
+              <a:gd name="connsiteX3" fmla="*/ 2267536 w 2302538"/>
+              <a:gd name="connsiteY3" fmla="*/ 248534 h 2264898"/>
+              <a:gd name="connsiteX4" fmla="*/ 2189578 w 2302538"/>
+              <a:gd name="connsiteY4" fmla="*/ 1677568 h 2264898"/>
+              <a:gd name="connsiteX5" fmla="*/ 2043328 w 2302538"/>
+              <a:gd name="connsiteY5" fmla="*/ 1856935 h 2264898"/>
+              <a:gd name="connsiteX6" fmla="*/ 138630 w 2302538"/>
+              <a:gd name="connsiteY6" fmla="*/ 2264898 h 2264898"/>
+              <a:gd name="connsiteX7" fmla="*/ 0 w 2302538"/>
+              <a:gd name="connsiteY7" fmla="*/ 2012261 h 2264898"/>
+              <a:gd name="connsiteX8" fmla="*/ 171450 w 2302538"/>
+              <a:gd name="connsiteY8" fmla="*/ 248534 h 2264898"/>
+              <a:gd name="connsiteX0" fmla="*/ 171450 w 2296034"/>
+              <a:gd name="connsiteY0" fmla="*/ 248534 h 2264898"/>
+              <a:gd name="connsiteX1" fmla="*/ 419984 w 2296034"/>
+              <a:gd name="connsiteY1" fmla="*/ 0 h 2264898"/>
+              <a:gd name="connsiteX2" fmla="*/ 2230018 w 2296034"/>
+              <a:gd name="connsiteY2" fmla="*/ 0 h 2264898"/>
+              <a:gd name="connsiteX3" fmla="*/ 2267536 w 2296034"/>
+              <a:gd name="connsiteY3" fmla="*/ 248534 h 2264898"/>
+              <a:gd name="connsiteX4" fmla="*/ 2189578 w 2296034"/>
+              <a:gd name="connsiteY4" fmla="*/ 1677568 h 2264898"/>
+              <a:gd name="connsiteX5" fmla="*/ 2043328 w 2296034"/>
+              <a:gd name="connsiteY5" fmla="*/ 1856935 h 2264898"/>
+              <a:gd name="connsiteX6" fmla="*/ 138630 w 2296034"/>
+              <a:gd name="connsiteY6" fmla="*/ 2264898 h 2264898"/>
+              <a:gd name="connsiteX7" fmla="*/ 0 w 2296034"/>
+              <a:gd name="connsiteY7" fmla="*/ 2012261 h 2264898"/>
+              <a:gd name="connsiteX8" fmla="*/ 171450 w 2296034"/>
+              <a:gd name="connsiteY8" fmla="*/ 248534 h 2264898"/>
+              <a:gd name="connsiteX0" fmla="*/ 171450 w 2300669"/>
+              <a:gd name="connsiteY0" fmla="*/ 248534 h 2264898"/>
+              <a:gd name="connsiteX1" fmla="*/ 419984 w 2300669"/>
+              <a:gd name="connsiteY1" fmla="*/ 0 h 2264898"/>
+              <a:gd name="connsiteX2" fmla="*/ 2230018 w 2300669"/>
+              <a:gd name="connsiteY2" fmla="*/ 0 h 2264898"/>
+              <a:gd name="connsiteX3" fmla="*/ 2278966 w 2300669"/>
+              <a:gd name="connsiteY3" fmla="*/ 248534 h 2264898"/>
+              <a:gd name="connsiteX4" fmla="*/ 2189578 w 2300669"/>
+              <a:gd name="connsiteY4" fmla="*/ 1677568 h 2264898"/>
+              <a:gd name="connsiteX5" fmla="*/ 2043328 w 2300669"/>
+              <a:gd name="connsiteY5" fmla="*/ 1856935 h 2264898"/>
+              <a:gd name="connsiteX6" fmla="*/ 138630 w 2300669"/>
+              <a:gd name="connsiteY6" fmla="*/ 2264898 h 2264898"/>
+              <a:gd name="connsiteX7" fmla="*/ 0 w 2300669"/>
+              <a:gd name="connsiteY7" fmla="*/ 2012261 h 2264898"/>
+              <a:gd name="connsiteX8" fmla="*/ 171450 w 2300669"/>
+              <a:gd name="connsiteY8" fmla="*/ 248534 h 2264898"/>
+              <a:gd name="connsiteX0" fmla="*/ 171450 w 2300669"/>
+              <a:gd name="connsiteY0" fmla="*/ 248534 h 2264898"/>
+              <a:gd name="connsiteX1" fmla="*/ 419984 w 2300669"/>
+              <a:gd name="connsiteY1" fmla="*/ 0 h 2264898"/>
+              <a:gd name="connsiteX2" fmla="*/ 2230018 w 2300669"/>
+              <a:gd name="connsiteY2" fmla="*/ 0 h 2264898"/>
+              <a:gd name="connsiteX3" fmla="*/ 2278966 w 2300669"/>
+              <a:gd name="connsiteY3" fmla="*/ 248534 h 2264898"/>
+              <a:gd name="connsiteX4" fmla="*/ 2189578 w 2300669"/>
+              <a:gd name="connsiteY4" fmla="*/ 1677568 h 2264898"/>
+              <a:gd name="connsiteX5" fmla="*/ 2043328 w 2300669"/>
+              <a:gd name="connsiteY5" fmla="*/ 1856935 h 2264898"/>
+              <a:gd name="connsiteX6" fmla="*/ 138630 w 2300669"/>
+              <a:gd name="connsiteY6" fmla="*/ 2264898 h 2264898"/>
+              <a:gd name="connsiteX7" fmla="*/ 0 w 2300669"/>
+              <a:gd name="connsiteY7" fmla="*/ 2012261 h 2264898"/>
+              <a:gd name="connsiteX8" fmla="*/ 171450 w 2300669"/>
+              <a:gd name="connsiteY8" fmla="*/ 248534 h 2264898"/>
+              <a:gd name="connsiteX0" fmla="*/ 171450 w 2300669"/>
+              <a:gd name="connsiteY0" fmla="*/ 248534 h 2264898"/>
+              <a:gd name="connsiteX1" fmla="*/ 419984 w 2300669"/>
+              <a:gd name="connsiteY1" fmla="*/ 0 h 2264898"/>
+              <a:gd name="connsiteX2" fmla="*/ 2230018 w 2300669"/>
+              <a:gd name="connsiteY2" fmla="*/ 0 h 2264898"/>
+              <a:gd name="connsiteX3" fmla="*/ 2278966 w 2300669"/>
+              <a:gd name="connsiteY3" fmla="*/ 248534 h 2264898"/>
+              <a:gd name="connsiteX4" fmla="*/ 2189578 w 2300669"/>
+              <a:gd name="connsiteY4" fmla="*/ 1677568 h 2264898"/>
+              <a:gd name="connsiteX5" fmla="*/ 2043328 w 2300669"/>
+              <a:gd name="connsiteY5" fmla="*/ 1856935 h 2264898"/>
+              <a:gd name="connsiteX6" fmla="*/ 138630 w 2300669"/>
+              <a:gd name="connsiteY6" fmla="*/ 2264898 h 2264898"/>
+              <a:gd name="connsiteX7" fmla="*/ 0 w 2300669"/>
+              <a:gd name="connsiteY7" fmla="*/ 2012261 h 2264898"/>
+              <a:gd name="connsiteX8" fmla="*/ 171450 w 2300669"/>
+              <a:gd name="connsiteY8" fmla="*/ 248534 h 2264898"/>
+              <a:gd name="connsiteX0" fmla="*/ 171450 w 2299392"/>
+              <a:gd name="connsiteY0" fmla="*/ 248534 h 2264898"/>
+              <a:gd name="connsiteX1" fmla="*/ 419984 w 2299392"/>
+              <a:gd name="connsiteY1" fmla="*/ 0 h 2264898"/>
+              <a:gd name="connsiteX2" fmla="*/ 2230018 w 2299392"/>
+              <a:gd name="connsiteY2" fmla="*/ 0 h 2264898"/>
+              <a:gd name="connsiteX3" fmla="*/ 2278966 w 2299392"/>
+              <a:gd name="connsiteY3" fmla="*/ 248534 h 2264898"/>
+              <a:gd name="connsiteX4" fmla="*/ 2189578 w 2299392"/>
+              <a:gd name="connsiteY4" fmla="*/ 1677568 h 2264898"/>
+              <a:gd name="connsiteX5" fmla="*/ 2043328 w 2299392"/>
+              <a:gd name="connsiteY5" fmla="*/ 1856935 h 2264898"/>
+              <a:gd name="connsiteX6" fmla="*/ 138630 w 2299392"/>
+              <a:gd name="connsiteY6" fmla="*/ 2264898 h 2264898"/>
+              <a:gd name="connsiteX7" fmla="*/ 0 w 2299392"/>
+              <a:gd name="connsiteY7" fmla="*/ 2012261 h 2264898"/>
+              <a:gd name="connsiteX8" fmla="*/ 171450 w 2299392"/>
+              <a:gd name="connsiteY8" fmla="*/ 248534 h 2264898"/>
+              <a:gd name="connsiteX0" fmla="*/ 171450 w 2301034"/>
+              <a:gd name="connsiteY0" fmla="*/ 248534 h 2264898"/>
+              <a:gd name="connsiteX1" fmla="*/ 419984 w 2301034"/>
+              <a:gd name="connsiteY1" fmla="*/ 0 h 2264898"/>
+              <a:gd name="connsiteX2" fmla="*/ 2230018 w 2301034"/>
+              <a:gd name="connsiteY2" fmla="*/ 0 h 2264898"/>
+              <a:gd name="connsiteX3" fmla="*/ 2282776 w 2301034"/>
+              <a:gd name="connsiteY3" fmla="*/ 122804 h 2264898"/>
+              <a:gd name="connsiteX4" fmla="*/ 2189578 w 2301034"/>
+              <a:gd name="connsiteY4" fmla="*/ 1677568 h 2264898"/>
+              <a:gd name="connsiteX5" fmla="*/ 2043328 w 2301034"/>
+              <a:gd name="connsiteY5" fmla="*/ 1856935 h 2264898"/>
+              <a:gd name="connsiteX6" fmla="*/ 138630 w 2301034"/>
+              <a:gd name="connsiteY6" fmla="*/ 2264898 h 2264898"/>
+              <a:gd name="connsiteX7" fmla="*/ 0 w 2301034"/>
+              <a:gd name="connsiteY7" fmla="*/ 2012261 h 2264898"/>
+              <a:gd name="connsiteX8" fmla="*/ 171450 w 2301034"/>
+              <a:gd name="connsiteY8" fmla="*/ 248534 h 2264898"/>
+              <a:gd name="connsiteX0" fmla="*/ 171450 w 2297227"/>
+              <a:gd name="connsiteY0" fmla="*/ 248534 h 2264898"/>
+              <a:gd name="connsiteX1" fmla="*/ 419984 w 2297227"/>
+              <a:gd name="connsiteY1" fmla="*/ 0 h 2264898"/>
+              <a:gd name="connsiteX2" fmla="*/ 2230018 w 2297227"/>
+              <a:gd name="connsiteY2" fmla="*/ 0 h 2264898"/>
+              <a:gd name="connsiteX3" fmla="*/ 2282776 w 2297227"/>
+              <a:gd name="connsiteY3" fmla="*/ 122804 h 2264898"/>
+              <a:gd name="connsiteX4" fmla="*/ 2189578 w 2297227"/>
+              <a:gd name="connsiteY4" fmla="*/ 1677568 h 2264898"/>
+              <a:gd name="connsiteX5" fmla="*/ 2043328 w 2297227"/>
+              <a:gd name="connsiteY5" fmla="*/ 1856935 h 2264898"/>
+              <a:gd name="connsiteX6" fmla="*/ 138630 w 2297227"/>
+              <a:gd name="connsiteY6" fmla="*/ 2264898 h 2264898"/>
+              <a:gd name="connsiteX7" fmla="*/ 0 w 2297227"/>
+              <a:gd name="connsiteY7" fmla="*/ 2012261 h 2264898"/>
+              <a:gd name="connsiteX8" fmla="*/ 171450 w 2297227"/>
+              <a:gd name="connsiteY8" fmla="*/ 248534 h 2264898"/>
+              <a:gd name="connsiteX0" fmla="*/ 171450 w 2285371"/>
+              <a:gd name="connsiteY0" fmla="*/ 248534 h 2264898"/>
+              <a:gd name="connsiteX1" fmla="*/ 419984 w 2285371"/>
+              <a:gd name="connsiteY1" fmla="*/ 0 h 2264898"/>
+              <a:gd name="connsiteX2" fmla="*/ 2230018 w 2285371"/>
+              <a:gd name="connsiteY2" fmla="*/ 0 h 2264898"/>
+              <a:gd name="connsiteX3" fmla="*/ 2282776 w 2285371"/>
+              <a:gd name="connsiteY3" fmla="*/ 122804 h 2264898"/>
+              <a:gd name="connsiteX4" fmla="*/ 2189578 w 2285371"/>
+              <a:gd name="connsiteY4" fmla="*/ 1677568 h 2264898"/>
+              <a:gd name="connsiteX5" fmla="*/ 2043328 w 2285371"/>
+              <a:gd name="connsiteY5" fmla="*/ 1856935 h 2264898"/>
+              <a:gd name="connsiteX6" fmla="*/ 138630 w 2285371"/>
+              <a:gd name="connsiteY6" fmla="*/ 2264898 h 2264898"/>
+              <a:gd name="connsiteX7" fmla="*/ 0 w 2285371"/>
+              <a:gd name="connsiteY7" fmla="*/ 2012261 h 2264898"/>
+              <a:gd name="connsiteX8" fmla="*/ 171450 w 2285371"/>
+              <a:gd name="connsiteY8" fmla="*/ 248534 h 2264898"/>
+            </a:gdLst>
+            <a:ahLst/>
+            <a:cxnLst>
+              <a:cxn ang="0">
+                <a:pos x="connsiteX0" y="connsiteY0"/>
+              </a:cxn>
+              <a:cxn ang="0">
+                <a:pos x="connsiteX1" y="connsiteY1"/>
+              </a:cxn>
+              <a:cxn ang="0">
+                <a:pos x="connsiteX2" y="connsiteY2"/>
+              </a:cxn>
+              <a:cxn ang="0">
+                <a:pos x="connsiteX3" y="connsiteY3"/>
+              </a:cxn>
+              <a:cxn ang="0">
+                <a:pos x="connsiteX4" y="connsiteY4"/>
+              </a:cxn>
+              <a:cxn ang="0">
+                <a:pos x="connsiteX5" y="connsiteY5"/>
+              </a:cxn>
+              <a:cxn ang="0">
+                <a:pos x="connsiteX6" y="connsiteY6"/>
+              </a:cxn>
+              <a:cxn ang="0">
+                <a:pos x="connsiteX7" y="connsiteY7"/>
+              </a:cxn>
+              <a:cxn ang="0">
+                <a:pos x="connsiteX8" y="connsiteY8"/>
+              </a:cxn>
+            </a:cxnLst>
+            <a:rect l="l" t="t" r="r" b="b"/>
+            <a:pathLst>
+              <a:path w="2285371" h="2264898">
+                <a:moveTo>
+                  <a:pt x="171450" y="248534"/>
+                </a:moveTo>
+                <a:cubicBezTo>
+                  <a:pt x="171450" y="111272"/>
+                  <a:pt x="282722" y="0"/>
+                  <a:pt x="419984" y="0"/>
+                </a:cubicBezTo>
+                <a:lnTo>
+                  <a:pt x="2230018" y="0"/>
+                </a:lnTo>
+                <a:cubicBezTo>
+                  <a:pt x="2352040" y="3810"/>
+                  <a:pt x="2225626" y="282722"/>
+                  <a:pt x="2282776" y="122804"/>
+                </a:cubicBezTo>
+                <a:cubicBezTo>
+                  <a:pt x="2282776" y="454173"/>
+                  <a:pt x="2220058" y="1346199"/>
+                  <a:pt x="2189578" y="1677568"/>
+                </a:cubicBezTo>
+                <a:cubicBezTo>
+                  <a:pt x="2155288" y="1814830"/>
+                  <a:pt x="2203450" y="1822645"/>
+                  <a:pt x="2043328" y="1856935"/>
+                </a:cubicBezTo>
+                <a:lnTo>
+                  <a:pt x="138630" y="2264898"/>
+                </a:lnTo>
+                <a:cubicBezTo>
+                  <a:pt x="1368" y="2264898"/>
+                  <a:pt x="0" y="2149523"/>
+                  <a:pt x="0" y="2012261"/>
+                </a:cubicBezTo>
+                <a:lnTo>
+                  <a:pt x="171450" y="248534"/>
+                </a:lnTo>
+                <a:close/>
+              </a:path>
+            </a:pathLst>
+          </a:custGeom>
+          <a:solidFill>
+            <a:schemeClr val="accent1">
+              <a:lumMod val="75000"/>
+              <a:alpha val="44000"/>
+            </a:schemeClr>
+          </a:solidFill>
+          <a:ln w="1270">
+            <a:solidFill>
+              <a:srgbClr val="25557B">
+                <a:alpha val="66000"/>
+              </a:srgbClr>
+            </a:solidFill>
+          </a:ln>
+        </p:spPr>
+        <p:style>
+          <a:lnRef idx="2">
+            <a:schemeClr val="accent1">
+              <a:shade val="50000"/>
+            </a:schemeClr>
+          </a:lnRef>
+          <a:fillRef idx="1">
+            <a:schemeClr val="accent1"/>
+          </a:fillRef>
+          <a:effectRef idx="0">
+            <a:schemeClr val="accent1"/>
+          </a:effectRef>
+          <a:fontRef idx="minor">
+            <a:schemeClr val="lt1"/>
+          </a:fontRef>
+        </p:style>
+        <p:txBody>
+          <a:bodyPr rtlCol="0" anchor="ctr"/>
+          <a:lstStyle/>
+          <a:p>
+            <a:pPr algn="ctr"/>
+            <a:endParaRPr lang="es-MX" dirty="0"/>
+          </a:p>
+        </p:txBody>
+      </p:sp>
+      <p:sp>
+        <p:nvSpPr>
+          <p:cNvPr id="35" name="Rectángulo: esquinas redondeadas 3">
+            <a:extLst>
+              <a:ext uri="{FF2B5EF4-FFF2-40B4-BE49-F238E27FC236}">
+                <a16:creationId xmlns:a16="http://schemas.microsoft.com/office/drawing/2014/main" id="{7ACDA4BC-0D58-40E3-9FFE-E0E3C45F9174}"/>
+              </a:ext>
+            </a:extLst>
+          </p:cNvPr>
+          <p:cNvSpPr/>
+          <p:nvPr/>
+        </p:nvSpPr>
+        <p:spPr>
+          <a:xfrm>
+            <a:off x="8265273" y="3694263"/>
+            <a:ext cx="4272649" cy="1476186"/>
+          </a:xfrm>
+          <a:custGeom>
+            <a:avLst/>
+            <a:gdLst>
+              <a:gd name="connsiteX0" fmla="*/ 0 w 2307102"/>
+              <a:gd name="connsiteY0" fmla="*/ 248534 h 1491175"/>
+              <a:gd name="connsiteX1" fmla="*/ 248534 w 2307102"/>
+              <a:gd name="connsiteY1" fmla="*/ 0 h 1491175"/>
+              <a:gd name="connsiteX2" fmla="*/ 2058568 w 2307102"/>
+              <a:gd name="connsiteY2" fmla="*/ 0 h 1491175"/>
+              <a:gd name="connsiteX3" fmla="*/ 2307102 w 2307102"/>
+              <a:gd name="connsiteY3" fmla="*/ 248534 h 1491175"/>
+              <a:gd name="connsiteX4" fmla="*/ 2307102 w 2307102"/>
+              <a:gd name="connsiteY4" fmla="*/ 1242641 h 1491175"/>
+              <a:gd name="connsiteX5" fmla="*/ 2058568 w 2307102"/>
+              <a:gd name="connsiteY5" fmla="*/ 1491175 h 1491175"/>
+              <a:gd name="connsiteX6" fmla="*/ 248534 w 2307102"/>
+              <a:gd name="connsiteY6" fmla="*/ 1491175 h 1491175"/>
+              <a:gd name="connsiteX7" fmla="*/ 0 w 2307102"/>
+              <a:gd name="connsiteY7" fmla="*/ 1242641 h 1491175"/>
+              <a:gd name="connsiteX8" fmla="*/ 0 w 2307102"/>
+              <a:gd name="connsiteY8" fmla="*/ 248534 h 1491175"/>
+              <a:gd name="connsiteX0" fmla="*/ 0 w 2307102"/>
+              <a:gd name="connsiteY0" fmla="*/ 248534 h 1491175"/>
+              <a:gd name="connsiteX1" fmla="*/ 248534 w 2307102"/>
+              <a:gd name="connsiteY1" fmla="*/ 0 h 1491175"/>
+              <a:gd name="connsiteX2" fmla="*/ 2058568 w 2307102"/>
+              <a:gd name="connsiteY2" fmla="*/ 0 h 1491175"/>
+              <a:gd name="connsiteX3" fmla="*/ 2096086 w 2307102"/>
+              <a:gd name="connsiteY3" fmla="*/ 248534 h 1491175"/>
+              <a:gd name="connsiteX4" fmla="*/ 2307102 w 2307102"/>
+              <a:gd name="connsiteY4" fmla="*/ 1242641 h 1491175"/>
+              <a:gd name="connsiteX5" fmla="*/ 2058568 w 2307102"/>
+              <a:gd name="connsiteY5" fmla="*/ 1491175 h 1491175"/>
+              <a:gd name="connsiteX6" fmla="*/ 248534 w 2307102"/>
+              <a:gd name="connsiteY6" fmla="*/ 1491175 h 1491175"/>
+              <a:gd name="connsiteX7" fmla="*/ 0 w 2307102"/>
+              <a:gd name="connsiteY7" fmla="*/ 1242641 h 1491175"/>
+              <a:gd name="connsiteX8" fmla="*/ 0 w 2307102"/>
+              <a:gd name="connsiteY8" fmla="*/ 248534 h 1491175"/>
+              <a:gd name="connsiteX0" fmla="*/ 0 w 2307102"/>
+              <a:gd name="connsiteY0" fmla="*/ 248534 h 1856935"/>
+              <a:gd name="connsiteX1" fmla="*/ 248534 w 2307102"/>
+              <a:gd name="connsiteY1" fmla="*/ 0 h 1856935"/>
+              <a:gd name="connsiteX2" fmla="*/ 2058568 w 2307102"/>
+              <a:gd name="connsiteY2" fmla="*/ 0 h 1856935"/>
+              <a:gd name="connsiteX3" fmla="*/ 2096086 w 2307102"/>
+              <a:gd name="connsiteY3" fmla="*/ 248534 h 1856935"/>
+              <a:gd name="connsiteX4" fmla="*/ 2307102 w 2307102"/>
+              <a:gd name="connsiteY4" fmla="*/ 1242641 h 1856935"/>
+              <a:gd name="connsiteX5" fmla="*/ 1875688 w 2307102"/>
+              <a:gd name="connsiteY5" fmla="*/ 1856935 h 1856935"/>
+              <a:gd name="connsiteX6" fmla="*/ 248534 w 2307102"/>
+              <a:gd name="connsiteY6" fmla="*/ 1491175 h 1856935"/>
+              <a:gd name="connsiteX7" fmla="*/ 0 w 2307102"/>
+              <a:gd name="connsiteY7" fmla="*/ 1242641 h 1856935"/>
+              <a:gd name="connsiteX8" fmla="*/ 0 w 2307102"/>
+              <a:gd name="connsiteY8" fmla="*/ 248534 h 1856935"/>
+              <a:gd name="connsiteX0" fmla="*/ 0 w 2131088"/>
+              <a:gd name="connsiteY0" fmla="*/ 248534 h 1856935"/>
+              <a:gd name="connsiteX1" fmla="*/ 248534 w 2131088"/>
+              <a:gd name="connsiteY1" fmla="*/ 0 h 1856935"/>
+              <a:gd name="connsiteX2" fmla="*/ 2058568 w 2131088"/>
+              <a:gd name="connsiteY2" fmla="*/ 0 h 1856935"/>
+              <a:gd name="connsiteX3" fmla="*/ 2096086 w 2131088"/>
+              <a:gd name="connsiteY3" fmla="*/ 248534 h 1856935"/>
+              <a:gd name="connsiteX4" fmla="*/ 2025748 w 2131088"/>
+              <a:gd name="connsiteY4" fmla="*/ 1692808 h 1856935"/>
+              <a:gd name="connsiteX5" fmla="*/ 1875688 w 2131088"/>
+              <a:gd name="connsiteY5" fmla="*/ 1856935 h 1856935"/>
+              <a:gd name="connsiteX6" fmla="*/ 248534 w 2131088"/>
+              <a:gd name="connsiteY6" fmla="*/ 1491175 h 1856935"/>
+              <a:gd name="connsiteX7" fmla="*/ 0 w 2131088"/>
+              <a:gd name="connsiteY7" fmla="*/ 1242641 h 1856935"/>
+              <a:gd name="connsiteX8" fmla="*/ 0 w 2131088"/>
+              <a:gd name="connsiteY8" fmla="*/ 248534 h 1856935"/>
+              <a:gd name="connsiteX0" fmla="*/ 86342 w 2217430"/>
+              <a:gd name="connsiteY0" fmla="*/ 248534 h 2264898"/>
+              <a:gd name="connsiteX1" fmla="*/ 334876 w 2217430"/>
+              <a:gd name="connsiteY1" fmla="*/ 0 h 2264898"/>
+              <a:gd name="connsiteX2" fmla="*/ 2144910 w 2217430"/>
+              <a:gd name="connsiteY2" fmla="*/ 0 h 2264898"/>
+              <a:gd name="connsiteX3" fmla="*/ 2182428 w 2217430"/>
+              <a:gd name="connsiteY3" fmla="*/ 248534 h 2264898"/>
+              <a:gd name="connsiteX4" fmla="*/ 2112090 w 2217430"/>
+              <a:gd name="connsiteY4" fmla="*/ 1692808 h 2264898"/>
+              <a:gd name="connsiteX5" fmla="*/ 1962030 w 2217430"/>
+              <a:gd name="connsiteY5" fmla="*/ 1856935 h 2264898"/>
+              <a:gd name="connsiteX6" fmla="*/ 53522 w 2217430"/>
+              <a:gd name="connsiteY6" fmla="*/ 2264898 h 2264898"/>
+              <a:gd name="connsiteX7" fmla="*/ 86342 w 2217430"/>
+              <a:gd name="connsiteY7" fmla="*/ 1242641 h 2264898"/>
+              <a:gd name="connsiteX8" fmla="*/ 86342 w 2217430"/>
+              <a:gd name="connsiteY8" fmla="*/ 248534 h 2264898"/>
+              <a:gd name="connsiteX0" fmla="*/ 115610 w 2246698"/>
+              <a:gd name="connsiteY0" fmla="*/ 248534 h 2264898"/>
+              <a:gd name="connsiteX1" fmla="*/ 364144 w 2246698"/>
+              <a:gd name="connsiteY1" fmla="*/ 0 h 2264898"/>
+              <a:gd name="connsiteX2" fmla="*/ 2174178 w 2246698"/>
+              <a:gd name="connsiteY2" fmla="*/ 0 h 2264898"/>
+              <a:gd name="connsiteX3" fmla="*/ 2211696 w 2246698"/>
+              <a:gd name="connsiteY3" fmla="*/ 248534 h 2264898"/>
+              <a:gd name="connsiteX4" fmla="*/ 2141358 w 2246698"/>
+              <a:gd name="connsiteY4" fmla="*/ 1692808 h 2264898"/>
+              <a:gd name="connsiteX5" fmla="*/ 1991298 w 2246698"/>
+              <a:gd name="connsiteY5" fmla="*/ 1856935 h 2264898"/>
+              <a:gd name="connsiteX6" fmla="*/ 82790 w 2246698"/>
+              <a:gd name="connsiteY6" fmla="*/ 2264898 h 2264898"/>
+              <a:gd name="connsiteX7" fmla="*/ 20360 w 2246698"/>
+              <a:gd name="connsiteY7" fmla="*/ 1246451 h 2264898"/>
+              <a:gd name="connsiteX8" fmla="*/ 115610 w 2246698"/>
+              <a:gd name="connsiteY8" fmla="*/ 248534 h 2264898"/>
+              <a:gd name="connsiteX0" fmla="*/ 171450 w 2302538"/>
+              <a:gd name="connsiteY0" fmla="*/ 248534 h 2264898"/>
+              <a:gd name="connsiteX1" fmla="*/ 419984 w 2302538"/>
+              <a:gd name="connsiteY1" fmla="*/ 0 h 2264898"/>
+              <a:gd name="connsiteX2" fmla="*/ 2230018 w 2302538"/>
+              <a:gd name="connsiteY2" fmla="*/ 0 h 2264898"/>
+              <a:gd name="connsiteX3" fmla="*/ 2267536 w 2302538"/>
+              <a:gd name="connsiteY3" fmla="*/ 248534 h 2264898"/>
+              <a:gd name="connsiteX4" fmla="*/ 2197198 w 2302538"/>
+              <a:gd name="connsiteY4" fmla="*/ 1692808 h 2264898"/>
+              <a:gd name="connsiteX5" fmla="*/ 2047138 w 2302538"/>
+              <a:gd name="connsiteY5" fmla="*/ 1856935 h 2264898"/>
+              <a:gd name="connsiteX6" fmla="*/ 138630 w 2302538"/>
+              <a:gd name="connsiteY6" fmla="*/ 2264898 h 2264898"/>
+              <a:gd name="connsiteX7" fmla="*/ 0 w 2302538"/>
+              <a:gd name="connsiteY7" fmla="*/ 2012261 h 2264898"/>
+              <a:gd name="connsiteX8" fmla="*/ 171450 w 2302538"/>
+              <a:gd name="connsiteY8" fmla="*/ 248534 h 2264898"/>
+              <a:gd name="connsiteX0" fmla="*/ 171450 w 2302538"/>
+              <a:gd name="connsiteY0" fmla="*/ 248534 h 2264898"/>
+              <a:gd name="connsiteX1" fmla="*/ 419984 w 2302538"/>
+              <a:gd name="connsiteY1" fmla="*/ 0 h 2264898"/>
+              <a:gd name="connsiteX2" fmla="*/ 2230018 w 2302538"/>
+              <a:gd name="connsiteY2" fmla="*/ 0 h 2264898"/>
+              <a:gd name="connsiteX3" fmla="*/ 2267536 w 2302538"/>
+              <a:gd name="connsiteY3" fmla="*/ 248534 h 2264898"/>
+              <a:gd name="connsiteX4" fmla="*/ 2197198 w 2302538"/>
+              <a:gd name="connsiteY4" fmla="*/ 1692808 h 2264898"/>
+              <a:gd name="connsiteX5" fmla="*/ 2047138 w 2302538"/>
+              <a:gd name="connsiteY5" fmla="*/ 1856935 h 2264898"/>
+              <a:gd name="connsiteX6" fmla="*/ 138630 w 2302538"/>
+              <a:gd name="connsiteY6" fmla="*/ 2264898 h 2264898"/>
+              <a:gd name="connsiteX7" fmla="*/ 0 w 2302538"/>
+              <a:gd name="connsiteY7" fmla="*/ 2012261 h 2264898"/>
+              <a:gd name="connsiteX8" fmla="*/ 171450 w 2302538"/>
+              <a:gd name="connsiteY8" fmla="*/ 248534 h 2264898"/>
+              <a:gd name="connsiteX0" fmla="*/ 171450 w 2302538"/>
+              <a:gd name="connsiteY0" fmla="*/ 248534 h 2264898"/>
+              <a:gd name="connsiteX1" fmla="*/ 419984 w 2302538"/>
+              <a:gd name="connsiteY1" fmla="*/ 0 h 2264898"/>
+              <a:gd name="connsiteX2" fmla="*/ 2230018 w 2302538"/>
+              <a:gd name="connsiteY2" fmla="*/ 0 h 2264898"/>
+              <a:gd name="connsiteX3" fmla="*/ 2267536 w 2302538"/>
+              <a:gd name="connsiteY3" fmla="*/ 248534 h 2264898"/>
+              <a:gd name="connsiteX4" fmla="*/ 2197198 w 2302538"/>
+              <a:gd name="connsiteY4" fmla="*/ 1666138 h 2264898"/>
+              <a:gd name="connsiteX5" fmla="*/ 2047138 w 2302538"/>
+              <a:gd name="connsiteY5" fmla="*/ 1856935 h 2264898"/>
+              <a:gd name="connsiteX6" fmla="*/ 138630 w 2302538"/>
+              <a:gd name="connsiteY6" fmla="*/ 2264898 h 2264898"/>
+              <a:gd name="connsiteX7" fmla="*/ 0 w 2302538"/>
+              <a:gd name="connsiteY7" fmla="*/ 2012261 h 2264898"/>
+              <a:gd name="connsiteX8" fmla="*/ 171450 w 2302538"/>
+              <a:gd name="connsiteY8" fmla="*/ 248534 h 2264898"/>
+              <a:gd name="connsiteX0" fmla="*/ 171450 w 2302538"/>
+              <a:gd name="connsiteY0" fmla="*/ 248534 h 2264898"/>
+              <a:gd name="connsiteX1" fmla="*/ 419984 w 2302538"/>
+              <a:gd name="connsiteY1" fmla="*/ 0 h 2264898"/>
+              <a:gd name="connsiteX2" fmla="*/ 2230018 w 2302538"/>
+              <a:gd name="connsiteY2" fmla="*/ 0 h 2264898"/>
+              <a:gd name="connsiteX3" fmla="*/ 2267536 w 2302538"/>
+              <a:gd name="connsiteY3" fmla="*/ 248534 h 2264898"/>
+              <a:gd name="connsiteX4" fmla="*/ 2197198 w 2302538"/>
+              <a:gd name="connsiteY4" fmla="*/ 1666138 h 2264898"/>
+              <a:gd name="connsiteX5" fmla="*/ 2047138 w 2302538"/>
+              <a:gd name="connsiteY5" fmla="*/ 1856935 h 2264898"/>
+              <a:gd name="connsiteX6" fmla="*/ 138630 w 2302538"/>
+              <a:gd name="connsiteY6" fmla="*/ 2264898 h 2264898"/>
+              <a:gd name="connsiteX7" fmla="*/ 0 w 2302538"/>
+              <a:gd name="connsiteY7" fmla="*/ 2012261 h 2264898"/>
+              <a:gd name="connsiteX8" fmla="*/ 171450 w 2302538"/>
+              <a:gd name="connsiteY8" fmla="*/ 248534 h 2264898"/>
+              <a:gd name="connsiteX0" fmla="*/ 171450 w 2302538"/>
+              <a:gd name="connsiteY0" fmla="*/ 248534 h 2264898"/>
+              <a:gd name="connsiteX1" fmla="*/ 419984 w 2302538"/>
+              <a:gd name="connsiteY1" fmla="*/ 0 h 2264898"/>
+              <a:gd name="connsiteX2" fmla="*/ 2230018 w 2302538"/>
+              <a:gd name="connsiteY2" fmla="*/ 0 h 2264898"/>
+              <a:gd name="connsiteX3" fmla="*/ 2267536 w 2302538"/>
+              <a:gd name="connsiteY3" fmla="*/ 248534 h 2264898"/>
+              <a:gd name="connsiteX4" fmla="*/ 2197198 w 2302538"/>
+              <a:gd name="connsiteY4" fmla="*/ 1666138 h 2264898"/>
+              <a:gd name="connsiteX5" fmla="*/ 2043328 w 2302538"/>
+              <a:gd name="connsiteY5" fmla="*/ 1856935 h 2264898"/>
+              <a:gd name="connsiteX6" fmla="*/ 138630 w 2302538"/>
+              <a:gd name="connsiteY6" fmla="*/ 2264898 h 2264898"/>
+              <a:gd name="connsiteX7" fmla="*/ 0 w 2302538"/>
+              <a:gd name="connsiteY7" fmla="*/ 2012261 h 2264898"/>
+              <a:gd name="connsiteX8" fmla="*/ 171450 w 2302538"/>
+              <a:gd name="connsiteY8" fmla="*/ 248534 h 2264898"/>
+              <a:gd name="connsiteX0" fmla="*/ 171450 w 2302538"/>
+              <a:gd name="connsiteY0" fmla="*/ 248534 h 2264898"/>
+              <a:gd name="connsiteX1" fmla="*/ 419984 w 2302538"/>
+              <a:gd name="connsiteY1" fmla="*/ 0 h 2264898"/>
+              <a:gd name="connsiteX2" fmla="*/ 2230018 w 2302538"/>
+              <a:gd name="connsiteY2" fmla="*/ 0 h 2264898"/>
+              <a:gd name="connsiteX3" fmla="*/ 2267536 w 2302538"/>
+              <a:gd name="connsiteY3" fmla="*/ 248534 h 2264898"/>
+              <a:gd name="connsiteX4" fmla="*/ 2197198 w 2302538"/>
+              <a:gd name="connsiteY4" fmla="*/ 1666138 h 2264898"/>
+              <a:gd name="connsiteX5" fmla="*/ 2043328 w 2302538"/>
+              <a:gd name="connsiteY5" fmla="*/ 1856935 h 2264898"/>
+              <a:gd name="connsiteX6" fmla="*/ 138630 w 2302538"/>
+              <a:gd name="connsiteY6" fmla="*/ 2264898 h 2264898"/>
+              <a:gd name="connsiteX7" fmla="*/ 0 w 2302538"/>
+              <a:gd name="connsiteY7" fmla="*/ 2012261 h 2264898"/>
+              <a:gd name="connsiteX8" fmla="*/ 171450 w 2302538"/>
+              <a:gd name="connsiteY8" fmla="*/ 248534 h 2264898"/>
+              <a:gd name="connsiteX0" fmla="*/ 171450 w 2302538"/>
+              <a:gd name="connsiteY0" fmla="*/ 248534 h 2264898"/>
+              <a:gd name="connsiteX1" fmla="*/ 419984 w 2302538"/>
+              <a:gd name="connsiteY1" fmla="*/ 0 h 2264898"/>
+              <a:gd name="connsiteX2" fmla="*/ 2230018 w 2302538"/>
+              <a:gd name="connsiteY2" fmla="*/ 0 h 2264898"/>
+              <a:gd name="connsiteX3" fmla="*/ 2267536 w 2302538"/>
+              <a:gd name="connsiteY3" fmla="*/ 248534 h 2264898"/>
+              <a:gd name="connsiteX4" fmla="*/ 2189578 w 2302538"/>
+              <a:gd name="connsiteY4" fmla="*/ 1677568 h 2264898"/>
+              <a:gd name="connsiteX5" fmla="*/ 2043328 w 2302538"/>
+              <a:gd name="connsiteY5" fmla="*/ 1856935 h 2264898"/>
+              <a:gd name="connsiteX6" fmla="*/ 138630 w 2302538"/>
+              <a:gd name="connsiteY6" fmla="*/ 2264898 h 2264898"/>
+              <a:gd name="connsiteX7" fmla="*/ 0 w 2302538"/>
+              <a:gd name="connsiteY7" fmla="*/ 2012261 h 2264898"/>
+              <a:gd name="connsiteX8" fmla="*/ 171450 w 2302538"/>
+              <a:gd name="connsiteY8" fmla="*/ 248534 h 2264898"/>
+              <a:gd name="connsiteX0" fmla="*/ 171450 w 2302538"/>
+              <a:gd name="connsiteY0" fmla="*/ 248534 h 2264898"/>
+              <a:gd name="connsiteX1" fmla="*/ 419984 w 2302538"/>
+              <a:gd name="connsiteY1" fmla="*/ 0 h 2264898"/>
+              <a:gd name="connsiteX2" fmla="*/ 2230018 w 2302538"/>
+              <a:gd name="connsiteY2" fmla="*/ 0 h 2264898"/>
+              <a:gd name="connsiteX3" fmla="*/ 2267536 w 2302538"/>
+              <a:gd name="connsiteY3" fmla="*/ 248534 h 2264898"/>
+              <a:gd name="connsiteX4" fmla="*/ 2189578 w 2302538"/>
+              <a:gd name="connsiteY4" fmla="*/ 1677568 h 2264898"/>
+              <a:gd name="connsiteX5" fmla="*/ 2043328 w 2302538"/>
+              <a:gd name="connsiteY5" fmla="*/ 1856935 h 2264898"/>
+              <a:gd name="connsiteX6" fmla="*/ 138630 w 2302538"/>
+              <a:gd name="connsiteY6" fmla="*/ 2264898 h 2264898"/>
+              <a:gd name="connsiteX7" fmla="*/ 0 w 2302538"/>
+              <a:gd name="connsiteY7" fmla="*/ 2012261 h 2264898"/>
+              <a:gd name="connsiteX8" fmla="*/ 171450 w 2302538"/>
+              <a:gd name="connsiteY8" fmla="*/ 248534 h 2264898"/>
+              <a:gd name="connsiteX0" fmla="*/ 171450 w 2302538"/>
+              <a:gd name="connsiteY0" fmla="*/ 248534 h 2264898"/>
+              <a:gd name="connsiteX1" fmla="*/ 419984 w 2302538"/>
+              <a:gd name="connsiteY1" fmla="*/ 0 h 2264898"/>
+              <a:gd name="connsiteX2" fmla="*/ 2230018 w 2302538"/>
+              <a:gd name="connsiteY2" fmla="*/ 0 h 2264898"/>
+              <a:gd name="connsiteX3" fmla="*/ 2267536 w 2302538"/>
+              <a:gd name="connsiteY3" fmla="*/ 248534 h 2264898"/>
+              <a:gd name="connsiteX4" fmla="*/ 2189578 w 2302538"/>
+              <a:gd name="connsiteY4" fmla="*/ 1677568 h 2264898"/>
+              <a:gd name="connsiteX5" fmla="*/ 2043328 w 2302538"/>
+              <a:gd name="connsiteY5" fmla="*/ 1856935 h 2264898"/>
+              <a:gd name="connsiteX6" fmla="*/ 138630 w 2302538"/>
+              <a:gd name="connsiteY6" fmla="*/ 2264898 h 2264898"/>
+              <a:gd name="connsiteX7" fmla="*/ 0 w 2302538"/>
+              <a:gd name="connsiteY7" fmla="*/ 2012261 h 2264898"/>
+              <a:gd name="connsiteX8" fmla="*/ 171450 w 2302538"/>
+              <a:gd name="connsiteY8" fmla="*/ 248534 h 2264898"/>
+              <a:gd name="connsiteX0" fmla="*/ 171450 w 2296034"/>
+              <a:gd name="connsiteY0" fmla="*/ 248534 h 2264898"/>
+              <a:gd name="connsiteX1" fmla="*/ 419984 w 2296034"/>
+              <a:gd name="connsiteY1" fmla="*/ 0 h 2264898"/>
+              <a:gd name="connsiteX2" fmla="*/ 2230018 w 2296034"/>
+              <a:gd name="connsiteY2" fmla="*/ 0 h 2264898"/>
+              <a:gd name="connsiteX3" fmla="*/ 2267536 w 2296034"/>
+              <a:gd name="connsiteY3" fmla="*/ 248534 h 2264898"/>
+              <a:gd name="connsiteX4" fmla="*/ 2189578 w 2296034"/>
+              <a:gd name="connsiteY4" fmla="*/ 1677568 h 2264898"/>
+              <a:gd name="connsiteX5" fmla="*/ 2043328 w 2296034"/>
+              <a:gd name="connsiteY5" fmla="*/ 1856935 h 2264898"/>
+              <a:gd name="connsiteX6" fmla="*/ 138630 w 2296034"/>
+              <a:gd name="connsiteY6" fmla="*/ 2264898 h 2264898"/>
+              <a:gd name="connsiteX7" fmla="*/ 0 w 2296034"/>
+              <a:gd name="connsiteY7" fmla="*/ 2012261 h 2264898"/>
+              <a:gd name="connsiteX8" fmla="*/ 171450 w 2296034"/>
+              <a:gd name="connsiteY8" fmla="*/ 248534 h 2264898"/>
+              <a:gd name="connsiteX0" fmla="*/ 171450 w 2300669"/>
+              <a:gd name="connsiteY0" fmla="*/ 248534 h 2264898"/>
+              <a:gd name="connsiteX1" fmla="*/ 419984 w 2300669"/>
+              <a:gd name="connsiteY1" fmla="*/ 0 h 2264898"/>
+              <a:gd name="connsiteX2" fmla="*/ 2230018 w 2300669"/>
+              <a:gd name="connsiteY2" fmla="*/ 0 h 2264898"/>
+              <a:gd name="connsiteX3" fmla="*/ 2278966 w 2300669"/>
+              <a:gd name="connsiteY3" fmla="*/ 248534 h 2264898"/>
+              <a:gd name="connsiteX4" fmla="*/ 2189578 w 2300669"/>
+              <a:gd name="connsiteY4" fmla="*/ 1677568 h 2264898"/>
+              <a:gd name="connsiteX5" fmla="*/ 2043328 w 2300669"/>
+              <a:gd name="connsiteY5" fmla="*/ 1856935 h 2264898"/>
+              <a:gd name="connsiteX6" fmla="*/ 138630 w 2300669"/>
+              <a:gd name="connsiteY6" fmla="*/ 2264898 h 2264898"/>
+              <a:gd name="connsiteX7" fmla="*/ 0 w 2300669"/>
+              <a:gd name="connsiteY7" fmla="*/ 2012261 h 2264898"/>
+              <a:gd name="connsiteX8" fmla="*/ 171450 w 2300669"/>
+              <a:gd name="connsiteY8" fmla="*/ 248534 h 2264898"/>
+              <a:gd name="connsiteX0" fmla="*/ 171450 w 2300669"/>
+              <a:gd name="connsiteY0" fmla="*/ 248534 h 2264898"/>
+              <a:gd name="connsiteX1" fmla="*/ 419984 w 2300669"/>
+              <a:gd name="connsiteY1" fmla="*/ 0 h 2264898"/>
+              <a:gd name="connsiteX2" fmla="*/ 2230018 w 2300669"/>
+              <a:gd name="connsiteY2" fmla="*/ 0 h 2264898"/>
+              <a:gd name="connsiteX3" fmla="*/ 2278966 w 2300669"/>
+              <a:gd name="connsiteY3" fmla="*/ 248534 h 2264898"/>
+              <a:gd name="connsiteX4" fmla="*/ 2189578 w 2300669"/>
+              <a:gd name="connsiteY4" fmla="*/ 1677568 h 2264898"/>
+              <a:gd name="connsiteX5" fmla="*/ 2043328 w 2300669"/>
+              <a:gd name="connsiteY5" fmla="*/ 1856935 h 2264898"/>
+              <a:gd name="connsiteX6" fmla="*/ 138630 w 2300669"/>
+              <a:gd name="connsiteY6" fmla="*/ 2264898 h 2264898"/>
+              <a:gd name="connsiteX7" fmla="*/ 0 w 2300669"/>
+              <a:gd name="connsiteY7" fmla="*/ 2012261 h 2264898"/>
+              <a:gd name="connsiteX8" fmla="*/ 171450 w 2300669"/>
+              <a:gd name="connsiteY8" fmla="*/ 248534 h 2264898"/>
+              <a:gd name="connsiteX0" fmla="*/ 171450 w 2300669"/>
+              <a:gd name="connsiteY0" fmla="*/ 248534 h 2264898"/>
+              <a:gd name="connsiteX1" fmla="*/ 419984 w 2300669"/>
+              <a:gd name="connsiteY1" fmla="*/ 0 h 2264898"/>
+              <a:gd name="connsiteX2" fmla="*/ 2230018 w 2300669"/>
+              <a:gd name="connsiteY2" fmla="*/ 0 h 2264898"/>
+              <a:gd name="connsiteX3" fmla="*/ 2278966 w 2300669"/>
+              <a:gd name="connsiteY3" fmla="*/ 248534 h 2264898"/>
+              <a:gd name="connsiteX4" fmla="*/ 2189578 w 2300669"/>
+              <a:gd name="connsiteY4" fmla="*/ 1677568 h 2264898"/>
+              <a:gd name="connsiteX5" fmla="*/ 2043328 w 2300669"/>
+              <a:gd name="connsiteY5" fmla="*/ 1856935 h 2264898"/>
+              <a:gd name="connsiteX6" fmla="*/ 138630 w 2300669"/>
+              <a:gd name="connsiteY6" fmla="*/ 2264898 h 2264898"/>
+              <a:gd name="connsiteX7" fmla="*/ 0 w 2300669"/>
+              <a:gd name="connsiteY7" fmla="*/ 2012261 h 2264898"/>
+              <a:gd name="connsiteX8" fmla="*/ 171450 w 2300669"/>
+              <a:gd name="connsiteY8" fmla="*/ 248534 h 2264898"/>
+              <a:gd name="connsiteX0" fmla="*/ 171450 w 2299392"/>
+              <a:gd name="connsiteY0" fmla="*/ 248534 h 2264898"/>
+              <a:gd name="connsiteX1" fmla="*/ 419984 w 2299392"/>
+              <a:gd name="connsiteY1" fmla="*/ 0 h 2264898"/>
+              <a:gd name="connsiteX2" fmla="*/ 2230018 w 2299392"/>
+              <a:gd name="connsiteY2" fmla="*/ 0 h 2264898"/>
+              <a:gd name="connsiteX3" fmla="*/ 2278966 w 2299392"/>
+              <a:gd name="connsiteY3" fmla="*/ 248534 h 2264898"/>
+              <a:gd name="connsiteX4" fmla="*/ 2189578 w 2299392"/>
+              <a:gd name="connsiteY4" fmla="*/ 1677568 h 2264898"/>
+              <a:gd name="connsiteX5" fmla="*/ 2043328 w 2299392"/>
+              <a:gd name="connsiteY5" fmla="*/ 1856935 h 2264898"/>
+              <a:gd name="connsiteX6" fmla="*/ 138630 w 2299392"/>
+              <a:gd name="connsiteY6" fmla="*/ 2264898 h 2264898"/>
+              <a:gd name="connsiteX7" fmla="*/ 0 w 2299392"/>
+              <a:gd name="connsiteY7" fmla="*/ 2012261 h 2264898"/>
+              <a:gd name="connsiteX8" fmla="*/ 171450 w 2299392"/>
+              <a:gd name="connsiteY8" fmla="*/ 248534 h 2264898"/>
+              <a:gd name="connsiteX0" fmla="*/ 171450 w 2301034"/>
+              <a:gd name="connsiteY0" fmla="*/ 248534 h 2264898"/>
+              <a:gd name="connsiteX1" fmla="*/ 419984 w 2301034"/>
+              <a:gd name="connsiteY1" fmla="*/ 0 h 2264898"/>
+              <a:gd name="connsiteX2" fmla="*/ 2230018 w 2301034"/>
+              <a:gd name="connsiteY2" fmla="*/ 0 h 2264898"/>
+              <a:gd name="connsiteX3" fmla="*/ 2282776 w 2301034"/>
+              <a:gd name="connsiteY3" fmla="*/ 122804 h 2264898"/>
+              <a:gd name="connsiteX4" fmla="*/ 2189578 w 2301034"/>
+              <a:gd name="connsiteY4" fmla="*/ 1677568 h 2264898"/>
+              <a:gd name="connsiteX5" fmla="*/ 2043328 w 2301034"/>
+              <a:gd name="connsiteY5" fmla="*/ 1856935 h 2264898"/>
+              <a:gd name="connsiteX6" fmla="*/ 138630 w 2301034"/>
+              <a:gd name="connsiteY6" fmla="*/ 2264898 h 2264898"/>
+              <a:gd name="connsiteX7" fmla="*/ 0 w 2301034"/>
+              <a:gd name="connsiteY7" fmla="*/ 2012261 h 2264898"/>
+              <a:gd name="connsiteX8" fmla="*/ 171450 w 2301034"/>
+              <a:gd name="connsiteY8" fmla="*/ 248534 h 2264898"/>
+              <a:gd name="connsiteX0" fmla="*/ 171450 w 2297227"/>
+              <a:gd name="connsiteY0" fmla="*/ 248534 h 2264898"/>
+              <a:gd name="connsiteX1" fmla="*/ 419984 w 2297227"/>
+              <a:gd name="connsiteY1" fmla="*/ 0 h 2264898"/>
+              <a:gd name="connsiteX2" fmla="*/ 2230018 w 2297227"/>
+              <a:gd name="connsiteY2" fmla="*/ 0 h 2264898"/>
+              <a:gd name="connsiteX3" fmla="*/ 2282776 w 2297227"/>
+              <a:gd name="connsiteY3" fmla="*/ 122804 h 2264898"/>
+              <a:gd name="connsiteX4" fmla="*/ 2189578 w 2297227"/>
+              <a:gd name="connsiteY4" fmla="*/ 1677568 h 2264898"/>
+              <a:gd name="connsiteX5" fmla="*/ 2043328 w 2297227"/>
+              <a:gd name="connsiteY5" fmla="*/ 1856935 h 2264898"/>
+              <a:gd name="connsiteX6" fmla="*/ 138630 w 2297227"/>
+              <a:gd name="connsiteY6" fmla="*/ 2264898 h 2264898"/>
+              <a:gd name="connsiteX7" fmla="*/ 0 w 2297227"/>
+              <a:gd name="connsiteY7" fmla="*/ 2012261 h 2264898"/>
+              <a:gd name="connsiteX8" fmla="*/ 171450 w 2297227"/>
+              <a:gd name="connsiteY8" fmla="*/ 248534 h 2264898"/>
+              <a:gd name="connsiteX0" fmla="*/ 171450 w 2285371"/>
+              <a:gd name="connsiteY0" fmla="*/ 248534 h 2264898"/>
+              <a:gd name="connsiteX1" fmla="*/ 419984 w 2285371"/>
+              <a:gd name="connsiteY1" fmla="*/ 0 h 2264898"/>
+              <a:gd name="connsiteX2" fmla="*/ 2230018 w 2285371"/>
+              <a:gd name="connsiteY2" fmla="*/ 0 h 2264898"/>
+              <a:gd name="connsiteX3" fmla="*/ 2282776 w 2285371"/>
+              <a:gd name="connsiteY3" fmla="*/ 122804 h 2264898"/>
+              <a:gd name="connsiteX4" fmla="*/ 2189578 w 2285371"/>
+              <a:gd name="connsiteY4" fmla="*/ 1677568 h 2264898"/>
+              <a:gd name="connsiteX5" fmla="*/ 2043328 w 2285371"/>
+              <a:gd name="connsiteY5" fmla="*/ 1856935 h 2264898"/>
+              <a:gd name="connsiteX6" fmla="*/ 138630 w 2285371"/>
+              <a:gd name="connsiteY6" fmla="*/ 2264898 h 2264898"/>
+              <a:gd name="connsiteX7" fmla="*/ 0 w 2285371"/>
+              <a:gd name="connsiteY7" fmla="*/ 2012261 h 2264898"/>
+              <a:gd name="connsiteX8" fmla="*/ 171450 w 2285371"/>
+              <a:gd name="connsiteY8" fmla="*/ 248534 h 2264898"/>
+            </a:gdLst>
+            <a:ahLst/>
+            <a:cxnLst>
+              <a:cxn ang="0">
+                <a:pos x="connsiteX0" y="connsiteY0"/>
+              </a:cxn>
+              <a:cxn ang="0">
+                <a:pos x="connsiteX1" y="connsiteY1"/>
+              </a:cxn>
+              <a:cxn ang="0">
+                <a:pos x="connsiteX2" y="connsiteY2"/>
+              </a:cxn>
+              <a:cxn ang="0">
+                <a:pos x="connsiteX3" y="connsiteY3"/>
+              </a:cxn>
+              <a:cxn ang="0">
+                <a:pos x="connsiteX4" y="connsiteY4"/>
+              </a:cxn>
+              <a:cxn ang="0">
+                <a:pos x="connsiteX5" y="connsiteY5"/>
+              </a:cxn>
+              <a:cxn ang="0">
+                <a:pos x="connsiteX6" y="connsiteY6"/>
+              </a:cxn>
+              <a:cxn ang="0">
+                <a:pos x="connsiteX7" y="connsiteY7"/>
+              </a:cxn>
+              <a:cxn ang="0">
+                <a:pos x="connsiteX8" y="connsiteY8"/>
+              </a:cxn>
+            </a:cxnLst>
+            <a:rect l="l" t="t" r="r" b="b"/>
+            <a:pathLst>
+              <a:path w="2285371" h="2264898">
+                <a:moveTo>
+                  <a:pt x="171450" y="248534"/>
+                </a:moveTo>
+                <a:cubicBezTo>
+                  <a:pt x="171450" y="111272"/>
+                  <a:pt x="282722" y="0"/>
+                  <a:pt x="419984" y="0"/>
+                </a:cubicBezTo>
+                <a:lnTo>
+                  <a:pt x="2230018" y="0"/>
+                </a:lnTo>
+                <a:cubicBezTo>
+                  <a:pt x="2352040" y="3810"/>
+                  <a:pt x="2225626" y="282722"/>
+                  <a:pt x="2282776" y="122804"/>
+                </a:cubicBezTo>
+                <a:cubicBezTo>
+                  <a:pt x="2282776" y="454173"/>
+                  <a:pt x="2220058" y="1346199"/>
+                  <a:pt x="2189578" y="1677568"/>
+                </a:cubicBezTo>
+                <a:cubicBezTo>
+                  <a:pt x="2155288" y="1814830"/>
+                  <a:pt x="2203450" y="1822645"/>
+                  <a:pt x="2043328" y="1856935"/>
+                </a:cubicBezTo>
+                <a:lnTo>
+                  <a:pt x="138630" y="2264898"/>
+                </a:lnTo>
+                <a:cubicBezTo>
+                  <a:pt x="1368" y="2264898"/>
+                  <a:pt x="0" y="2149523"/>
+                  <a:pt x="0" y="2012261"/>
+                </a:cubicBezTo>
+                <a:lnTo>
+                  <a:pt x="171450" y="248534"/>
+                </a:lnTo>
+                <a:close/>
+              </a:path>
+            </a:pathLst>
+          </a:custGeom>
+          <a:gradFill flip="none" rotWithShape="1">
+            <a:gsLst>
+              <a:gs pos="0">
+                <a:srgbClr val="2E6792">
+                  <a:alpha val="39000"/>
+                </a:srgbClr>
+              </a:gs>
+              <a:gs pos="100000">
+                <a:srgbClr val="072561"/>
+              </a:gs>
+            </a:gsLst>
+            <a:lin ang="5400000" scaled="1"/>
+            <a:tileRect/>
+          </a:gradFill>
+          <a:ln w="1270">
+            <a:solidFill>
+              <a:srgbClr val="25557B">
+                <a:alpha val="66000"/>
+              </a:srgbClr>
+            </a:solidFill>
+          </a:ln>
+        </p:spPr>
+        <p:style>
+          <a:lnRef idx="2">
+            <a:schemeClr val="accent1">
+              <a:shade val="50000"/>
+            </a:schemeClr>
+          </a:lnRef>
+          <a:fillRef idx="1">
+            <a:schemeClr val="accent1"/>
+          </a:fillRef>
+          <a:effectRef idx="0">
+            <a:schemeClr val="accent1"/>
+          </a:effectRef>
+          <a:fontRef idx="minor">
+            <a:schemeClr val="lt1"/>
+          </a:fontRef>
+        </p:style>
+        <p:txBody>
+          <a:bodyPr rtlCol="0" anchor="ctr"/>
+          <a:lstStyle/>
+          <a:p>
+            <a:pPr algn="ctr"/>
+            <a:endParaRPr lang="es-MX" dirty="0"/>
+          </a:p>
+        </p:txBody>
+      </p:sp>
+      <p:sp>
+        <p:nvSpPr>
+          <p:cNvPr id="39" name="Rectángulo 38">
+            <a:extLst>
+              <a:ext uri="{FF2B5EF4-FFF2-40B4-BE49-F238E27FC236}">
+                <a16:creationId xmlns:a16="http://schemas.microsoft.com/office/drawing/2014/main" id="{5EA79E97-CEAF-43A0-B5D4-2A5EB7EF3D43}"/>
+              </a:ext>
+            </a:extLst>
+          </p:cNvPr>
+          <p:cNvSpPr/>
+          <p:nvPr/>
+        </p:nvSpPr>
+        <p:spPr>
+          <a:xfrm>
+            <a:off x="3767328" y="1571104"/>
+            <a:ext cx="9518365" cy="519281"/>
           </a:xfrm>
           <a:prstGeom prst="rect">
             <a:avLst/>
@@ -4422,6 +8342,361 @@
     <p:extLst>
       <p:ext uri="{BB962C8B-B14F-4D97-AF65-F5344CB8AC3E}">
         <p14:creationId xmlns:p14="http://schemas.microsoft.com/office/powerpoint/2010/main" val="3650690262"/>
+      </p:ext>
+    </p:extLst>
+  </p:cSld>
+  <p:clrMapOvr>
+    <a:masterClrMapping/>
+  </p:clrMapOvr>
+</p:sld>
+</file>
+
+<file path=ppt/slides/slide3.xml><?xml version="1.0" encoding="utf-8"?>
+<p:sld xmlns:a="http://schemas.openxmlformats.org/drawingml/2006/main" xmlns:r="http://schemas.openxmlformats.org/officeDocument/2006/relationships" xmlns:p="http://schemas.openxmlformats.org/presentationml/2006/main">
+  <p:cSld>
+    <p:spTree>
+      <p:nvGrpSpPr>
+        <p:cNvPr id="1" name=""/>
+        <p:cNvGrpSpPr/>
+        <p:nvPr/>
+      </p:nvGrpSpPr>
+      <p:grpSpPr>
+        <a:xfrm>
+          <a:off x="0" y="0"/>
+          <a:ext cx="0" cy="0"/>
+          <a:chOff x="0" y="0"/>
+          <a:chExt cx="0" cy="0"/>
+        </a:xfrm>
+      </p:grpSpPr>
+      <p:sp>
+        <p:nvSpPr>
+          <p:cNvPr id="2" name="Elipse 1">
+            <a:extLst>
+              <a:ext uri="{FF2B5EF4-FFF2-40B4-BE49-F238E27FC236}">
+                <a16:creationId xmlns:a16="http://schemas.microsoft.com/office/drawing/2014/main" id="{2CEBB941-89D4-4500-B21D-5AE5D41F41F8}"/>
+              </a:ext>
+            </a:extLst>
+          </p:cNvPr>
+          <p:cNvSpPr/>
+          <p:nvPr/>
+        </p:nvSpPr>
+        <p:spPr>
+          <a:xfrm>
+            <a:off x="2307225" y="1035266"/>
+            <a:ext cx="560843" cy="553978"/>
+          </a:xfrm>
+          <a:prstGeom prst="ellipse">
+            <a:avLst/>
+          </a:prstGeom>
+          <a:ln>
+            <a:noFill/>
+          </a:ln>
+          <a:effectLst>
+            <a:outerShdw blurRad="44450" dist="27940" dir="5400000" algn="ctr">
+              <a:srgbClr val="000000">
+                <a:alpha val="32000"/>
+              </a:srgbClr>
+            </a:outerShdw>
+          </a:effectLst>
+          <a:scene3d>
+            <a:camera prst="orthographicFront">
+              <a:rot lat="0" lon="0" rev="0"/>
+            </a:camera>
+            <a:lightRig rig="balanced" dir="t">
+              <a:rot lat="0" lon="0" rev="8700000"/>
+            </a:lightRig>
+          </a:scene3d>
+          <a:sp3d>
+            <a:bevelT w="190500" h="38100"/>
+          </a:sp3d>
+        </p:spPr>
+        <p:style>
+          <a:lnRef idx="2">
+            <a:schemeClr val="accent1">
+              <a:shade val="50000"/>
+            </a:schemeClr>
+          </a:lnRef>
+          <a:fillRef idx="1">
+            <a:schemeClr val="accent1"/>
+          </a:fillRef>
+          <a:effectRef idx="0">
+            <a:schemeClr val="accent1"/>
+          </a:effectRef>
+          <a:fontRef idx="minor">
+            <a:schemeClr val="lt1"/>
+          </a:fontRef>
+        </p:style>
+        <p:txBody>
+          <a:bodyPr rtlCol="0" anchor="ctr"/>
+          <a:lstStyle/>
+          <a:p>
+            <a:pPr algn="ctr"/>
+            <a:endParaRPr lang="es-MX" dirty="0">
+              <a:solidFill>
+                <a:schemeClr val="bg1"/>
+              </a:solidFill>
+            </a:endParaRPr>
+          </a:p>
+        </p:txBody>
+      </p:sp>
+      <p:pic>
+        <p:nvPicPr>
+          <p:cNvPr id="3" name="Picture 8" descr="Resultado de imagen para logo libreta.png">
+            <a:extLst>
+              <a:ext uri="{FF2B5EF4-FFF2-40B4-BE49-F238E27FC236}">
+                <a16:creationId xmlns:a16="http://schemas.microsoft.com/office/drawing/2014/main" id="{8B86BAD7-E6BE-44EC-A9EB-8DF665F730C4}"/>
+              </a:ext>
+            </a:extLst>
+          </p:cNvPr>
+          <p:cNvPicPr>
+            <a:picLocks noChangeAspect="1" noChangeArrowheads="1"/>
+          </p:cNvPicPr>
+          <p:nvPr/>
+        </p:nvPicPr>
+        <p:blipFill>
+          <a:blip r:embed="rId2">
+            <a:extLst>
+              <a:ext uri="{28A0092B-C50C-407E-A947-70E740481C1C}">
+                <a14:useLocalDpi xmlns:a14="http://schemas.microsoft.com/office/drawing/2010/main" val="0"/>
+              </a:ext>
+            </a:extLst>
+          </a:blip>
+          <a:srcRect/>
+          <a:stretch>
+            <a:fillRect/>
+          </a:stretch>
+        </p:blipFill>
+        <p:spPr bwMode="auto">
+          <a:xfrm>
+            <a:off x="3689468" y="1615086"/>
+            <a:ext cx="346668" cy="450136"/>
+          </a:xfrm>
+          <a:prstGeom prst="rect">
+            <a:avLst/>
+          </a:prstGeom>
+          <a:noFill/>
+          <a:extLst>
+            <a:ext uri="{909E8E84-426E-40DD-AFC4-6F175D3DCCD1}">
+              <a14:hiddenFill xmlns:a14="http://schemas.microsoft.com/office/drawing/2010/main">
+                <a:solidFill>
+                  <a:srgbClr val="FFFFFF"/>
+                </a:solidFill>
+              </a14:hiddenFill>
+            </a:ext>
+          </a:extLst>
+        </p:spPr>
+      </p:pic>
+      <p:pic>
+        <p:nvPicPr>
+          <p:cNvPr id="4" name="Imagen 3">
+            <a:extLst>
+              <a:ext uri="{FF2B5EF4-FFF2-40B4-BE49-F238E27FC236}">
+                <a16:creationId xmlns:a16="http://schemas.microsoft.com/office/drawing/2014/main" id="{7F00E013-3651-4E55-A8A8-3B92C1B1ECCA}"/>
+              </a:ext>
+            </a:extLst>
+          </p:cNvPr>
+          <p:cNvPicPr>
+            <a:picLocks noChangeAspect="1"/>
+          </p:cNvPicPr>
+          <p:nvPr/>
+        </p:nvPicPr>
+        <p:blipFill>
+          <a:blip r:embed="rId3">
+            <a:extLst>
+              <a:ext uri="{28A0092B-C50C-407E-A947-70E740481C1C}">
+                <a14:useLocalDpi xmlns:a14="http://schemas.microsoft.com/office/drawing/2010/main" val="0"/>
+              </a:ext>
+            </a:extLst>
+          </a:blip>
+          <a:stretch>
+            <a:fillRect/>
+          </a:stretch>
+        </p:blipFill>
+        <p:spPr>
+          <a:xfrm>
+            <a:off x="1291821" y="979694"/>
+            <a:ext cx="609550" cy="609550"/>
+          </a:xfrm>
+          <a:prstGeom prst="rect">
+            <a:avLst/>
+          </a:prstGeom>
+        </p:spPr>
+      </p:pic>
+      <p:pic>
+        <p:nvPicPr>
+          <p:cNvPr id="5" name="Picture 10" descr="Imagen relacionada">
+            <a:extLst>
+              <a:ext uri="{FF2B5EF4-FFF2-40B4-BE49-F238E27FC236}">
+                <a16:creationId xmlns:a16="http://schemas.microsoft.com/office/drawing/2014/main" id="{7A61EC42-F5D5-41BE-A624-4BC486F09B86}"/>
+              </a:ext>
+            </a:extLst>
+          </p:cNvPr>
+          <p:cNvPicPr>
+            <a:picLocks noChangeAspect="1" noChangeArrowheads="1"/>
+          </p:cNvPicPr>
+          <p:nvPr/>
+        </p:nvPicPr>
+        <p:blipFill>
+          <a:blip r:embed="rId4">
+            <a:extLst>
+              <a:ext uri="{28A0092B-C50C-407E-A947-70E740481C1C}">
+                <a14:useLocalDpi xmlns:a14="http://schemas.microsoft.com/office/drawing/2010/main" val="0"/>
+              </a:ext>
+            </a:extLst>
+          </a:blip>
+          <a:srcRect/>
+          <a:stretch>
+            <a:fillRect/>
+          </a:stretch>
+        </p:blipFill>
+        <p:spPr bwMode="auto">
+          <a:xfrm>
+            <a:off x="3584326" y="1035266"/>
+            <a:ext cx="451810" cy="450136"/>
+          </a:xfrm>
+          <a:prstGeom prst="rect">
+            <a:avLst/>
+          </a:prstGeom>
+          <a:noFill/>
+          <a:extLst>
+            <a:ext uri="{909E8E84-426E-40DD-AFC4-6F175D3DCCD1}">
+              <a14:hiddenFill xmlns:a14="http://schemas.microsoft.com/office/drawing/2010/main">
+                <a:solidFill>
+                  <a:srgbClr val="FFFFFF"/>
+                </a:solidFill>
+              </a14:hiddenFill>
+            </a:ext>
+          </a:extLst>
+        </p:spPr>
+      </p:pic>
+      <p:pic>
+        <p:nvPicPr>
+          <p:cNvPr id="6" name="Picture 12" descr="Resultado de imagen para graficas.png">
+            <a:extLst>
+              <a:ext uri="{FF2B5EF4-FFF2-40B4-BE49-F238E27FC236}">
+                <a16:creationId xmlns:a16="http://schemas.microsoft.com/office/drawing/2014/main" id="{BEBC13F5-F12C-4E6E-976C-346BA0C6D23C}"/>
+              </a:ext>
+            </a:extLst>
+          </p:cNvPr>
+          <p:cNvPicPr>
+            <a:picLocks noChangeAspect="1" noChangeArrowheads="1"/>
+          </p:cNvPicPr>
+          <p:nvPr/>
+        </p:nvPicPr>
+        <p:blipFill>
+          <a:blip r:embed="rId5">
+            <a:extLst>
+              <a:ext uri="{28A0092B-C50C-407E-A947-70E740481C1C}">
+                <a14:useLocalDpi xmlns:a14="http://schemas.microsoft.com/office/drawing/2010/main" val="0"/>
+              </a:ext>
+            </a:extLst>
+          </a:blip>
+          <a:srcRect/>
+          <a:stretch>
+            <a:fillRect/>
+          </a:stretch>
+        </p:blipFill>
+        <p:spPr bwMode="auto">
+          <a:xfrm>
+            <a:off x="3652513" y="2455684"/>
+            <a:ext cx="94465" cy="114501"/>
+          </a:xfrm>
+          <a:prstGeom prst="rect">
+            <a:avLst/>
+          </a:prstGeom>
+          <a:noFill/>
+          <a:extLst>
+            <a:ext uri="{909E8E84-426E-40DD-AFC4-6F175D3DCCD1}">
+              <a14:hiddenFill xmlns:a14="http://schemas.microsoft.com/office/drawing/2010/main">
+                <a:solidFill>
+                  <a:srgbClr val="FFFFFF"/>
+                </a:solidFill>
+              </a14:hiddenFill>
+            </a:ext>
+          </a:extLst>
+        </p:spPr>
+      </p:pic>
+      <p:pic>
+        <p:nvPicPr>
+          <p:cNvPr id="7" name="Picture 14" descr="Resultado de imagen para vender.png">
+            <a:extLst>
+              <a:ext uri="{FF2B5EF4-FFF2-40B4-BE49-F238E27FC236}">
+                <a16:creationId xmlns:a16="http://schemas.microsoft.com/office/drawing/2014/main" id="{7C2DAF41-72F0-4561-9D4E-745087C4A565}"/>
+              </a:ext>
+            </a:extLst>
+          </p:cNvPr>
+          <p:cNvPicPr>
+            <a:picLocks noChangeAspect="1" noChangeArrowheads="1"/>
+          </p:cNvPicPr>
+          <p:nvPr/>
+        </p:nvPicPr>
+        <p:blipFill>
+          <a:blip r:embed="rId6">
+            <a:extLst>
+              <a:ext uri="{28A0092B-C50C-407E-A947-70E740481C1C}">
+                <a14:useLocalDpi xmlns:a14="http://schemas.microsoft.com/office/drawing/2010/main" val="0"/>
+              </a:ext>
+            </a:extLst>
+          </a:blip>
+          <a:srcRect/>
+          <a:stretch>
+            <a:fillRect/>
+          </a:stretch>
+        </p:blipFill>
+        <p:spPr bwMode="auto">
+          <a:xfrm>
+            <a:off x="2399643" y="1138690"/>
+            <a:ext cx="388163" cy="347129"/>
+          </a:xfrm>
+          <a:prstGeom prst="rect">
+            <a:avLst/>
+          </a:prstGeom>
+          <a:noFill/>
+          <a:extLst>
+            <a:ext uri="{909E8E84-426E-40DD-AFC4-6F175D3DCCD1}">
+              <a14:hiddenFill xmlns:a14="http://schemas.microsoft.com/office/drawing/2010/main">
+                <a:solidFill>
+                  <a:srgbClr val="FFFFFF"/>
+                </a:solidFill>
+              </a14:hiddenFill>
+            </a:ext>
+          </a:extLst>
+        </p:spPr>
+      </p:pic>
+    </p:spTree>
+    <p:extLst>
+      <p:ext uri="{BB962C8B-B14F-4D97-AF65-F5344CB8AC3E}">
+        <p14:creationId xmlns:p14="http://schemas.microsoft.com/office/powerpoint/2010/main" val="3028578711"/>
+      </p:ext>
+    </p:extLst>
+  </p:cSld>
+  <p:clrMapOvr>
+    <a:masterClrMapping/>
+  </p:clrMapOvr>
+</p:sld>
+</file>
+
+<file path=ppt/slides/slide4.xml><?xml version="1.0" encoding="utf-8"?>
+<p:sld xmlns:a="http://schemas.openxmlformats.org/drawingml/2006/main" xmlns:r="http://schemas.openxmlformats.org/officeDocument/2006/relationships" xmlns:p="http://schemas.openxmlformats.org/presentationml/2006/main">
+  <p:cSld>
+    <p:spTree>
+      <p:nvGrpSpPr>
+        <p:cNvPr id="1" name=""/>
+        <p:cNvGrpSpPr/>
+        <p:nvPr/>
+      </p:nvGrpSpPr>
+      <p:grpSpPr>
+        <a:xfrm>
+          <a:off x="0" y="0"/>
+          <a:ext cx="0" cy="0"/>
+          <a:chOff x="0" y="0"/>
+          <a:chExt cx="0" cy="0"/>
+        </a:xfrm>
+      </p:grpSpPr>
+    </p:spTree>
+    <p:extLst>
+      <p:ext uri="{BB962C8B-B14F-4D97-AF65-F5344CB8AC3E}">
+        <p14:creationId xmlns:p14="http://schemas.microsoft.com/office/powerpoint/2010/main" val="3138140143"/>
       </p:ext>
     </p:extLst>
   </p:cSld>

--- a/Presentación1.pptx
+++ b/Presentación1.pptx
@@ -10,6 +10,7 @@
     <p:sldId id="259" r:id="rId4"/>
     <p:sldId id="260" r:id="rId5"/>
     <p:sldId id="261" r:id="rId6"/>
+    <p:sldId id="262" r:id="rId7"/>
   </p:sldIdLst>
   <p:sldSz cx="12192000" cy="6858000"/>
   <p:notesSz cx="6858000" cy="9144000"/>
@@ -247,7 +248,7 @@
           <a:p>
             <a:fld id="{99BE347A-6433-4F03-8E3B-34733628B187}" type="datetimeFigureOut">
               <a:rPr lang="es-MX" smtClean="0"/>
-              <a:t>22/06/2018</a:t>
+              <a:t>25/06/2018</a:t>
             </a:fld>
             <a:endParaRPr lang="es-MX"/>
           </a:p>
@@ -417,7 +418,7 @@
           <a:p>
             <a:fld id="{99BE347A-6433-4F03-8E3B-34733628B187}" type="datetimeFigureOut">
               <a:rPr lang="es-MX" smtClean="0"/>
-              <a:t>22/06/2018</a:t>
+              <a:t>25/06/2018</a:t>
             </a:fld>
             <a:endParaRPr lang="es-MX"/>
           </a:p>
@@ -597,7 +598,7 @@
           <a:p>
             <a:fld id="{99BE347A-6433-4F03-8E3B-34733628B187}" type="datetimeFigureOut">
               <a:rPr lang="es-MX" smtClean="0"/>
-              <a:t>22/06/2018</a:t>
+              <a:t>25/06/2018</a:t>
             </a:fld>
             <a:endParaRPr lang="es-MX"/>
           </a:p>
@@ -767,7 +768,7 @@
           <a:p>
             <a:fld id="{99BE347A-6433-4F03-8E3B-34733628B187}" type="datetimeFigureOut">
               <a:rPr lang="es-MX" smtClean="0"/>
-              <a:t>22/06/2018</a:t>
+              <a:t>25/06/2018</a:t>
             </a:fld>
             <a:endParaRPr lang="es-MX"/>
           </a:p>
@@ -1013,7 +1014,7 @@
           <a:p>
             <a:fld id="{99BE347A-6433-4F03-8E3B-34733628B187}" type="datetimeFigureOut">
               <a:rPr lang="es-MX" smtClean="0"/>
-              <a:t>22/06/2018</a:t>
+              <a:t>25/06/2018</a:t>
             </a:fld>
             <a:endParaRPr lang="es-MX"/>
           </a:p>
@@ -1245,7 +1246,7 @@
           <a:p>
             <a:fld id="{99BE347A-6433-4F03-8E3B-34733628B187}" type="datetimeFigureOut">
               <a:rPr lang="es-MX" smtClean="0"/>
-              <a:t>22/06/2018</a:t>
+              <a:t>25/06/2018</a:t>
             </a:fld>
             <a:endParaRPr lang="es-MX"/>
           </a:p>
@@ -1612,7 +1613,7 @@
           <a:p>
             <a:fld id="{99BE347A-6433-4F03-8E3B-34733628B187}" type="datetimeFigureOut">
               <a:rPr lang="es-MX" smtClean="0"/>
-              <a:t>22/06/2018</a:t>
+              <a:t>25/06/2018</a:t>
             </a:fld>
             <a:endParaRPr lang="es-MX"/>
           </a:p>
@@ -1730,7 +1731,7 @@
           <a:p>
             <a:fld id="{99BE347A-6433-4F03-8E3B-34733628B187}" type="datetimeFigureOut">
               <a:rPr lang="es-MX" smtClean="0"/>
-              <a:t>22/06/2018</a:t>
+              <a:t>25/06/2018</a:t>
             </a:fld>
             <a:endParaRPr lang="es-MX"/>
           </a:p>
@@ -1825,7 +1826,7 @@
           <a:p>
             <a:fld id="{99BE347A-6433-4F03-8E3B-34733628B187}" type="datetimeFigureOut">
               <a:rPr lang="es-MX" smtClean="0"/>
-              <a:t>22/06/2018</a:t>
+              <a:t>25/06/2018</a:t>
             </a:fld>
             <a:endParaRPr lang="es-MX"/>
           </a:p>
@@ -2102,7 +2103,7 @@
           <a:p>
             <a:fld id="{99BE347A-6433-4F03-8E3B-34733628B187}" type="datetimeFigureOut">
               <a:rPr lang="es-MX" smtClean="0"/>
-              <a:t>22/06/2018</a:t>
+              <a:t>25/06/2018</a:t>
             </a:fld>
             <a:endParaRPr lang="es-MX"/>
           </a:p>
@@ -2359,7 +2360,7 @@
           <a:p>
             <a:fld id="{99BE347A-6433-4F03-8E3B-34733628B187}" type="datetimeFigureOut">
               <a:rPr lang="es-MX" smtClean="0"/>
-              <a:t>22/06/2018</a:t>
+              <a:t>25/06/2018</a:t>
             </a:fld>
             <a:endParaRPr lang="es-MX"/>
           </a:p>
@@ -2572,7 +2573,7 @@
           <a:p>
             <a:fld id="{99BE347A-6433-4F03-8E3B-34733628B187}" type="datetimeFigureOut">
               <a:rPr lang="es-MX" smtClean="0"/>
-              <a:t>22/06/2018</a:t>
+              <a:t>25/06/2018</a:t>
             </a:fld>
             <a:endParaRPr lang="es-MX"/>
           </a:p>
@@ -18204,6 +18205,106 @@
 </p:sld>
 </file>
 
+<file path=ppt/slides/slide6.xml><?xml version="1.0" encoding="utf-8"?>
+<p:sld xmlns:a="http://schemas.openxmlformats.org/drawingml/2006/main" xmlns:r="http://schemas.openxmlformats.org/officeDocument/2006/relationships" xmlns:p="http://schemas.openxmlformats.org/presentationml/2006/main">
+  <p:cSld>
+    <p:spTree>
+      <p:nvGrpSpPr>
+        <p:cNvPr id="1" name=""/>
+        <p:cNvGrpSpPr/>
+        <p:nvPr/>
+      </p:nvGrpSpPr>
+      <p:grpSpPr>
+        <a:xfrm>
+          <a:off x="0" y="0"/>
+          <a:ext cx="0" cy="0"/>
+          <a:chOff x="0" y="0"/>
+          <a:chExt cx="0" cy="0"/>
+        </a:xfrm>
+      </p:grpSpPr>
+      <p:sp>
+        <p:nvSpPr>
+          <p:cNvPr id="2" name="Rectángulo 1">
+            <a:extLst>
+              <a:ext uri="{FF2B5EF4-FFF2-40B4-BE49-F238E27FC236}">
+                <a16:creationId xmlns:a16="http://schemas.microsoft.com/office/drawing/2014/main" id="{0A50FC8B-3207-4135-B1BE-437788FA9A54}"/>
+              </a:ext>
+            </a:extLst>
+          </p:cNvPr>
+          <p:cNvSpPr/>
+          <p:nvPr/>
+        </p:nvSpPr>
+        <p:spPr>
+          <a:xfrm>
+            <a:off x="1113182" y="887896"/>
+            <a:ext cx="1537253" cy="4731025"/>
+          </a:xfrm>
+          <a:prstGeom prst="rect">
+            <a:avLst/>
+          </a:prstGeom>
+          <a:solidFill>
+            <a:srgbClr val="072561"/>
+          </a:solidFill>
+          <a:ln>
+            <a:noFill/>
+          </a:ln>
+          <a:effectLst>
+            <a:outerShdw blurRad="44450" dist="27940" dir="5400000" algn="ctr">
+              <a:srgbClr val="000000">
+                <a:alpha val="32000"/>
+              </a:srgbClr>
+            </a:outerShdw>
+          </a:effectLst>
+          <a:scene3d>
+            <a:camera prst="orthographicFront">
+              <a:rot lat="0" lon="0" rev="0"/>
+            </a:camera>
+            <a:lightRig rig="balanced" dir="t">
+              <a:rot lat="0" lon="0" rev="8700000"/>
+            </a:lightRig>
+          </a:scene3d>
+          <a:sp3d>
+            <a:bevelT w="190500" h="38100"/>
+          </a:sp3d>
+        </p:spPr>
+        <p:style>
+          <a:lnRef idx="2">
+            <a:schemeClr val="accent1">
+              <a:shade val="50000"/>
+            </a:schemeClr>
+          </a:lnRef>
+          <a:fillRef idx="1">
+            <a:schemeClr val="accent1"/>
+          </a:fillRef>
+          <a:effectRef idx="0">
+            <a:schemeClr val="accent1"/>
+          </a:effectRef>
+          <a:fontRef idx="minor">
+            <a:schemeClr val="lt1"/>
+          </a:fontRef>
+        </p:style>
+        <p:txBody>
+          <a:bodyPr rtlCol="0" anchor="ctr"/>
+          <a:lstStyle/>
+          <a:p>
+            <a:pPr algn="ctr"/>
+            <a:endParaRPr lang="es-MX"/>
+          </a:p>
+        </p:txBody>
+      </p:sp>
+    </p:spTree>
+    <p:extLst>
+      <p:ext uri="{BB962C8B-B14F-4D97-AF65-F5344CB8AC3E}">
+        <p14:creationId xmlns:p14="http://schemas.microsoft.com/office/powerpoint/2010/main" val="782570121"/>
+      </p:ext>
+    </p:extLst>
+  </p:cSld>
+  <p:clrMapOvr>
+    <a:masterClrMapping/>
+  </p:clrMapOvr>
+</p:sld>
+</file>
+
 <file path=ppt/theme/theme1.xml><?xml version="1.0" encoding="utf-8"?>
 <a:theme xmlns:a="http://schemas.openxmlformats.org/drawingml/2006/main" name="Office Theme">
   <a:themeElements>

--- a/Presentación1.pptx
+++ b/Presentación1.pptx
@@ -11,6 +11,7 @@
     <p:sldId id="260" r:id="rId5"/>
     <p:sldId id="261" r:id="rId6"/>
     <p:sldId id="262" r:id="rId7"/>
+    <p:sldId id="263" r:id="rId8"/>
   </p:sldIdLst>
   <p:sldSz cx="12192000" cy="6858000"/>
   <p:notesSz cx="6858000" cy="9144000"/>
@@ -18236,14 +18237,82 @@
         </p:nvSpPr>
         <p:spPr>
           <a:xfrm>
-            <a:off x="1113182" y="887896"/>
-            <a:ext cx="1537253" cy="4731025"/>
+            <a:off x="663273" y="4918982"/>
+            <a:ext cx="115200" cy="115200"/>
           </a:xfrm>
           <a:prstGeom prst="rect">
             <a:avLst/>
           </a:prstGeom>
           <a:solidFill>
-            <a:srgbClr val="072561"/>
+            <a:srgbClr val="FFC000"/>
+          </a:solidFill>
+          <a:ln>
+            <a:noFill/>
+          </a:ln>
+          <a:effectLst>
+            <a:outerShdw blurRad="44450" dist="27940" dir="5400000" algn="ctr">
+              <a:srgbClr val="000000">
+                <a:alpha val="32000"/>
+              </a:srgbClr>
+            </a:outerShdw>
+          </a:effectLst>
+          <a:scene3d>
+            <a:camera prst="orthographicFront">
+              <a:rot lat="0" lon="0" rev="0"/>
+            </a:camera>
+            <a:lightRig rig="balanced" dir="t">
+              <a:rot lat="0" lon="0" rev="8700000"/>
+            </a:lightRig>
+          </a:scene3d>
+          <a:sp3d/>
+        </p:spPr>
+        <p:style>
+          <a:lnRef idx="2">
+            <a:schemeClr val="accent1">
+              <a:shade val="50000"/>
+            </a:schemeClr>
+          </a:lnRef>
+          <a:fillRef idx="1">
+            <a:schemeClr val="accent1"/>
+          </a:fillRef>
+          <a:effectRef idx="0">
+            <a:schemeClr val="accent1"/>
+          </a:effectRef>
+          <a:fontRef idx="minor">
+            <a:schemeClr val="lt1"/>
+          </a:fontRef>
+        </p:style>
+        <p:txBody>
+          <a:bodyPr rtlCol="0" anchor="ctr"/>
+          <a:lstStyle/>
+          <a:p>
+            <a:pPr algn="ctr"/>
+            <a:endParaRPr lang="es-MX" dirty="0"/>
+          </a:p>
+        </p:txBody>
+      </p:sp>
+      <p:sp>
+        <p:nvSpPr>
+          <p:cNvPr id="3" name="Rectángulo 2">
+            <a:extLst>
+              <a:ext uri="{FF2B5EF4-FFF2-40B4-BE49-F238E27FC236}">
+                <a16:creationId xmlns:a16="http://schemas.microsoft.com/office/drawing/2014/main" id="{A635B188-069B-4B30-B658-D9B1CEFE0F68}"/>
+              </a:ext>
+            </a:extLst>
+          </p:cNvPr>
+          <p:cNvSpPr/>
+          <p:nvPr/>
+        </p:nvSpPr>
+        <p:spPr>
+          <a:xfrm>
+            <a:off x="420467" y="4943653"/>
+            <a:ext cx="116744" cy="113781"/>
+          </a:xfrm>
+          <a:prstGeom prst="rect">
+            <a:avLst/>
+          </a:prstGeom>
+          <a:solidFill>
+            <a:srgbClr val="FF0000"/>
           </a:solidFill>
           <a:ln>
             <a:noFill/>
@@ -18288,7 +18357,621 @@
           <a:lstStyle/>
           <a:p>
             <a:pPr algn="ctr"/>
-            <a:endParaRPr lang="es-MX"/>
+            <a:endParaRPr lang="es-MX" dirty="0"/>
+          </a:p>
+        </p:txBody>
+      </p:sp>
+      <p:sp>
+        <p:nvSpPr>
+          <p:cNvPr id="4" name="Rectángulo 3">
+            <a:extLst>
+              <a:ext uri="{FF2B5EF4-FFF2-40B4-BE49-F238E27FC236}">
+                <a16:creationId xmlns:a16="http://schemas.microsoft.com/office/drawing/2014/main" id="{7D12787A-DC1C-403A-B21F-1A00718E18DC}"/>
+              </a:ext>
+            </a:extLst>
+          </p:cNvPr>
+          <p:cNvSpPr/>
+          <p:nvPr/>
+        </p:nvSpPr>
+        <p:spPr>
+          <a:xfrm>
+            <a:off x="12496800" y="921027"/>
+            <a:ext cx="115200" cy="115200"/>
+          </a:xfrm>
+          <a:prstGeom prst="rect">
+            <a:avLst/>
+          </a:prstGeom>
+          <a:solidFill>
+            <a:schemeClr val="bg1">
+              <a:lumMod val="65000"/>
+            </a:schemeClr>
+          </a:solidFill>
+          <a:ln>
+            <a:noFill/>
+          </a:ln>
+          <a:effectLst>
+            <a:outerShdw blurRad="44450" dist="27940" dir="5400000" algn="ctr">
+              <a:srgbClr val="000000">
+                <a:alpha val="32000"/>
+              </a:srgbClr>
+            </a:outerShdw>
+          </a:effectLst>
+          <a:scene3d>
+            <a:camera prst="orthographicFront">
+              <a:rot lat="0" lon="0" rev="0"/>
+            </a:camera>
+            <a:lightRig rig="balanced" dir="t">
+              <a:rot lat="0" lon="0" rev="8700000"/>
+            </a:lightRig>
+          </a:scene3d>
+          <a:sp3d/>
+        </p:spPr>
+        <p:style>
+          <a:lnRef idx="2">
+            <a:schemeClr val="accent1">
+              <a:shade val="50000"/>
+            </a:schemeClr>
+          </a:lnRef>
+          <a:fillRef idx="1">
+            <a:schemeClr val="accent1"/>
+          </a:fillRef>
+          <a:effectRef idx="0">
+            <a:schemeClr val="accent1"/>
+          </a:effectRef>
+          <a:fontRef idx="minor">
+            <a:schemeClr val="lt1"/>
+          </a:fontRef>
+        </p:style>
+        <p:txBody>
+          <a:bodyPr rtlCol="0" anchor="ctr"/>
+          <a:lstStyle/>
+          <a:p>
+            <a:pPr algn="ctr"/>
+            <a:endParaRPr lang="es-MX" dirty="0"/>
+          </a:p>
+        </p:txBody>
+      </p:sp>
+      <p:sp>
+        <p:nvSpPr>
+          <p:cNvPr id="5" name="Rectángulo 4">
+            <a:extLst>
+              <a:ext uri="{FF2B5EF4-FFF2-40B4-BE49-F238E27FC236}">
+                <a16:creationId xmlns:a16="http://schemas.microsoft.com/office/drawing/2014/main" id="{9B499E3E-8B7E-4771-9DAD-B4C42D92C889}"/>
+              </a:ext>
+            </a:extLst>
+          </p:cNvPr>
+          <p:cNvSpPr/>
+          <p:nvPr/>
+        </p:nvSpPr>
+        <p:spPr>
+          <a:xfrm>
+            <a:off x="1292087" y="954157"/>
+            <a:ext cx="115200" cy="115200"/>
+          </a:xfrm>
+          <a:prstGeom prst="rect">
+            <a:avLst/>
+          </a:prstGeom>
+          <a:solidFill>
+            <a:srgbClr val="92D050"/>
+          </a:solidFill>
+          <a:ln>
+            <a:noFill/>
+          </a:ln>
+          <a:effectLst>
+            <a:outerShdw blurRad="44450" dist="27940" dir="5400000" algn="ctr">
+              <a:srgbClr val="000000">
+                <a:alpha val="32000"/>
+              </a:srgbClr>
+            </a:outerShdw>
+          </a:effectLst>
+          <a:scene3d>
+            <a:camera prst="orthographicFront">
+              <a:rot lat="0" lon="0" rev="0"/>
+            </a:camera>
+            <a:lightRig rig="balanced" dir="t">
+              <a:rot lat="0" lon="0" rev="8700000"/>
+            </a:lightRig>
+          </a:scene3d>
+          <a:sp3d/>
+        </p:spPr>
+        <p:style>
+          <a:lnRef idx="2">
+            <a:schemeClr val="accent1">
+              <a:shade val="50000"/>
+            </a:schemeClr>
+          </a:lnRef>
+          <a:fillRef idx="1">
+            <a:schemeClr val="accent1"/>
+          </a:fillRef>
+          <a:effectRef idx="0">
+            <a:schemeClr val="accent1"/>
+          </a:effectRef>
+          <a:fontRef idx="minor">
+            <a:schemeClr val="lt1"/>
+          </a:fontRef>
+        </p:style>
+        <p:txBody>
+          <a:bodyPr rtlCol="0" anchor="ctr"/>
+          <a:lstStyle/>
+          <a:p>
+            <a:pPr algn="ctr"/>
+            <a:endParaRPr lang="es-MX" dirty="0"/>
+          </a:p>
+        </p:txBody>
+      </p:sp>
+      <p:sp>
+        <p:nvSpPr>
+          <p:cNvPr id="6" name="Rectángulo 5">
+            <a:extLst>
+              <a:ext uri="{FF2B5EF4-FFF2-40B4-BE49-F238E27FC236}">
+                <a16:creationId xmlns:a16="http://schemas.microsoft.com/office/drawing/2014/main" id="{A0E8A54F-198F-48EB-821C-CE2294570F3C}"/>
+              </a:ext>
+            </a:extLst>
+          </p:cNvPr>
+          <p:cNvSpPr/>
+          <p:nvPr/>
+        </p:nvSpPr>
+        <p:spPr>
+          <a:xfrm>
+            <a:off x="2483127" y="954157"/>
+            <a:ext cx="115200" cy="115200"/>
+          </a:xfrm>
+          <a:prstGeom prst="rect">
+            <a:avLst/>
+          </a:prstGeom>
+          <a:solidFill>
+            <a:srgbClr val="00B0F0"/>
+          </a:solidFill>
+          <a:ln>
+            <a:noFill/>
+          </a:ln>
+          <a:effectLst>
+            <a:outerShdw blurRad="44450" dist="27940" dir="5400000" algn="ctr">
+              <a:srgbClr val="000000">
+                <a:alpha val="32000"/>
+              </a:srgbClr>
+            </a:outerShdw>
+          </a:effectLst>
+          <a:scene3d>
+            <a:camera prst="orthographicFront">
+              <a:rot lat="0" lon="0" rev="0"/>
+            </a:camera>
+            <a:lightRig rig="balanced" dir="t">
+              <a:rot lat="0" lon="0" rev="8700000"/>
+            </a:lightRig>
+          </a:scene3d>
+          <a:sp3d/>
+        </p:spPr>
+        <p:style>
+          <a:lnRef idx="2">
+            <a:schemeClr val="accent1">
+              <a:shade val="50000"/>
+            </a:schemeClr>
+          </a:lnRef>
+          <a:fillRef idx="1">
+            <a:schemeClr val="accent1"/>
+          </a:fillRef>
+          <a:effectRef idx="0">
+            <a:schemeClr val="accent1"/>
+          </a:effectRef>
+          <a:fontRef idx="minor">
+            <a:schemeClr val="lt1"/>
+          </a:fontRef>
+        </p:style>
+        <p:txBody>
+          <a:bodyPr rtlCol="0" anchor="ctr"/>
+          <a:lstStyle/>
+          <a:p>
+            <a:pPr algn="ctr"/>
+            <a:endParaRPr lang="es-MX" dirty="0"/>
+          </a:p>
+        </p:txBody>
+      </p:sp>
+      <p:sp>
+        <p:nvSpPr>
+          <p:cNvPr id="7" name="Rectángulo 6">
+            <a:extLst>
+              <a:ext uri="{FF2B5EF4-FFF2-40B4-BE49-F238E27FC236}">
+                <a16:creationId xmlns:a16="http://schemas.microsoft.com/office/drawing/2014/main" id="{A2EA8E59-6F26-4FAF-8EC8-61E9FCC2FB83}"/>
+              </a:ext>
+            </a:extLst>
+          </p:cNvPr>
+          <p:cNvSpPr/>
+          <p:nvPr/>
+        </p:nvSpPr>
+        <p:spPr>
+          <a:xfrm>
+            <a:off x="3740425" y="954157"/>
+            <a:ext cx="115200" cy="115200"/>
+          </a:xfrm>
+          <a:prstGeom prst="rect">
+            <a:avLst/>
+          </a:prstGeom>
+          <a:solidFill>
+            <a:srgbClr val="7030A0"/>
+          </a:solidFill>
+          <a:ln>
+            <a:noFill/>
+          </a:ln>
+          <a:effectLst>
+            <a:outerShdw blurRad="44450" dist="27940" dir="5400000" algn="ctr">
+              <a:srgbClr val="000000">
+                <a:alpha val="32000"/>
+              </a:srgbClr>
+            </a:outerShdw>
+          </a:effectLst>
+          <a:scene3d>
+            <a:camera prst="orthographicFront">
+              <a:rot lat="0" lon="0" rev="0"/>
+            </a:camera>
+            <a:lightRig rig="balanced" dir="t">
+              <a:rot lat="0" lon="0" rev="8700000"/>
+            </a:lightRig>
+          </a:scene3d>
+          <a:sp3d/>
+        </p:spPr>
+        <p:style>
+          <a:lnRef idx="2">
+            <a:schemeClr val="accent1">
+              <a:shade val="50000"/>
+            </a:schemeClr>
+          </a:lnRef>
+          <a:fillRef idx="1">
+            <a:schemeClr val="accent1"/>
+          </a:fillRef>
+          <a:effectRef idx="0">
+            <a:schemeClr val="accent1"/>
+          </a:effectRef>
+          <a:fontRef idx="minor">
+            <a:schemeClr val="lt1"/>
+          </a:fontRef>
+        </p:style>
+        <p:txBody>
+          <a:bodyPr rtlCol="0" anchor="ctr"/>
+          <a:lstStyle/>
+          <a:p>
+            <a:pPr algn="ctr"/>
+            <a:endParaRPr lang="es-MX" dirty="0"/>
+          </a:p>
+        </p:txBody>
+      </p:sp>
+      <p:sp>
+        <p:nvSpPr>
+          <p:cNvPr id="8" name="Rectángulo 7">
+            <a:extLst>
+              <a:ext uri="{FF2B5EF4-FFF2-40B4-BE49-F238E27FC236}">
+                <a16:creationId xmlns:a16="http://schemas.microsoft.com/office/drawing/2014/main" id="{4640D22E-0D05-4BA6-A7A6-BFC24F537D28}"/>
+              </a:ext>
+            </a:extLst>
+          </p:cNvPr>
+          <p:cNvSpPr/>
+          <p:nvPr/>
+        </p:nvSpPr>
+        <p:spPr>
+          <a:xfrm>
+            <a:off x="5092148" y="921027"/>
+            <a:ext cx="115200" cy="115200"/>
+          </a:xfrm>
+          <a:prstGeom prst="rect">
+            <a:avLst/>
+          </a:prstGeom>
+          <a:solidFill>
+            <a:srgbClr val="F151E6"/>
+          </a:solidFill>
+          <a:ln>
+            <a:noFill/>
+          </a:ln>
+          <a:effectLst>
+            <a:outerShdw blurRad="44450" dist="27940" dir="5400000" algn="ctr">
+              <a:srgbClr val="000000">
+                <a:alpha val="32000"/>
+              </a:srgbClr>
+            </a:outerShdw>
+          </a:effectLst>
+          <a:scene3d>
+            <a:camera prst="orthographicFront">
+              <a:rot lat="0" lon="0" rev="0"/>
+            </a:camera>
+            <a:lightRig rig="balanced" dir="t">
+              <a:rot lat="0" lon="0" rev="8700000"/>
+            </a:lightRig>
+          </a:scene3d>
+          <a:sp3d/>
+        </p:spPr>
+        <p:style>
+          <a:lnRef idx="2">
+            <a:schemeClr val="accent1">
+              <a:shade val="50000"/>
+            </a:schemeClr>
+          </a:lnRef>
+          <a:fillRef idx="1">
+            <a:schemeClr val="accent1"/>
+          </a:fillRef>
+          <a:effectRef idx="0">
+            <a:schemeClr val="accent1"/>
+          </a:effectRef>
+          <a:fontRef idx="minor">
+            <a:schemeClr val="lt1"/>
+          </a:fontRef>
+        </p:style>
+        <p:txBody>
+          <a:bodyPr rtlCol="0" anchor="ctr"/>
+          <a:lstStyle/>
+          <a:p>
+            <a:pPr algn="ctr"/>
+            <a:endParaRPr lang="es-MX" dirty="0"/>
+          </a:p>
+        </p:txBody>
+      </p:sp>
+      <p:sp>
+        <p:nvSpPr>
+          <p:cNvPr id="9" name="Rectángulo 8">
+            <a:extLst>
+              <a:ext uri="{FF2B5EF4-FFF2-40B4-BE49-F238E27FC236}">
+                <a16:creationId xmlns:a16="http://schemas.microsoft.com/office/drawing/2014/main" id="{D62E5D09-5B56-407B-ABA4-2E9B273B57C3}"/>
+              </a:ext>
+            </a:extLst>
+          </p:cNvPr>
+          <p:cNvSpPr/>
+          <p:nvPr/>
+        </p:nvSpPr>
+        <p:spPr>
+          <a:xfrm>
+            <a:off x="7060097" y="921027"/>
+            <a:ext cx="115200" cy="115200"/>
+          </a:xfrm>
+          <a:prstGeom prst="rect">
+            <a:avLst/>
+          </a:prstGeom>
+          <a:solidFill>
+            <a:srgbClr val="002060"/>
+          </a:solidFill>
+          <a:ln>
+            <a:noFill/>
+          </a:ln>
+          <a:effectLst>
+            <a:outerShdw blurRad="44450" dist="27940" dir="5400000" algn="ctr">
+              <a:srgbClr val="000000">
+                <a:alpha val="32000"/>
+              </a:srgbClr>
+            </a:outerShdw>
+          </a:effectLst>
+          <a:scene3d>
+            <a:camera prst="orthographicFront">
+              <a:rot lat="0" lon="0" rev="0"/>
+            </a:camera>
+            <a:lightRig rig="balanced" dir="t">
+              <a:rot lat="0" lon="0" rev="8700000"/>
+            </a:lightRig>
+          </a:scene3d>
+          <a:sp3d/>
+        </p:spPr>
+        <p:style>
+          <a:lnRef idx="2">
+            <a:schemeClr val="accent1">
+              <a:shade val="50000"/>
+            </a:schemeClr>
+          </a:lnRef>
+          <a:fillRef idx="1">
+            <a:schemeClr val="accent1"/>
+          </a:fillRef>
+          <a:effectRef idx="0">
+            <a:schemeClr val="accent1"/>
+          </a:effectRef>
+          <a:fontRef idx="minor">
+            <a:schemeClr val="lt1"/>
+          </a:fontRef>
+        </p:style>
+        <p:txBody>
+          <a:bodyPr rtlCol="0" anchor="ctr"/>
+          <a:lstStyle/>
+          <a:p>
+            <a:pPr algn="ctr"/>
+            <a:endParaRPr lang="es-MX" dirty="0"/>
+          </a:p>
+        </p:txBody>
+      </p:sp>
+      <p:sp>
+        <p:nvSpPr>
+          <p:cNvPr id="10" name="Rectángulo 9">
+            <a:extLst>
+              <a:ext uri="{FF2B5EF4-FFF2-40B4-BE49-F238E27FC236}">
+                <a16:creationId xmlns:a16="http://schemas.microsoft.com/office/drawing/2014/main" id="{968A289D-C40A-49C6-AED5-5776EC2138CF}"/>
+              </a:ext>
+            </a:extLst>
+          </p:cNvPr>
+          <p:cNvSpPr/>
+          <p:nvPr/>
+        </p:nvSpPr>
+        <p:spPr>
+          <a:xfrm>
+            <a:off x="8726557" y="921027"/>
+            <a:ext cx="115200" cy="115200"/>
+          </a:xfrm>
+          <a:prstGeom prst="rect">
+            <a:avLst/>
+          </a:prstGeom>
+          <a:solidFill>
+            <a:srgbClr val="2E6792"/>
+          </a:solidFill>
+          <a:ln>
+            <a:noFill/>
+          </a:ln>
+          <a:effectLst>
+            <a:outerShdw blurRad="44450" dist="27940" dir="5400000" algn="ctr">
+              <a:srgbClr val="000000">
+                <a:alpha val="32000"/>
+              </a:srgbClr>
+            </a:outerShdw>
+          </a:effectLst>
+          <a:scene3d>
+            <a:camera prst="orthographicFront">
+              <a:rot lat="0" lon="0" rev="0"/>
+            </a:camera>
+            <a:lightRig rig="balanced" dir="t">
+              <a:rot lat="0" lon="0" rev="8700000"/>
+            </a:lightRig>
+          </a:scene3d>
+          <a:sp3d/>
+        </p:spPr>
+        <p:style>
+          <a:lnRef idx="2">
+            <a:schemeClr val="accent1">
+              <a:shade val="50000"/>
+            </a:schemeClr>
+          </a:lnRef>
+          <a:fillRef idx="1">
+            <a:schemeClr val="accent1"/>
+          </a:fillRef>
+          <a:effectRef idx="0">
+            <a:schemeClr val="accent1"/>
+          </a:effectRef>
+          <a:fontRef idx="minor">
+            <a:schemeClr val="lt1"/>
+          </a:fontRef>
+        </p:style>
+        <p:txBody>
+          <a:bodyPr rtlCol="0" anchor="ctr"/>
+          <a:lstStyle/>
+          <a:p>
+            <a:pPr algn="ctr"/>
+            <a:endParaRPr lang="es-MX" dirty="0"/>
+          </a:p>
+        </p:txBody>
+      </p:sp>
+      <p:sp>
+        <p:nvSpPr>
+          <p:cNvPr id="11" name="Rectángulo 10">
+            <a:extLst>
+              <a:ext uri="{FF2B5EF4-FFF2-40B4-BE49-F238E27FC236}">
+                <a16:creationId xmlns:a16="http://schemas.microsoft.com/office/drawing/2014/main" id="{1FB5493F-9640-47C8-AD7B-D6FDE09158E0}"/>
+              </a:ext>
+            </a:extLst>
+          </p:cNvPr>
+          <p:cNvSpPr/>
+          <p:nvPr/>
+        </p:nvSpPr>
+        <p:spPr>
+          <a:xfrm>
+            <a:off x="10031896" y="921027"/>
+            <a:ext cx="115200" cy="115200"/>
+          </a:xfrm>
+          <a:prstGeom prst="rect">
+            <a:avLst/>
+          </a:prstGeom>
+          <a:solidFill>
+            <a:srgbClr val="339933"/>
+          </a:solidFill>
+          <a:ln>
+            <a:noFill/>
+          </a:ln>
+          <a:effectLst>
+            <a:outerShdw blurRad="44450" dist="27940" dir="5400000" algn="ctr">
+              <a:srgbClr val="000000">
+                <a:alpha val="32000"/>
+              </a:srgbClr>
+            </a:outerShdw>
+          </a:effectLst>
+          <a:scene3d>
+            <a:camera prst="orthographicFront">
+              <a:rot lat="0" lon="0" rev="0"/>
+            </a:camera>
+            <a:lightRig rig="balanced" dir="t">
+              <a:rot lat="0" lon="0" rev="8700000"/>
+            </a:lightRig>
+          </a:scene3d>
+          <a:sp3d/>
+        </p:spPr>
+        <p:style>
+          <a:lnRef idx="2">
+            <a:schemeClr val="accent1">
+              <a:shade val="50000"/>
+            </a:schemeClr>
+          </a:lnRef>
+          <a:fillRef idx="1">
+            <a:schemeClr val="accent1"/>
+          </a:fillRef>
+          <a:effectRef idx="0">
+            <a:schemeClr val="accent1"/>
+          </a:effectRef>
+          <a:fontRef idx="minor">
+            <a:schemeClr val="lt1"/>
+          </a:fontRef>
+        </p:style>
+        <p:txBody>
+          <a:bodyPr rtlCol="0" anchor="ctr"/>
+          <a:lstStyle/>
+          <a:p>
+            <a:pPr algn="ctr"/>
+            <a:endParaRPr lang="es-MX" dirty="0"/>
+          </a:p>
+        </p:txBody>
+      </p:sp>
+      <p:sp>
+        <p:nvSpPr>
+          <p:cNvPr id="12" name="Rectángulo 11">
+            <a:extLst>
+              <a:ext uri="{FF2B5EF4-FFF2-40B4-BE49-F238E27FC236}">
+                <a16:creationId xmlns:a16="http://schemas.microsoft.com/office/drawing/2014/main" id="{F27F25FC-F191-47D4-8E0C-749F56CBD6A4}"/>
+              </a:ext>
+            </a:extLst>
+          </p:cNvPr>
+          <p:cNvSpPr/>
+          <p:nvPr/>
+        </p:nvSpPr>
+        <p:spPr>
+          <a:xfrm>
+            <a:off x="11191461" y="940905"/>
+            <a:ext cx="115200" cy="115200"/>
+          </a:xfrm>
+          <a:prstGeom prst="rect">
+            <a:avLst/>
+          </a:prstGeom>
+          <a:solidFill>
+            <a:srgbClr val="5C300C"/>
+          </a:solidFill>
+          <a:ln>
+            <a:noFill/>
+          </a:ln>
+          <a:effectLst>
+            <a:outerShdw blurRad="44450" dist="27940" dir="5400000" algn="ctr">
+              <a:srgbClr val="000000">
+                <a:alpha val="32000"/>
+              </a:srgbClr>
+            </a:outerShdw>
+          </a:effectLst>
+          <a:scene3d>
+            <a:camera prst="orthographicFront">
+              <a:rot lat="0" lon="0" rev="0"/>
+            </a:camera>
+            <a:lightRig rig="balanced" dir="t">
+              <a:rot lat="0" lon="0" rev="8700000"/>
+            </a:lightRig>
+          </a:scene3d>
+          <a:sp3d/>
+        </p:spPr>
+        <p:style>
+          <a:lnRef idx="2">
+            <a:schemeClr val="accent1">
+              <a:shade val="50000"/>
+            </a:schemeClr>
+          </a:lnRef>
+          <a:fillRef idx="1">
+            <a:schemeClr val="accent1"/>
+          </a:fillRef>
+          <a:effectRef idx="0">
+            <a:schemeClr val="accent1"/>
+          </a:effectRef>
+          <a:fontRef idx="minor">
+            <a:schemeClr val="lt1"/>
+          </a:fontRef>
+        </p:style>
+        <p:txBody>
+          <a:bodyPr rtlCol="0" anchor="ctr"/>
+          <a:lstStyle/>
+          <a:p>
+            <a:pPr algn="ctr"/>
+            <a:endParaRPr lang="es-MX" dirty="0"/>
           </a:p>
         </p:txBody>
       </p:sp>
@@ -18296,6 +18979,456 @@
     <p:extLst>
       <p:ext uri="{BB962C8B-B14F-4D97-AF65-F5344CB8AC3E}">
         <p14:creationId xmlns:p14="http://schemas.microsoft.com/office/powerpoint/2010/main" val="782570121"/>
+      </p:ext>
+    </p:extLst>
+  </p:cSld>
+  <p:clrMapOvr>
+    <a:masterClrMapping/>
+  </p:clrMapOvr>
+</p:sld>
+</file>
+
+<file path=ppt/slides/slide7.xml><?xml version="1.0" encoding="utf-8"?>
+<p:sld xmlns:a="http://schemas.openxmlformats.org/drawingml/2006/main" xmlns:r="http://schemas.openxmlformats.org/officeDocument/2006/relationships" xmlns:p="http://schemas.openxmlformats.org/presentationml/2006/main">
+  <p:cSld>
+    <p:spTree>
+      <p:nvGrpSpPr>
+        <p:cNvPr id="1" name=""/>
+        <p:cNvGrpSpPr/>
+        <p:nvPr/>
+      </p:nvGrpSpPr>
+      <p:grpSpPr>
+        <a:xfrm>
+          <a:off x="0" y="0"/>
+          <a:ext cx="0" cy="0"/>
+          <a:chOff x="0" y="0"/>
+          <a:chExt cx="0" cy="0"/>
+        </a:xfrm>
+      </p:grpSpPr>
+      <p:pic>
+        <p:nvPicPr>
+          <p:cNvPr id="3" name="Imagen 2">
+            <a:extLst>
+              <a:ext uri="{FF2B5EF4-FFF2-40B4-BE49-F238E27FC236}">
+                <a16:creationId xmlns:a16="http://schemas.microsoft.com/office/drawing/2014/main" id="{5137723A-AFF2-4407-A529-FED25F9F26DD}"/>
+              </a:ext>
+            </a:extLst>
+          </p:cNvPr>
+          <p:cNvPicPr>
+            <a:picLocks noChangeAspect="1"/>
+          </p:cNvPicPr>
+          <p:nvPr/>
+        </p:nvPicPr>
+        <p:blipFill rotWithShape="1">
+          <a:blip r:embed="rId2">
+            <a:extLst>
+              <a:ext uri="{28A0092B-C50C-407E-A947-70E740481C1C}">
+                <a14:useLocalDpi xmlns:a14="http://schemas.microsoft.com/office/drawing/2010/main" val="0"/>
+              </a:ext>
+            </a:extLst>
+          </a:blip>
+          <a:srcRect b="5474"/>
+          <a:stretch/>
+        </p:blipFill>
+        <p:spPr>
+          <a:xfrm>
+            <a:off x="5779698" y="1489976"/>
+            <a:ext cx="1207113" cy="3768866"/>
+          </a:xfrm>
+          <a:prstGeom prst="rect">
+            <a:avLst/>
+          </a:prstGeom>
+        </p:spPr>
+      </p:pic>
+      <p:pic>
+        <p:nvPicPr>
+          <p:cNvPr id="5" name="Imagen 4">
+            <a:extLst>
+              <a:ext uri="{FF2B5EF4-FFF2-40B4-BE49-F238E27FC236}">
+                <a16:creationId xmlns:a16="http://schemas.microsoft.com/office/drawing/2014/main" id="{B32AC372-0AB2-45B9-AA67-B22F66C11EEB}"/>
+              </a:ext>
+            </a:extLst>
+          </p:cNvPr>
+          <p:cNvPicPr>
+            <a:picLocks noChangeAspect="1"/>
+          </p:cNvPicPr>
+          <p:nvPr/>
+        </p:nvPicPr>
+        <p:blipFill rotWithShape="1">
+          <a:blip r:embed="rId3">
+            <a:extLst>
+              <a:ext uri="{28A0092B-C50C-407E-A947-70E740481C1C}">
+                <a14:useLocalDpi xmlns:a14="http://schemas.microsoft.com/office/drawing/2010/main" val="0"/>
+              </a:ext>
+            </a:extLst>
+          </a:blip>
+          <a:srcRect b="5406"/>
+          <a:stretch/>
+        </p:blipFill>
+        <p:spPr>
+          <a:xfrm>
+            <a:off x="-1162743" y="1080594"/>
+            <a:ext cx="1213209" cy="3765818"/>
+          </a:xfrm>
+          <a:prstGeom prst="rect">
+            <a:avLst/>
+          </a:prstGeom>
+        </p:spPr>
+      </p:pic>
+      <p:pic>
+        <p:nvPicPr>
+          <p:cNvPr id="7" name="Imagen 6">
+            <a:extLst>
+              <a:ext uri="{FF2B5EF4-FFF2-40B4-BE49-F238E27FC236}">
+                <a16:creationId xmlns:a16="http://schemas.microsoft.com/office/drawing/2014/main" id="{D080B647-0341-484F-9FE5-C2F1076A5D96}"/>
+              </a:ext>
+            </a:extLst>
+          </p:cNvPr>
+          <p:cNvPicPr>
+            <a:picLocks noChangeAspect="1"/>
+          </p:cNvPicPr>
+          <p:nvPr/>
+        </p:nvPicPr>
+        <p:blipFill rotWithShape="1">
+          <a:blip r:embed="rId4">
+            <a:extLst>
+              <a:ext uri="{28A0092B-C50C-407E-A947-70E740481C1C}">
+                <a14:useLocalDpi xmlns:a14="http://schemas.microsoft.com/office/drawing/2010/main" val="0"/>
+              </a:ext>
+            </a:extLst>
+          </a:blip>
+          <a:srcRect b="5389"/>
+          <a:stretch/>
+        </p:blipFill>
+        <p:spPr>
+          <a:xfrm>
+            <a:off x="12601388" y="1080594"/>
+            <a:ext cx="1225402" cy="3778010"/>
+          </a:xfrm>
+          <a:prstGeom prst="rect">
+            <a:avLst/>
+          </a:prstGeom>
+        </p:spPr>
+      </p:pic>
+      <p:pic>
+        <p:nvPicPr>
+          <p:cNvPr id="9" name="Imagen 8">
+            <a:extLst>
+              <a:ext uri="{FF2B5EF4-FFF2-40B4-BE49-F238E27FC236}">
+                <a16:creationId xmlns:a16="http://schemas.microsoft.com/office/drawing/2014/main" id="{66234E1C-D08A-46CE-BD43-8B782FBB8228}"/>
+              </a:ext>
+            </a:extLst>
+          </p:cNvPr>
+          <p:cNvPicPr>
+            <a:picLocks noChangeAspect="1"/>
+          </p:cNvPicPr>
+          <p:nvPr/>
+        </p:nvPicPr>
+        <p:blipFill rotWithShape="1">
+          <a:blip r:embed="rId5">
+            <a:extLst>
+              <a:ext uri="{28A0092B-C50C-407E-A947-70E740481C1C}">
+                <a14:useLocalDpi xmlns:a14="http://schemas.microsoft.com/office/drawing/2010/main" val="0"/>
+              </a:ext>
+            </a:extLst>
+          </a:blip>
+          <a:srcRect b="8837"/>
+          <a:stretch/>
+        </p:blipFill>
+        <p:spPr>
+          <a:xfrm>
+            <a:off x="-237359" y="333015"/>
+            <a:ext cx="1207113" cy="3629241"/>
+          </a:xfrm>
+          <a:prstGeom prst="rect">
+            <a:avLst/>
+          </a:prstGeom>
+        </p:spPr>
+      </p:pic>
+      <p:pic>
+        <p:nvPicPr>
+          <p:cNvPr id="11" name="Imagen 10">
+            <a:extLst>
+              <a:ext uri="{FF2B5EF4-FFF2-40B4-BE49-F238E27FC236}">
+                <a16:creationId xmlns:a16="http://schemas.microsoft.com/office/drawing/2014/main" id="{F7261920-143E-481C-9172-E1EE9C7F1003}"/>
+              </a:ext>
+            </a:extLst>
+          </p:cNvPr>
+          <p:cNvPicPr>
+            <a:picLocks noChangeAspect="1"/>
+          </p:cNvPicPr>
+          <p:nvPr/>
+        </p:nvPicPr>
+        <p:blipFill rotWithShape="1">
+          <a:blip r:embed="rId6">
+            <a:extLst>
+              <a:ext uri="{28A0092B-C50C-407E-A947-70E740481C1C}">
+                <a14:useLocalDpi xmlns:a14="http://schemas.microsoft.com/office/drawing/2010/main" val="0"/>
+              </a:ext>
+            </a:extLst>
+          </a:blip>
+          <a:srcRect b="5482"/>
+          <a:stretch/>
+        </p:blipFill>
+        <p:spPr>
+          <a:xfrm>
+            <a:off x="297896" y="1061333"/>
+            <a:ext cx="1207113" cy="3762770"/>
+          </a:xfrm>
+          <a:prstGeom prst="rect">
+            <a:avLst/>
+          </a:prstGeom>
+        </p:spPr>
+      </p:pic>
+      <p:pic>
+        <p:nvPicPr>
+          <p:cNvPr id="13" name="Imagen 12">
+            <a:extLst>
+              <a:ext uri="{FF2B5EF4-FFF2-40B4-BE49-F238E27FC236}">
+                <a16:creationId xmlns:a16="http://schemas.microsoft.com/office/drawing/2014/main" id="{E7D507B2-C641-468A-8C43-F8771F44E49D}"/>
+              </a:ext>
+            </a:extLst>
+          </p:cNvPr>
+          <p:cNvPicPr>
+            <a:picLocks noChangeAspect="1"/>
+          </p:cNvPicPr>
+          <p:nvPr/>
+        </p:nvPicPr>
+        <p:blipFill rotWithShape="1">
+          <a:blip r:embed="rId7">
+            <a:extLst>
+              <a:ext uri="{28A0092B-C50C-407E-A947-70E740481C1C}">
+                <a14:useLocalDpi xmlns:a14="http://schemas.microsoft.com/office/drawing/2010/main" val="0"/>
+              </a:ext>
+            </a:extLst>
+          </a:blip>
+          <a:srcRect b="5253"/>
+          <a:stretch/>
+        </p:blipFill>
+        <p:spPr>
+          <a:xfrm>
+            <a:off x="1793575" y="1056761"/>
+            <a:ext cx="1213209" cy="3771914"/>
+          </a:xfrm>
+          <a:prstGeom prst="rect">
+            <a:avLst/>
+          </a:prstGeom>
+        </p:spPr>
+      </p:pic>
+      <p:pic>
+        <p:nvPicPr>
+          <p:cNvPr id="15" name="Imagen 14">
+            <a:extLst>
+              <a:ext uri="{FF2B5EF4-FFF2-40B4-BE49-F238E27FC236}">
+                <a16:creationId xmlns:a16="http://schemas.microsoft.com/office/drawing/2014/main" id="{BABDF811-A7D5-413F-844B-064939C46ADD}"/>
+              </a:ext>
+            </a:extLst>
+          </p:cNvPr>
+          <p:cNvPicPr>
+            <a:picLocks noChangeAspect="1"/>
+          </p:cNvPicPr>
+          <p:nvPr/>
+        </p:nvPicPr>
+        <p:blipFill rotWithShape="1">
+          <a:blip r:embed="rId8">
+            <a:extLst>
+              <a:ext uri="{28A0092B-C50C-407E-A947-70E740481C1C}">
+                <a14:useLocalDpi xmlns:a14="http://schemas.microsoft.com/office/drawing/2010/main" val="0"/>
+              </a:ext>
+            </a:extLst>
+          </a:blip>
+          <a:srcRect b="5330"/>
+          <a:stretch/>
+        </p:blipFill>
+        <p:spPr>
+          <a:xfrm>
+            <a:off x="3147793" y="1055237"/>
+            <a:ext cx="1207113" cy="3768866"/>
+          </a:xfrm>
+          <a:prstGeom prst="rect">
+            <a:avLst/>
+          </a:prstGeom>
+        </p:spPr>
+      </p:pic>
+      <p:pic>
+        <p:nvPicPr>
+          <p:cNvPr id="17" name="Imagen 16">
+            <a:extLst>
+              <a:ext uri="{FF2B5EF4-FFF2-40B4-BE49-F238E27FC236}">
+                <a16:creationId xmlns:a16="http://schemas.microsoft.com/office/drawing/2014/main" id="{4DBDDFBA-DC42-4363-B8D3-9FDE8F313F1A}"/>
+              </a:ext>
+            </a:extLst>
+          </p:cNvPr>
+          <p:cNvPicPr>
+            <a:picLocks noChangeAspect="1"/>
+          </p:cNvPicPr>
+          <p:nvPr/>
+        </p:nvPicPr>
+        <p:blipFill rotWithShape="1">
+          <a:blip r:embed="rId9">
+            <a:extLst>
+              <a:ext uri="{28A0092B-C50C-407E-A947-70E740481C1C}">
+                <a14:useLocalDpi xmlns:a14="http://schemas.microsoft.com/office/drawing/2010/main" val="0"/>
+              </a:ext>
+            </a:extLst>
+          </a:blip>
+          <a:srcRect b="4261"/>
+          <a:stretch/>
+        </p:blipFill>
+        <p:spPr>
+          <a:xfrm>
+            <a:off x="4391003" y="1080594"/>
+            <a:ext cx="1213209" cy="3611188"/>
+          </a:xfrm>
+          <a:prstGeom prst="rect">
+            <a:avLst/>
+          </a:prstGeom>
+        </p:spPr>
+      </p:pic>
+      <p:pic>
+        <p:nvPicPr>
+          <p:cNvPr id="19" name="Imagen 18">
+            <a:extLst>
+              <a:ext uri="{FF2B5EF4-FFF2-40B4-BE49-F238E27FC236}">
+                <a16:creationId xmlns:a16="http://schemas.microsoft.com/office/drawing/2014/main" id="{19D63211-95EF-49C6-85A9-321E785ED3A6}"/>
+              </a:ext>
+            </a:extLst>
+          </p:cNvPr>
+          <p:cNvPicPr>
+            <a:picLocks noChangeAspect="1"/>
+          </p:cNvPicPr>
+          <p:nvPr/>
+        </p:nvPicPr>
+        <p:blipFill rotWithShape="1">
+          <a:blip r:embed="rId10">
+            <a:extLst>
+              <a:ext uri="{28A0092B-C50C-407E-A947-70E740481C1C}">
+                <a14:useLocalDpi xmlns:a14="http://schemas.microsoft.com/office/drawing/2010/main" val="0"/>
+              </a:ext>
+            </a:extLst>
+          </a:blip>
+          <a:srcRect b="5321"/>
+          <a:stretch/>
+        </p:blipFill>
+        <p:spPr>
+          <a:xfrm>
+            <a:off x="5613443" y="1186678"/>
+            <a:ext cx="1207113" cy="3774962"/>
+          </a:xfrm>
+          <a:prstGeom prst="rect">
+            <a:avLst/>
+          </a:prstGeom>
+        </p:spPr>
+      </p:pic>
+      <p:pic>
+        <p:nvPicPr>
+          <p:cNvPr id="21" name="Imagen 20">
+            <a:extLst>
+              <a:ext uri="{FF2B5EF4-FFF2-40B4-BE49-F238E27FC236}">
+                <a16:creationId xmlns:a16="http://schemas.microsoft.com/office/drawing/2014/main" id="{23B9AA7A-915A-41A5-B418-AF1898986FD9}"/>
+              </a:ext>
+            </a:extLst>
+          </p:cNvPr>
+          <p:cNvPicPr>
+            <a:picLocks noChangeAspect="1"/>
+          </p:cNvPicPr>
+          <p:nvPr/>
+        </p:nvPicPr>
+        <p:blipFill rotWithShape="1">
+          <a:blip r:embed="rId11">
+            <a:extLst>
+              <a:ext uri="{28A0092B-C50C-407E-A947-70E740481C1C}">
+                <a14:useLocalDpi xmlns:a14="http://schemas.microsoft.com/office/drawing/2010/main" val="0"/>
+              </a:ext>
+            </a:extLst>
+          </a:blip>
+          <a:srcRect b="5321"/>
+          <a:stretch/>
+        </p:blipFill>
+        <p:spPr>
+          <a:xfrm>
+            <a:off x="7052382" y="1310814"/>
+            <a:ext cx="1207113" cy="3774962"/>
+          </a:xfrm>
+          <a:prstGeom prst="rect">
+            <a:avLst/>
+          </a:prstGeom>
+        </p:spPr>
+      </p:pic>
+      <p:pic>
+        <p:nvPicPr>
+          <p:cNvPr id="23" name="Imagen 22">
+            <a:extLst>
+              <a:ext uri="{FF2B5EF4-FFF2-40B4-BE49-F238E27FC236}">
+                <a16:creationId xmlns:a16="http://schemas.microsoft.com/office/drawing/2014/main" id="{1B444AD5-1E79-43ED-A1AB-3D1CEE5F36FC}"/>
+              </a:ext>
+            </a:extLst>
+          </p:cNvPr>
+          <p:cNvPicPr>
+            <a:picLocks noChangeAspect="1"/>
+          </p:cNvPicPr>
+          <p:nvPr/>
+        </p:nvPicPr>
+        <p:blipFill rotWithShape="1">
+          <a:blip r:embed="rId12">
+            <a:extLst>
+              <a:ext uri="{28A0092B-C50C-407E-A947-70E740481C1C}">
+                <a14:useLocalDpi xmlns:a14="http://schemas.microsoft.com/office/drawing/2010/main" val="0"/>
+              </a:ext>
+            </a:extLst>
+          </a:blip>
+          <a:srcRect b="5321"/>
+          <a:stretch/>
+        </p:blipFill>
+        <p:spPr>
+          <a:xfrm>
+            <a:off x="8659134" y="1042003"/>
+            <a:ext cx="1207113" cy="3774962"/>
+          </a:xfrm>
+          <a:prstGeom prst="rect">
+            <a:avLst/>
+          </a:prstGeom>
+        </p:spPr>
+      </p:pic>
+      <p:pic>
+        <p:nvPicPr>
+          <p:cNvPr id="25" name="Imagen 24">
+            <a:extLst>
+              <a:ext uri="{FF2B5EF4-FFF2-40B4-BE49-F238E27FC236}">
+                <a16:creationId xmlns:a16="http://schemas.microsoft.com/office/drawing/2014/main" id="{901FCB23-7527-4B53-91ED-645D6288CC11}"/>
+              </a:ext>
+            </a:extLst>
+          </p:cNvPr>
+          <p:cNvPicPr>
+            <a:picLocks noChangeAspect="1"/>
+          </p:cNvPicPr>
+          <p:nvPr/>
+        </p:nvPicPr>
+        <p:blipFill rotWithShape="1">
+          <a:blip r:embed="rId13">
+            <a:extLst>
+              <a:ext uri="{28A0092B-C50C-407E-A947-70E740481C1C}">
+                <a14:useLocalDpi xmlns:a14="http://schemas.microsoft.com/office/drawing/2010/main" val="0"/>
+              </a:ext>
+            </a:extLst>
+          </a:blip>
+          <a:srcRect b="5245"/>
+          <a:stretch/>
+        </p:blipFill>
+        <p:spPr>
+          <a:xfrm>
+            <a:off x="10165110" y="913772"/>
+            <a:ext cx="1207113" cy="3778010"/>
+          </a:xfrm>
+          <a:prstGeom prst="rect">
+            <a:avLst/>
+          </a:prstGeom>
+        </p:spPr>
+      </p:pic>
+    </p:spTree>
+    <p:extLst>
+      <p:ext uri="{BB962C8B-B14F-4D97-AF65-F5344CB8AC3E}">
+        <p14:creationId xmlns:p14="http://schemas.microsoft.com/office/powerpoint/2010/main" val="251032587"/>
       </p:ext>
     </p:extLst>
   </p:cSld>

--- a/Presentación1.pptx
+++ b/Presentación1.pptx
@@ -12,6 +12,7 @@
     <p:sldId id="261" r:id="rId6"/>
     <p:sldId id="262" r:id="rId7"/>
     <p:sldId id="263" r:id="rId8"/>
+    <p:sldId id="264" r:id="rId9"/>
   </p:sldIdLst>
   <p:sldSz cx="12192000" cy="6858000"/>
   <p:notesSz cx="6858000" cy="9144000"/>
@@ -249,7 +250,7 @@
           <a:p>
             <a:fld id="{99BE347A-6433-4F03-8E3B-34733628B187}" type="datetimeFigureOut">
               <a:rPr lang="es-MX" smtClean="0"/>
-              <a:t>25/06/2018</a:t>
+              <a:t>26/06/2018</a:t>
             </a:fld>
             <a:endParaRPr lang="es-MX"/>
           </a:p>
@@ -419,7 +420,7 @@
           <a:p>
             <a:fld id="{99BE347A-6433-4F03-8E3B-34733628B187}" type="datetimeFigureOut">
               <a:rPr lang="es-MX" smtClean="0"/>
-              <a:t>25/06/2018</a:t>
+              <a:t>26/06/2018</a:t>
             </a:fld>
             <a:endParaRPr lang="es-MX"/>
           </a:p>
@@ -599,7 +600,7 @@
           <a:p>
             <a:fld id="{99BE347A-6433-4F03-8E3B-34733628B187}" type="datetimeFigureOut">
               <a:rPr lang="es-MX" smtClean="0"/>
-              <a:t>25/06/2018</a:t>
+              <a:t>26/06/2018</a:t>
             </a:fld>
             <a:endParaRPr lang="es-MX"/>
           </a:p>
@@ -769,7 +770,7 @@
           <a:p>
             <a:fld id="{99BE347A-6433-4F03-8E3B-34733628B187}" type="datetimeFigureOut">
               <a:rPr lang="es-MX" smtClean="0"/>
-              <a:t>25/06/2018</a:t>
+              <a:t>26/06/2018</a:t>
             </a:fld>
             <a:endParaRPr lang="es-MX"/>
           </a:p>
@@ -1015,7 +1016,7 @@
           <a:p>
             <a:fld id="{99BE347A-6433-4F03-8E3B-34733628B187}" type="datetimeFigureOut">
               <a:rPr lang="es-MX" smtClean="0"/>
-              <a:t>25/06/2018</a:t>
+              <a:t>26/06/2018</a:t>
             </a:fld>
             <a:endParaRPr lang="es-MX"/>
           </a:p>
@@ -1247,7 +1248,7 @@
           <a:p>
             <a:fld id="{99BE347A-6433-4F03-8E3B-34733628B187}" type="datetimeFigureOut">
               <a:rPr lang="es-MX" smtClean="0"/>
-              <a:t>25/06/2018</a:t>
+              <a:t>26/06/2018</a:t>
             </a:fld>
             <a:endParaRPr lang="es-MX"/>
           </a:p>
@@ -1614,7 +1615,7 @@
           <a:p>
             <a:fld id="{99BE347A-6433-4F03-8E3B-34733628B187}" type="datetimeFigureOut">
               <a:rPr lang="es-MX" smtClean="0"/>
-              <a:t>25/06/2018</a:t>
+              <a:t>26/06/2018</a:t>
             </a:fld>
             <a:endParaRPr lang="es-MX"/>
           </a:p>
@@ -1732,7 +1733,7 @@
           <a:p>
             <a:fld id="{99BE347A-6433-4F03-8E3B-34733628B187}" type="datetimeFigureOut">
               <a:rPr lang="es-MX" smtClean="0"/>
-              <a:t>25/06/2018</a:t>
+              <a:t>26/06/2018</a:t>
             </a:fld>
             <a:endParaRPr lang="es-MX"/>
           </a:p>
@@ -1827,7 +1828,7 @@
           <a:p>
             <a:fld id="{99BE347A-6433-4F03-8E3B-34733628B187}" type="datetimeFigureOut">
               <a:rPr lang="es-MX" smtClean="0"/>
-              <a:t>25/06/2018</a:t>
+              <a:t>26/06/2018</a:t>
             </a:fld>
             <a:endParaRPr lang="es-MX"/>
           </a:p>
@@ -2104,7 +2105,7 @@
           <a:p>
             <a:fld id="{99BE347A-6433-4F03-8E3B-34733628B187}" type="datetimeFigureOut">
               <a:rPr lang="es-MX" smtClean="0"/>
-              <a:t>25/06/2018</a:t>
+              <a:t>26/06/2018</a:t>
             </a:fld>
             <a:endParaRPr lang="es-MX"/>
           </a:p>
@@ -2361,7 +2362,7 @@
           <a:p>
             <a:fld id="{99BE347A-6433-4F03-8E3B-34733628B187}" type="datetimeFigureOut">
               <a:rPr lang="es-MX" smtClean="0"/>
-              <a:t>25/06/2018</a:t>
+              <a:t>26/06/2018</a:t>
             </a:fld>
             <a:endParaRPr lang="es-MX"/>
           </a:p>
@@ -2574,7 +2575,7 @@
           <a:p>
             <a:fld id="{99BE347A-6433-4F03-8E3B-34733628B187}" type="datetimeFigureOut">
               <a:rPr lang="es-MX" smtClean="0"/>
-              <a:t>25/06/2018</a:t>
+              <a:t>26/06/2018</a:t>
             </a:fld>
             <a:endParaRPr lang="es-MX"/>
           </a:p>
@@ -19438,6 +19439,528 @@
 </p:sld>
 </file>
 
+<file path=ppt/slides/slide8.xml><?xml version="1.0" encoding="utf-8"?>
+<p:sld xmlns:a="http://schemas.openxmlformats.org/drawingml/2006/main" xmlns:r="http://schemas.openxmlformats.org/officeDocument/2006/relationships" xmlns:p="http://schemas.openxmlformats.org/presentationml/2006/main">
+  <p:cSld>
+    <p:spTree>
+      <p:nvGrpSpPr>
+        <p:cNvPr id="1" name=""/>
+        <p:cNvGrpSpPr/>
+        <p:nvPr/>
+      </p:nvGrpSpPr>
+      <p:grpSpPr>
+        <a:xfrm>
+          <a:off x="0" y="0"/>
+          <a:ext cx="0" cy="0"/>
+          <a:chOff x="0" y="0"/>
+          <a:chExt cx="0" cy="0"/>
+        </a:xfrm>
+      </p:grpSpPr>
+      <p:sp>
+        <p:nvSpPr>
+          <p:cNvPr id="4" name="Rectángulo 3">
+            <a:extLst>
+              <a:ext uri="{FF2B5EF4-FFF2-40B4-BE49-F238E27FC236}">
+                <a16:creationId xmlns:a16="http://schemas.microsoft.com/office/drawing/2014/main" id="{035BFEFA-5288-4FC4-8303-24B2607C4386}"/>
+              </a:ext>
+            </a:extLst>
+          </p:cNvPr>
+          <p:cNvSpPr/>
+          <p:nvPr/>
+        </p:nvSpPr>
+        <p:spPr>
+          <a:xfrm>
+            <a:off x="265043" y="1351722"/>
+            <a:ext cx="11317357" cy="2106884"/>
+          </a:xfrm>
+          <a:prstGeom prst="rect">
+            <a:avLst/>
+          </a:prstGeom>
+          <a:noFill/>
+        </p:spPr>
+        <p:style>
+          <a:lnRef idx="2">
+            <a:schemeClr val="accent1">
+              <a:shade val="50000"/>
+            </a:schemeClr>
+          </a:lnRef>
+          <a:fillRef idx="1">
+            <a:schemeClr val="accent1"/>
+          </a:fillRef>
+          <a:effectRef idx="0">
+            <a:schemeClr val="accent1"/>
+          </a:effectRef>
+          <a:fontRef idx="minor">
+            <a:schemeClr val="lt1"/>
+          </a:fontRef>
+        </p:style>
+        <p:txBody>
+          <a:bodyPr rtlCol="0" anchor="ctr"/>
+          <a:lstStyle/>
+          <a:p>
+            <a:pPr algn="ctr"/>
+            <a:endParaRPr lang="es-MX"/>
+          </a:p>
+        </p:txBody>
+      </p:sp>
+      <p:cxnSp>
+        <p:nvCxnSpPr>
+          <p:cNvPr id="9" name="Conector recto 8">
+            <a:extLst>
+              <a:ext uri="{FF2B5EF4-FFF2-40B4-BE49-F238E27FC236}">
+                <a16:creationId xmlns:a16="http://schemas.microsoft.com/office/drawing/2014/main" id="{148B07EE-15FA-4264-B698-64545FDA3570}"/>
+              </a:ext>
+            </a:extLst>
+          </p:cNvPr>
+          <p:cNvCxnSpPr/>
+          <p:nvPr/>
+        </p:nvCxnSpPr>
+        <p:spPr>
+          <a:xfrm>
+            <a:off x="265043" y="1714077"/>
+            <a:ext cx="11317357" cy="0"/>
+          </a:xfrm>
+          <a:prstGeom prst="line">
+            <a:avLst/>
+          </a:prstGeom>
+        </p:spPr>
+        <p:style>
+          <a:lnRef idx="1">
+            <a:schemeClr val="accent1"/>
+          </a:lnRef>
+          <a:fillRef idx="0">
+            <a:schemeClr val="accent1"/>
+          </a:fillRef>
+          <a:effectRef idx="0">
+            <a:schemeClr val="accent1"/>
+          </a:effectRef>
+          <a:fontRef idx="minor">
+            <a:schemeClr val="tx1"/>
+          </a:fontRef>
+        </p:style>
+      </p:cxnSp>
+      <p:cxnSp>
+        <p:nvCxnSpPr>
+          <p:cNvPr id="10" name="Conector recto 9">
+            <a:extLst>
+              <a:ext uri="{FF2B5EF4-FFF2-40B4-BE49-F238E27FC236}">
+                <a16:creationId xmlns:a16="http://schemas.microsoft.com/office/drawing/2014/main" id="{A2B6A965-F4E9-48C2-AF54-2CF6F36E2C3E}"/>
+              </a:ext>
+            </a:extLst>
+          </p:cNvPr>
+          <p:cNvCxnSpPr/>
+          <p:nvPr/>
+        </p:nvCxnSpPr>
+        <p:spPr>
+          <a:xfrm>
+            <a:off x="261795" y="1530411"/>
+            <a:ext cx="11317357" cy="0"/>
+          </a:xfrm>
+          <a:prstGeom prst="line">
+            <a:avLst/>
+          </a:prstGeom>
+        </p:spPr>
+        <p:style>
+          <a:lnRef idx="1">
+            <a:schemeClr val="accent1"/>
+          </a:lnRef>
+          <a:fillRef idx="0">
+            <a:schemeClr val="accent1"/>
+          </a:fillRef>
+          <a:effectRef idx="0">
+            <a:schemeClr val="accent1"/>
+          </a:effectRef>
+          <a:fontRef idx="minor">
+            <a:schemeClr val="tx1"/>
+          </a:fontRef>
+        </p:style>
+      </p:cxnSp>
+      <p:cxnSp>
+        <p:nvCxnSpPr>
+          <p:cNvPr id="16" name="Conector recto 15">
+            <a:extLst>
+              <a:ext uri="{FF2B5EF4-FFF2-40B4-BE49-F238E27FC236}">
+                <a16:creationId xmlns:a16="http://schemas.microsoft.com/office/drawing/2014/main" id="{105F99C4-B03E-41A2-901F-68DB71861644}"/>
+              </a:ext>
+            </a:extLst>
+          </p:cNvPr>
+          <p:cNvCxnSpPr/>
+          <p:nvPr/>
+        </p:nvCxnSpPr>
+        <p:spPr>
+          <a:xfrm>
+            <a:off x="266659" y="1876205"/>
+            <a:ext cx="11317357" cy="0"/>
+          </a:xfrm>
+          <a:prstGeom prst="line">
+            <a:avLst/>
+          </a:prstGeom>
+        </p:spPr>
+        <p:style>
+          <a:lnRef idx="1">
+            <a:schemeClr val="accent1"/>
+          </a:lnRef>
+          <a:fillRef idx="0">
+            <a:schemeClr val="accent1"/>
+          </a:fillRef>
+          <a:effectRef idx="0">
+            <a:schemeClr val="accent1"/>
+          </a:effectRef>
+          <a:fontRef idx="minor">
+            <a:schemeClr val="tx1"/>
+          </a:fontRef>
+        </p:style>
+      </p:cxnSp>
+      <p:cxnSp>
+        <p:nvCxnSpPr>
+          <p:cNvPr id="17" name="Conector recto 16">
+            <a:extLst>
+              <a:ext uri="{FF2B5EF4-FFF2-40B4-BE49-F238E27FC236}">
+                <a16:creationId xmlns:a16="http://schemas.microsoft.com/office/drawing/2014/main" id="{065ADE05-6C14-4B6F-971E-995A9934BDF4}"/>
+              </a:ext>
+            </a:extLst>
+          </p:cNvPr>
+          <p:cNvCxnSpPr/>
+          <p:nvPr/>
+        </p:nvCxnSpPr>
+        <p:spPr>
+          <a:xfrm>
+            <a:off x="261795" y="2236130"/>
+            <a:ext cx="11317357" cy="0"/>
+          </a:xfrm>
+          <a:prstGeom prst="line">
+            <a:avLst/>
+          </a:prstGeom>
+        </p:spPr>
+        <p:style>
+          <a:lnRef idx="1">
+            <a:schemeClr val="accent1"/>
+          </a:lnRef>
+          <a:fillRef idx="0">
+            <a:schemeClr val="accent1"/>
+          </a:fillRef>
+          <a:effectRef idx="0">
+            <a:schemeClr val="accent1"/>
+          </a:effectRef>
+          <a:fontRef idx="minor">
+            <a:schemeClr val="tx1"/>
+          </a:fontRef>
+        </p:style>
+      </p:cxnSp>
+      <p:cxnSp>
+        <p:nvCxnSpPr>
+          <p:cNvPr id="18" name="Conector recto 17">
+            <a:extLst>
+              <a:ext uri="{FF2B5EF4-FFF2-40B4-BE49-F238E27FC236}">
+                <a16:creationId xmlns:a16="http://schemas.microsoft.com/office/drawing/2014/main" id="{D3750859-59E4-4A8B-B90A-6CD207EFA662}"/>
+              </a:ext>
+            </a:extLst>
+          </p:cNvPr>
+          <p:cNvCxnSpPr/>
+          <p:nvPr/>
+        </p:nvCxnSpPr>
+        <p:spPr>
+          <a:xfrm>
+            <a:off x="261795" y="2052464"/>
+            <a:ext cx="11317357" cy="0"/>
+          </a:xfrm>
+          <a:prstGeom prst="line">
+            <a:avLst/>
+          </a:prstGeom>
+        </p:spPr>
+        <p:style>
+          <a:lnRef idx="1">
+            <a:schemeClr val="accent1"/>
+          </a:lnRef>
+          <a:fillRef idx="0">
+            <a:schemeClr val="accent1"/>
+          </a:fillRef>
+          <a:effectRef idx="0">
+            <a:schemeClr val="accent1"/>
+          </a:effectRef>
+          <a:fontRef idx="minor">
+            <a:schemeClr val="tx1"/>
+          </a:fontRef>
+        </p:style>
+      </p:cxnSp>
+      <p:cxnSp>
+        <p:nvCxnSpPr>
+          <p:cNvPr id="19" name="Conector recto 18">
+            <a:extLst>
+              <a:ext uri="{FF2B5EF4-FFF2-40B4-BE49-F238E27FC236}">
+                <a16:creationId xmlns:a16="http://schemas.microsoft.com/office/drawing/2014/main" id="{99816E6A-DF4B-4F76-A498-1FACE1467CD4}"/>
+              </a:ext>
+            </a:extLst>
+          </p:cNvPr>
+          <p:cNvCxnSpPr/>
+          <p:nvPr/>
+        </p:nvCxnSpPr>
+        <p:spPr>
+          <a:xfrm>
+            <a:off x="263411" y="2398258"/>
+            <a:ext cx="11317357" cy="0"/>
+          </a:xfrm>
+          <a:prstGeom prst="line">
+            <a:avLst/>
+          </a:prstGeom>
+        </p:spPr>
+        <p:style>
+          <a:lnRef idx="1">
+            <a:schemeClr val="accent1"/>
+          </a:lnRef>
+          <a:fillRef idx="0">
+            <a:schemeClr val="accent1"/>
+          </a:fillRef>
+          <a:effectRef idx="0">
+            <a:schemeClr val="accent1"/>
+          </a:effectRef>
+          <a:fontRef idx="minor">
+            <a:schemeClr val="tx1"/>
+          </a:fontRef>
+        </p:style>
+      </p:cxnSp>
+      <p:cxnSp>
+        <p:nvCxnSpPr>
+          <p:cNvPr id="20" name="Conector recto 19">
+            <a:extLst>
+              <a:ext uri="{FF2B5EF4-FFF2-40B4-BE49-F238E27FC236}">
+                <a16:creationId xmlns:a16="http://schemas.microsoft.com/office/drawing/2014/main" id="{70F4F761-6232-4D76-91A8-B8909BFC8BA3}"/>
+              </a:ext>
+            </a:extLst>
+          </p:cNvPr>
+          <p:cNvCxnSpPr/>
+          <p:nvPr/>
+        </p:nvCxnSpPr>
+        <p:spPr>
+          <a:xfrm>
+            <a:off x="271523" y="2756557"/>
+            <a:ext cx="11317357" cy="0"/>
+          </a:xfrm>
+          <a:prstGeom prst="line">
+            <a:avLst/>
+          </a:prstGeom>
+        </p:spPr>
+        <p:style>
+          <a:lnRef idx="1">
+            <a:schemeClr val="accent1"/>
+          </a:lnRef>
+          <a:fillRef idx="0">
+            <a:schemeClr val="accent1"/>
+          </a:fillRef>
+          <a:effectRef idx="0">
+            <a:schemeClr val="accent1"/>
+          </a:effectRef>
+          <a:fontRef idx="minor">
+            <a:schemeClr val="tx1"/>
+          </a:fontRef>
+        </p:style>
+      </p:cxnSp>
+      <p:cxnSp>
+        <p:nvCxnSpPr>
+          <p:cNvPr id="21" name="Conector recto 20">
+            <a:extLst>
+              <a:ext uri="{FF2B5EF4-FFF2-40B4-BE49-F238E27FC236}">
+                <a16:creationId xmlns:a16="http://schemas.microsoft.com/office/drawing/2014/main" id="{1A481289-918A-4CE4-9216-20F0585F77B7}"/>
+              </a:ext>
+            </a:extLst>
+          </p:cNvPr>
+          <p:cNvCxnSpPr/>
+          <p:nvPr/>
+        </p:nvCxnSpPr>
+        <p:spPr>
+          <a:xfrm>
+            <a:off x="268275" y="2572891"/>
+            <a:ext cx="11317357" cy="0"/>
+          </a:xfrm>
+          <a:prstGeom prst="line">
+            <a:avLst/>
+          </a:prstGeom>
+        </p:spPr>
+        <p:style>
+          <a:lnRef idx="1">
+            <a:schemeClr val="accent1"/>
+          </a:lnRef>
+          <a:fillRef idx="0">
+            <a:schemeClr val="accent1"/>
+          </a:fillRef>
+          <a:effectRef idx="0">
+            <a:schemeClr val="accent1"/>
+          </a:effectRef>
+          <a:fontRef idx="minor">
+            <a:schemeClr val="tx1"/>
+          </a:fontRef>
+        </p:style>
+      </p:cxnSp>
+      <p:cxnSp>
+        <p:nvCxnSpPr>
+          <p:cNvPr id="22" name="Conector recto 21">
+            <a:extLst>
+              <a:ext uri="{FF2B5EF4-FFF2-40B4-BE49-F238E27FC236}">
+                <a16:creationId xmlns:a16="http://schemas.microsoft.com/office/drawing/2014/main" id="{3B6FC708-FD0E-47CC-A5FB-B9D7C5C700D4}"/>
+              </a:ext>
+            </a:extLst>
+          </p:cNvPr>
+          <p:cNvCxnSpPr/>
+          <p:nvPr/>
+        </p:nvCxnSpPr>
+        <p:spPr>
+          <a:xfrm>
+            <a:off x="273139" y="2918685"/>
+            <a:ext cx="11317357" cy="0"/>
+          </a:xfrm>
+          <a:prstGeom prst="line">
+            <a:avLst/>
+          </a:prstGeom>
+        </p:spPr>
+        <p:style>
+          <a:lnRef idx="1">
+            <a:schemeClr val="accent1"/>
+          </a:lnRef>
+          <a:fillRef idx="0">
+            <a:schemeClr val="accent1"/>
+          </a:fillRef>
+          <a:effectRef idx="0">
+            <a:schemeClr val="accent1"/>
+          </a:effectRef>
+          <a:fontRef idx="minor">
+            <a:schemeClr val="tx1"/>
+          </a:fontRef>
+        </p:style>
+      </p:cxnSp>
+      <p:cxnSp>
+        <p:nvCxnSpPr>
+          <p:cNvPr id="23" name="Conector recto 22">
+            <a:extLst>
+              <a:ext uri="{FF2B5EF4-FFF2-40B4-BE49-F238E27FC236}">
+                <a16:creationId xmlns:a16="http://schemas.microsoft.com/office/drawing/2014/main" id="{7C82079D-E4C3-4261-A4AB-DCBEFDF687F0}"/>
+              </a:ext>
+            </a:extLst>
+          </p:cNvPr>
+          <p:cNvCxnSpPr>
+            <a:cxnSpLocks/>
+          </p:cNvCxnSpPr>
+          <p:nvPr/>
+        </p:nvCxnSpPr>
+        <p:spPr>
+          <a:xfrm>
+            <a:off x="3338945" y="5259810"/>
+            <a:ext cx="3605414" cy="0"/>
+          </a:xfrm>
+          <a:prstGeom prst="line">
+            <a:avLst/>
+          </a:prstGeom>
+        </p:spPr>
+        <p:style>
+          <a:lnRef idx="1">
+            <a:schemeClr val="accent1"/>
+          </a:lnRef>
+          <a:fillRef idx="0">
+            <a:schemeClr val="accent1"/>
+          </a:fillRef>
+          <a:effectRef idx="0">
+            <a:schemeClr val="accent1"/>
+          </a:effectRef>
+          <a:fontRef idx="minor">
+            <a:schemeClr val="tx1"/>
+          </a:fontRef>
+        </p:style>
+      </p:cxnSp>
+      <p:cxnSp>
+        <p:nvCxnSpPr>
+          <p:cNvPr id="24" name="Conector recto 23">
+            <a:extLst>
+              <a:ext uri="{FF2B5EF4-FFF2-40B4-BE49-F238E27FC236}">
+                <a16:creationId xmlns:a16="http://schemas.microsoft.com/office/drawing/2014/main" id="{B2C220C1-7ABD-46C7-8A9A-12E6F6272FF9}"/>
+              </a:ext>
+            </a:extLst>
+          </p:cNvPr>
+          <p:cNvCxnSpPr/>
+          <p:nvPr/>
+        </p:nvCxnSpPr>
+        <p:spPr>
+          <a:xfrm>
+            <a:off x="268275" y="3094944"/>
+            <a:ext cx="11317357" cy="0"/>
+          </a:xfrm>
+          <a:prstGeom prst="line">
+            <a:avLst/>
+          </a:prstGeom>
+        </p:spPr>
+        <p:style>
+          <a:lnRef idx="1">
+            <a:schemeClr val="accent1"/>
+          </a:lnRef>
+          <a:fillRef idx="0">
+            <a:schemeClr val="accent1"/>
+          </a:fillRef>
+          <a:effectRef idx="0">
+            <a:schemeClr val="accent1"/>
+          </a:effectRef>
+          <a:fontRef idx="minor">
+            <a:schemeClr val="tx1"/>
+          </a:fontRef>
+        </p:style>
+      </p:cxnSp>
+      <p:sp>
+        <p:nvSpPr>
+          <p:cNvPr id="26" name="Rectángulo 25">
+            <a:extLst>
+              <a:ext uri="{FF2B5EF4-FFF2-40B4-BE49-F238E27FC236}">
+                <a16:creationId xmlns:a16="http://schemas.microsoft.com/office/drawing/2014/main" id="{7BA9CAA5-4A9B-49CE-8D45-214531F5A1A7}"/>
+              </a:ext>
+            </a:extLst>
+          </p:cNvPr>
+          <p:cNvSpPr/>
+          <p:nvPr/>
+        </p:nvSpPr>
+        <p:spPr>
+          <a:xfrm>
+            <a:off x="401782" y="4123293"/>
+            <a:ext cx="11177370" cy="215664"/>
+          </a:xfrm>
+          <a:prstGeom prst="rect">
+            <a:avLst/>
+          </a:prstGeom>
+          <a:noFill/>
+        </p:spPr>
+        <p:style>
+          <a:lnRef idx="2">
+            <a:schemeClr val="accent1">
+              <a:shade val="50000"/>
+            </a:schemeClr>
+          </a:lnRef>
+          <a:fillRef idx="1">
+            <a:schemeClr val="accent1"/>
+          </a:fillRef>
+          <a:effectRef idx="0">
+            <a:schemeClr val="accent1"/>
+          </a:effectRef>
+          <a:fontRef idx="minor">
+            <a:schemeClr val="lt1"/>
+          </a:fontRef>
+        </p:style>
+        <p:txBody>
+          <a:bodyPr rtlCol="0" anchor="ctr"/>
+          <a:lstStyle/>
+          <a:p>
+            <a:pPr algn="ctr"/>
+            <a:endParaRPr lang="es-MX"/>
+          </a:p>
+        </p:txBody>
+      </p:sp>
+    </p:spTree>
+    <p:extLst>
+      <p:ext uri="{BB962C8B-B14F-4D97-AF65-F5344CB8AC3E}">
+        <p14:creationId xmlns:p14="http://schemas.microsoft.com/office/powerpoint/2010/main" val="756301538"/>
+      </p:ext>
+    </p:extLst>
+  </p:cSld>
+  <p:clrMapOvr>
+    <a:masterClrMapping/>
+  </p:clrMapOvr>
+</p:sld>
+</file>
+
 <file path=ppt/theme/theme1.xml><?xml version="1.0" encoding="utf-8"?>
 <a:theme xmlns:a="http://schemas.openxmlformats.org/drawingml/2006/main" name="Office Theme">
   <a:themeElements>

--- a/Presentación1.pptx
+++ b/Presentación1.pptx
@@ -6,13 +6,14 @@
   </p:sldMasterIdLst>
   <p:sldIdLst>
     <p:sldId id="256" r:id="rId2"/>
-    <p:sldId id="258" r:id="rId3"/>
-    <p:sldId id="259" r:id="rId4"/>
-    <p:sldId id="260" r:id="rId5"/>
-    <p:sldId id="261" r:id="rId6"/>
-    <p:sldId id="262" r:id="rId7"/>
-    <p:sldId id="263" r:id="rId8"/>
-    <p:sldId id="264" r:id="rId9"/>
+    <p:sldId id="257" r:id="rId3"/>
+    <p:sldId id="258" r:id="rId4"/>
+    <p:sldId id="259" r:id="rId5"/>
+    <p:sldId id="260" r:id="rId6"/>
+    <p:sldId id="261" r:id="rId7"/>
+    <p:sldId id="262" r:id="rId8"/>
+    <p:sldId id="263" r:id="rId9"/>
+    <p:sldId id="264" r:id="rId10"/>
   </p:sldIdLst>
   <p:sldSz cx="12192000" cy="6858000"/>
   <p:notesSz cx="6858000" cy="9144000"/>
@@ -250,7 +251,7 @@
           <a:p>
             <a:fld id="{99BE347A-6433-4F03-8E3B-34733628B187}" type="datetimeFigureOut">
               <a:rPr lang="es-MX" smtClean="0"/>
-              <a:t>26/06/2018</a:t>
+              <a:t>28/06/2018</a:t>
             </a:fld>
             <a:endParaRPr lang="es-MX"/>
           </a:p>
@@ -420,7 +421,7 @@
           <a:p>
             <a:fld id="{99BE347A-6433-4F03-8E3B-34733628B187}" type="datetimeFigureOut">
               <a:rPr lang="es-MX" smtClean="0"/>
-              <a:t>26/06/2018</a:t>
+              <a:t>28/06/2018</a:t>
             </a:fld>
             <a:endParaRPr lang="es-MX"/>
           </a:p>
@@ -600,7 +601,7 @@
           <a:p>
             <a:fld id="{99BE347A-6433-4F03-8E3B-34733628B187}" type="datetimeFigureOut">
               <a:rPr lang="es-MX" smtClean="0"/>
-              <a:t>26/06/2018</a:t>
+              <a:t>28/06/2018</a:t>
             </a:fld>
             <a:endParaRPr lang="es-MX"/>
           </a:p>
@@ -770,7 +771,7 @@
           <a:p>
             <a:fld id="{99BE347A-6433-4F03-8E3B-34733628B187}" type="datetimeFigureOut">
               <a:rPr lang="es-MX" smtClean="0"/>
-              <a:t>26/06/2018</a:t>
+              <a:t>28/06/2018</a:t>
             </a:fld>
             <a:endParaRPr lang="es-MX"/>
           </a:p>
@@ -1016,7 +1017,7 @@
           <a:p>
             <a:fld id="{99BE347A-6433-4F03-8E3B-34733628B187}" type="datetimeFigureOut">
               <a:rPr lang="es-MX" smtClean="0"/>
-              <a:t>26/06/2018</a:t>
+              <a:t>28/06/2018</a:t>
             </a:fld>
             <a:endParaRPr lang="es-MX"/>
           </a:p>
@@ -1248,7 +1249,7 @@
           <a:p>
             <a:fld id="{99BE347A-6433-4F03-8E3B-34733628B187}" type="datetimeFigureOut">
               <a:rPr lang="es-MX" smtClean="0"/>
-              <a:t>26/06/2018</a:t>
+              <a:t>28/06/2018</a:t>
             </a:fld>
             <a:endParaRPr lang="es-MX"/>
           </a:p>
@@ -1615,7 +1616,7 @@
           <a:p>
             <a:fld id="{99BE347A-6433-4F03-8E3B-34733628B187}" type="datetimeFigureOut">
               <a:rPr lang="es-MX" smtClean="0"/>
-              <a:t>26/06/2018</a:t>
+              <a:t>28/06/2018</a:t>
             </a:fld>
             <a:endParaRPr lang="es-MX"/>
           </a:p>
@@ -1733,7 +1734,7 @@
           <a:p>
             <a:fld id="{99BE347A-6433-4F03-8E3B-34733628B187}" type="datetimeFigureOut">
               <a:rPr lang="es-MX" smtClean="0"/>
-              <a:t>26/06/2018</a:t>
+              <a:t>28/06/2018</a:t>
             </a:fld>
             <a:endParaRPr lang="es-MX"/>
           </a:p>
@@ -1828,7 +1829,7 @@
           <a:p>
             <a:fld id="{99BE347A-6433-4F03-8E3B-34733628B187}" type="datetimeFigureOut">
               <a:rPr lang="es-MX" smtClean="0"/>
-              <a:t>26/06/2018</a:t>
+              <a:t>28/06/2018</a:t>
             </a:fld>
             <a:endParaRPr lang="es-MX"/>
           </a:p>
@@ -2105,7 +2106,7 @@
           <a:p>
             <a:fld id="{99BE347A-6433-4F03-8E3B-34733628B187}" type="datetimeFigureOut">
               <a:rPr lang="es-MX" smtClean="0"/>
-              <a:t>26/06/2018</a:t>
+              <a:t>28/06/2018</a:t>
             </a:fld>
             <a:endParaRPr lang="es-MX"/>
           </a:p>
@@ -2362,7 +2363,7 @@
           <a:p>
             <a:fld id="{99BE347A-6433-4F03-8E3B-34733628B187}" type="datetimeFigureOut">
               <a:rPr lang="es-MX" smtClean="0"/>
-              <a:t>26/06/2018</a:t>
+              <a:t>28/06/2018</a:t>
             </a:fld>
             <a:endParaRPr lang="es-MX"/>
           </a:p>
@@ -2575,7 +2576,7 @@
           <a:p>
             <a:fld id="{99BE347A-6433-4F03-8E3B-34733628B187}" type="datetimeFigureOut">
               <a:rPr lang="es-MX" smtClean="0"/>
-              <a:t>26/06/2018</a:t>
+              <a:t>28/06/2018</a:t>
             </a:fld>
             <a:endParaRPr lang="es-MX"/>
           </a:p>
@@ -3881,6 +3882,556 @@
 </file>
 
 <file path=ppt/slides/slide2.xml><?xml version="1.0" encoding="utf-8"?>
+<p:sld xmlns:a="http://schemas.openxmlformats.org/drawingml/2006/main" xmlns:r="http://schemas.openxmlformats.org/officeDocument/2006/relationships" xmlns:p="http://schemas.openxmlformats.org/presentationml/2006/main">
+  <p:cSld>
+    <p:spTree>
+      <p:nvGrpSpPr>
+        <p:cNvPr id="1" name=""/>
+        <p:cNvGrpSpPr/>
+        <p:nvPr/>
+      </p:nvGrpSpPr>
+      <p:grpSpPr>
+        <a:xfrm>
+          <a:off x="0" y="0"/>
+          <a:ext cx="0" cy="0"/>
+          <a:chOff x="0" y="0"/>
+          <a:chExt cx="0" cy="0"/>
+        </a:xfrm>
+      </p:grpSpPr>
+      <p:sp>
+        <p:nvSpPr>
+          <p:cNvPr id="10" name="Elipse 9">
+            <a:extLst>
+              <a:ext uri="{FF2B5EF4-FFF2-40B4-BE49-F238E27FC236}">
+                <a16:creationId xmlns:a16="http://schemas.microsoft.com/office/drawing/2014/main" id="{D9F43D71-D7A0-48BD-8DE1-0CFA67587C8E}"/>
+              </a:ext>
+            </a:extLst>
+          </p:cNvPr>
+          <p:cNvSpPr/>
+          <p:nvPr/>
+        </p:nvSpPr>
+        <p:spPr>
+          <a:xfrm>
+            <a:off x="2307225" y="1035266"/>
+            <a:ext cx="560843" cy="553978"/>
+          </a:xfrm>
+          <a:prstGeom prst="ellipse">
+            <a:avLst/>
+          </a:prstGeom>
+          <a:ln>
+            <a:noFill/>
+          </a:ln>
+          <a:effectLst>
+            <a:outerShdw blurRad="44450" dist="27940" dir="5400000" algn="ctr">
+              <a:srgbClr val="000000">
+                <a:alpha val="32000"/>
+              </a:srgbClr>
+            </a:outerShdw>
+          </a:effectLst>
+          <a:scene3d>
+            <a:camera prst="orthographicFront">
+              <a:rot lat="0" lon="0" rev="0"/>
+            </a:camera>
+            <a:lightRig rig="balanced" dir="t">
+              <a:rot lat="0" lon="0" rev="8700000"/>
+            </a:lightRig>
+          </a:scene3d>
+          <a:sp3d>
+            <a:bevelT w="190500" h="38100"/>
+          </a:sp3d>
+        </p:spPr>
+        <p:style>
+          <a:lnRef idx="2">
+            <a:schemeClr val="accent1">
+              <a:shade val="50000"/>
+            </a:schemeClr>
+          </a:lnRef>
+          <a:fillRef idx="1">
+            <a:schemeClr val="accent1"/>
+          </a:fillRef>
+          <a:effectRef idx="0">
+            <a:schemeClr val="accent1"/>
+          </a:effectRef>
+          <a:fontRef idx="minor">
+            <a:schemeClr val="lt1"/>
+          </a:fontRef>
+        </p:style>
+        <p:txBody>
+          <a:bodyPr rtlCol="0" anchor="ctr"/>
+          <a:lstStyle/>
+          <a:p>
+            <a:pPr algn="ctr"/>
+            <a:endParaRPr lang="es-MX" dirty="0">
+              <a:solidFill>
+                <a:schemeClr val="bg1"/>
+              </a:solidFill>
+            </a:endParaRPr>
+          </a:p>
+        </p:txBody>
+      </p:sp>
+      <p:pic>
+        <p:nvPicPr>
+          <p:cNvPr id="1032" name="Picture 8" descr="Resultado de imagen para logo libreta.png">
+            <a:extLst>
+              <a:ext uri="{FF2B5EF4-FFF2-40B4-BE49-F238E27FC236}">
+                <a16:creationId xmlns:a16="http://schemas.microsoft.com/office/drawing/2014/main" id="{82464C29-AAC6-43B3-8389-C868BCC2A064}"/>
+              </a:ext>
+            </a:extLst>
+          </p:cNvPr>
+          <p:cNvPicPr>
+            <a:picLocks noChangeAspect="1" noChangeArrowheads="1"/>
+          </p:cNvPicPr>
+          <p:nvPr/>
+        </p:nvPicPr>
+        <p:blipFill>
+          <a:blip r:embed="rId2">
+            <a:extLst>
+              <a:ext uri="{28A0092B-C50C-407E-A947-70E740481C1C}">
+                <a14:useLocalDpi xmlns:a14="http://schemas.microsoft.com/office/drawing/2010/main" val="0"/>
+              </a:ext>
+            </a:extLst>
+          </a:blip>
+          <a:srcRect/>
+          <a:stretch>
+            <a:fillRect/>
+          </a:stretch>
+        </p:blipFill>
+        <p:spPr bwMode="auto">
+          <a:xfrm>
+            <a:off x="3689468" y="1615086"/>
+            <a:ext cx="346668" cy="450136"/>
+          </a:xfrm>
+          <a:prstGeom prst="rect">
+            <a:avLst/>
+          </a:prstGeom>
+          <a:noFill/>
+          <a:extLst>
+            <a:ext uri="{909E8E84-426E-40DD-AFC4-6F175D3DCCD1}">
+              <a14:hiddenFill xmlns:a14="http://schemas.microsoft.com/office/drawing/2010/main">
+                <a:solidFill>
+                  <a:srgbClr val="FFFFFF"/>
+                </a:solidFill>
+              </a14:hiddenFill>
+            </a:ext>
+          </a:extLst>
+        </p:spPr>
+      </p:pic>
+      <p:pic>
+        <p:nvPicPr>
+          <p:cNvPr id="9" name="Imagen 8">
+            <a:extLst>
+              <a:ext uri="{FF2B5EF4-FFF2-40B4-BE49-F238E27FC236}">
+                <a16:creationId xmlns:a16="http://schemas.microsoft.com/office/drawing/2014/main" id="{4AAEC756-8A69-4734-B658-15EAEFC3FCC2}"/>
+              </a:ext>
+            </a:extLst>
+          </p:cNvPr>
+          <p:cNvPicPr>
+            <a:picLocks noChangeAspect="1"/>
+          </p:cNvPicPr>
+          <p:nvPr/>
+        </p:nvPicPr>
+        <p:blipFill>
+          <a:blip r:embed="rId3">
+            <a:extLst>
+              <a:ext uri="{28A0092B-C50C-407E-A947-70E740481C1C}">
+                <a14:useLocalDpi xmlns:a14="http://schemas.microsoft.com/office/drawing/2010/main" val="0"/>
+              </a:ext>
+            </a:extLst>
+          </a:blip>
+          <a:stretch>
+            <a:fillRect/>
+          </a:stretch>
+        </p:blipFill>
+        <p:spPr>
+          <a:xfrm>
+            <a:off x="1291821" y="979694"/>
+            <a:ext cx="609550" cy="609550"/>
+          </a:xfrm>
+          <a:prstGeom prst="rect">
+            <a:avLst/>
+          </a:prstGeom>
+        </p:spPr>
+      </p:pic>
+      <p:pic>
+        <p:nvPicPr>
+          <p:cNvPr id="1034" name="Picture 10" descr="Imagen relacionada">
+            <a:extLst>
+              <a:ext uri="{FF2B5EF4-FFF2-40B4-BE49-F238E27FC236}">
+                <a16:creationId xmlns:a16="http://schemas.microsoft.com/office/drawing/2014/main" id="{3C8956DC-B160-40B0-837B-0D33EFB81EAA}"/>
+              </a:ext>
+            </a:extLst>
+          </p:cNvPr>
+          <p:cNvPicPr>
+            <a:picLocks noChangeAspect="1" noChangeArrowheads="1"/>
+          </p:cNvPicPr>
+          <p:nvPr/>
+        </p:nvPicPr>
+        <p:blipFill>
+          <a:blip r:embed="rId4">
+            <a:extLst>
+              <a:ext uri="{28A0092B-C50C-407E-A947-70E740481C1C}">
+                <a14:useLocalDpi xmlns:a14="http://schemas.microsoft.com/office/drawing/2010/main" val="0"/>
+              </a:ext>
+            </a:extLst>
+          </a:blip>
+          <a:srcRect/>
+          <a:stretch>
+            <a:fillRect/>
+          </a:stretch>
+        </p:blipFill>
+        <p:spPr bwMode="auto">
+          <a:xfrm>
+            <a:off x="3584326" y="1035266"/>
+            <a:ext cx="451810" cy="450136"/>
+          </a:xfrm>
+          <a:prstGeom prst="rect">
+            <a:avLst/>
+          </a:prstGeom>
+          <a:noFill/>
+          <a:extLst>
+            <a:ext uri="{909E8E84-426E-40DD-AFC4-6F175D3DCCD1}">
+              <a14:hiddenFill xmlns:a14="http://schemas.microsoft.com/office/drawing/2010/main">
+                <a:solidFill>
+                  <a:srgbClr val="FFFFFF"/>
+                </a:solidFill>
+              </a14:hiddenFill>
+            </a:ext>
+          </a:extLst>
+        </p:spPr>
+      </p:pic>
+      <p:pic>
+        <p:nvPicPr>
+          <p:cNvPr id="1036" name="Picture 12" descr="Resultado de imagen para graficas.png">
+            <a:extLst>
+              <a:ext uri="{FF2B5EF4-FFF2-40B4-BE49-F238E27FC236}">
+                <a16:creationId xmlns:a16="http://schemas.microsoft.com/office/drawing/2014/main" id="{683EB76D-D0D6-4D07-AC9E-EA1348459188}"/>
+              </a:ext>
+            </a:extLst>
+          </p:cNvPr>
+          <p:cNvPicPr>
+            <a:picLocks noChangeAspect="1" noChangeArrowheads="1"/>
+          </p:cNvPicPr>
+          <p:nvPr/>
+        </p:nvPicPr>
+        <p:blipFill>
+          <a:blip r:embed="rId5">
+            <a:extLst>
+              <a:ext uri="{28A0092B-C50C-407E-A947-70E740481C1C}">
+                <a14:useLocalDpi xmlns:a14="http://schemas.microsoft.com/office/drawing/2010/main" val="0"/>
+              </a:ext>
+            </a:extLst>
+          </a:blip>
+          <a:srcRect/>
+          <a:stretch>
+            <a:fillRect/>
+          </a:stretch>
+        </p:blipFill>
+        <p:spPr bwMode="auto">
+          <a:xfrm>
+            <a:off x="3652513" y="2455684"/>
+            <a:ext cx="94465" cy="114501"/>
+          </a:xfrm>
+          <a:prstGeom prst="rect">
+            <a:avLst/>
+          </a:prstGeom>
+          <a:noFill/>
+          <a:extLst>
+            <a:ext uri="{909E8E84-426E-40DD-AFC4-6F175D3DCCD1}">
+              <a14:hiddenFill xmlns:a14="http://schemas.microsoft.com/office/drawing/2010/main">
+                <a:solidFill>
+                  <a:srgbClr val="FFFFFF"/>
+                </a:solidFill>
+              </a14:hiddenFill>
+            </a:ext>
+          </a:extLst>
+        </p:spPr>
+      </p:pic>
+      <p:pic>
+        <p:nvPicPr>
+          <p:cNvPr id="1038" name="Picture 14" descr="Resultado de imagen para vender.png">
+            <a:extLst>
+              <a:ext uri="{FF2B5EF4-FFF2-40B4-BE49-F238E27FC236}">
+                <a16:creationId xmlns:a16="http://schemas.microsoft.com/office/drawing/2014/main" id="{D1F55C5D-8C9B-4123-BE3E-139758FFCB7B}"/>
+              </a:ext>
+            </a:extLst>
+          </p:cNvPr>
+          <p:cNvPicPr>
+            <a:picLocks noChangeAspect="1" noChangeArrowheads="1"/>
+          </p:cNvPicPr>
+          <p:nvPr/>
+        </p:nvPicPr>
+        <p:blipFill>
+          <a:blip r:embed="rId6">
+            <a:extLst>
+              <a:ext uri="{28A0092B-C50C-407E-A947-70E740481C1C}">
+                <a14:useLocalDpi xmlns:a14="http://schemas.microsoft.com/office/drawing/2010/main" val="0"/>
+              </a:ext>
+            </a:extLst>
+          </a:blip>
+          <a:srcRect/>
+          <a:stretch>
+            <a:fillRect/>
+          </a:stretch>
+        </p:blipFill>
+        <p:spPr bwMode="auto">
+          <a:xfrm>
+            <a:off x="2399643" y="1138690"/>
+            <a:ext cx="388163" cy="347129"/>
+          </a:xfrm>
+          <a:prstGeom prst="rect">
+            <a:avLst/>
+          </a:prstGeom>
+          <a:noFill/>
+          <a:extLst>
+            <a:ext uri="{909E8E84-426E-40DD-AFC4-6F175D3DCCD1}">
+              <a14:hiddenFill xmlns:a14="http://schemas.microsoft.com/office/drawing/2010/main">
+                <a:solidFill>
+                  <a:srgbClr val="FFFFFF"/>
+                </a:solidFill>
+              </a14:hiddenFill>
+            </a:ext>
+          </a:extLst>
+        </p:spPr>
+      </p:pic>
+      <p:pic>
+        <p:nvPicPr>
+          <p:cNvPr id="3" name="Imagen 2">
+            <a:extLst>
+              <a:ext uri="{FF2B5EF4-FFF2-40B4-BE49-F238E27FC236}">
+                <a16:creationId xmlns:a16="http://schemas.microsoft.com/office/drawing/2014/main" id="{CD1DCD96-DCB8-4AAF-A887-86D1D0AB16CC}"/>
+              </a:ext>
+            </a:extLst>
+          </p:cNvPr>
+          <p:cNvPicPr>
+            <a:picLocks noChangeAspect="1"/>
+          </p:cNvPicPr>
+          <p:nvPr/>
+        </p:nvPicPr>
+        <p:blipFill>
+          <a:blip r:embed="rId7">
+            <a:extLst>
+              <a:ext uri="{28A0092B-C50C-407E-A947-70E740481C1C}">
+                <a14:useLocalDpi xmlns:a14="http://schemas.microsoft.com/office/drawing/2010/main" val="0"/>
+              </a:ext>
+            </a:extLst>
+          </a:blip>
+          <a:stretch>
+            <a:fillRect/>
+          </a:stretch>
+        </p:blipFill>
+        <p:spPr>
+          <a:xfrm>
+            <a:off x="1656474" y="3157406"/>
+            <a:ext cx="552335" cy="466417"/>
+          </a:xfrm>
+          <a:prstGeom prst="rect">
+            <a:avLst/>
+          </a:prstGeom>
+        </p:spPr>
+      </p:pic>
+      <p:sp>
+        <p:nvSpPr>
+          <p:cNvPr id="4" name="Elipse 3">
+            <a:extLst>
+              <a:ext uri="{FF2B5EF4-FFF2-40B4-BE49-F238E27FC236}">
+                <a16:creationId xmlns:a16="http://schemas.microsoft.com/office/drawing/2014/main" id="{FE337F82-6B1B-4346-AF02-B4D304C7B07B}"/>
+              </a:ext>
+            </a:extLst>
+          </p:cNvPr>
+          <p:cNvSpPr/>
+          <p:nvPr/>
+        </p:nvSpPr>
+        <p:spPr>
+          <a:xfrm>
+            <a:off x="2420027" y="3227823"/>
+            <a:ext cx="396000" cy="396000"/>
+          </a:xfrm>
+          <a:prstGeom prst="ellipse">
+            <a:avLst/>
+          </a:prstGeom>
+          <a:noFill/>
+          <a:ln w="28575">
+            <a:solidFill>
+              <a:srgbClr val="104B68"/>
+            </a:solidFill>
+          </a:ln>
+        </p:spPr>
+        <p:style>
+          <a:lnRef idx="2">
+            <a:schemeClr val="accent1">
+              <a:shade val="50000"/>
+            </a:schemeClr>
+          </a:lnRef>
+          <a:fillRef idx="1">
+            <a:schemeClr val="accent1"/>
+          </a:fillRef>
+          <a:effectRef idx="0">
+            <a:schemeClr val="accent1"/>
+          </a:effectRef>
+          <a:fontRef idx="minor">
+            <a:schemeClr val="lt1"/>
+          </a:fontRef>
+        </p:style>
+        <p:txBody>
+          <a:bodyPr rtlCol="0" anchor="ctr"/>
+          <a:lstStyle/>
+          <a:p>
+            <a:pPr algn="ctr"/>
+            <a:endParaRPr lang="es-MX" dirty="0"/>
+          </a:p>
+        </p:txBody>
+      </p:sp>
+      <p:sp>
+        <p:nvSpPr>
+          <p:cNvPr id="11" name="Elipse 10">
+            <a:extLst>
+              <a:ext uri="{FF2B5EF4-FFF2-40B4-BE49-F238E27FC236}">
+                <a16:creationId xmlns:a16="http://schemas.microsoft.com/office/drawing/2014/main" id="{0AF6F8E8-7667-42C6-B697-41A25DC76C25}"/>
+              </a:ext>
+            </a:extLst>
+          </p:cNvPr>
+          <p:cNvSpPr/>
+          <p:nvPr/>
+        </p:nvSpPr>
+        <p:spPr>
+          <a:xfrm>
+            <a:off x="2462530" y="3272031"/>
+            <a:ext cx="306000" cy="306000"/>
+          </a:xfrm>
+          <a:prstGeom prst="ellipse">
+            <a:avLst/>
+          </a:prstGeom>
+          <a:solidFill>
+            <a:srgbClr val="0E76BC"/>
+          </a:solidFill>
+          <a:ln w="28575">
+            <a:solidFill>
+              <a:srgbClr val="104B68"/>
+            </a:solidFill>
+          </a:ln>
+        </p:spPr>
+        <p:style>
+          <a:lnRef idx="2">
+            <a:schemeClr val="accent1">
+              <a:shade val="50000"/>
+            </a:schemeClr>
+          </a:lnRef>
+          <a:fillRef idx="1">
+            <a:schemeClr val="accent1"/>
+          </a:fillRef>
+          <a:effectRef idx="0">
+            <a:schemeClr val="accent1"/>
+          </a:effectRef>
+          <a:fontRef idx="minor">
+            <a:schemeClr val="lt1"/>
+          </a:fontRef>
+        </p:style>
+        <p:txBody>
+          <a:bodyPr rtlCol="0" anchor="ctr"/>
+          <a:lstStyle/>
+          <a:p>
+            <a:pPr algn="ctr"/>
+            <a:endParaRPr lang="es-MX" dirty="0"/>
+          </a:p>
+        </p:txBody>
+      </p:sp>
+      <p:pic>
+        <p:nvPicPr>
+          <p:cNvPr id="1026" name="Picture 2" descr="Resultado de imagen para configuracion iconos">
+            <a:extLst>
+              <a:ext uri="{FF2B5EF4-FFF2-40B4-BE49-F238E27FC236}">
+                <a16:creationId xmlns:a16="http://schemas.microsoft.com/office/drawing/2014/main" id="{FAC7F3B5-4FB9-4839-AF9E-97C8D91082C4}"/>
+              </a:ext>
+            </a:extLst>
+          </p:cNvPr>
+          <p:cNvPicPr>
+            <a:picLocks noChangeAspect="1" noChangeArrowheads="1"/>
+          </p:cNvPicPr>
+          <p:nvPr/>
+        </p:nvPicPr>
+        <p:blipFill>
+          <a:blip r:embed="rId8">
+            <a:extLst>
+              <a:ext uri="{28A0092B-C50C-407E-A947-70E740481C1C}">
+                <a14:useLocalDpi xmlns:a14="http://schemas.microsoft.com/office/drawing/2010/main" val="0"/>
+              </a:ext>
+            </a:extLst>
+          </a:blip>
+          <a:srcRect/>
+          <a:stretch>
+            <a:fillRect/>
+          </a:stretch>
+        </p:blipFill>
+        <p:spPr bwMode="auto">
+          <a:xfrm>
+            <a:off x="2479819" y="3290994"/>
+            <a:ext cx="276011" cy="276011"/>
+          </a:xfrm>
+          <a:prstGeom prst="rect">
+            <a:avLst/>
+          </a:prstGeom>
+          <a:noFill/>
+          <a:extLst>
+            <a:ext uri="{909E8E84-426E-40DD-AFC4-6F175D3DCCD1}">
+              <a14:hiddenFill xmlns:a14="http://schemas.microsoft.com/office/drawing/2010/main">
+                <a:solidFill>
+                  <a:srgbClr val="FFFFFF"/>
+                </a:solidFill>
+              </a14:hiddenFill>
+            </a:ext>
+          </a:extLst>
+        </p:spPr>
+      </p:pic>
+      <p:pic>
+        <p:nvPicPr>
+          <p:cNvPr id="6" name="Imagen 5">
+            <a:extLst>
+              <a:ext uri="{FF2B5EF4-FFF2-40B4-BE49-F238E27FC236}">
+                <a16:creationId xmlns:a16="http://schemas.microsoft.com/office/drawing/2014/main" id="{7F84AF84-3DEF-4DD3-987C-F1930DFFA89D}"/>
+              </a:ext>
+            </a:extLst>
+          </p:cNvPr>
+          <p:cNvPicPr>
+            <a:picLocks noChangeAspect="1"/>
+          </p:cNvPicPr>
+          <p:nvPr/>
+        </p:nvPicPr>
+        <p:blipFill>
+          <a:blip r:embed="rId9">
+            <a:extLst>
+              <a:ext uri="{28A0092B-C50C-407E-A947-70E740481C1C}">
+                <a14:useLocalDpi xmlns:a14="http://schemas.microsoft.com/office/drawing/2010/main" val="0"/>
+              </a:ext>
+            </a:extLst>
+          </a:blip>
+          <a:stretch>
+            <a:fillRect/>
+          </a:stretch>
+        </p:blipFill>
+        <p:spPr>
+          <a:xfrm>
+            <a:off x="2811033" y="3235157"/>
+            <a:ext cx="552335" cy="466417"/>
+          </a:xfrm>
+          <a:prstGeom prst="rect">
+            <a:avLst/>
+          </a:prstGeom>
+        </p:spPr>
+      </p:pic>
+    </p:spTree>
+    <p:extLst>
+      <p:ext uri="{BB962C8B-B14F-4D97-AF65-F5344CB8AC3E}">
+        <p14:creationId xmlns:p14="http://schemas.microsoft.com/office/powerpoint/2010/main" val="1469760965"/>
+      </p:ext>
+    </p:extLst>
+  </p:cSld>
+  <p:clrMapOvr>
+    <a:masterClrMapping/>
+  </p:clrMapOvr>
+</p:sld>
+</file>
+
+<file path=ppt/slides/slide3.xml><?xml version="1.0" encoding="utf-8"?>
 <p:sld xmlns:a="http://schemas.openxmlformats.org/drawingml/2006/main" xmlns:r="http://schemas.openxmlformats.org/officeDocument/2006/relationships" xmlns:p="http://schemas.openxmlformats.org/presentationml/2006/main">
   <p:cSld>
     <p:spTree>
@@ -7981,7 +8532,7 @@
 </p:sld>
 </file>
 
-<file path=ppt/slides/slide3.xml><?xml version="1.0" encoding="utf-8"?>
+<file path=ppt/slides/slide4.xml><?xml version="1.0" encoding="utf-8"?>
 <p:sld xmlns:a="http://schemas.openxmlformats.org/drawingml/2006/main" xmlns:r="http://schemas.openxmlformats.org/officeDocument/2006/relationships" xmlns:p="http://schemas.openxmlformats.org/presentationml/2006/main">
   <p:cSld>
     <p:spTree>
@@ -8306,7 +8857,7 @@
 </p:sld>
 </file>
 
-<file path=ppt/slides/slide4.xml><?xml version="1.0" encoding="utf-8"?>
+<file path=ppt/slides/slide5.xml><?xml version="1.0" encoding="utf-8"?>
 <p:sld xmlns:a="http://schemas.openxmlformats.org/drawingml/2006/main" xmlns:r="http://schemas.openxmlformats.org/officeDocument/2006/relationships" xmlns:p="http://schemas.openxmlformats.org/presentationml/2006/main">
   <p:cSld>
     <p:spTree>
@@ -8338,7 +8889,7 @@
         <p:spPr>
           <a:xfrm>
             <a:off x="812094" y="990386"/>
-            <a:ext cx="3285160" cy="4621207"/>
+            <a:ext cx="3960322" cy="2484000"/>
           </a:xfrm>
           <a:prstGeom prst="rect">
             <a:avLst/>
@@ -8388,6 +8939,554 @@
       </p:sp>
       <p:sp>
         <p:nvSpPr>
+          <p:cNvPr id="14" name="Rectángulo: esquinas redondeadas 3">
+            <a:extLst>
+              <a:ext uri="{FF2B5EF4-FFF2-40B4-BE49-F238E27FC236}">
+                <a16:creationId xmlns:a16="http://schemas.microsoft.com/office/drawing/2014/main" id="{C1B2C992-1B8F-45B5-BE88-8C99E84F3C24}"/>
+              </a:ext>
+            </a:extLst>
+          </p:cNvPr>
+          <p:cNvSpPr/>
+          <p:nvPr/>
+        </p:nvSpPr>
+        <p:spPr>
+          <a:xfrm>
+            <a:off x="960896" y="2731297"/>
+            <a:ext cx="1016707" cy="519281"/>
+          </a:xfrm>
+          <a:custGeom>
+            <a:avLst/>
+            <a:gdLst>
+              <a:gd name="connsiteX0" fmla="*/ 0 w 2307102"/>
+              <a:gd name="connsiteY0" fmla="*/ 248534 h 1491175"/>
+              <a:gd name="connsiteX1" fmla="*/ 248534 w 2307102"/>
+              <a:gd name="connsiteY1" fmla="*/ 0 h 1491175"/>
+              <a:gd name="connsiteX2" fmla="*/ 2058568 w 2307102"/>
+              <a:gd name="connsiteY2" fmla="*/ 0 h 1491175"/>
+              <a:gd name="connsiteX3" fmla="*/ 2307102 w 2307102"/>
+              <a:gd name="connsiteY3" fmla="*/ 248534 h 1491175"/>
+              <a:gd name="connsiteX4" fmla="*/ 2307102 w 2307102"/>
+              <a:gd name="connsiteY4" fmla="*/ 1242641 h 1491175"/>
+              <a:gd name="connsiteX5" fmla="*/ 2058568 w 2307102"/>
+              <a:gd name="connsiteY5" fmla="*/ 1491175 h 1491175"/>
+              <a:gd name="connsiteX6" fmla="*/ 248534 w 2307102"/>
+              <a:gd name="connsiteY6" fmla="*/ 1491175 h 1491175"/>
+              <a:gd name="connsiteX7" fmla="*/ 0 w 2307102"/>
+              <a:gd name="connsiteY7" fmla="*/ 1242641 h 1491175"/>
+              <a:gd name="connsiteX8" fmla="*/ 0 w 2307102"/>
+              <a:gd name="connsiteY8" fmla="*/ 248534 h 1491175"/>
+              <a:gd name="connsiteX0" fmla="*/ 0 w 2307102"/>
+              <a:gd name="connsiteY0" fmla="*/ 248534 h 1491175"/>
+              <a:gd name="connsiteX1" fmla="*/ 248534 w 2307102"/>
+              <a:gd name="connsiteY1" fmla="*/ 0 h 1491175"/>
+              <a:gd name="connsiteX2" fmla="*/ 2058568 w 2307102"/>
+              <a:gd name="connsiteY2" fmla="*/ 0 h 1491175"/>
+              <a:gd name="connsiteX3" fmla="*/ 2096086 w 2307102"/>
+              <a:gd name="connsiteY3" fmla="*/ 248534 h 1491175"/>
+              <a:gd name="connsiteX4" fmla="*/ 2307102 w 2307102"/>
+              <a:gd name="connsiteY4" fmla="*/ 1242641 h 1491175"/>
+              <a:gd name="connsiteX5" fmla="*/ 2058568 w 2307102"/>
+              <a:gd name="connsiteY5" fmla="*/ 1491175 h 1491175"/>
+              <a:gd name="connsiteX6" fmla="*/ 248534 w 2307102"/>
+              <a:gd name="connsiteY6" fmla="*/ 1491175 h 1491175"/>
+              <a:gd name="connsiteX7" fmla="*/ 0 w 2307102"/>
+              <a:gd name="connsiteY7" fmla="*/ 1242641 h 1491175"/>
+              <a:gd name="connsiteX8" fmla="*/ 0 w 2307102"/>
+              <a:gd name="connsiteY8" fmla="*/ 248534 h 1491175"/>
+              <a:gd name="connsiteX0" fmla="*/ 0 w 2307102"/>
+              <a:gd name="connsiteY0" fmla="*/ 248534 h 1856935"/>
+              <a:gd name="connsiteX1" fmla="*/ 248534 w 2307102"/>
+              <a:gd name="connsiteY1" fmla="*/ 0 h 1856935"/>
+              <a:gd name="connsiteX2" fmla="*/ 2058568 w 2307102"/>
+              <a:gd name="connsiteY2" fmla="*/ 0 h 1856935"/>
+              <a:gd name="connsiteX3" fmla="*/ 2096086 w 2307102"/>
+              <a:gd name="connsiteY3" fmla="*/ 248534 h 1856935"/>
+              <a:gd name="connsiteX4" fmla="*/ 2307102 w 2307102"/>
+              <a:gd name="connsiteY4" fmla="*/ 1242641 h 1856935"/>
+              <a:gd name="connsiteX5" fmla="*/ 1875688 w 2307102"/>
+              <a:gd name="connsiteY5" fmla="*/ 1856935 h 1856935"/>
+              <a:gd name="connsiteX6" fmla="*/ 248534 w 2307102"/>
+              <a:gd name="connsiteY6" fmla="*/ 1491175 h 1856935"/>
+              <a:gd name="connsiteX7" fmla="*/ 0 w 2307102"/>
+              <a:gd name="connsiteY7" fmla="*/ 1242641 h 1856935"/>
+              <a:gd name="connsiteX8" fmla="*/ 0 w 2307102"/>
+              <a:gd name="connsiteY8" fmla="*/ 248534 h 1856935"/>
+              <a:gd name="connsiteX0" fmla="*/ 0 w 2131088"/>
+              <a:gd name="connsiteY0" fmla="*/ 248534 h 1856935"/>
+              <a:gd name="connsiteX1" fmla="*/ 248534 w 2131088"/>
+              <a:gd name="connsiteY1" fmla="*/ 0 h 1856935"/>
+              <a:gd name="connsiteX2" fmla="*/ 2058568 w 2131088"/>
+              <a:gd name="connsiteY2" fmla="*/ 0 h 1856935"/>
+              <a:gd name="connsiteX3" fmla="*/ 2096086 w 2131088"/>
+              <a:gd name="connsiteY3" fmla="*/ 248534 h 1856935"/>
+              <a:gd name="connsiteX4" fmla="*/ 2025748 w 2131088"/>
+              <a:gd name="connsiteY4" fmla="*/ 1692808 h 1856935"/>
+              <a:gd name="connsiteX5" fmla="*/ 1875688 w 2131088"/>
+              <a:gd name="connsiteY5" fmla="*/ 1856935 h 1856935"/>
+              <a:gd name="connsiteX6" fmla="*/ 248534 w 2131088"/>
+              <a:gd name="connsiteY6" fmla="*/ 1491175 h 1856935"/>
+              <a:gd name="connsiteX7" fmla="*/ 0 w 2131088"/>
+              <a:gd name="connsiteY7" fmla="*/ 1242641 h 1856935"/>
+              <a:gd name="connsiteX8" fmla="*/ 0 w 2131088"/>
+              <a:gd name="connsiteY8" fmla="*/ 248534 h 1856935"/>
+              <a:gd name="connsiteX0" fmla="*/ 86342 w 2217430"/>
+              <a:gd name="connsiteY0" fmla="*/ 248534 h 2264898"/>
+              <a:gd name="connsiteX1" fmla="*/ 334876 w 2217430"/>
+              <a:gd name="connsiteY1" fmla="*/ 0 h 2264898"/>
+              <a:gd name="connsiteX2" fmla="*/ 2144910 w 2217430"/>
+              <a:gd name="connsiteY2" fmla="*/ 0 h 2264898"/>
+              <a:gd name="connsiteX3" fmla="*/ 2182428 w 2217430"/>
+              <a:gd name="connsiteY3" fmla="*/ 248534 h 2264898"/>
+              <a:gd name="connsiteX4" fmla="*/ 2112090 w 2217430"/>
+              <a:gd name="connsiteY4" fmla="*/ 1692808 h 2264898"/>
+              <a:gd name="connsiteX5" fmla="*/ 1962030 w 2217430"/>
+              <a:gd name="connsiteY5" fmla="*/ 1856935 h 2264898"/>
+              <a:gd name="connsiteX6" fmla="*/ 53522 w 2217430"/>
+              <a:gd name="connsiteY6" fmla="*/ 2264898 h 2264898"/>
+              <a:gd name="connsiteX7" fmla="*/ 86342 w 2217430"/>
+              <a:gd name="connsiteY7" fmla="*/ 1242641 h 2264898"/>
+              <a:gd name="connsiteX8" fmla="*/ 86342 w 2217430"/>
+              <a:gd name="connsiteY8" fmla="*/ 248534 h 2264898"/>
+              <a:gd name="connsiteX0" fmla="*/ 115610 w 2246698"/>
+              <a:gd name="connsiteY0" fmla="*/ 248534 h 2264898"/>
+              <a:gd name="connsiteX1" fmla="*/ 364144 w 2246698"/>
+              <a:gd name="connsiteY1" fmla="*/ 0 h 2264898"/>
+              <a:gd name="connsiteX2" fmla="*/ 2174178 w 2246698"/>
+              <a:gd name="connsiteY2" fmla="*/ 0 h 2264898"/>
+              <a:gd name="connsiteX3" fmla="*/ 2211696 w 2246698"/>
+              <a:gd name="connsiteY3" fmla="*/ 248534 h 2264898"/>
+              <a:gd name="connsiteX4" fmla="*/ 2141358 w 2246698"/>
+              <a:gd name="connsiteY4" fmla="*/ 1692808 h 2264898"/>
+              <a:gd name="connsiteX5" fmla="*/ 1991298 w 2246698"/>
+              <a:gd name="connsiteY5" fmla="*/ 1856935 h 2264898"/>
+              <a:gd name="connsiteX6" fmla="*/ 82790 w 2246698"/>
+              <a:gd name="connsiteY6" fmla="*/ 2264898 h 2264898"/>
+              <a:gd name="connsiteX7" fmla="*/ 20360 w 2246698"/>
+              <a:gd name="connsiteY7" fmla="*/ 1246451 h 2264898"/>
+              <a:gd name="connsiteX8" fmla="*/ 115610 w 2246698"/>
+              <a:gd name="connsiteY8" fmla="*/ 248534 h 2264898"/>
+              <a:gd name="connsiteX0" fmla="*/ 171450 w 2302538"/>
+              <a:gd name="connsiteY0" fmla="*/ 248534 h 2264898"/>
+              <a:gd name="connsiteX1" fmla="*/ 419984 w 2302538"/>
+              <a:gd name="connsiteY1" fmla="*/ 0 h 2264898"/>
+              <a:gd name="connsiteX2" fmla="*/ 2230018 w 2302538"/>
+              <a:gd name="connsiteY2" fmla="*/ 0 h 2264898"/>
+              <a:gd name="connsiteX3" fmla="*/ 2267536 w 2302538"/>
+              <a:gd name="connsiteY3" fmla="*/ 248534 h 2264898"/>
+              <a:gd name="connsiteX4" fmla="*/ 2197198 w 2302538"/>
+              <a:gd name="connsiteY4" fmla="*/ 1692808 h 2264898"/>
+              <a:gd name="connsiteX5" fmla="*/ 2047138 w 2302538"/>
+              <a:gd name="connsiteY5" fmla="*/ 1856935 h 2264898"/>
+              <a:gd name="connsiteX6" fmla="*/ 138630 w 2302538"/>
+              <a:gd name="connsiteY6" fmla="*/ 2264898 h 2264898"/>
+              <a:gd name="connsiteX7" fmla="*/ 0 w 2302538"/>
+              <a:gd name="connsiteY7" fmla="*/ 2012261 h 2264898"/>
+              <a:gd name="connsiteX8" fmla="*/ 171450 w 2302538"/>
+              <a:gd name="connsiteY8" fmla="*/ 248534 h 2264898"/>
+              <a:gd name="connsiteX0" fmla="*/ 171450 w 2302538"/>
+              <a:gd name="connsiteY0" fmla="*/ 248534 h 2264898"/>
+              <a:gd name="connsiteX1" fmla="*/ 419984 w 2302538"/>
+              <a:gd name="connsiteY1" fmla="*/ 0 h 2264898"/>
+              <a:gd name="connsiteX2" fmla="*/ 2230018 w 2302538"/>
+              <a:gd name="connsiteY2" fmla="*/ 0 h 2264898"/>
+              <a:gd name="connsiteX3" fmla="*/ 2267536 w 2302538"/>
+              <a:gd name="connsiteY3" fmla="*/ 248534 h 2264898"/>
+              <a:gd name="connsiteX4" fmla="*/ 2197198 w 2302538"/>
+              <a:gd name="connsiteY4" fmla="*/ 1692808 h 2264898"/>
+              <a:gd name="connsiteX5" fmla="*/ 2047138 w 2302538"/>
+              <a:gd name="connsiteY5" fmla="*/ 1856935 h 2264898"/>
+              <a:gd name="connsiteX6" fmla="*/ 138630 w 2302538"/>
+              <a:gd name="connsiteY6" fmla="*/ 2264898 h 2264898"/>
+              <a:gd name="connsiteX7" fmla="*/ 0 w 2302538"/>
+              <a:gd name="connsiteY7" fmla="*/ 2012261 h 2264898"/>
+              <a:gd name="connsiteX8" fmla="*/ 171450 w 2302538"/>
+              <a:gd name="connsiteY8" fmla="*/ 248534 h 2264898"/>
+              <a:gd name="connsiteX0" fmla="*/ 171450 w 2302538"/>
+              <a:gd name="connsiteY0" fmla="*/ 248534 h 2264898"/>
+              <a:gd name="connsiteX1" fmla="*/ 419984 w 2302538"/>
+              <a:gd name="connsiteY1" fmla="*/ 0 h 2264898"/>
+              <a:gd name="connsiteX2" fmla="*/ 2230018 w 2302538"/>
+              <a:gd name="connsiteY2" fmla="*/ 0 h 2264898"/>
+              <a:gd name="connsiteX3" fmla="*/ 2267536 w 2302538"/>
+              <a:gd name="connsiteY3" fmla="*/ 248534 h 2264898"/>
+              <a:gd name="connsiteX4" fmla="*/ 2197198 w 2302538"/>
+              <a:gd name="connsiteY4" fmla="*/ 1666138 h 2264898"/>
+              <a:gd name="connsiteX5" fmla="*/ 2047138 w 2302538"/>
+              <a:gd name="connsiteY5" fmla="*/ 1856935 h 2264898"/>
+              <a:gd name="connsiteX6" fmla="*/ 138630 w 2302538"/>
+              <a:gd name="connsiteY6" fmla="*/ 2264898 h 2264898"/>
+              <a:gd name="connsiteX7" fmla="*/ 0 w 2302538"/>
+              <a:gd name="connsiteY7" fmla="*/ 2012261 h 2264898"/>
+              <a:gd name="connsiteX8" fmla="*/ 171450 w 2302538"/>
+              <a:gd name="connsiteY8" fmla="*/ 248534 h 2264898"/>
+              <a:gd name="connsiteX0" fmla="*/ 171450 w 2302538"/>
+              <a:gd name="connsiteY0" fmla="*/ 248534 h 2264898"/>
+              <a:gd name="connsiteX1" fmla="*/ 419984 w 2302538"/>
+              <a:gd name="connsiteY1" fmla="*/ 0 h 2264898"/>
+              <a:gd name="connsiteX2" fmla="*/ 2230018 w 2302538"/>
+              <a:gd name="connsiteY2" fmla="*/ 0 h 2264898"/>
+              <a:gd name="connsiteX3" fmla="*/ 2267536 w 2302538"/>
+              <a:gd name="connsiteY3" fmla="*/ 248534 h 2264898"/>
+              <a:gd name="connsiteX4" fmla="*/ 2197198 w 2302538"/>
+              <a:gd name="connsiteY4" fmla="*/ 1666138 h 2264898"/>
+              <a:gd name="connsiteX5" fmla="*/ 2047138 w 2302538"/>
+              <a:gd name="connsiteY5" fmla="*/ 1856935 h 2264898"/>
+              <a:gd name="connsiteX6" fmla="*/ 138630 w 2302538"/>
+              <a:gd name="connsiteY6" fmla="*/ 2264898 h 2264898"/>
+              <a:gd name="connsiteX7" fmla="*/ 0 w 2302538"/>
+              <a:gd name="connsiteY7" fmla="*/ 2012261 h 2264898"/>
+              <a:gd name="connsiteX8" fmla="*/ 171450 w 2302538"/>
+              <a:gd name="connsiteY8" fmla="*/ 248534 h 2264898"/>
+              <a:gd name="connsiteX0" fmla="*/ 171450 w 2302538"/>
+              <a:gd name="connsiteY0" fmla="*/ 248534 h 2264898"/>
+              <a:gd name="connsiteX1" fmla="*/ 419984 w 2302538"/>
+              <a:gd name="connsiteY1" fmla="*/ 0 h 2264898"/>
+              <a:gd name="connsiteX2" fmla="*/ 2230018 w 2302538"/>
+              <a:gd name="connsiteY2" fmla="*/ 0 h 2264898"/>
+              <a:gd name="connsiteX3" fmla="*/ 2267536 w 2302538"/>
+              <a:gd name="connsiteY3" fmla="*/ 248534 h 2264898"/>
+              <a:gd name="connsiteX4" fmla="*/ 2197198 w 2302538"/>
+              <a:gd name="connsiteY4" fmla="*/ 1666138 h 2264898"/>
+              <a:gd name="connsiteX5" fmla="*/ 2043328 w 2302538"/>
+              <a:gd name="connsiteY5" fmla="*/ 1856935 h 2264898"/>
+              <a:gd name="connsiteX6" fmla="*/ 138630 w 2302538"/>
+              <a:gd name="connsiteY6" fmla="*/ 2264898 h 2264898"/>
+              <a:gd name="connsiteX7" fmla="*/ 0 w 2302538"/>
+              <a:gd name="connsiteY7" fmla="*/ 2012261 h 2264898"/>
+              <a:gd name="connsiteX8" fmla="*/ 171450 w 2302538"/>
+              <a:gd name="connsiteY8" fmla="*/ 248534 h 2264898"/>
+              <a:gd name="connsiteX0" fmla="*/ 171450 w 2302538"/>
+              <a:gd name="connsiteY0" fmla="*/ 248534 h 2264898"/>
+              <a:gd name="connsiteX1" fmla="*/ 419984 w 2302538"/>
+              <a:gd name="connsiteY1" fmla="*/ 0 h 2264898"/>
+              <a:gd name="connsiteX2" fmla="*/ 2230018 w 2302538"/>
+              <a:gd name="connsiteY2" fmla="*/ 0 h 2264898"/>
+              <a:gd name="connsiteX3" fmla="*/ 2267536 w 2302538"/>
+              <a:gd name="connsiteY3" fmla="*/ 248534 h 2264898"/>
+              <a:gd name="connsiteX4" fmla="*/ 2197198 w 2302538"/>
+              <a:gd name="connsiteY4" fmla="*/ 1666138 h 2264898"/>
+              <a:gd name="connsiteX5" fmla="*/ 2043328 w 2302538"/>
+              <a:gd name="connsiteY5" fmla="*/ 1856935 h 2264898"/>
+              <a:gd name="connsiteX6" fmla="*/ 138630 w 2302538"/>
+              <a:gd name="connsiteY6" fmla="*/ 2264898 h 2264898"/>
+              <a:gd name="connsiteX7" fmla="*/ 0 w 2302538"/>
+              <a:gd name="connsiteY7" fmla="*/ 2012261 h 2264898"/>
+              <a:gd name="connsiteX8" fmla="*/ 171450 w 2302538"/>
+              <a:gd name="connsiteY8" fmla="*/ 248534 h 2264898"/>
+              <a:gd name="connsiteX0" fmla="*/ 171450 w 2302538"/>
+              <a:gd name="connsiteY0" fmla="*/ 248534 h 2264898"/>
+              <a:gd name="connsiteX1" fmla="*/ 419984 w 2302538"/>
+              <a:gd name="connsiteY1" fmla="*/ 0 h 2264898"/>
+              <a:gd name="connsiteX2" fmla="*/ 2230018 w 2302538"/>
+              <a:gd name="connsiteY2" fmla="*/ 0 h 2264898"/>
+              <a:gd name="connsiteX3" fmla="*/ 2267536 w 2302538"/>
+              <a:gd name="connsiteY3" fmla="*/ 248534 h 2264898"/>
+              <a:gd name="connsiteX4" fmla="*/ 2189578 w 2302538"/>
+              <a:gd name="connsiteY4" fmla="*/ 1677568 h 2264898"/>
+              <a:gd name="connsiteX5" fmla="*/ 2043328 w 2302538"/>
+              <a:gd name="connsiteY5" fmla="*/ 1856935 h 2264898"/>
+              <a:gd name="connsiteX6" fmla="*/ 138630 w 2302538"/>
+              <a:gd name="connsiteY6" fmla="*/ 2264898 h 2264898"/>
+              <a:gd name="connsiteX7" fmla="*/ 0 w 2302538"/>
+              <a:gd name="connsiteY7" fmla="*/ 2012261 h 2264898"/>
+              <a:gd name="connsiteX8" fmla="*/ 171450 w 2302538"/>
+              <a:gd name="connsiteY8" fmla="*/ 248534 h 2264898"/>
+              <a:gd name="connsiteX0" fmla="*/ 171450 w 2302538"/>
+              <a:gd name="connsiteY0" fmla="*/ 248534 h 2264898"/>
+              <a:gd name="connsiteX1" fmla="*/ 419984 w 2302538"/>
+              <a:gd name="connsiteY1" fmla="*/ 0 h 2264898"/>
+              <a:gd name="connsiteX2" fmla="*/ 2230018 w 2302538"/>
+              <a:gd name="connsiteY2" fmla="*/ 0 h 2264898"/>
+              <a:gd name="connsiteX3" fmla="*/ 2267536 w 2302538"/>
+              <a:gd name="connsiteY3" fmla="*/ 248534 h 2264898"/>
+              <a:gd name="connsiteX4" fmla="*/ 2189578 w 2302538"/>
+              <a:gd name="connsiteY4" fmla="*/ 1677568 h 2264898"/>
+              <a:gd name="connsiteX5" fmla="*/ 2043328 w 2302538"/>
+              <a:gd name="connsiteY5" fmla="*/ 1856935 h 2264898"/>
+              <a:gd name="connsiteX6" fmla="*/ 138630 w 2302538"/>
+              <a:gd name="connsiteY6" fmla="*/ 2264898 h 2264898"/>
+              <a:gd name="connsiteX7" fmla="*/ 0 w 2302538"/>
+              <a:gd name="connsiteY7" fmla="*/ 2012261 h 2264898"/>
+              <a:gd name="connsiteX8" fmla="*/ 171450 w 2302538"/>
+              <a:gd name="connsiteY8" fmla="*/ 248534 h 2264898"/>
+              <a:gd name="connsiteX0" fmla="*/ 171450 w 2302538"/>
+              <a:gd name="connsiteY0" fmla="*/ 248534 h 2264898"/>
+              <a:gd name="connsiteX1" fmla="*/ 419984 w 2302538"/>
+              <a:gd name="connsiteY1" fmla="*/ 0 h 2264898"/>
+              <a:gd name="connsiteX2" fmla="*/ 2230018 w 2302538"/>
+              <a:gd name="connsiteY2" fmla="*/ 0 h 2264898"/>
+              <a:gd name="connsiteX3" fmla="*/ 2267536 w 2302538"/>
+              <a:gd name="connsiteY3" fmla="*/ 248534 h 2264898"/>
+              <a:gd name="connsiteX4" fmla="*/ 2189578 w 2302538"/>
+              <a:gd name="connsiteY4" fmla="*/ 1677568 h 2264898"/>
+              <a:gd name="connsiteX5" fmla="*/ 2043328 w 2302538"/>
+              <a:gd name="connsiteY5" fmla="*/ 1856935 h 2264898"/>
+              <a:gd name="connsiteX6" fmla="*/ 138630 w 2302538"/>
+              <a:gd name="connsiteY6" fmla="*/ 2264898 h 2264898"/>
+              <a:gd name="connsiteX7" fmla="*/ 0 w 2302538"/>
+              <a:gd name="connsiteY7" fmla="*/ 2012261 h 2264898"/>
+              <a:gd name="connsiteX8" fmla="*/ 171450 w 2302538"/>
+              <a:gd name="connsiteY8" fmla="*/ 248534 h 2264898"/>
+              <a:gd name="connsiteX0" fmla="*/ 171450 w 2296034"/>
+              <a:gd name="connsiteY0" fmla="*/ 248534 h 2264898"/>
+              <a:gd name="connsiteX1" fmla="*/ 419984 w 2296034"/>
+              <a:gd name="connsiteY1" fmla="*/ 0 h 2264898"/>
+              <a:gd name="connsiteX2" fmla="*/ 2230018 w 2296034"/>
+              <a:gd name="connsiteY2" fmla="*/ 0 h 2264898"/>
+              <a:gd name="connsiteX3" fmla="*/ 2267536 w 2296034"/>
+              <a:gd name="connsiteY3" fmla="*/ 248534 h 2264898"/>
+              <a:gd name="connsiteX4" fmla="*/ 2189578 w 2296034"/>
+              <a:gd name="connsiteY4" fmla="*/ 1677568 h 2264898"/>
+              <a:gd name="connsiteX5" fmla="*/ 2043328 w 2296034"/>
+              <a:gd name="connsiteY5" fmla="*/ 1856935 h 2264898"/>
+              <a:gd name="connsiteX6" fmla="*/ 138630 w 2296034"/>
+              <a:gd name="connsiteY6" fmla="*/ 2264898 h 2264898"/>
+              <a:gd name="connsiteX7" fmla="*/ 0 w 2296034"/>
+              <a:gd name="connsiteY7" fmla="*/ 2012261 h 2264898"/>
+              <a:gd name="connsiteX8" fmla="*/ 171450 w 2296034"/>
+              <a:gd name="connsiteY8" fmla="*/ 248534 h 2264898"/>
+              <a:gd name="connsiteX0" fmla="*/ 171450 w 2300669"/>
+              <a:gd name="connsiteY0" fmla="*/ 248534 h 2264898"/>
+              <a:gd name="connsiteX1" fmla="*/ 419984 w 2300669"/>
+              <a:gd name="connsiteY1" fmla="*/ 0 h 2264898"/>
+              <a:gd name="connsiteX2" fmla="*/ 2230018 w 2300669"/>
+              <a:gd name="connsiteY2" fmla="*/ 0 h 2264898"/>
+              <a:gd name="connsiteX3" fmla="*/ 2278966 w 2300669"/>
+              <a:gd name="connsiteY3" fmla="*/ 248534 h 2264898"/>
+              <a:gd name="connsiteX4" fmla="*/ 2189578 w 2300669"/>
+              <a:gd name="connsiteY4" fmla="*/ 1677568 h 2264898"/>
+              <a:gd name="connsiteX5" fmla="*/ 2043328 w 2300669"/>
+              <a:gd name="connsiteY5" fmla="*/ 1856935 h 2264898"/>
+              <a:gd name="connsiteX6" fmla="*/ 138630 w 2300669"/>
+              <a:gd name="connsiteY6" fmla="*/ 2264898 h 2264898"/>
+              <a:gd name="connsiteX7" fmla="*/ 0 w 2300669"/>
+              <a:gd name="connsiteY7" fmla="*/ 2012261 h 2264898"/>
+              <a:gd name="connsiteX8" fmla="*/ 171450 w 2300669"/>
+              <a:gd name="connsiteY8" fmla="*/ 248534 h 2264898"/>
+              <a:gd name="connsiteX0" fmla="*/ 171450 w 2300669"/>
+              <a:gd name="connsiteY0" fmla="*/ 248534 h 2264898"/>
+              <a:gd name="connsiteX1" fmla="*/ 419984 w 2300669"/>
+              <a:gd name="connsiteY1" fmla="*/ 0 h 2264898"/>
+              <a:gd name="connsiteX2" fmla="*/ 2230018 w 2300669"/>
+              <a:gd name="connsiteY2" fmla="*/ 0 h 2264898"/>
+              <a:gd name="connsiteX3" fmla="*/ 2278966 w 2300669"/>
+              <a:gd name="connsiteY3" fmla="*/ 248534 h 2264898"/>
+              <a:gd name="connsiteX4" fmla="*/ 2189578 w 2300669"/>
+              <a:gd name="connsiteY4" fmla="*/ 1677568 h 2264898"/>
+              <a:gd name="connsiteX5" fmla="*/ 2043328 w 2300669"/>
+              <a:gd name="connsiteY5" fmla="*/ 1856935 h 2264898"/>
+              <a:gd name="connsiteX6" fmla="*/ 138630 w 2300669"/>
+              <a:gd name="connsiteY6" fmla="*/ 2264898 h 2264898"/>
+              <a:gd name="connsiteX7" fmla="*/ 0 w 2300669"/>
+              <a:gd name="connsiteY7" fmla="*/ 2012261 h 2264898"/>
+              <a:gd name="connsiteX8" fmla="*/ 171450 w 2300669"/>
+              <a:gd name="connsiteY8" fmla="*/ 248534 h 2264898"/>
+              <a:gd name="connsiteX0" fmla="*/ 171450 w 2300669"/>
+              <a:gd name="connsiteY0" fmla="*/ 248534 h 2264898"/>
+              <a:gd name="connsiteX1" fmla="*/ 419984 w 2300669"/>
+              <a:gd name="connsiteY1" fmla="*/ 0 h 2264898"/>
+              <a:gd name="connsiteX2" fmla="*/ 2230018 w 2300669"/>
+              <a:gd name="connsiteY2" fmla="*/ 0 h 2264898"/>
+              <a:gd name="connsiteX3" fmla="*/ 2278966 w 2300669"/>
+              <a:gd name="connsiteY3" fmla="*/ 248534 h 2264898"/>
+              <a:gd name="connsiteX4" fmla="*/ 2189578 w 2300669"/>
+              <a:gd name="connsiteY4" fmla="*/ 1677568 h 2264898"/>
+              <a:gd name="connsiteX5" fmla="*/ 2043328 w 2300669"/>
+              <a:gd name="connsiteY5" fmla="*/ 1856935 h 2264898"/>
+              <a:gd name="connsiteX6" fmla="*/ 138630 w 2300669"/>
+              <a:gd name="connsiteY6" fmla="*/ 2264898 h 2264898"/>
+              <a:gd name="connsiteX7" fmla="*/ 0 w 2300669"/>
+              <a:gd name="connsiteY7" fmla="*/ 2012261 h 2264898"/>
+              <a:gd name="connsiteX8" fmla="*/ 171450 w 2300669"/>
+              <a:gd name="connsiteY8" fmla="*/ 248534 h 2264898"/>
+              <a:gd name="connsiteX0" fmla="*/ 171450 w 2299392"/>
+              <a:gd name="connsiteY0" fmla="*/ 248534 h 2264898"/>
+              <a:gd name="connsiteX1" fmla="*/ 419984 w 2299392"/>
+              <a:gd name="connsiteY1" fmla="*/ 0 h 2264898"/>
+              <a:gd name="connsiteX2" fmla="*/ 2230018 w 2299392"/>
+              <a:gd name="connsiteY2" fmla="*/ 0 h 2264898"/>
+              <a:gd name="connsiteX3" fmla="*/ 2278966 w 2299392"/>
+              <a:gd name="connsiteY3" fmla="*/ 248534 h 2264898"/>
+              <a:gd name="connsiteX4" fmla="*/ 2189578 w 2299392"/>
+              <a:gd name="connsiteY4" fmla="*/ 1677568 h 2264898"/>
+              <a:gd name="connsiteX5" fmla="*/ 2043328 w 2299392"/>
+              <a:gd name="connsiteY5" fmla="*/ 1856935 h 2264898"/>
+              <a:gd name="connsiteX6" fmla="*/ 138630 w 2299392"/>
+              <a:gd name="connsiteY6" fmla="*/ 2264898 h 2264898"/>
+              <a:gd name="connsiteX7" fmla="*/ 0 w 2299392"/>
+              <a:gd name="connsiteY7" fmla="*/ 2012261 h 2264898"/>
+              <a:gd name="connsiteX8" fmla="*/ 171450 w 2299392"/>
+              <a:gd name="connsiteY8" fmla="*/ 248534 h 2264898"/>
+              <a:gd name="connsiteX0" fmla="*/ 171450 w 2301034"/>
+              <a:gd name="connsiteY0" fmla="*/ 248534 h 2264898"/>
+              <a:gd name="connsiteX1" fmla="*/ 419984 w 2301034"/>
+              <a:gd name="connsiteY1" fmla="*/ 0 h 2264898"/>
+              <a:gd name="connsiteX2" fmla="*/ 2230018 w 2301034"/>
+              <a:gd name="connsiteY2" fmla="*/ 0 h 2264898"/>
+              <a:gd name="connsiteX3" fmla="*/ 2282776 w 2301034"/>
+              <a:gd name="connsiteY3" fmla="*/ 122804 h 2264898"/>
+              <a:gd name="connsiteX4" fmla="*/ 2189578 w 2301034"/>
+              <a:gd name="connsiteY4" fmla="*/ 1677568 h 2264898"/>
+              <a:gd name="connsiteX5" fmla="*/ 2043328 w 2301034"/>
+              <a:gd name="connsiteY5" fmla="*/ 1856935 h 2264898"/>
+              <a:gd name="connsiteX6" fmla="*/ 138630 w 2301034"/>
+              <a:gd name="connsiteY6" fmla="*/ 2264898 h 2264898"/>
+              <a:gd name="connsiteX7" fmla="*/ 0 w 2301034"/>
+              <a:gd name="connsiteY7" fmla="*/ 2012261 h 2264898"/>
+              <a:gd name="connsiteX8" fmla="*/ 171450 w 2301034"/>
+              <a:gd name="connsiteY8" fmla="*/ 248534 h 2264898"/>
+              <a:gd name="connsiteX0" fmla="*/ 171450 w 2297227"/>
+              <a:gd name="connsiteY0" fmla="*/ 248534 h 2264898"/>
+              <a:gd name="connsiteX1" fmla="*/ 419984 w 2297227"/>
+              <a:gd name="connsiteY1" fmla="*/ 0 h 2264898"/>
+              <a:gd name="connsiteX2" fmla="*/ 2230018 w 2297227"/>
+              <a:gd name="connsiteY2" fmla="*/ 0 h 2264898"/>
+              <a:gd name="connsiteX3" fmla="*/ 2282776 w 2297227"/>
+              <a:gd name="connsiteY3" fmla="*/ 122804 h 2264898"/>
+              <a:gd name="connsiteX4" fmla="*/ 2189578 w 2297227"/>
+              <a:gd name="connsiteY4" fmla="*/ 1677568 h 2264898"/>
+              <a:gd name="connsiteX5" fmla="*/ 2043328 w 2297227"/>
+              <a:gd name="connsiteY5" fmla="*/ 1856935 h 2264898"/>
+              <a:gd name="connsiteX6" fmla="*/ 138630 w 2297227"/>
+              <a:gd name="connsiteY6" fmla="*/ 2264898 h 2264898"/>
+              <a:gd name="connsiteX7" fmla="*/ 0 w 2297227"/>
+              <a:gd name="connsiteY7" fmla="*/ 2012261 h 2264898"/>
+              <a:gd name="connsiteX8" fmla="*/ 171450 w 2297227"/>
+              <a:gd name="connsiteY8" fmla="*/ 248534 h 2264898"/>
+              <a:gd name="connsiteX0" fmla="*/ 171450 w 2285371"/>
+              <a:gd name="connsiteY0" fmla="*/ 248534 h 2264898"/>
+              <a:gd name="connsiteX1" fmla="*/ 419984 w 2285371"/>
+              <a:gd name="connsiteY1" fmla="*/ 0 h 2264898"/>
+              <a:gd name="connsiteX2" fmla="*/ 2230018 w 2285371"/>
+              <a:gd name="connsiteY2" fmla="*/ 0 h 2264898"/>
+              <a:gd name="connsiteX3" fmla="*/ 2282776 w 2285371"/>
+              <a:gd name="connsiteY3" fmla="*/ 122804 h 2264898"/>
+              <a:gd name="connsiteX4" fmla="*/ 2189578 w 2285371"/>
+              <a:gd name="connsiteY4" fmla="*/ 1677568 h 2264898"/>
+              <a:gd name="connsiteX5" fmla="*/ 2043328 w 2285371"/>
+              <a:gd name="connsiteY5" fmla="*/ 1856935 h 2264898"/>
+              <a:gd name="connsiteX6" fmla="*/ 138630 w 2285371"/>
+              <a:gd name="connsiteY6" fmla="*/ 2264898 h 2264898"/>
+              <a:gd name="connsiteX7" fmla="*/ 0 w 2285371"/>
+              <a:gd name="connsiteY7" fmla="*/ 2012261 h 2264898"/>
+              <a:gd name="connsiteX8" fmla="*/ 171450 w 2285371"/>
+              <a:gd name="connsiteY8" fmla="*/ 248534 h 2264898"/>
+            </a:gdLst>
+            <a:ahLst/>
+            <a:cxnLst>
+              <a:cxn ang="0">
+                <a:pos x="connsiteX0" y="connsiteY0"/>
+              </a:cxn>
+              <a:cxn ang="0">
+                <a:pos x="connsiteX1" y="connsiteY1"/>
+              </a:cxn>
+              <a:cxn ang="0">
+                <a:pos x="connsiteX2" y="connsiteY2"/>
+              </a:cxn>
+              <a:cxn ang="0">
+                <a:pos x="connsiteX3" y="connsiteY3"/>
+              </a:cxn>
+              <a:cxn ang="0">
+                <a:pos x="connsiteX4" y="connsiteY4"/>
+              </a:cxn>
+              <a:cxn ang="0">
+                <a:pos x="connsiteX5" y="connsiteY5"/>
+              </a:cxn>
+              <a:cxn ang="0">
+                <a:pos x="connsiteX6" y="connsiteY6"/>
+              </a:cxn>
+              <a:cxn ang="0">
+                <a:pos x="connsiteX7" y="connsiteY7"/>
+              </a:cxn>
+              <a:cxn ang="0">
+                <a:pos x="connsiteX8" y="connsiteY8"/>
+              </a:cxn>
+            </a:cxnLst>
+            <a:rect l="l" t="t" r="r" b="b"/>
+            <a:pathLst>
+              <a:path w="2285371" h="2264898">
+                <a:moveTo>
+                  <a:pt x="171450" y="248534"/>
+                </a:moveTo>
+                <a:cubicBezTo>
+                  <a:pt x="171450" y="111272"/>
+                  <a:pt x="282722" y="0"/>
+                  <a:pt x="419984" y="0"/>
+                </a:cubicBezTo>
+                <a:lnTo>
+                  <a:pt x="2230018" y="0"/>
+                </a:lnTo>
+                <a:cubicBezTo>
+                  <a:pt x="2352040" y="3810"/>
+                  <a:pt x="2225626" y="282722"/>
+                  <a:pt x="2282776" y="122804"/>
+                </a:cubicBezTo>
+                <a:cubicBezTo>
+                  <a:pt x="2282776" y="454173"/>
+                  <a:pt x="2220058" y="1346199"/>
+                  <a:pt x="2189578" y="1677568"/>
+                </a:cubicBezTo>
+                <a:cubicBezTo>
+                  <a:pt x="2155288" y="1814830"/>
+                  <a:pt x="2203450" y="1822645"/>
+                  <a:pt x="2043328" y="1856935"/>
+                </a:cubicBezTo>
+                <a:lnTo>
+                  <a:pt x="138630" y="2264898"/>
+                </a:lnTo>
+                <a:cubicBezTo>
+                  <a:pt x="1368" y="2264898"/>
+                  <a:pt x="0" y="2149523"/>
+                  <a:pt x="0" y="2012261"/>
+                </a:cubicBezTo>
+                <a:lnTo>
+                  <a:pt x="171450" y="248534"/>
+                </a:lnTo>
+                <a:close/>
+              </a:path>
+            </a:pathLst>
+          </a:custGeom>
+          <a:solidFill>
+            <a:schemeClr val="accent1">
+              <a:lumMod val="75000"/>
+              <a:alpha val="44000"/>
+            </a:schemeClr>
+          </a:solidFill>
+          <a:ln w="1270">
+            <a:solidFill>
+              <a:srgbClr val="25557B">
+                <a:alpha val="66000"/>
+              </a:srgbClr>
+            </a:solidFill>
+          </a:ln>
+        </p:spPr>
+        <p:style>
+          <a:lnRef idx="2">
+            <a:schemeClr val="accent1">
+              <a:shade val="50000"/>
+            </a:schemeClr>
+          </a:lnRef>
+          <a:fillRef idx="1">
+            <a:schemeClr val="accent1"/>
+          </a:fillRef>
+          <a:effectRef idx="0">
+            <a:schemeClr val="accent1"/>
+          </a:effectRef>
+          <a:fontRef idx="minor">
+            <a:schemeClr val="lt1"/>
+          </a:fontRef>
+        </p:style>
+        <p:txBody>
+          <a:bodyPr rtlCol="0" anchor="ctr"/>
+          <a:lstStyle/>
+          <a:p>
+            <a:pPr algn="ctr"/>
+            <a:endParaRPr lang="es-MX" dirty="0"/>
+          </a:p>
+        </p:txBody>
+      </p:sp>
+      <p:sp>
+        <p:nvSpPr>
           <p:cNvPr id="3" name="Rectángulo: esquinas redondeadas 8">
             <a:extLst>
               <a:ext uri="{FF2B5EF4-FFF2-40B4-BE49-F238E27FC236}">
@@ -8400,8 +9499,8 @@
         </p:nvSpPr>
         <p:spPr>
           <a:xfrm>
-            <a:off x="3408452" y="1488127"/>
-            <a:ext cx="697119" cy="3466458"/>
+            <a:off x="4595722" y="1254283"/>
+            <a:ext cx="176694" cy="684777"/>
           </a:xfrm>
           <a:custGeom>
             <a:avLst/>
@@ -8891,7 +9990,7 @@
             </a:pathLst>
           </a:custGeom>
           <a:noFill/>
-          <a:ln w="57150">
+          <a:ln w="19050">
             <a:gradFill flip="none" rotWithShape="1">
               <a:gsLst>
                 <a:gs pos="0">
@@ -8947,7 +10046,7 @@
         </p:nvSpPr>
         <p:spPr>
           <a:xfrm>
-            <a:off x="1489576" y="2873602"/>
+            <a:off x="7173627" y="1314372"/>
             <a:ext cx="1380587" cy="1325853"/>
           </a:xfrm>
           <a:prstGeom prst="ellipse">
@@ -9016,7 +10115,7 @@
         </p:nvSpPr>
         <p:spPr>
           <a:xfrm>
-            <a:off x="1705978" y="3070997"/>
+            <a:off x="7390029" y="1511767"/>
             <a:ext cx="937432" cy="916574"/>
           </a:xfrm>
           <a:prstGeom prst="ellipse">
@@ -9085,7 +10184,7 @@
         </p:nvSpPr>
         <p:spPr>
           <a:xfrm>
-            <a:off x="1875906" y="3276453"/>
+            <a:off x="7559957" y="1717223"/>
             <a:ext cx="551616" cy="519282"/>
           </a:xfrm>
           <a:prstGeom prst="ellipse">
@@ -9142,147 +10241,6 @@
       </p:sp>
       <p:sp>
         <p:nvSpPr>
-          <p:cNvPr id="7" name="Paralelogramo 5">
-            <a:extLst>
-              <a:ext uri="{FF2B5EF4-FFF2-40B4-BE49-F238E27FC236}">
-                <a16:creationId xmlns:a16="http://schemas.microsoft.com/office/drawing/2014/main" id="{8E577C15-6CDF-4ECD-BA14-35DE759BB9D5}"/>
-              </a:ext>
-            </a:extLst>
-          </p:cNvPr>
-          <p:cNvSpPr/>
-          <p:nvPr/>
-        </p:nvSpPr>
-        <p:spPr>
-          <a:xfrm>
-            <a:off x="2504655" y="4031224"/>
-            <a:ext cx="1596800" cy="908176"/>
-          </a:xfrm>
-          <a:custGeom>
-            <a:avLst/>
-            <a:gdLst>
-              <a:gd name="connsiteX0" fmla="*/ 0 w 2827118"/>
-              <a:gd name="connsiteY0" fmla="*/ 1325853 h 1325853"/>
-              <a:gd name="connsiteX1" fmla="*/ 331463 w 2827118"/>
-              <a:gd name="connsiteY1" fmla="*/ 0 h 1325853"/>
-              <a:gd name="connsiteX2" fmla="*/ 2827118 w 2827118"/>
-              <a:gd name="connsiteY2" fmla="*/ 0 h 1325853"/>
-              <a:gd name="connsiteX3" fmla="*/ 2495655 w 2827118"/>
-              <a:gd name="connsiteY3" fmla="*/ 1325853 h 1325853"/>
-              <a:gd name="connsiteX4" fmla="*/ 0 w 2827118"/>
-              <a:gd name="connsiteY4" fmla="*/ 1325853 h 1325853"/>
-              <a:gd name="connsiteX0" fmla="*/ 0 w 2827118"/>
-              <a:gd name="connsiteY0" fmla="*/ 1325853 h 1325853"/>
-              <a:gd name="connsiteX1" fmla="*/ 331463 w 2827118"/>
-              <a:gd name="connsiteY1" fmla="*/ 0 h 1325853"/>
-              <a:gd name="connsiteX2" fmla="*/ 2827118 w 2827118"/>
-              <a:gd name="connsiteY2" fmla="*/ 0 h 1325853"/>
-              <a:gd name="connsiteX3" fmla="*/ 2495655 w 2827118"/>
-              <a:gd name="connsiteY3" fmla="*/ 1325853 h 1325853"/>
-              <a:gd name="connsiteX4" fmla="*/ 0 w 2827118"/>
-              <a:gd name="connsiteY4" fmla="*/ 1325853 h 1325853"/>
-              <a:gd name="connsiteX0" fmla="*/ 0 w 2495655"/>
-              <a:gd name="connsiteY0" fmla="*/ 1332630 h 1332630"/>
-              <a:gd name="connsiteX1" fmla="*/ 331463 w 2495655"/>
-              <a:gd name="connsiteY1" fmla="*/ 6777 h 1332630"/>
-              <a:gd name="connsiteX2" fmla="*/ 2302081 w 2495655"/>
-              <a:gd name="connsiteY2" fmla="*/ 0 h 1332630"/>
-              <a:gd name="connsiteX3" fmla="*/ 2495655 w 2495655"/>
-              <a:gd name="connsiteY3" fmla="*/ 1332630 h 1332630"/>
-              <a:gd name="connsiteX4" fmla="*/ 0 w 2495655"/>
-              <a:gd name="connsiteY4" fmla="*/ 1332630 h 1332630"/>
-              <a:gd name="connsiteX0" fmla="*/ 0 w 2309566"/>
-              <a:gd name="connsiteY0" fmla="*/ 1332630 h 1339407"/>
-              <a:gd name="connsiteX1" fmla="*/ 331463 w 2309566"/>
-              <a:gd name="connsiteY1" fmla="*/ 6777 h 1339407"/>
-              <a:gd name="connsiteX2" fmla="*/ 2302081 w 2309566"/>
-              <a:gd name="connsiteY2" fmla="*/ 0 h 1339407"/>
-              <a:gd name="connsiteX3" fmla="*/ 2309566 w 2309566"/>
-              <a:gd name="connsiteY3" fmla="*/ 1339407 h 1339407"/>
-              <a:gd name="connsiteX4" fmla="*/ 0 w 2309566"/>
-              <a:gd name="connsiteY4" fmla="*/ 1332630 h 1339407"/>
-            </a:gdLst>
-            <a:ahLst/>
-            <a:cxnLst>
-              <a:cxn ang="0">
-                <a:pos x="connsiteX0" y="connsiteY0"/>
-              </a:cxn>
-              <a:cxn ang="0">
-                <a:pos x="connsiteX1" y="connsiteY1"/>
-              </a:cxn>
-              <a:cxn ang="0">
-                <a:pos x="connsiteX2" y="connsiteY2"/>
-              </a:cxn>
-              <a:cxn ang="0">
-                <a:pos x="connsiteX3" y="connsiteY3"/>
-              </a:cxn>
-              <a:cxn ang="0">
-                <a:pos x="connsiteX4" y="connsiteY4"/>
-              </a:cxn>
-            </a:cxnLst>
-            <a:rect l="l" t="t" r="r" b="b"/>
-            <a:pathLst>
-              <a:path w="2309566" h="1339407">
-                <a:moveTo>
-                  <a:pt x="0" y="1332630"/>
-                </a:moveTo>
-                <a:cubicBezTo>
-                  <a:pt x="110488" y="890679"/>
-                  <a:pt x="220975" y="353478"/>
-                  <a:pt x="331463" y="6777"/>
-                </a:cubicBezTo>
-                <a:lnTo>
-                  <a:pt x="2302081" y="0"/>
-                </a:lnTo>
-                <a:lnTo>
-                  <a:pt x="2309566" y="1339407"/>
-                </a:lnTo>
-                <a:lnTo>
-                  <a:pt x="0" y="1332630"/>
-                </a:lnTo>
-                <a:close/>
-              </a:path>
-            </a:pathLst>
-          </a:custGeom>
-          <a:noFill/>
-          <a:ln>
-            <a:solidFill>
-              <a:schemeClr val="accent1">
-                <a:lumMod val="60000"/>
-                <a:lumOff val="40000"/>
-              </a:schemeClr>
-            </a:solidFill>
-          </a:ln>
-          <a:effectLst>
-            <a:softEdge rad="0"/>
-          </a:effectLst>
-        </p:spPr>
-        <p:style>
-          <a:lnRef idx="2">
-            <a:schemeClr val="accent1">
-              <a:shade val="50000"/>
-            </a:schemeClr>
-          </a:lnRef>
-          <a:fillRef idx="1">
-            <a:schemeClr val="accent1"/>
-          </a:fillRef>
-          <a:effectRef idx="0">
-            <a:schemeClr val="accent1"/>
-          </a:effectRef>
-          <a:fontRef idx="minor">
-            <a:schemeClr val="lt1"/>
-          </a:fontRef>
-        </p:style>
-        <p:txBody>
-          <a:bodyPr rtlCol="0" anchor="ctr"/>
-          <a:lstStyle/>
-          <a:p>
-            <a:pPr algn="ctr"/>
-            <a:endParaRPr lang="es-MX"/>
-          </a:p>
-        </p:txBody>
-      </p:sp>
-      <p:sp>
-        <p:nvSpPr>
           <p:cNvPr id="8" name="Paralelogramo 5">
             <a:extLst>
               <a:ext uri="{FF2B5EF4-FFF2-40B4-BE49-F238E27FC236}">
@@ -9295,8 +10253,8 @@
         </p:nvSpPr>
         <p:spPr>
           <a:xfrm>
-            <a:off x="2700256" y="4227951"/>
-            <a:ext cx="1394697" cy="489845"/>
+            <a:off x="899998" y="2215333"/>
+            <a:ext cx="1016708" cy="148941"/>
           </a:xfrm>
           <a:custGeom>
             <a:avLst/>
@@ -9375,7 +10333,7 @@
             </a:pathLst>
           </a:custGeom>
           <a:noFill/>
-          <a:ln>
+          <a:ln w="3175">
             <a:solidFill>
               <a:schemeClr val="accent1">
                 <a:lumMod val="60000"/>
@@ -9426,8 +10384,8 @@
         </p:nvSpPr>
         <p:spPr>
           <a:xfrm>
-            <a:off x="2839239" y="4338795"/>
-            <a:ext cx="1059452" cy="239088"/>
+            <a:off x="1039225" y="2132434"/>
+            <a:ext cx="719094" cy="169560"/>
           </a:xfrm>
           <a:custGeom>
             <a:avLst/>
@@ -9496,7 +10454,7 @@
             </a:pathLst>
           </a:custGeom>
           <a:noFill/>
-          <a:ln>
+          <a:ln w="3175">
             <a:solidFill>
               <a:schemeClr val="accent1">
                 <a:lumMod val="60000"/>
@@ -9547,7 +10505,7 @@
         </p:nvSpPr>
         <p:spPr>
           <a:xfrm>
-            <a:off x="3139635" y="4412404"/>
+            <a:off x="1147167" y="2153127"/>
             <a:ext cx="485881" cy="93055"/>
           </a:xfrm>
           <a:custGeom>
@@ -9617,7 +10575,7 @@
             </a:pathLst>
           </a:custGeom>
           <a:noFill/>
-          <a:ln>
+          <a:ln w="3175">
             <a:solidFill>
               <a:schemeClr val="accent1">
                 <a:lumMod val="60000"/>
@@ -9668,8 +10626,8 @@
         </p:nvSpPr>
         <p:spPr>
           <a:xfrm>
-            <a:off x="2303787" y="2371066"/>
-            <a:ext cx="1640118" cy="845079"/>
+            <a:off x="3676961" y="2035542"/>
+            <a:ext cx="1053227" cy="458842"/>
           </a:xfrm>
           <a:custGeom>
             <a:avLst/>
@@ -10040,557 +10998,9 @@
             </a:pathLst>
           </a:custGeom>
           <a:noFill/>
-          <a:ln w="57150">
+          <a:ln w="3175">
             <a:solidFill>
               <a:schemeClr val="bg1"/>
-            </a:solidFill>
-          </a:ln>
-        </p:spPr>
-        <p:style>
-          <a:lnRef idx="2">
-            <a:schemeClr val="accent1">
-              <a:shade val="50000"/>
-            </a:schemeClr>
-          </a:lnRef>
-          <a:fillRef idx="1">
-            <a:schemeClr val="accent1"/>
-          </a:fillRef>
-          <a:effectRef idx="0">
-            <a:schemeClr val="accent1"/>
-          </a:effectRef>
-          <a:fontRef idx="minor">
-            <a:schemeClr val="lt1"/>
-          </a:fontRef>
-        </p:style>
-        <p:txBody>
-          <a:bodyPr rtlCol="0" anchor="ctr"/>
-          <a:lstStyle/>
-          <a:p>
-            <a:pPr algn="ctr"/>
-            <a:endParaRPr lang="es-MX"/>
-          </a:p>
-        </p:txBody>
-      </p:sp>
-      <p:sp>
-        <p:nvSpPr>
-          <p:cNvPr id="12" name="Rectángulo: esquinas redondeadas 3">
-            <a:extLst>
-              <a:ext uri="{FF2B5EF4-FFF2-40B4-BE49-F238E27FC236}">
-                <a16:creationId xmlns:a16="http://schemas.microsoft.com/office/drawing/2014/main" id="{B57BF733-0748-4741-A715-83B4F91F9AD5}"/>
-              </a:ext>
-            </a:extLst>
-          </p:cNvPr>
-          <p:cNvSpPr/>
-          <p:nvPr/>
-        </p:nvSpPr>
-        <p:spPr>
-          <a:xfrm>
-            <a:off x="1127546" y="3466614"/>
-            <a:ext cx="642211" cy="519281"/>
-          </a:xfrm>
-          <a:custGeom>
-            <a:avLst/>
-            <a:gdLst>
-              <a:gd name="connsiteX0" fmla="*/ 0 w 2307102"/>
-              <a:gd name="connsiteY0" fmla="*/ 248534 h 1491175"/>
-              <a:gd name="connsiteX1" fmla="*/ 248534 w 2307102"/>
-              <a:gd name="connsiteY1" fmla="*/ 0 h 1491175"/>
-              <a:gd name="connsiteX2" fmla="*/ 2058568 w 2307102"/>
-              <a:gd name="connsiteY2" fmla="*/ 0 h 1491175"/>
-              <a:gd name="connsiteX3" fmla="*/ 2307102 w 2307102"/>
-              <a:gd name="connsiteY3" fmla="*/ 248534 h 1491175"/>
-              <a:gd name="connsiteX4" fmla="*/ 2307102 w 2307102"/>
-              <a:gd name="connsiteY4" fmla="*/ 1242641 h 1491175"/>
-              <a:gd name="connsiteX5" fmla="*/ 2058568 w 2307102"/>
-              <a:gd name="connsiteY5" fmla="*/ 1491175 h 1491175"/>
-              <a:gd name="connsiteX6" fmla="*/ 248534 w 2307102"/>
-              <a:gd name="connsiteY6" fmla="*/ 1491175 h 1491175"/>
-              <a:gd name="connsiteX7" fmla="*/ 0 w 2307102"/>
-              <a:gd name="connsiteY7" fmla="*/ 1242641 h 1491175"/>
-              <a:gd name="connsiteX8" fmla="*/ 0 w 2307102"/>
-              <a:gd name="connsiteY8" fmla="*/ 248534 h 1491175"/>
-              <a:gd name="connsiteX0" fmla="*/ 0 w 2307102"/>
-              <a:gd name="connsiteY0" fmla="*/ 248534 h 1491175"/>
-              <a:gd name="connsiteX1" fmla="*/ 248534 w 2307102"/>
-              <a:gd name="connsiteY1" fmla="*/ 0 h 1491175"/>
-              <a:gd name="connsiteX2" fmla="*/ 2058568 w 2307102"/>
-              <a:gd name="connsiteY2" fmla="*/ 0 h 1491175"/>
-              <a:gd name="connsiteX3" fmla="*/ 2096086 w 2307102"/>
-              <a:gd name="connsiteY3" fmla="*/ 248534 h 1491175"/>
-              <a:gd name="connsiteX4" fmla="*/ 2307102 w 2307102"/>
-              <a:gd name="connsiteY4" fmla="*/ 1242641 h 1491175"/>
-              <a:gd name="connsiteX5" fmla="*/ 2058568 w 2307102"/>
-              <a:gd name="connsiteY5" fmla="*/ 1491175 h 1491175"/>
-              <a:gd name="connsiteX6" fmla="*/ 248534 w 2307102"/>
-              <a:gd name="connsiteY6" fmla="*/ 1491175 h 1491175"/>
-              <a:gd name="connsiteX7" fmla="*/ 0 w 2307102"/>
-              <a:gd name="connsiteY7" fmla="*/ 1242641 h 1491175"/>
-              <a:gd name="connsiteX8" fmla="*/ 0 w 2307102"/>
-              <a:gd name="connsiteY8" fmla="*/ 248534 h 1491175"/>
-              <a:gd name="connsiteX0" fmla="*/ 0 w 2307102"/>
-              <a:gd name="connsiteY0" fmla="*/ 248534 h 1856935"/>
-              <a:gd name="connsiteX1" fmla="*/ 248534 w 2307102"/>
-              <a:gd name="connsiteY1" fmla="*/ 0 h 1856935"/>
-              <a:gd name="connsiteX2" fmla="*/ 2058568 w 2307102"/>
-              <a:gd name="connsiteY2" fmla="*/ 0 h 1856935"/>
-              <a:gd name="connsiteX3" fmla="*/ 2096086 w 2307102"/>
-              <a:gd name="connsiteY3" fmla="*/ 248534 h 1856935"/>
-              <a:gd name="connsiteX4" fmla="*/ 2307102 w 2307102"/>
-              <a:gd name="connsiteY4" fmla="*/ 1242641 h 1856935"/>
-              <a:gd name="connsiteX5" fmla="*/ 1875688 w 2307102"/>
-              <a:gd name="connsiteY5" fmla="*/ 1856935 h 1856935"/>
-              <a:gd name="connsiteX6" fmla="*/ 248534 w 2307102"/>
-              <a:gd name="connsiteY6" fmla="*/ 1491175 h 1856935"/>
-              <a:gd name="connsiteX7" fmla="*/ 0 w 2307102"/>
-              <a:gd name="connsiteY7" fmla="*/ 1242641 h 1856935"/>
-              <a:gd name="connsiteX8" fmla="*/ 0 w 2307102"/>
-              <a:gd name="connsiteY8" fmla="*/ 248534 h 1856935"/>
-              <a:gd name="connsiteX0" fmla="*/ 0 w 2131088"/>
-              <a:gd name="connsiteY0" fmla="*/ 248534 h 1856935"/>
-              <a:gd name="connsiteX1" fmla="*/ 248534 w 2131088"/>
-              <a:gd name="connsiteY1" fmla="*/ 0 h 1856935"/>
-              <a:gd name="connsiteX2" fmla="*/ 2058568 w 2131088"/>
-              <a:gd name="connsiteY2" fmla="*/ 0 h 1856935"/>
-              <a:gd name="connsiteX3" fmla="*/ 2096086 w 2131088"/>
-              <a:gd name="connsiteY3" fmla="*/ 248534 h 1856935"/>
-              <a:gd name="connsiteX4" fmla="*/ 2025748 w 2131088"/>
-              <a:gd name="connsiteY4" fmla="*/ 1692808 h 1856935"/>
-              <a:gd name="connsiteX5" fmla="*/ 1875688 w 2131088"/>
-              <a:gd name="connsiteY5" fmla="*/ 1856935 h 1856935"/>
-              <a:gd name="connsiteX6" fmla="*/ 248534 w 2131088"/>
-              <a:gd name="connsiteY6" fmla="*/ 1491175 h 1856935"/>
-              <a:gd name="connsiteX7" fmla="*/ 0 w 2131088"/>
-              <a:gd name="connsiteY7" fmla="*/ 1242641 h 1856935"/>
-              <a:gd name="connsiteX8" fmla="*/ 0 w 2131088"/>
-              <a:gd name="connsiteY8" fmla="*/ 248534 h 1856935"/>
-              <a:gd name="connsiteX0" fmla="*/ 86342 w 2217430"/>
-              <a:gd name="connsiteY0" fmla="*/ 248534 h 2264898"/>
-              <a:gd name="connsiteX1" fmla="*/ 334876 w 2217430"/>
-              <a:gd name="connsiteY1" fmla="*/ 0 h 2264898"/>
-              <a:gd name="connsiteX2" fmla="*/ 2144910 w 2217430"/>
-              <a:gd name="connsiteY2" fmla="*/ 0 h 2264898"/>
-              <a:gd name="connsiteX3" fmla="*/ 2182428 w 2217430"/>
-              <a:gd name="connsiteY3" fmla="*/ 248534 h 2264898"/>
-              <a:gd name="connsiteX4" fmla="*/ 2112090 w 2217430"/>
-              <a:gd name="connsiteY4" fmla="*/ 1692808 h 2264898"/>
-              <a:gd name="connsiteX5" fmla="*/ 1962030 w 2217430"/>
-              <a:gd name="connsiteY5" fmla="*/ 1856935 h 2264898"/>
-              <a:gd name="connsiteX6" fmla="*/ 53522 w 2217430"/>
-              <a:gd name="connsiteY6" fmla="*/ 2264898 h 2264898"/>
-              <a:gd name="connsiteX7" fmla="*/ 86342 w 2217430"/>
-              <a:gd name="connsiteY7" fmla="*/ 1242641 h 2264898"/>
-              <a:gd name="connsiteX8" fmla="*/ 86342 w 2217430"/>
-              <a:gd name="connsiteY8" fmla="*/ 248534 h 2264898"/>
-              <a:gd name="connsiteX0" fmla="*/ 115610 w 2246698"/>
-              <a:gd name="connsiteY0" fmla="*/ 248534 h 2264898"/>
-              <a:gd name="connsiteX1" fmla="*/ 364144 w 2246698"/>
-              <a:gd name="connsiteY1" fmla="*/ 0 h 2264898"/>
-              <a:gd name="connsiteX2" fmla="*/ 2174178 w 2246698"/>
-              <a:gd name="connsiteY2" fmla="*/ 0 h 2264898"/>
-              <a:gd name="connsiteX3" fmla="*/ 2211696 w 2246698"/>
-              <a:gd name="connsiteY3" fmla="*/ 248534 h 2264898"/>
-              <a:gd name="connsiteX4" fmla="*/ 2141358 w 2246698"/>
-              <a:gd name="connsiteY4" fmla="*/ 1692808 h 2264898"/>
-              <a:gd name="connsiteX5" fmla="*/ 1991298 w 2246698"/>
-              <a:gd name="connsiteY5" fmla="*/ 1856935 h 2264898"/>
-              <a:gd name="connsiteX6" fmla="*/ 82790 w 2246698"/>
-              <a:gd name="connsiteY6" fmla="*/ 2264898 h 2264898"/>
-              <a:gd name="connsiteX7" fmla="*/ 20360 w 2246698"/>
-              <a:gd name="connsiteY7" fmla="*/ 1246451 h 2264898"/>
-              <a:gd name="connsiteX8" fmla="*/ 115610 w 2246698"/>
-              <a:gd name="connsiteY8" fmla="*/ 248534 h 2264898"/>
-              <a:gd name="connsiteX0" fmla="*/ 171450 w 2302538"/>
-              <a:gd name="connsiteY0" fmla="*/ 248534 h 2264898"/>
-              <a:gd name="connsiteX1" fmla="*/ 419984 w 2302538"/>
-              <a:gd name="connsiteY1" fmla="*/ 0 h 2264898"/>
-              <a:gd name="connsiteX2" fmla="*/ 2230018 w 2302538"/>
-              <a:gd name="connsiteY2" fmla="*/ 0 h 2264898"/>
-              <a:gd name="connsiteX3" fmla="*/ 2267536 w 2302538"/>
-              <a:gd name="connsiteY3" fmla="*/ 248534 h 2264898"/>
-              <a:gd name="connsiteX4" fmla="*/ 2197198 w 2302538"/>
-              <a:gd name="connsiteY4" fmla="*/ 1692808 h 2264898"/>
-              <a:gd name="connsiteX5" fmla="*/ 2047138 w 2302538"/>
-              <a:gd name="connsiteY5" fmla="*/ 1856935 h 2264898"/>
-              <a:gd name="connsiteX6" fmla="*/ 138630 w 2302538"/>
-              <a:gd name="connsiteY6" fmla="*/ 2264898 h 2264898"/>
-              <a:gd name="connsiteX7" fmla="*/ 0 w 2302538"/>
-              <a:gd name="connsiteY7" fmla="*/ 2012261 h 2264898"/>
-              <a:gd name="connsiteX8" fmla="*/ 171450 w 2302538"/>
-              <a:gd name="connsiteY8" fmla="*/ 248534 h 2264898"/>
-              <a:gd name="connsiteX0" fmla="*/ 171450 w 2302538"/>
-              <a:gd name="connsiteY0" fmla="*/ 248534 h 2264898"/>
-              <a:gd name="connsiteX1" fmla="*/ 419984 w 2302538"/>
-              <a:gd name="connsiteY1" fmla="*/ 0 h 2264898"/>
-              <a:gd name="connsiteX2" fmla="*/ 2230018 w 2302538"/>
-              <a:gd name="connsiteY2" fmla="*/ 0 h 2264898"/>
-              <a:gd name="connsiteX3" fmla="*/ 2267536 w 2302538"/>
-              <a:gd name="connsiteY3" fmla="*/ 248534 h 2264898"/>
-              <a:gd name="connsiteX4" fmla="*/ 2197198 w 2302538"/>
-              <a:gd name="connsiteY4" fmla="*/ 1692808 h 2264898"/>
-              <a:gd name="connsiteX5" fmla="*/ 2047138 w 2302538"/>
-              <a:gd name="connsiteY5" fmla="*/ 1856935 h 2264898"/>
-              <a:gd name="connsiteX6" fmla="*/ 138630 w 2302538"/>
-              <a:gd name="connsiteY6" fmla="*/ 2264898 h 2264898"/>
-              <a:gd name="connsiteX7" fmla="*/ 0 w 2302538"/>
-              <a:gd name="connsiteY7" fmla="*/ 2012261 h 2264898"/>
-              <a:gd name="connsiteX8" fmla="*/ 171450 w 2302538"/>
-              <a:gd name="connsiteY8" fmla="*/ 248534 h 2264898"/>
-              <a:gd name="connsiteX0" fmla="*/ 171450 w 2302538"/>
-              <a:gd name="connsiteY0" fmla="*/ 248534 h 2264898"/>
-              <a:gd name="connsiteX1" fmla="*/ 419984 w 2302538"/>
-              <a:gd name="connsiteY1" fmla="*/ 0 h 2264898"/>
-              <a:gd name="connsiteX2" fmla="*/ 2230018 w 2302538"/>
-              <a:gd name="connsiteY2" fmla="*/ 0 h 2264898"/>
-              <a:gd name="connsiteX3" fmla="*/ 2267536 w 2302538"/>
-              <a:gd name="connsiteY3" fmla="*/ 248534 h 2264898"/>
-              <a:gd name="connsiteX4" fmla="*/ 2197198 w 2302538"/>
-              <a:gd name="connsiteY4" fmla="*/ 1666138 h 2264898"/>
-              <a:gd name="connsiteX5" fmla="*/ 2047138 w 2302538"/>
-              <a:gd name="connsiteY5" fmla="*/ 1856935 h 2264898"/>
-              <a:gd name="connsiteX6" fmla="*/ 138630 w 2302538"/>
-              <a:gd name="connsiteY6" fmla="*/ 2264898 h 2264898"/>
-              <a:gd name="connsiteX7" fmla="*/ 0 w 2302538"/>
-              <a:gd name="connsiteY7" fmla="*/ 2012261 h 2264898"/>
-              <a:gd name="connsiteX8" fmla="*/ 171450 w 2302538"/>
-              <a:gd name="connsiteY8" fmla="*/ 248534 h 2264898"/>
-              <a:gd name="connsiteX0" fmla="*/ 171450 w 2302538"/>
-              <a:gd name="connsiteY0" fmla="*/ 248534 h 2264898"/>
-              <a:gd name="connsiteX1" fmla="*/ 419984 w 2302538"/>
-              <a:gd name="connsiteY1" fmla="*/ 0 h 2264898"/>
-              <a:gd name="connsiteX2" fmla="*/ 2230018 w 2302538"/>
-              <a:gd name="connsiteY2" fmla="*/ 0 h 2264898"/>
-              <a:gd name="connsiteX3" fmla="*/ 2267536 w 2302538"/>
-              <a:gd name="connsiteY3" fmla="*/ 248534 h 2264898"/>
-              <a:gd name="connsiteX4" fmla="*/ 2197198 w 2302538"/>
-              <a:gd name="connsiteY4" fmla="*/ 1666138 h 2264898"/>
-              <a:gd name="connsiteX5" fmla="*/ 2047138 w 2302538"/>
-              <a:gd name="connsiteY5" fmla="*/ 1856935 h 2264898"/>
-              <a:gd name="connsiteX6" fmla="*/ 138630 w 2302538"/>
-              <a:gd name="connsiteY6" fmla="*/ 2264898 h 2264898"/>
-              <a:gd name="connsiteX7" fmla="*/ 0 w 2302538"/>
-              <a:gd name="connsiteY7" fmla="*/ 2012261 h 2264898"/>
-              <a:gd name="connsiteX8" fmla="*/ 171450 w 2302538"/>
-              <a:gd name="connsiteY8" fmla="*/ 248534 h 2264898"/>
-              <a:gd name="connsiteX0" fmla="*/ 171450 w 2302538"/>
-              <a:gd name="connsiteY0" fmla="*/ 248534 h 2264898"/>
-              <a:gd name="connsiteX1" fmla="*/ 419984 w 2302538"/>
-              <a:gd name="connsiteY1" fmla="*/ 0 h 2264898"/>
-              <a:gd name="connsiteX2" fmla="*/ 2230018 w 2302538"/>
-              <a:gd name="connsiteY2" fmla="*/ 0 h 2264898"/>
-              <a:gd name="connsiteX3" fmla="*/ 2267536 w 2302538"/>
-              <a:gd name="connsiteY3" fmla="*/ 248534 h 2264898"/>
-              <a:gd name="connsiteX4" fmla="*/ 2197198 w 2302538"/>
-              <a:gd name="connsiteY4" fmla="*/ 1666138 h 2264898"/>
-              <a:gd name="connsiteX5" fmla="*/ 2043328 w 2302538"/>
-              <a:gd name="connsiteY5" fmla="*/ 1856935 h 2264898"/>
-              <a:gd name="connsiteX6" fmla="*/ 138630 w 2302538"/>
-              <a:gd name="connsiteY6" fmla="*/ 2264898 h 2264898"/>
-              <a:gd name="connsiteX7" fmla="*/ 0 w 2302538"/>
-              <a:gd name="connsiteY7" fmla="*/ 2012261 h 2264898"/>
-              <a:gd name="connsiteX8" fmla="*/ 171450 w 2302538"/>
-              <a:gd name="connsiteY8" fmla="*/ 248534 h 2264898"/>
-              <a:gd name="connsiteX0" fmla="*/ 171450 w 2302538"/>
-              <a:gd name="connsiteY0" fmla="*/ 248534 h 2264898"/>
-              <a:gd name="connsiteX1" fmla="*/ 419984 w 2302538"/>
-              <a:gd name="connsiteY1" fmla="*/ 0 h 2264898"/>
-              <a:gd name="connsiteX2" fmla="*/ 2230018 w 2302538"/>
-              <a:gd name="connsiteY2" fmla="*/ 0 h 2264898"/>
-              <a:gd name="connsiteX3" fmla="*/ 2267536 w 2302538"/>
-              <a:gd name="connsiteY3" fmla="*/ 248534 h 2264898"/>
-              <a:gd name="connsiteX4" fmla="*/ 2197198 w 2302538"/>
-              <a:gd name="connsiteY4" fmla="*/ 1666138 h 2264898"/>
-              <a:gd name="connsiteX5" fmla="*/ 2043328 w 2302538"/>
-              <a:gd name="connsiteY5" fmla="*/ 1856935 h 2264898"/>
-              <a:gd name="connsiteX6" fmla="*/ 138630 w 2302538"/>
-              <a:gd name="connsiteY6" fmla="*/ 2264898 h 2264898"/>
-              <a:gd name="connsiteX7" fmla="*/ 0 w 2302538"/>
-              <a:gd name="connsiteY7" fmla="*/ 2012261 h 2264898"/>
-              <a:gd name="connsiteX8" fmla="*/ 171450 w 2302538"/>
-              <a:gd name="connsiteY8" fmla="*/ 248534 h 2264898"/>
-              <a:gd name="connsiteX0" fmla="*/ 171450 w 2302538"/>
-              <a:gd name="connsiteY0" fmla="*/ 248534 h 2264898"/>
-              <a:gd name="connsiteX1" fmla="*/ 419984 w 2302538"/>
-              <a:gd name="connsiteY1" fmla="*/ 0 h 2264898"/>
-              <a:gd name="connsiteX2" fmla="*/ 2230018 w 2302538"/>
-              <a:gd name="connsiteY2" fmla="*/ 0 h 2264898"/>
-              <a:gd name="connsiteX3" fmla="*/ 2267536 w 2302538"/>
-              <a:gd name="connsiteY3" fmla="*/ 248534 h 2264898"/>
-              <a:gd name="connsiteX4" fmla="*/ 2189578 w 2302538"/>
-              <a:gd name="connsiteY4" fmla="*/ 1677568 h 2264898"/>
-              <a:gd name="connsiteX5" fmla="*/ 2043328 w 2302538"/>
-              <a:gd name="connsiteY5" fmla="*/ 1856935 h 2264898"/>
-              <a:gd name="connsiteX6" fmla="*/ 138630 w 2302538"/>
-              <a:gd name="connsiteY6" fmla="*/ 2264898 h 2264898"/>
-              <a:gd name="connsiteX7" fmla="*/ 0 w 2302538"/>
-              <a:gd name="connsiteY7" fmla="*/ 2012261 h 2264898"/>
-              <a:gd name="connsiteX8" fmla="*/ 171450 w 2302538"/>
-              <a:gd name="connsiteY8" fmla="*/ 248534 h 2264898"/>
-              <a:gd name="connsiteX0" fmla="*/ 171450 w 2302538"/>
-              <a:gd name="connsiteY0" fmla="*/ 248534 h 2264898"/>
-              <a:gd name="connsiteX1" fmla="*/ 419984 w 2302538"/>
-              <a:gd name="connsiteY1" fmla="*/ 0 h 2264898"/>
-              <a:gd name="connsiteX2" fmla="*/ 2230018 w 2302538"/>
-              <a:gd name="connsiteY2" fmla="*/ 0 h 2264898"/>
-              <a:gd name="connsiteX3" fmla="*/ 2267536 w 2302538"/>
-              <a:gd name="connsiteY3" fmla="*/ 248534 h 2264898"/>
-              <a:gd name="connsiteX4" fmla="*/ 2189578 w 2302538"/>
-              <a:gd name="connsiteY4" fmla="*/ 1677568 h 2264898"/>
-              <a:gd name="connsiteX5" fmla="*/ 2043328 w 2302538"/>
-              <a:gd name="connsiteY5" fmla="*/ 1856935 h 2264898"/>
-              <a:gd name="connsiteX6" fmla="*/ 138630 w 2302538"/>
-              <a:gd name="connsiteY6" fmla="*/ 2264898 h 2264898"/>
-              <a:gd name="connsiteX7" fmla="*/ 0 w 2302538"/>
-              <a:gd name="connsiteY7" fmla="*/ 2012261 h 2264898"/>
-              <a:gd name="connsiteX8" fmla="*/ 171450 w 2302538"/>
-              <a:gd name="connsiteY8" fmla="*/ 248534 h 2264898"/>
-              <a:gd name="connsiteX0" fmla="*/ 171450 w 2302538"/>
-              <a:gd name="connsiteY0" fmla="*/ 248534 h 2264898"/>
-              <a:gd name="connsiteX1" fmla="*/ 419984 w 2302538"/>
-              <a:gd name="connsiteY1" fmla="*/ 0 h 2264898"/>
-              <a:gd name="connsiteX2" fmla="*/ 2230018 w 2302538"/>
-              <a:gd name="connsiteY2" fmla="*/ 0 h 2264898"/>
-              <a:gd name="connsiteX3" fmla="*/ 2267536 w 2302538"/>
-              <a:gd name="connsiteY3" fmla="*/ 248534 h 2264898"/>
-              <a:gd name="connsiteX4" fmla="*/ 2189578 w 2302538"/>
-              <a:gd name="connsiteY4" fmla="*/ 1677568 h 2264898"/>
-              <a:gd name="connsiteX5" fmla="*/ 2043328 w 2302538"/>
-              <a:gd name="connsiteY5" fmla="*/ 1856935 h 2264898"/>
-              <a:gd name="connsiteX6" fmla="*/ 138630 w 2302538"/>
-              <a:gd name="connsiteY6" fmla="*/ 2264898 h 2264898"/>
-              <a:gd name="connsiteX7" fmla="*/ 0 w 2302538"/>
-              <a:gd name="connsiteY7" fmla="*/ 2012261 h 2264898"/>
-              <a:gd name="connsiteX8" fmla="*/ 171450 w 2302538"/>
-              <a:gd name="connsiteY8" fmla="*/ 248534 h 2264898"/>
-              <a:gd name="connsiteX0" fmla="*/ 171450 w 2296034"/>
-              <a:gd name="connsiteY0" fmla="*/ 248534 h 2264898"/>
-              <a:gd name="connsiteX1" fmla="*/ 419984 w 2296034"/>
-              <a:gd name="connsiteY1" fmla="*/ 0 h 2264898"/>
-              <a:gd name="connsiteX2" fmla="*/ 2230018 w 2296034"/>
-              <a:gd name="connsiteY2" fmla="*/ 0 h 2264898"/>
-              <a:gd name="connsiteX3" fmla="*/ 2267536 w 2296034"/>
-              <a:gd name="connsiteY3" fmla="*/ 248534 h 2264898"/>
-              <a:gd name="connsiteX4" fmla="*/ 2189578 w 2296034"/>
-              <a:gd name="connsiteY4" fmla="*/ 1677568 h 2264898"/>
-              <a:gd name="connsiteX5" fmla="*/ 2043328 w 2296034"/>
-              <a:gd name="connsiteY5" fmla="*/ 1856935 h 2264898"/>
-              <a:gd name="connsiteX6" fmla="*/ 138630 w 2296034"/>
-              <a:gd name="connsiteY6" fmla="*/ 2264898 h 2264898"/>
-              <a:gd name="connsiteX7" fmla="*/ 0 w 2296034"/>
-              <a:gd name="connsiteY7" fmla="*/ 2012261 h 2264898"/>
-              <a:gd name="connsiteX8" fmla="*/ 171450 w 2296034"/>
-              <a:gd name="connsiteY8" fmla="*/ 248534 h 2264898"/>
-              <a:gd name="connsiteX0" fmla="*/ 171450 w 2300669"/>
-              <a:gd name="connsiteY0" fmla="*/ 248534 h 2264898"/>
-              <a:gd name="connsiteX1" fmla="*/ 419984 w 2300669"/>
-              <a:gd name="connsiteY1" fmla="*/ 0 h 2264898"/>
-              <a:gd name="connsiteX2" fmla="*/ 2230018 w 2300669"/>
-              <a:gd name="connsiteY2" fmla="*/ 0 h 2264898"/>
-              <a:gd name="connsiteX3" fmla="*/ 2278966 w 2300669"/>
-              <a:gd name="connsiteY3" fmla="*/ 248534 h 2264898"/>
-              <a:gd name="connsiteX4" fmla="*/ 2189578 w 2300669"/>
-              <a:gd name="connsiteY4" fmla="*/ 1677568 h 2264898"/>
-              <a:gd name="connsiteX5" fmla="*/ 2043328 w 2300669"/>
-              <a:gd name="connsiteY5" fmla="*/ 1856935 h 2264898"/>
-              <a:gd name="connsiteX6" fmla="*/ 138630 w 2300669"/>
-              <a:gd name="connsiteY6" fmla="*/ 2264898 h 2264898"/>
-              <a:gd name="connsiteX7" fmla="*/ 0 w 2300669"/>
-              <a:gd name="connsiteY7" fmla="*/ 2012261 h 2264898"/>
-              <a:gd name="connsiteX8" fmla="*/ 171450 w 2300669"/>
-              <a:gd name="connsiteY8" fmla="*/ 248534 h 2264898"/>
-              <a:gd name="connsiteX0" fmla="*/ 171450 w 2300669"/>
-              <a:gd name="connsiteY0" fmla="*/ 248534 h 2264898"/>
-              <a:gd name="connsiteX1" fmla="*/ 419984 w 2300669"/>
-              <a:gd name="connsiteY1" fmla="*/ 0 h 2264898"/>
-              <a:gd name="connsiteX2" fmla="*/ 2230018 w 2300669"/>
-              <a:gd name="connsiteY2" fmla="*/ 0 h 2264898"/>
-              <a:gd name="connsiteX3" fmla="*/ 2278966 w 2300669"/>
-              <a:gd name="connsiteY3" fmla="*/ 248534 h 2264898"/>
-              <a:gd name="connsiteX4" fmla="*/ 2189578 w 2300669"/>
-              <a:gd name="connsiteY4" fmla="*/ 1677568 h 2264898"/>
-              <a:gd name="connsiteX5" fmla="*/ 2043328 w 2300669"/>
-              <a:gd name="connsiteY5" fmla="*/ 1856935 h 2264898"/>
-              <a:gd name="connsiteX6" fmla="*/ 138630 w 2300669"/>
-              <a:gd name="connsiteY6" fmla="*/ 2264898 h 2264898"/>
-              <a:gd name="connsiteX7" fmla="*/ 0 w 2300669"/>
-              <a:gd name="connsiteY7" fmla="*/ 2012261 h 2264898"/>
-              <a:gd name="connsiteX8" fmla="*/ 171450 w 2300669"/>
-              <a:gd name="connsiteY8" fmla="*/ 248534 h 2264898"/>
-              <a:gd name="connsiteX0" fmla="*/ 171450 w 2300669"/>
-              <a:gd name="connsiteY0" fmla="*/ 248534 h 2264898"/>
-              <a:gd name="connsiteX1" fmla="*/ 419984 w 2300669"/>
-              <a:gd name="connsiteY1" fmla="*/ 0 h 2264898"/>
-              <a:gd name="connsiteX2" fmla="*/ 2230018 w 2300669"/>
-              <a:gd name="connsiteY2" fmla="*/ 0 h 2264898"/>
-              <a:gd name="connsiteX3" fmla="*/ 2278966 w 2300669"/>
-              <a:gd name="connsiteY3" fmla="*/ 248534 h 2264898"/>
-              <a:gd name="connsiteX4" fmla="*/ 2189578 w 2300669"/>
-              <a:gd name="connsiteY4" fmla="*/ 1677568 h 2264898"/>
-              <a:gd name="connsiteX5" fmla="*/ 2043328 w 2300669"/>
-              <a:gd name="connsiteY5" fmla="*/ 1856935 h 2264898"/>
-              <a:gd name="connsiteX6" fmla="*/ 138630 w 2300669"/>
-              <a:gd name="connsiteY6" fmla="*/ 2264898 h 2264898"/>
-              <a:gd name="connsiteX7" fmla="*/ 0 w 2300669"/>
-              <a:gd name="connsiteY7" fmla="*/ 2012261 h 2264898"/>
-              <a:gd name="connsiteX8" fmla="*/ 171450 w 2300669"/>
-              <a:gd name="connsiteY8" fmla="*/ 248534 h 2264898"/>
-              <a:gd name="connsiteX0" fmla="*/ 171450 w 2299392"/>
-              <a:gd name="connsiteY0" fmla="*/ 248534 h 2264898"/>
-              <a:gd name="connsiteX1" fmla="*/ 419984 w 2299392"/>
-              <a:gd name="connsiteY1" fmla="*/ 0 h 2264898"/>
-              <a:gd name="connsiteX2" fmla="*/ 2230018 w 2299392"/>
-              <a:gd name="connsiteY2" fmla="*/ 0 h 2264898"/>
-              <a:gd name="connsiteX3" fmla="*/ 2278966 w 2299392"/>
-              <a:gd name="connsiteY3" fmla="*/ 248534 h 2264898"/>
-              <a:gd name="connsiteX4" fmla="*/ 2189578 w 2299392"/>
-              <a:gd name="connsiteY4" fmla="*/ 1677568 h 2264898"/>
-              <a:gd name="connsiteX5" fmla="*/ 2043328 w 2299392"/>
-              <a:gd name="connsiteY5" fmla="*/ 1856935 h 2264898"/>
-              <a:gd name="connsiteX6" fmla="*/ 138630 w 2299392"/>
-              <a:gd name="connsiteY6" fmla="*/ 2264898 h 2264898"/>
-              <a:gd name="connsiteX7" fmla="*/ 0 w 2299392"/>
-              <a:gd name="connsiteY7" fmla="*/ 2012261 h 2264898"/>
-              <a:gd name="connsiteX8" fmla="*/ 171450 w 2299392"/>
-              <a:gd name="connsiteY8" fmla="*/ 248534 h 2264898"/>
-              <a:gd name="connsiteX0" fmla="*/ 171450 w 2301034"/>
-              <a:gd name="connsiteY0" fmla="*/ 248534 h 2264898"/>
-              <a:gd name="connsiteX1" fmla="*/ 419984 w 2301034"/>
-              <a:gd name="connsiteY1" fmla="*/ 0 h 2264898"/>
-              <a:gd name="connsiteX2" fmla="*/ 2230018 w 2301034"/>
-              <a:gd name="connsiteY2" fmla="*/ 0 h 2264898"/>
-              <a:gd name="connsiteX3" fmla="*/ 2282776 w 2301034"/>
-              <a:gd name="connsiteY3" fmla="*/ 122804 h 2264898"/>
-              <a:gd name="connsiteX4" fmla="*/ 2189578 w 2301034"/>
-              <a:gd name="connsiteY4" fmla="*/ 1677568 h 2264898"/>
-              <a:gd name="connsiteX5" fmla="*/ 2043328 w 2301034"/>
-              <a:gd name="connsiteY5" fmla="*/ 1856935 h 2264898"/>
-              <a:gd name="connsiteX6" fmla="*/ 138630 w 2301034"/>
-              <a:gd name="connsiteY6" fmla="*/ 2264898 h 2264898"/>
-              <a:gd name="connsiteX7" fmla="*/ 0 w 2301034"/>
-              <a:gd name="connsiteY7" fmla="*/ 2012261 h 2264898"/>
-              <a:gd name="connsiteX8" fmla="*/ 171450 w 2301034"/>
-              <a:gd name="connsiteY8" fmla="*/ 248534 h 2264898"/>
-              <a:gd name="connsiteX0" fmla="*/ 171450 w 2297227"/>
-              <a:gd name="connsiteY0" fmla="*/ 248534 h 2264898"/>
-              <a:gd name="connsiteX1" fmla="*/ 419984 w 2297227"/>
-              <a:gd name="connsiteY1" fmla="*/ 0 h 2264898"/>
-              <a:gd name="connsiteX2" fmla="*/ 2230018 w 2297227"/>
-              <a:gd name="connsiteY2" fmla="*/ 0 h 2264898"/>
-              <a:gd name="connsiteX3" fmla="*/ 2282776 w 2297227"/>
-              <a:gd name="connsiteY3" fmla="*/ 122804 h 2264898"/>
-              <a:gd name="connsiteX4" fmla="*/ 2189578 w 2297227"/>
-              <a:gd name="connsiteY4" fmla="*/ 1677568 h 2264898"/>
-              <a:gd name="connsiteX5" fmla="*/ 2043328 w 2297227"/>
-              <a:gd name="connsiteY5" fmla="*/ 1856935 h 2264898"/>
-              <a:gd name="connsiteX6" fmla="*/ 138630 w 2297227"/>
-              <a:gd name="connsiteY6" fmla="*/ 2264898 h 2264898"/>
-              <a:gd name="connsiteX7" fmla="*/ 0 w 2297227"/>
-              <a:gd name="connsiteY7" fmla="*/ 2012261 h 2264898"/>
-              <a:gd name="connsiteX8" fmla="*/ 171450 w 2297227"/>
-              <a:gd name="connsiteY8" fmla="*/ 248534 h 2264898"/>
-              <a:gd name="connsiteX0" fmla="*/ 171450 w 2285371"/>
-              <a:gd name="connsiteY0" fmla="*/ 248534 h 2264898"/>
-              <a:gd name="connsiteX1" fmla="*/ 419984 w 2285371"/>
-              <a:gd name="connsiteY1" fmla="*/ 0 h 2264898"/>
-              <a:gd name="connsiteX2" fmla="*/ 2230018 w 2285371"/>
-              <a:gd name="connsiteY2" fmla="*/ 0 h 2264898"/>
-              <a:gd name="connsiteX3" fmla="*/ 2282776 w 2285371"/>
-              <a:gd name="connsiteY3" fmla="*/ 122804 h 2264898"/>
-              <a:gd name="connsiteX4" fmla="*/ 2189578 w 2285371"/>
-              <a:gd name="connsiteY4" fmla="*/ 1677568 h 2264898"/>
-              <a:gd name="connsiteX5" fmla="*/ 2043328 w 2285371"/>
-              <a:gd name="connsiteY5" fmla="*/ 1856935 h 2264898"/>
-              <a:gd name="connsiteX6" fmla="*/ 138630 w 2285371"/>
-              <a:gd name="connsiteY6" fmla="*/ 2264898 h 2264898"/>
-              <a:gd name="connsiteX7" fmla="*/ 0 w 2285371"/>
-              <a:gd name="connsiteY7" fmla="*/ 2012261 h 2264898"/>
-              <a:gd name="connsiteX8" fmla="*/ 171450 w 2285371"/>
-              <a:gd name="connsiteY8" fmla="*/ 248534 h 2264898"/>
-            </a:gdLst>
-            <a:ahLst/>
-            <a:cxnLst>
-              <a:cxn ang="0">
-                <a:pos x="connsiteX0" y="connsiteY0"/>
-              </a:cxn>
-              <a:cxn ang="0">
-                <a:pos x="connsiteX1" y="connsiteY1"/>
-              </a:cxn>
-              <a:cxn ang="0">
-                <a:pos x="connsiteX2" y="connsiteY2"/>
-              </a:cxn>
-              <a:cxn ang="0">
-                <a:pos x="connsiteX3" y="connsiteY3"/>
-              </a:cxn>
-              <a:cxn ang="0">
-                <a:pos x="connsiteX4" y="connsiteY4"/>
-              </a:cxn>
-              <a:cxn ang="0">
-                <a:pos x="connsiteX5" y="connsiteY5"/>
-              </a:cxn>
-              <a:cxn ang="0">
-                <a:pos x="connsiteX6" y="connsiteY6"/>
-              </a:cxn>
-              <a:cxn ang="0">
-                <a:pos x="connsiteX7" y="connsiteY7"/>
-              </a:cxn>
-              <a:cxn ang="0">
-                <a:pos x="connsiteX8" y="connsiteY8"/>
-              </a:cxn>
-            </a:cxnLst>
-            <a:rect l="l" t="t" r="r" b="b"/>
-            <a:pathLst>
-              <a:path w="2285371" h="2264898">
-                <a:moveTo>
-                  <a:pt x="171450" y="248534"/>
-                </a:moveTo>
-                <a:cubicBezTo>
-                  <a:pt x="171450" y="111272"/>
-                  <a:pt x="282722" y="0"/>
-                  <a:pt x="419984" y="0"/>
-                </a:cubicBezTo>
-                <a:lnTo>
-                  <a:pt x="2230018" y="0"/>
-                </a:lnTo>
-                <a:cubicBezTo>
-                  <a:pt x="2352040" y="3810"/>
-                  <a:pt x="2225626" y="282722"/>
-                  <a:pt x="2282776" y="122804"/>
-                </a:cubicBezTo>
-                <a:cubicBezTo>
-                  <a:pt x="2282776" y="454173"/>
-                  <a:pt x="2220058" y="1346199"/>
-                  <a:pt x="2189578" y="1677568"/>
-                </a:cubicBezTo>
-                <a:cubicBezTo>
-                  <a:pt x="2155288" y="1814830"/>
-                  <a:pt x="2203450" y="1822645"/>
-                  <a:pt x="2043328" y="1856935"/>
-                </a:cubicBezTo>
-                <a:lnTo>
-                  <a:pt x="138630" y="2264898"/>
-                </a:lnTo>
-                <a:cubicBezTo>
-                  <a:pt x="1368" y="2264898"/>
-                  <a:pt x="0" y="2149523"/>
-                  <a:pt x="0" y="2012261"/>
-                </a:cubicBezTo>
-                <a:lnTo>
-                  <a:pt x="171450" y="248534"/>
-                </a:lnTo>
-                <a:close/>
-              </a:path>
-            </a:pathLst>
-          </a:custGeom>
-          <a:solidFill>
-            <a:schemeClr val="accent1">
-              <a:lumMod val="75000"/>
-              <a:alpha val="44000"/>
-            </a:schemeClr>
-          </a:solidFill>
-          <a:ln w="1270">
-            <a:solidFill>
-              <a:srgbClr val="25557B">
-                <a:alpha val="66000"/>
-              </a:srgbClr>
             </a:solidFill>
           </a:ln>
         </p:spPr>
@@ -10633,7 +11043,7 @@
         </p:nvSpPr>
         <p:spPr>
           <a:xfrm>
-            <a:off x="969209" y="3397727"/>
+            <a:off x="1118012" y="2832142"/>
             <a:ext cx="737957" cy="398008"/>
           </a:xfrm>
           <a:custGeom>
@@ -11169,554 +11579,6 @@
       </p:sp>
       <p:sp>
         <p:nvSpPr>
-          <p:cNvPr id="14" name="Rectángulo: esquinas redondeadas 3">
-            <a:extLst>
-              <a:ext uri="{FF2B5EF4-FFF2-40B4-BE49-F238E27FC236}">
-                <a16:creationId xmlns:a16="http://schemas.microsoft.com/office/drawing/2014/main" id="{C1B2C992-1B8F-45B5-BE88-8C99E84F3C24}"/>
-              </a:ext>
-            </a:extLst>
-          </p:cNvPr>
-          <p:cNvSpPr/>
-          <p:nvPr/>
-        </p:nvSpPr>
-        <p:spPr>
-          <a:xfrm>
-            <a:off x="812093" y="3346986"/>
-            <a:ext cx="1016707" cy="519281"/>
-          </a:xfrm>
-          <a:custGeom>
-            <a:avLst/>
-            <a:gdLst>
-              <a:gd name="connsiteX0" fmla="*/ 0 w 2307102"/>
-              <a:gd name="connsiteY0" fmla="*/ 248534 h 1491175"/>
-              <a:gd name="connsiteX1" fmla="*/ 248534 w 2307102"/>
-              <a:gd name="connsiteY1" fmla="*/ 0 h 1491175"/>
-              <a:gd name="connsiteX2" fmla="*/ 2058568 w 2307102"/>
-              <a:gd name="connsiteY2" fmla="*/ 0 h 1491175"/>
-              <a:gd name="connsiteX3" fmla="*/ 2307102 w 2307102"/>
-              <a:gd name="connsiteY3" fmla="*/ 248534 h 1491175"/>
-              <a:gd name="connsiteX4" fmla="*/ 2307102 w 2307102"/>
-              <a:gd name="connsiteY4" fmla="*/ 1242641 h 1491175"/>
-              <a:gd name="connsiteX5" fmla="*/ 2058568 w 2307102"/>
-              <a:gd name="connsiteY5" fmla="*/ 1491175 h 1491175"/>
-              <a:gd name="connsiteX6" fmla="*/ 248534 w 2307102"/>
-              <a:gd name="connsiteY6" fmla="*/ 1491175 h 1491175"/>
-              <a:gd name="connsiteX7" fmla="*/ 0 w 2307102"/>
-              <a:gd name="connsiteY7" fmla="*/ 1242641 h 1491175"/>
-              <a:gd name="connsiteX8" fmla="*/ 0 w 2307102"/>
-              <a:gd name="connsiteY8" fmla="*/ 248534 h 1491175"/>
-              <a:gd name="connsiteX0" fmla="*/ 0 w 2307102"/>
-              <a:gd name="connsiteY0" fmla="*/ 248534 h 1491175"/>
-              <a:gd name="connsiteX1" fmla="*/ 248534 w 2307102"/>
-              <a:gd name="connsiteY1" fmla="*/ 0 h 1491175"/>
-              <a:gd name="connsiteX2" fmla="*/ 2058568 w 2307102"/>
-              <a:gd name="connsiteY2" fmla="*/ 0 h 1491175"/>
-              <a:gd name="connsiteX3" fmla="*/ 2096086 w 2307102"/>
-              <a:gd name="connsiteY3" fmla="*/ 248534 h 1491175"/>
-              <a:gd name="connsiteX4" fmla="*/ 2307102 w 2307102"/>
-              <a:gd name="connsiteY4" fmla="*/ 1242641 h 1491175"/>
-              <a:gd name="connsiteX5" fmla="*/ 2058568 w 2307102"/>
-              <a:gd name="connsiteY5" fmla="*/ 1491175 h 1491175"/>
-              <a:gd name="connsiteX6" fmla="*/ 248534 w 2307102"/>
-              <a:gd name="connsiteY6" fmla="*/ 1491175 h 1491175"/>
-              <a:gd name="connsiteX7" fmla="*/ 0 w 2307102"/>
-              <a:gd name="connsiteY7" fmla="*/ 1242641 h 1491175"/>
-              <a:gd name="connsiteX8" fmla="*/ 0 w 2307102"/>
-              <a:gd name="connsiteY8" fmla="*/ 248534 h 1491175"/>
-              <a:gd name="connsiteX0" fmla="*/ 0 w 2307102"/>
-              <a:gd name="connsiteY0" fmla="*/ 248534 h 1856935"/>
-              <a:gd name="connsiteX1" fmla="*/ 248534 w 2307102"/>
-              <a:gd name="connsiteY1" fmla="*/ 0 h 1856935"/>
-              <a:gd name="connsiteX2" fmla="*/ 2058568 w 2307102"/>
-              <a:gd name="connsiteY2" fmla="*/ 0 h 1856935"/>
-              <a:gd name="connsiteX3" fmla="*/ 2096086 w 2307102"/>
-              <a:gd name="connsiteY3" fmla="*/ 248534 h 1856935"/>
-              <a:gd name="connsiteX4" fmla="*/ 2307102 w 2307102"/>
-              <a:gd name="connsiteY4" fmla="*/ 1242641 h 1856935"/>
-              <a:gd name="connsiteX5" fmla="*/ 1875688 w 2307102"/>
-              <a:gd name="connsiteY5" fmla="*/ 1856935 h 1856935"/>
-              <a:gd name="connsiteX6" fmla="*/ 248534 w 2307102"/>
-              <a:gd name="connsiteY6" fmla="*/ 1491175 h 1856935"/>
-              <a:gd name="connsiteX7" fmla="*/ 0 w 2307102"/>
-              <a:gd name="connsiteY7" fmla="*/ 1242641 h 1856935"/>
-              <a:gd name="connsiteX8" fmla="*/ 0 w 2307102"/>
-              <a:gd name="connsiteY8" fmla="*/ 248534 h 1856935"/>
-              <a:gd name="connsiteX0" fmla="*/ 0 w 2131088"/>
-              <a:gd name="connsiteY0" fmla="*/ 248534 h 1856935"/>
-              <a:gd name="connsiteX1" fmla="*/ 248534 w 2131088"/>
-              <a:gd name="connsiteY1" fmla="*/ 0 h 1856935"/>
-              <a:gd name="connsiteX2" fmla="*/ 2058568 w 2131088"/>
-              <a:gd name="connsiteY2" fmla="*/ 0 h 1856935"/>
-              <a:gd name="connsiteX3" fmla="*/ 2096086 w 2131088"/>
-              <a:gd name="connsiteY3" fmla="*/ 248534 h 1856935"/>
-              <a:gd name="connsiteX4" fmla="*/ 2025748 w 2131088"/>
-              <a:gd name="connsiteY4" fmla="*/ 1692808 h 1856935"/>
-              <a:gd name="connsiteX5" fmla="*/ 1875688 w 2131088"/>
-              <a:gd name="connsiteY5" fmla="*/ 1856935 h 1856935"/>
-              <a:gd name="connsiteX6" fmla="*/ 248534 w 2131088"/>
-              <a:gd name="connsiteY6" fmla="*/ 1491175 h 1856935"/>
-              <a:gd name="connsiteX7" fmla="*/ 0 w 2131088"/>
-              <a:gd name="connsiteY7" fmla="*/ 1242641 h 1856935"/>
-              <a:gd name="connsiteX8" fmla="*/ 0 w 2131088"/>
-              <a:gd name="connsiteY8" fmla="*/ 248534 h 1856935"/>
-              <a:gd name="connsiteX0" fmla="*/ 86342 w 2217430"/>
-              <a:gd name="connsiteY0" fmla="*/ 248534 h 2264898"/>
-              <a:gd name="connsiteX1" fmla="*/ 334876 w 2217430"/>
-              <a:gd name="connsiteY1" fmla="*/ 0 h 2264898"/>
-              <a:gd name="connsiteX2" fmla="*/ 2144910 w 2217430"/>
-              <a:gd name="connsiteY2" fmla="*/ 0 h 2264898"/>
-              <a:gd name="connsiteX3" fmla="*/ 2182428 w 2217430"/>
-              <a:gd name="connsiteY3" fmla="*/ 248534 h 2264898"/>
-              <a:gd name="connsiteX4" fmla="*/ 2112090 w 2217430"/>
-              <a:gd name="connsiteY4" fmla="*/ 1692808 h 2264898"/>
-              <a:gd name="connsiteX5" fmla="*/ 1962030 w 2217430"/>
-              <a:gd name="connsiteY5" fmla="*/ 1856935 h 2264898"/>
-              <a:gd name="connsiteX6" fmla="*/ 53522 w 2217430"/>
-              <a:gd name="connsiteY6" fmla="*/ 2264898 h 2264898"/>
-              <a:gd name="connsiteX7" fmla="*/ 86342 w 2217430"/>
-              <a:gd name="connsiteY7" fmla="*/ 1242641 h 2264898"/>
-              <a:gd name="connsiteX8" fmla="*/ 86342 w 2217430"/>
-              <a:gd name="connsiteY8" fmla="*/ 248534 h 2264898"/>
-              <a:gd name="connsiteX0" fmla="*/ 115610 w 2246698"/>
-              <a:gd name="connsiteY0" fmla="*/ 248534 h 2264898"/>
-              <a:gd name="connsiteX1" fmla="*/ 364144 w 2246698"/>
-              <a:gd name="connsiteY1" fmla="*/ 0 h 2264898"/>
-              <a:gd name="connsiteX2" fmla="*/ 2174178 w 2246698"/>
-              <a:gd name="connsiteY2" fmla="*/ 0 h 2264898"/>
-              <a:gd name="connsiteX3" fmla="*/ 2211696 w 2246698"/>
-              <a:gd name="connsiteY3" fmla="*/ 248534 h 2264898"/>
-              <a:gd name="connsiteX4" fmla="*/ 2141358 w 2246698"/>
-              <a:gd name="connsiteY4" fmla="*/ 1692808 h 2264898"/>
-              <a:gd name="connsiteX5" fmla="*/ 1991298 w 2246698"/>
-              <a:gd name="connsiteY5" fmla="*/ 1856935 h 2264898"/>
-              <a:gd name="connsiteX6" fmla="*/ 82790 w 2246698"/>
-              <a:gd name="connsiteY6" fmla="*/ 2264898 h 2264898"/>
-              <a:gd name="connsiteX7" fmla="*/ 20360 w 2246698"/>
-              <a:gd name="connsiteY7" fmla="*/ 1246451 h 2264898"/>
-              <a:gd name="connsiteX8" fmla="*/ 115610 w 2246698"/>
-              <a:gd name="connsiteY8" fmla="*/ 248534 h 2264898"/>
-              <a:gd name="connsiteX0" fmla="*/ 171450 w 2302538"/>
-              <a:gd name="connsiteY0" fmla="*/ 248534 h 2264898"/>
-              <a:gd name="connsiteX1" fmla="*/ 419984 w 2302538"/>
-              <a:gd name="connsiteY1" fmla="*/ 0 h 2264898"/>
-              <a:gd name="connsiteX2" fmla="*/ 2230018 w 2302538"/>
-              <a:gd name="connsiteY2" fmla="*/ 0 h 2264898"/>
-              <a:gd name="connsiteX3" fmla="*/ 2267536 w 2302538"/>
-              <a:gd name="connsiteY3" fmla="*/ 248534 h 2264898"/>
-              <a:gd name="connsiteX4" fmla="*/ 2197198 w 2302538"/>
-              <a:gd name="connsiteY4" fmla="*/ 1692808 h 2264898"/>
-              <a:gd name="connsiteX5" fmla="*/ 2047138 w 2302538"/>
-              <a:gd name="connsiteY5" fmla="*/ 1856935 h 2264898"/>
-              <a:gd name="connsiteX6" fmla="*/ 138630 w 2302538"/>
-              <a:gd name="connsiteY6" fmla="*/ 2264898 h 2264898"/>
-              <a:gd name="connsiteX7" fmla="*/ 0 w 2302538"/>
-              <a:gd name="connsiteY7" fmla="*/ 2012261 h 2264898"/>
-              <a:gd name="connsiteX8" fmla="*/ 171450 w 2302538"/>
-              <a:gd name="connsiteY8" fmla="*/ 248534 h 2264898"/>
-              <a:gd name="connsiteX0" fmla="*/ 171450 w 2302538"/>
-              <a:gd name="connsiteY0" fmla="*/ 248534 h 2264898"/>
-              <a:gd name="connsiteX1" fmla="*/ 419984 w 2302538"/>
-              <a:gd name="connsiteY1" fmla="*/ 0 h 2264898"/>
-              <a:gd name="connsiteX2" fmla="*/ 2230018 w 2302538"/>
-              <a:gd name="connsiteY2" fmla="*/ 0 h 2264898"/>
-              <a:gd name="connsiteX3" fmla="*/ 2267536 w 2302538"/>
-              <a:gd name="connsiteY3" fmla="*/ 248534 h 2264898"/>
-              <a:gd name="connsiteX4" fmla="*/ 2197198 w 2302538"/>
-              <a:gd name="connsiteY4" fmla="*/ 1692808 h 2264898"/>
-              <a:gd name="connsiteX5" fmla="*/ 2047138 w 2302538"/>
-              <a:gd name="connsiteY5" fmla="*/ 1856935 h 2264898"/>
-              <a:gd name="connsiteX6" fmla="*/ 138630 w 2302538"/>
-              <a:gd name="connsiteY6" fmla="*/ 2264898 h 2264898"/>
-              <a:gd name="connsiteX7" fmla="*/ 0 w 2302538"/>
-              <a:gd name="connsiteY7" fmla="*/ 2012261 h 2264898"/>
-              <a:gd name="connsiteX8" fmla="*/ 171450 w 2302538"/>
-              <a:gd name="connsiteY8" fmla="*/ 248534 h 2264898"/>
-              <a:gd name="connsiteX0" fmla="*/ 171450 w 2302538"/>
-              <a:gd name="connsiteY0" fmla="*/ 248534 h 2264898"/>
-              <a:gd name="connsiteX1" fmla="*/ 419984 w 2302538"/>
-              <a:gd name="connsiteY1" fmla="*/ 0 h 2264898"/>
-              <a:gd name="connsiteX2" fmla="*/ 2230018 w 2302538"/>
-              <a:gd name="connsiteY2" fmla="*/ 0 h 2264898"/>
-              <a:gd name="connsiteX3" fmla="*/ 2267536 w 2302538"/>
-              <a:gd name="connsiteY3" fmla="*/ 248534 h 2264898"/>
-              <a:gd name="connsiteX4" fmla="*/ 2197198 w 2302538"/>
-              <a:gd name="connsiteY4" fmla="*/ 1666138 h 2264898"/>
-              <a:gd name="connsiteX5" fmla="*/ 2047138 w 2302538"/>
-              <a:gd name="connsiteY5" fmla="*/ 1856935 h 2264898"/>
-              <a:gd name="connsiteX6" fmla="*/ 138630 w 2302538"/>
-              <a:gd name="connsiteY6" fmla="*/ 2264898 h 2264898"/>
-              <a:gd name="connsiteX7" fmla="*/ 0 w 2302538"/>
-              <a:gd name="connsiteY7" fmla="*/ 2012261 h 2264898"/>
-              <a:gd name="connsiteX8" fmla="*/ 171450 w 2302538"/>
-              <a:gd name="connsiteY8" fmla="*/ 248534 h 2264898"/>
-              <a:gd name="connsiteX0" fmla="*/ 171450 w 2302538"/>
-              <a:gd name="connsiteY0" fmla="*/ 248534 h 2264898"/>
-              <a:gd name="connsiteX1" fmla="*/ 419984 w 2302538"/>
-              <a:gd name="connsiteY1" fmla="*/ 0 h 2264898"/>
-              <a:gd name="connsiteX2" fmla="*/ 2230018 w 2302538"/>
-              <a:gd name="connsiteY2" fmla="*/ 0 h 2264898"/>
-              <a:gd name="connsiteX3" fmla="*/ 2267536 w 2302538"/>
-              <a:gd name="connsiteY3" fmla="*/ 248534 h 2264898"/>
-              <a:gd name="connsiteX4" fmla="*/ 2197198 w 2302538"/>
-              <a:gd name="connsiteY4" fmla="*/ 1666138 h 2264898"/>
-              <a:gd name="connsiteX5" fmla="*/ 2047138 w 2302538"/>
-              <a:gd name="connsiteY5" fmla="*/ 1856935 h 2264898"/>
-              <a:gd name="connsiteX6" fmla="*/ 138630 w 2302538"/>
-              <a:gd name="connsiteY6" fmla="*/ 2264898 h 2264898"/>
-              <a:gd name="connsiteX7" fmla="*/ 0 w 2302538"/>
-              <a:gd name="connsiteY7" fmla="*/ 2012261 h 2264898"/>
-              <a:gd name="connsiteX8" fmla="*/ 171450 w 2302538"/>
-              <a:gd name="connsiteY8" fmla="*/ 248534 h 2264898"/>
-              <a:gd name="connsiteX0" fmla="*/ 171450 w 2302538"/>
-              <a:gd name="connsiteY0" fmla="*/ 248534 h 2264898"/>
-              <a:gd name="connsiteX1" fmla="*/ 419984 w 2302538"/>
-              <a:gd name="connsiteY1" fmla="*/ 0 h 2264898"/>
-              <a:gd name="connsiteX2" fmla="*/ 2230018 w 2302538"/>
-              <a:gd name="connsiteY2" fmla="*/ 0 h 2264898"/>
-              <a:gd name="connsiteX3" fmla="*/ 2267536 w 2302538"/>
-              <a:gd name="connsiteY3" fmla="*/ 248534 h 2264898"/>
-              <a:gd name="connsiteX4" fmla="*/ 2197198 w 2302538"/>
-              <a:gd name="connsiteY4" fmla="*/ 1666138 h 2264898"/>
-              <a:gd name="connsiteX5" fmla="*/ 2043328 w 2302538"/>
-              <a:gd name="connsiteY5" fmla="*/ 1856935 h 2264898"/>
-              <a:gd name="connsiteX6" fmla="*/ 138630 w 2302538"/>
-              <a:gd name="connsiteY6" fmla="*/ 2264898 h 2264898"/>
-              <a:gd name="connsiteX7" fmla="*/ 0 w 2302538"/>
-              <a:gd name="connsiteY7" fmla="*/ 2012261 h 2264898"/>
-              <a:gd name="connsiteX8" fmla="*/ 171450 w 2302538"/>
-              <a:gd name="connsiteY8" fmla="*/ 248534 h 2264898"/>
-              <a:gd name="connsiteX0" fmla="*/ 171450 w 2302538"/>
-              <a:gd name="connsiteY0" fmla="*/ 248534 h 2264898"/>
-              <a:gd name="connsiteX1" fmla="*/ 419984 w 2302538"/>
-              <a:gd name="connsiteY1" fmla="*/ 0 h 2264898"/>
-              <a:gd name="connsiteX2" fmla="*/ 2230018 w 2302538"/>
-              <a:gd name="connsiteY2" fmla="*/ 0 h 2264898"/>
-              <a:gd name="connsiteX3" fmla="*/ 2267536 w 2302538"/>
-              <a:gd name="connsiteY3" fmla="*/ 248534 h 2264898"/>
-              <a:gd name="connsiteX4" fmla="*/ 2197198 w 2302538"/>
-              <a:gd name="connsiteY4" fmla="*/ 1666138 h 2264898"/>
-              <a:gd name="connsiteX5" fmla="*/ 2043328 w 2302538"/>
-              <a:gd name="connsiteY5" fmla="*/ 1856935 h 2264898"/>
-              <a:gd name="connsiteX6" fmla="*/ 138630 w 2302538"/>
-              <a:gd name="connsiteY6" fmla="*/ 2264898 h 2264898"/>
-              <a:gd name="connsiteX7" fmla="*/ 0 w 2302538"/>
-              <a:gd name="connsiteY7" fmla="*/ 2012261 h 2264898"/>
-              <a:gd name="connsiteX8" fmla="*/ 171450 w 2302538"/>
-              <a:gd name="connsiteY8" fmla="*/ 248534 h 2264898"/>
-              <a:gd name="connsiteX0" fmla="*/ 171450 w 2302538"/>
-              <a:gd name="connsiteY0" fmla="*/ 248534 h 2264898"/>
-              <a:gd name="connsiteX1" fmla="*/ 419984 w 2302538"/>
-              <a:gd name="connsiteY1" fmla="*/ 0 h 2264898"/>
-              <a:gd name="connsiteX2" fmla="*/ 2230018 w 2302538"/>
-              <a:gd name="connsiteY2" fmla="*/ 0 h 2264898"/>
-              <a:gd name="connsiteX3" fmla="*/ 2267536 w 2302538"/>
-              <a:gd name="connsiteY3" fmla="*/ 248534 h 2264898"/>
-              <a:gd name="connsiteX4" fmla="*/ 2189578 w 2302538"/>
-              <a:gd name="connsiteY4" fmla="*/ 1677568 h 2264898"/>
-              <a:gd name="connsiteX5" fmla="*/ 2043328 w 2302538"/>
-              <a:gd name="connsiteY5" fmla="*/ 1856935 h 2264898"/>
-              <a:gd name="connsiteX6" fmla="*/ 138630 w 2302538"/>
-              <a:gd name="connsiteY6" fmla="*/ 2264898 h 2264898"/>
-              <a:gd name="connsiteX7" fmla="*/ 0 w 2302538"/>
-              <a:gd name="connsiteY7" fmla="*/ 2012261 h 2264898"/>
-              <a:gd name="connsiteX8" fmla="*/ 171450 w 2302538"/>
-              <a:gd name="connsiteY8" fmla="*/ 248534 h 2264898"/>
-              <a:gd name="connsiteX0" fmla="*/ 171450 w 2302538"/>
-              <a:gd name="connsiteY0" fmla="*/ 248534 h 2264898"/>
-              <a:gd name="connsiteX1" fmla="*/ 419984 w 2302538"/>
-              <a:gd name="connsiteY1" fmla="*/ 0 h 2264898"/>
-              <a:gd name="connsiteX2" fmla="*/ 2230018 w 2302538"/>
-              <a:gd name="connsiteY2" fmla="*/ 0 h 2264898"/>
-              <a:gd name="connsiteX3" fmla="*/ 2267536 w 2302538"/>
-              <a:gd name="connsiteY3" fmla="*/ 248534 h 2264898"/>
-              <a:gd name="connsiteX4" fmla="*/ 2189578 w 2302538"/>
-              <a:gd name="connsiteY4" fmla="*/ 1677568 h 2264898"/>
-              <a:gd name="connsiteX5" fmla="*/ 2043328 w 2302538"/>
-              <a:gd name="connsiteY5" fmla="*/ 1856935 h 2264898"/>
-              <a:gd name="connsiteX6" fmla="*/ 138630 w 2302538"/>
-              <a:gd name="connsiteY6" fmla="*/ 2264898 h 2264898"/>
-              <a:gd name="connsiteX7" fmla="*/ 0 w 2302538"/>
-              <a:gd name="connsiteY7" fmla="*/ 2012261 h 2264898"/>
-              <a:gd name="connsiteX8" fmla="*/ 171450 w 2302538"/>
-              <a:gd name="connsiteY8" fmla="*/ 248534 h 2264898"/>
-              <a:gd name="connsiteX0" fmla="*/ 171450 w 2302538"/>
-              <a:gd name="connsiteY0" fmla="*/ 248534 h 2264898"/>
-              <a:gd name="connsiteX1" fmla="*/ 419984 w 2302538"/>
-              <a:gd name="connsiteY1" fmla="*/ 0 h 2264898"/>
-              <a:gd name="connsiteX2" fmla="*/ 2230018 w 2302538"/>
-              <a:gd name="connsiteY2" fmla="*/ 0 h 2264898"/>
-              <a:gd name="connsiteX3" fmla="*/ 2267536 w 2302538"/>
-              <a:gd name="connsiteY3" fmla="*/ 248534 h 2264898"/>
-              <a:gd name="connsiteX4" fmla="*/ 2189578 w 2302538"/>
-              <a:gd name="connsiteY4" fmla="*/ 1677568 h 2264898"/>
-              <a:gd name="connsiteX5" fmla="*/ 2043328 w 2302538"/>
-              <a:gd name="connsiteY5" fmla="*/ 1856935 h 2264898"/>
-              <a:gd name="connsiteX6" fmla="*/ 138630 w 2302538"/>
-              <a:gd name="connsiteY6" fmla="*/ 2264898 h 2264898"/>
-              <a:gd name="connsiteX7" fmla="*/ 0 w 2302538"/>
-              <a:gd name="connsiteY7" fmla="*/ 2012261 h 2264898"/>
-              <a:gd name="connsiteX8" fmla="*/ 171450 w 2302538"/>
-              <a:gd name="connsiteY8" fmla="*/ 248534 h 2264898"/>
-              <a:gd name="connsiteX0" fmla="*/ 171450 w 2296034"/>
-              <a:gd name="connsiteY0" fmla="*/ 248534 h 2264898"/>
-              <a:gd name="connsiteX1" fmla="*/ 419984 w 2296034"/>
-              <a:gd name="connsiteY1" fmla="*/ 0 h 2264898"/>
-              <a:gd name="connsiteX2" fmla="*/ 2230018 w 2296034"/>
-              <a:gd name="connsiteY2" fmla="*/ 0 h 2264898"/>
-              <a:gd name="connsiteX3" fmla="*/ 2267536 w 2296034"/>
-              <a:gd name="connsiteY3" fmla="*/ 248534 h 2264898"/>
-              <a:gd name="connsiteX4" fmla="*/ 2189578 w 2296034"/>
-              <a:gd name="connsiteY4" fmla="*/ 1677568 h 2264898"/>
-              <a:gd name="connsiteX5" fmla="*/ 2043328 w 2296034"/>
-              <a:gd name="connsiteY5" fmla="*/ 1856935 h 2264898"/>
-              <a:gd name="connsiteX6" fmla="*/ 138630 w 2296034"/>
-              <a:gd name="connsiteY6" fmla="*/ 2264898 h 2264898"/>
-              <a:gd name="connsiteX7" fmla="*/ 0 w 2296034"/>
-              <a:gd name="connsiteY7" fmla="*/ 2012261 h 2264898"/>
-              <a:gd name="connsiteX8" fmla="*/ 171450 w 2296034"/>
-              <a:gd name="connsiteY8" fmla="*/ 248534 h 2264898"/>
-              <a:gd name="connsiteX0" fmla="*/ 171450 w 2300669"/>
-              <a:gd name="connsiteY0" fmla="*/ 248534 h 2264898"/>
-              <a:gd name="connsiteX1" fmla="*/ 419984 w 2300669"/>
-              <a:gd name="connsiteY1" fmla="*/ 0 h 2264898"/>
-              <a:gd name="connsiteX2" fmla="*/ 2230018 w 2300669"/>
-              <a:gd name="connsiteY2" fmla="*/ 0 h 2264898"/>
-              <a:gd name="connsiteX3" fmla="*/ 2278966 w 2300669"/>
-              <a:gd name="connsiteY3" fmla="*/ 248534 h 2264898"/>
-              <a:gd name="connsiteX4" fmla="*/ 2189578 w 2300669"/>
-              <a:gd name="connsiteY4" fmla="*/ 1677568 h 2264898"/>
-              <a:gd name="connsiteX5" fmla="*/ 2043328 w 2300669"/>
-              <a:gd name="connsiteY5" fmla="*/ 1856935 h 2264898"/>
-              <a:gd name="connsiteX6" fmla="*/ 138630 w 2300669"/>
-              <a:gd name="connsiteY6" fmla="*/ 2264898 h 2264898"/>
-              <a:gd name="connsiteX7" fmla="*/ 0 w 2300669"/>
-              <a:gd name="connsiteY7" fmla="*/ 2012261 h 2264898"/>
-              <a:gd name="connsiteX8" fmla="*/ 171450 w 2300669"/>
-              <a:gd name="connsiteY8" fmla="*/ 248534 h 2264898"/>
-              <a:gd name="connsiteX0" fmla="*/ 171450 w 2300669"/>
-              <a:gd name="connsiteY0" fmla="*/ 248534 h 2264898"/>
-              <a:gd name="connsiteX1" fmla="*/ 419984 w 2300669"/>
-              <a:gd name="connsiteY1" fmla="*/ 0 h 2264898"/>
-              <a:gd name="connsiteX2" fmla="*/ 2230018 w 2300669"/>
-              <a:gd name="connsiteY2" fmla="*/ 0 h 2264898"/>
-              <a:gd name="connsiteX3" fmla="*/ 2278966 w 2300669"/>
-              <a:gd name="connsiteY3" fmla="*/ 248534 h 2264898"/>
-              <a:gd name="connsiteX4" fmla="*/ 2189578 w 2300669"/>
-              <a:gd name="connsiteY4" fmla="*/ 1677568 h 2264898"/>
-              <a:gd name="connsiteX5" fmla="*/ 2043328 w 2300669"/>
-              <a:gd name="connsiteY5" fmla="*/ 1856935 h 2264898"/>
-              <a:gd name="connsiteX6" fmla="*/ 138630 w 2300669"/>
-              <a:gd name="connsiteY6" fmla="*/ 2264898 h 2264898"/>
-              <a:gd name="connsiteX7" fmla="*/ 0 w 2300669"/>
-              <a:gd name="connsiteY7" fmla="*/ 2012261 h 2264898"/>
-              <a:gd name="connsiteX8" fmla="*/ 171450 w 2300669"/>
-              <a:gd name="connsiteY8" fmla="*/ 248534 h 2264898"/>
-              <a:gd name="connsiteX0" fmla="*/ 171450 w 2300669"/>
-              <a:gd name="connsiteY0" fmla="*/ 248534 h 2264898"/>
-              <a:gd name="connsiteX1" fmla="*/ 419984 w 2300669"/>
-              <a:gd name="connsiteY1" fmla="*/ 0 h 2264898"/>
-              <a:gd name="connsiteX2" fmla="*/ 2230018 w 2300669"/>
-              <a:gd name="connsiteY2" fmla="*/ 0 h 2264898"/>
-              <a:gd name="connsiteX3" fmla="*/ 2278966 w 2300669"/>
-              <a:gd name="connsiteY3" fmla="*/ 248534 h 2264898"/>
-              <a:gd name="connsiteX4" fmla="*/ 2189578 w 2300669"/>
-              <a:gd name="connsiteY4" fmla="*/ 1677568 h 2264898"/>
-              <a:gd name="connsiteX5" fmla="*/ 2043328 w 2300669"/>
-              <a:gd name="connsiteY5" fmla="*/ 1856935 h 2264898"/>
-              <a:gd name="connsiteX6" fmla="*/ 138630 w 2300669"/>
-              <a:gd name="connsiteY6" fmla="*/ 2264898 h 2264898"/>
-              <a:gd name="connsiteX7" fmla="*/ 0 w 2300669"/>
-              <a:gd name="connsiteY7" fmla="*/ 2012261 h 2264898"/>
-              <a:gd name="connsiteX8" fmla="*/ 171450 w 2300669"/>
-              <a:gd name="connsiteY8" fmla="*/ 248534 h 2264898"/>
-              <a:gd name="connsiteX0" fmla="*/ 171450 w 2299392"/>
-              <a:gd name="connsiteY0" fmla="*/ 248534 h 2264898"/>
-              <a:gd name="connsiteX1" fmla="*/ 419984 w 2299392"/>
-              <a:gd name="connsiteY1" fmla="*/ 0 h 2264898"/>
-              <a:gd name="connsiteX2" fmla="*/ 2230018 w 2299392"/>
-              <a:gd name="connsiteY2" fmla="*/ 0 h 2264898"/>
-              <a:gd name="connsiteX3" fmla="*/ 2278966 w 2299392"/>
-              <a:gd name="connsiteY3" fmla="*/ 248534 h 2264898"/>
-              <a:gd name="connsiteX4" fmla="*/ 2189578 w 2299392"/>
-              <a:gd name="connsiteY4" fmla="*/ 1677568 h 2264898"/>
-              <a:gd name="connsiteX5" fmla="*/ 2043328 w 2299392"/>
-              <a:gd name="connsiteY5" fmla="*/ 1856935 h 2264898"/>
-              <a:gd name="connsiteX6" fmla="*/ 138630 w 2299392"/>
-              <a:gd name="connsiteY6" fmla="*/ 2264898 h 2264898"/>
-              <a:gd name="connsiteX7" fmla="*/ 0 w 2299392"/>
-              <a:gd name="connsiteY7" fmla="*/ 2012261 h 2264898"/>
-              <a:gd name="connsiteX8" fmla="*/ 171450 w 2299392"/>
-              <a:gd name="connsiteY8" fmla="*/ 248534 h 2264898"/>
-              <a:gd name="connsiteX0" fmla="*/ 171450 w 2301034"/>
-              <a:gd name="connsiteY0" fmla="*/ 248534 h 2264898"/>
-              <a:gd name="connsiteX1" fmla="*/ 419984 w 2301034"/>
-              <a:gd name="connsiteY1" fmla="*/ 0 h 2264898"/>
-              <a:gd name="connsiteX2" fmla="*/ 2230018 w 2301034"/>
-              <a:gd name="connsiteY2" fmla="*/ 0 h 2264898"/>
-              <a:gd name="connsiteX3" fmla="*/ 2282776 w 2301034"/>
-              <a:gd name="connsiteY3" fmla="*/ 122804 h 2264898"/>
-              <a:gd name="connsiteX4" fmla="*/ 2189578 w 2301034"/>
-              <a:gd name="connsiteY4" fmla="*/ 1677568 h 2264898"/>
-              <a:gd name="connsiteX5" fmla="*/ 2043328 w 2301034"/>
-              <a:gd name="connsiteY5" fmla="*/ 1856935 h 2264898"/>
-              <a:gd name="connsiteX6" fmla="*/ 138630 w 2301034"/>
-              <a:gd name="connsiteY6" fmla="*/ 2264898 h 2264898"/>
-              <a:gd name="connsiteX7" fmla="*/ 0 w 2301034"/>
-              <a:gd name="connsiteY7" fmla="*/ 2012261 h 2264898"/>
-              <a:gd name="connsiteX8" fmla="*/ 171450 w 2301034"/>
-              <a:gd name="connsiteY8" fmla="*/ 248534 h 2264898"/>
-              <a:gd name="connsiteX0" fmla="*/ 171450 w 2297227"/>
-              <a:gd name="connsiteY0" fmla="*/ 248534 h 2264898"/>
-              <a:gd name="connsiteX1" fmla="*/ 419984 w 2297227"/>
-              <a:gd name="connsiteY1" fmla="*/ 0 h 2264898"/>
-              <a:gd name="connsiteX2" fmla="*/ 2230018 w 2297227"/>
-              <a:gd name="connsiteY2" fmla="*/ 0 h 2264898"/>
-              <a:gd name="connsiteX3" fmla="*/ 2282776 w 2297227"/>
-              <a:gd name="connsiteY3" fmla="*/ 122804 h 2264898"/>
-              <a:gd name="connsiteX4" fmla="*/ 2189578 w 2297227"/>
-              <a:gd name="connsiteY4" fmla="*/ 1677568 h 2264898"/>
-              <a:gd name="connsiteX5" fmla="*/ 2043328 w 2297227"/>
-              <a:gd name="connsiteY5" fmla="*/ 1856935 h 2264898"/>
-              <a:gd name="connsiteX6" fmla="*/ 138630 w 2297227"/>
-              <a:gd name="connsiteY6" fmla="*/ 2264898 h 2264898"/>
-              <a:gd name="connsiteX7" fmla="*/ 0 w 2297227"/>
-              <a:gd name="connsiteY7" fmla="*/ 2012261 h 2264898"/>
-              <a:gd name="connsiteX8" fmla="*/ 171450 w 2297227"/>
-              <a:gd name="connsiteY8" fmla="*/ 248534 h 2264898"/>
-              <a:gd name="connsiteX0" fmla="*/ 171450 w 2285371"/>
-              <a:gd name="connsiteY0" fmla="*/ 248534 h 2264898"/>
-              <a:gd name="connsiteX1" fmla="*/ 419984 w 2285371"/>
-              <a:gd name="connsiteY1" fmla="*/ 0 h 2264898"/>
-              <a:gd name="connsiteX2" fmla="*/ 2230018 w 2285371"/>
-              <a:gd name="connsiteY2" fmla="*/ 0 h 2264898"/>
-              <a:gd name="connsiteX3" fmla="*/ 2282776 w 2285371"/>
-              <a:gd name="connsiteY3" fmla="*/ 122804 h 2264898"/>
-              <a:gd name="connsiteX4" fmla="*/ 2189578 w 2285371"/>
-              <a:gd name="connsiteY4" fmla="*/ 1677568 h 2264898"/>
-              <a:gd name="connsiteX5" fmla="*/ 2043328 w 2285371"/>
-              <a:gd name="connsiteY5" fmla="*/ 1856935 h 2264898"/>
-              <a:gd name="connsiteX6" fmla="*/ 138630 w 2285371"/>
-              <a:gd name="connsiteY6" fmla="*/ 2264898 h 2264898"/>
-              <a:gd name="connsiteX7" fmla="*/ 0 w 2285371"/>
-              <a:gd name="connsiteY7" fmla="*/ 2012261 h 2264898"/>
-              <a:gd name="connsiteX8" fmla="*/ 171450 w 2285371"/>
-              <a:gd name="connsiteY8" fmla="*/ 248534 h 2264898"/>
-            </a:gdLst>
-            <a:ahLst/>
-            <a:cxnLst>
-              <a:cxn ang="0">
-                <a:pos x="connsiteX0" y="connsiteY0"/>
-              </a:cxn>
-              <a:cxn ang="0">
-                <a:pos x="connsiteX1" y="connsiteY1"/>
-              </a:cxn>
-              <a:cxn ang="0">
-                <a:pos x="connsiteX2" y="connsiteY2"/>
-              </a:cxn>
-              <a:cxn ang="0">
-                <a:pos x="connsiteX3" y="connsiteY3"/>
-              </a:cxn>
-              <a:cxn ang="0">
-                <a:pos x="connsiteX4" y="connsiteY4"/>
-              </a:cxn>
-              <a:cxn ang="0">
-                <a:pos x="connsiteX5" y="connsiteY5"/>
-              </a:cxn>
-              <a:cxn ang="0">
-                <a:pos x="connsiteX6" y="connsiteY6"/>
-              </a:cxn>
-              <a:cxn ang="0">
-                <a:pos x="connsiteX7" y="connsiteY7"/>
-              </a:cxn>
-              <a:cxn ang="0">
-                <a:pos x="connsiteX8" y="connsiteY8"/>
-              </a:cxn>
-            </a:cxnLst>
-            <a:rect l="l" t="t" r="r" b="b"/>
-            <a:pathLst>
-              <a:path w="2285371" h="2264898">
-                <a:moveTo>
-                  <a:pt x="171450" y="248534"/>
-                </a:moveTo>
-                <a:cubicBezTo>
-                  <a:pt x="171450" y="111272"/>
-                  <a:pt x="282722" y="0"/>
-                  <a:pt x="419984" y="0"/>
-                </a:cubicBezTo>
-                <a:lnTo>
-                  <a:pt x="2230018" y="0"/>
-                </a:lnTo>
-                <a:cubicBezTo>
-                  <a:pt x="2352040" y="3810"/>
-                  <a:pt x="2225626" y="282722"/>
-                  <a:pt x="2282776" y="122804"/>
-                </a:cubicBezTo>
-                <a:cubicBezTo>
-                  <a:pt x="2282776" y="454173"/>
-                  <a:pt x="2220058" y="1346199"/>
-                  <a:pt x="2189578" y="1677568"/>
-                </a:cubicBezTo>
-                <a:cubicBezTo>
-                  <a:pt x="2155288" y="1814830"/>
-                  <a:pt x="2203450" y="1822645"/>
-                  <a:pt x="2043328" y="1856935"/>
-                </a:cubicBezTo>
-                <a:lnTo>
-                  <a:pt x="138630" y="2264898"/>
-                </a:lnTo>
-                <a:cubicBezTo>
-                  <a:pt x="1368" y="2264898"/>
-                  <a:pt x="0" y="2149523"/>
-                  <a:pt x="0" y="2012261"/>
-                </a:cubicBezTo>
-                <a:lnTo>
-                  <a:pt x="171450" y="248534"/>
-                </a:lnTo>
-                <a:close/>
-              </a:path>
-            </a:pathLst>
-          </a:custGeom>
-          <a:solidFill>
-            <a:schemeClr val="accent1">
-              <a:lumMod val="75000"/>
-              <a:alpha val="44000"/>
-            </a:schemeClr>
-          </a:solidFill>
-          <a:ln w="1270">
-            <a:solidFill>
-              <a:srgbClr val="25557B">
-                <a:alpha val="66000"/>
-              </a:srgbClr>
-            </a:solidFill>
-          </a:ln>
-        </p:spPr>
-        <p:style>
-          <a:lnRef idx="2">
-            <a:schemeClr val="accent1">
-              <a:shade val="50000"/>
-            </a:schemeClr>
-          </a:lnRef>
-          <a:fillRef idx="1">
-            <a:schemeClr val="accent1"/>
-          </a:fillRef>
-          <a:effectRef idx="0">
-            <a:schemeClr val="accent1"/>
-          </a:effectRef>
-          <a:fontRef idx="minor">
-            <a:schemeClr val="lt1"/>
-          </a:fontRef>
-        </p:style>
-        <p:txBody>
-          <a:bodyPr rtlCol="0" anchor="ctr"/>
-          <a:lstStyle/>
-          <a:p>
-            <a:pPr algn="ctr"/>
-            <a:endParaRPr lang="es-MX" dirty="0"/>
-          </a:p>
-        </p:txBody>
-      </p:sp>
-      <p:sp>
-        <p:nvSpPr>
           <p:cNvPr id="15" name="Rectángulo: esquinas redondeadas 3">
             <a:extLst>
               <a:ext uri="{FF2B5EF4-FFF2-40B4-BE49-F238E27FC236}">
@@ -11729,7 +11591,7 @@
         </p:nvSpPr>
         <p:spPr>
           <a:xfrm>
-            <a:off x="2499552" y="3002451"/>
+            <a:off x="3409821" y="1556328"/>
             <a:ext cx="1380587" cy="458841"/>
           </a:xfrm>
           <a:custGeom>
@@ -12285,8 +12147,8 @@
         </p:nvSpPr>
         <p:spPr>
           <a:xfrm>
-            <a:off x="822658" y="1252156"/>
-            <a:ext cx="818394" cy="865685"/>
+            <a:off x="830064" y="1786030"/>
+            <a:ext cx="476400" cy="865685"/>
           </a:xfrm>
           <a:custGeom>
             <a:avLst/>
@@ -12794,7 +12656,7 @@
             </a:pathLst>
           </a:custGeom>
           <a:noFill/>
-          <a:ln w="57150">
+          <a:ln w="6350">
             <a:solidFill>
               <a:schemeClr val="bg1"/>
             </a:solidFill>
@@ -12839,7 +12701,7 @@
         </p:nvSpPr>
         <p:spPr>
           <a:xfrm>
-            <a:off x="1410815" y="5097744"/>
+            <a:off x="3759360" y="2888955"/>
             <a:ext cx="1016707" cy="519281"/>
           </a:xfrm>
           <a:custGeom>
@@ -13387,7 +13249,7 @@
         </p:nvSpPr>
         <p:spPr>
           <a:xfrm>
-            <a:off x="1726268" y="5217372"/>
+            <a:off x="4074813" y="3008583"/>
             <a:ext cx="642211" cy="397554"/>
           </a:xfrm>
           <a:custGeom>
@@ -14015,7 +13877,7 @@
         </p:nvSpPr>
         <p:spPr>
           <a:xfrm>
-            <a:off x="828474" y="2054476"/>
+            <a:off x="7572162" y="4335391"/>
             <a:ext cx="1132790" cy="1216545"/>
           </a:xfrm>
           <a:prstGeom prst="rect">
@@ -14059,15 +13921,15 @@
       </p:sp>
       <p:pic>
         <p:nvPicPr>
-          <p:cNvPr id="23" name="Picture 2" descr="Resultado de imagen para login.png">
+          <p:cNvPr id="25" name="Imagen 24">
             <a:extLst>
               <a:ext uri="{FF2B5EF4-FFF2-40B4-BE49-F238E27FC236}">
-                <a16:creationId xmlns:a16="http://schemas.microsoft.com/office/drawing/2014/main" id="{84893020-8153-4AAF-ADF0-B67B97915737}"/>
+                <a16:creationId xmlns:a16="http://schemas.microsoft.com/office/drawing/2014/main" id="{3EBF31BD-E1BA-4C66-A6C8-6C248F385AA4}"/>
               </a:ext>
             </a:extLst>
           </p:cNvPr>
           <p:cNvPicPr>
-            <a:picLocks noChangeAspect="1" noChangeArrowheads="1"/>
+            <a:picLocks noChangeAspect="1"/>
           </p:cNvPicPr>
           <p:nvPr/>
         </p:nvPicPr>
@@ -14079,37 +13941,1571 @@
               </a:ext>
             </a:extLst>
           </a:blip>
-          <a:srcRect/>
           <a:stretch>
             <a:fillRect/>
           </a:stretch>
         </p:blipFill>
-        <p:spPr bwMode="auto">
+        <p:spPr>
           <a:xfrm>
-            <a:off x="809579" y="2125321"/>
-            <a:ext cx="1066328" cy="1066328"/>
+            <a:off x="6683990" y="-89922"/>
+            <a:ext cx="2597230" cy="3626591"/>
           </a:xfrm>
           <a:prstGeom prst="rect">
             <a:avLst/>
           </a:prstGeom>
-          <a:noFill/>
-          <a:extLst>
-            <a:ext uri="{909E8E84-426E-40DD-AFC4-6F175D3DCCD1}">
-              <a14:hiddenFill xmlns:a14="http://schemas.microsoft.com/office/drawing/2010/main">
-                <a:solidFill>
-                  <a:srgbClr val="FFFFFF"/>
-                </a:solidFill>
-              </a14:hiddenFill>
-            </a:ext>
-          </a:extLst>
         </p:spPr>
       </p:pic>
+      <p:sp>
+        <p:nvSpPr>
+          <p:cNvPr id="24" name="Rectángulo: esquinas redondeadas 3">
+            <a:extLst>
+              <a:ext uri="{FF2B5EF4-FFF2-40B4-BE49-F238E27FC236}">
+                <a16:creationId xmlns:a16="http://schemas.microsoft.com/office/drawing/2014/main" id="{ECD9CA57-6594-4EC0-B017-35CDE293C9EF}"/>
+              </a:ext>
+            </a:extLst>
+          </p:cNvPr>
+          <p:cNvSpPr/>
+          <p:nvPr/>
+        </p:nvSpPr>
+        <p:spPr>
+          <a:xfrm>
+            <a:off x="1276350" y="3018738"/>
+            <a:ext cx="481970" cy="212049"/>
+          </a:xfrm>
+          <a:custGeom>
+            <a:avLst/>
+            <a:gdLst>
+              <a:gd name="connsiteX0" fmla="*/ 0 w 2307102"/>
+              <a:gd name="connsiteY0" fmla="*/ 248534 h 1491175"/>
+              <a:gd name="connsiteX1" fmla="*/ 248534 w 2307102"/>
+              <a:gd name="connsiteY1" fmla="*/ 0 h 1491175"/>
+              <a:gd name="connsiteX2" fmla="*/ 2058568 w 2307102"/>
+              <a:gd name="connsiteY2" fmla="*/ 0 h 1491175"/>
+              <a:gd name="connsiteX3" fmla="*/ 2307102 w 2307102"/>
+              <a:gd name="connsiteY3" fmla="*/ 248534 h 1491175"/>
+              <a:gd name="connsiteX4" fmla="*/ 2307102 w 2307102"/>
+              <a:gd name="connsiteY4" fmla="*/ 1242641 h 1491175"/>
+              <a:gd name="connsiteX5" fmla="*/ 2058568 w 2307102"/>
+              <a:gd name="connsiteY5" fmla="*/ 1491175 h 1491175"/>
+              <a:gd name="connsiteX6" fmla="*/ 248534 w 2307102"/>
+              <a:gd name="connsiteY6" fmla="*/ 1491175 h 1491175"/>
+              <a:gd name="connsiteX7" fmla="*/ 0 w 2307102"/>
+              <a:gd name="connsiteY7" fmla="*/ 1242641 h 1491175"/>
+              <a:gd name="connsiteX8" fmla="*/ 0 w 2307102"/>
+              <a:gd name="connsiteY8" fmla="*/ 248534 h 1491175"/>
+              <a:gd name="connsiteX0" fmla="*/ 0 w 2307102"/>
+              <a:gd name="connsiteY0" fmla="*/ 248534 h 1491175"/>
+              <a:gd name="connsiteX1" fmla="*/ 248534 w 2307102"/>
+              <a:gd name="connsiteY1" fmla="*/ 0 h 1491175"/>
+              <a:gd name="connsiteX2" fmla="*/ 2058568 w 2307102"/>
+              <a:gd name="connsiteY2" fmla="*/ 0 h 1491175"/>
+              <a:gd name="connsiteX3" fmla="*/ 2096086 w 2307102"/>
+              <a:gd name="connsiteY3" fmla="*/ 248534 h 1491175"/>
+              <a:gd name="connsiteX4" fmla="*/ 2307102 w 2307102"/>
+              <a:gd name="connsiteY4" fmla="*/ 1242641 h 1491175"/>
+              <a:gd name="connsiteX5" fmla="*/ 2058568 w 2307102"/>
+              <a:gd name="connsiteY5" fmla="*/ 1491175 h 1491175"/>
+              <a:gd name="connsiteX6" fmla="*/ 248534 w 2307102"/>
+              <a:gd name="connsiteY6" fmla="*/ 1491175 h 1491175"/>
+              <a:gd name="connsiteX7" fmla="*/ 0 w 2307102"/>
+              <a:gd name="connsiteY7" fmla="*/ 1242641 h 1491175"/>
+              <a:gd name="connsiteX8" fmla="*/ 0 w 2307102"/>
+              <a:gd name="connsiteY8" fmla="*/ 248534 h 1491175"/>
+              <a:gd name="connsiteX0" fmla="*/ 0 w 2307102"/>
+              <a:gd name="connsiteY0" fmla="*/ 248534 h 1856935"/>
+              <a:gd name="connsiteX1" fmla="*/ 248534 w 2307102"/>
+              <a:gd name="connsiteY1" fmla="*/ 0 h 1856935"/>
+              <a:gd name="connsiteX2" fmla="*/ 2058568 w 2307102"/>
+              <a:gd name="connsiteY2" fmla="*/ 0 h 1856935"/>
+              <a:gd name="connsiteX3" fmla="*/ 2096086 w 2307102"/>
+              <a:gd name="connsiteY3" fmla="*/ 248534 h 1856935"/>
+              <a:gd name="connsiteX4" fmla="*/ 2307102 w 2307102"/>
+              <a:gd name="connsiteY4" fmla="*/ 1242641 h 1856935"/>
+              <a:gd name="connsiteX5" fmla="*/ 1875688 w 2307102"/>
+              <a:gd name="connsiteY5" fmla="*/ 1856935 h 1856935"/>
+              <a:gd name="connsiteX6" fmla="*/ 248534 w 2307102"/>
+              <a:gd name="connsiteY6" fmla="*/ 1491175 h 1856935"/>
+              <a:gd name="connsiteX7" fmla="*/ 0 w 2307102"/>
+              <a:gd name="connsiteY7" fmla="*/ 1242641 h 1856935"/>
+              <a:gd name="connsiteX8" fmla="*/ 0 w 2307102"/>
+              <a:gd name="connsiteY8" fmla="*/ 248534 h 1856935"/>
+              <a:gd name="connsiteX0" fmla="*/ 0 w 2131088"/>
+              <a:gd name="connsiteY0" fmla="*/ 248534 h 1856935"/>
+              <a:gd name="connsiteX1" fmla="*/ 248534 w 2131088"/>
+              <a:gd name="connsiteY1" fmla="*/ 0 h 1856935"/>
+              <a:gd name="connsiteX2" fmla="*/ 2058568 w 2131088"/>
+              <a:gd name="connsiteY2" fmla="*/ 0 h 1856935"/>
+              <a:gd name="connsiteX3" fmla="*/ 2096086 w 2131088"/>
+              <a:gd name="connsiteY3" fmla="*/ 248534 h 1856935"/>
+              <a:gd name="connsiteX4" fmla="*/ 2025748 w 2131088"/>
+              <a:gd name="connsiteY4" fmla="*/ 1692808 h 1856935"/>
+              <a:gd name="connsiteX5" fmla="*/ 1875688 w 2131088"/>
+              <a:gd name="connsiteY5" fmla="*/ 1856935 h 1856935"/>
+              <a:gd name="connsiteX6" fmla="*/ 248534 w 2131088"/>
+              <a:gd name="connsiteY6" fmla="*/ 1491175 h 1856935"/>
+              <a:gd name="connsiteX7" fmla="*/ 0 w 2131088"/>
+              <a:gd name="connsiteY7" fmla="*/ 1242641 h 1856935"/>
+              <a:gd name="connsiteX8" fmla="*/ 0 w 2131088"/>
+              <a:gd name="connsiteY8" fmla="*/ 248534 h 1856935"/>
+              <a:gd name="connsiteX0" fmla="*/ 86342 w 2217430"/>
+              <a:gd name="connsiteY0" fmla="*/ 248534 h 2264898"/>
+              <a:gd name="connsiteX1" fmla="*/ 334876 w 2217430"/>
+              <a:gd name="connsiteY1" fmla="*/ 0 h 2264898"/>
+              <a:gd name="connsiteX2" fmla="*/ 2144910 w 2217430"/>
+              <a:gd name="connsiteY2" fmla="*/ 0 h 2264898"/>
+              <a:gd name="connsiteX3" fmla="*/ 2182428 w 2217430"/>
+              <a:gd name="connsiteY3" fmla="*/ 248534 h 2264898"/>
+              <a:gd name="connsiteX4" fmla="*/ 2112090 w 2217430"/>
+              <a:gd name="connsiteY4" fmla="*/ 1692808 h 2264898"/>
+              <a:gd name="connsiteX5" fmla="*/ 1962030 w 2217430"/>
+              <a:gd name="connsiteY5" fmla="*/ 1856935 h 2264898"/>
+              <a:gd name="connsiteX6" fmla="*/ 53522 w 2217430"/>
+              <a:gd name="connsiteY6" fmla="*/ 2264898 h 2264898"/>
+              <a:gd name="connsiteX7" fmla="*/ 86342 w 2217430"/>
+              <a:gd name="connsiteY7" fmla="*/ 1242641 h 2264898"/>
+              <a:gd name="connsiteX8" fmla="*/ 86342 w 2217430"/>
+              <a:gd name="connsiteY8" fmla="*/ 248534 h 2264898"/>
+              <a:gd name="connsiteX0" fmla="*/ 115610 w 2246698"/>
+              <a:gd name="connsiteY0" fmla="*/ 248534 h 2264898"/>
+              <a:gd name="connsiteX1" fmla="*/ 364144 w 2246698"/>
+              <a:gd name="connsiteY1" fmla="*/ 0 h 2264898"/>
+              <a:gd name="connsiteX2" fmla="*/ 2174178 w 2246698"/>
+              <a:gd name="connsiteY2" fmla="*/ 0 h 2264898"/>
+              <a:gd name="connsiteX3" fmla="*/ 2211696 w 2246698"/>
+              <a:gd name="connsiteY3" fmla="*/ 248534 h 2264898"/>
+              <a:gd name="connsiteX4" fmla="*/ 2141358 w 2246698"/>
+              <a:gd name="connsiteY4" fmla="*/ 1692808 h 2264898"/>
+              <a:gd name="connsiteX5" fmla="*/ 1991298 w 2246698"/>
+              <a:gd name="connsiteY5" fmla="*/ 1856935 h 2264898"/>
+              <a:gd name="connsiteX6" fmla="*/ 82790 w 2246698"/>
+              <a:gd name="connsiteY6" fmla="*/ 2264898 h 2264898"/>
+              <a:gd name="connsiteX7" fmla="*/ 20360 w 2246698"/>
+              <a:gd name="connsiteY7" fmla="*/ 1246451 h 2264898"/>
+              <a:gd name="connsiteX8" fmla="*/ 115610 w 2246698"/>
+              <a:gd name="connsiteY8" fmla="*/ 248534 h 2264898"/>
+              <a:gd name="connsiteX0" fmla="*/ 171450 w 2302538"/>
+              <a:gd name="connsiteY0" fmla="*/ 248534 h 2264898"/>
+              <a:gd name="connsiteX1" fmla="*/ 419984 w 2302538"/>
+              <a:gd name="connsiteY1" fmla="*/ 0 h 2264898"/>
+              <a:gd name="connsiteX2" fmla="*/ 2230018 w 2302538"/>
+              <a:gd name="connsiteY2" fmla="*/ 0 h 2264898"/>
+              <a:gd name="connsiteX3" fmla="*/ 2267536 w 2302538"/>
+              <a:gd name="connsiteY3" fmla="*/ 248534 h 2264898"/>
+              <a:gd name="connsiteX4" fmla="*/ 2197198 w 2302538"/>
+              <a:gd name="connsiteY4" fmla="*/ 1692808 h 2264898"/>
+              <a:gd name="connsiteX5" fmla="*/ 2047138 w 2302538"/>
+              <a:gd name="connsiteY5" fmla="*/ 1856935 h 2264898"/>
+              <a:gd name="connsiteX6" fmla="*/ 138630 w 2302538"/>
+              <a:gd name="connsiteY6" fmla="*/ 2264898 h 2264898"/>
+              <a:gd name="connsiteX7" fmla="*/ 0 w 2302538"/>
+              <a:gd name="connsiteY7" fmla="*/ 2012261 h 2264898"/>
+              <a:gd name="connsiteX8" fmla="*/ 171450 w 2302538"/>
+              <a:gd name="connsiteY8" fmla="*/ 248534 h 2264898"/>
+              <a:gd name="connsiteX0" fmla="*/ 171450 w 2302538"/>
+              <a:gd name="connsiteY0" fmla="*/ 248534 h 2264898"/>
+              <a:gd name="connsiteX1" fmla="*/ 419984 w 2302538"/>
+              <a:gd name="connsiteY1" fmla="*/ 0 h 2264898"/>
+              <a:gd name="connsiteX2" fmla="*/ 2230018 w 2302538"/>
+              <a:gd name="connsiteY2" fmla="*/ 0 h 2264898"/>
+              <a:gd name="connsiteX3" fmla="*/ 2267536 w 2302538"/>
+              <a:gd name="connsiteY3" fmla="*/ 248534 h 2264898"/>
+              <a:gd name="connsiteX4" fmla="*/ 2197198 w 2302538"/>
+              <a:gd name="connsiteY4" fmla="*/ 1692808 h 2264898"/>
+              <a:gd name="connsiteX5" fmla="*/ 2047138 w 2302538"/>
+              <a:gd name="connsiteY5" fmla="*/ 1856935 h 2264898"/>
+              <a:gd name="connsiteX6" fmla="*/ 138630 w 2302538"/>
+              <a:gd name="connsiteY6" fmla="*/ 2264898 h 2264898"/>
+              <a:gd name="connsiteX7" fmla="*/ 0 w 2302538"/>
+              <a:gd name="connsiteY7" fmla="*/ 2012261 h 2264898"/>
+              <a:gd name="connsiteX8" fmla="*/ 171450 w 2302538"/>
+              <a:gd name="connsiteY8" fmla="*/ 248534 h 2264898"/>
+              <a:gd name="connsiteX0" fmla="*/ 171450 w 2302538"/>
+              <a:gd name="connsiteY0" fmla="*/ 248534 h 2264898"/>
+              <a:gd name="connsiteX1" fmla="*/ 419984 w 2302538"/>
+              <a:gd name="connsiteY1" fmla="*/ 0 h 2264898"/>
+              <a:gd name="connsiteX2" fmla="*/ 2230018 w 2302538"/>
+              <a:gd name="connsiteY2" fmla="*/ 0 h 2264898"/>
+              <a:gd name="connsiteX3" fmla="*/ 2267536 w 2302538"/>
+              <a:gd name="connsiteY3" fmla="*/ 248534 h 2264898"/>
+              <a:gd name="connsiteX4" fmla="*/ 2197198 w 2302538"/>
+              <a:gd name="connsiteY4" fmla="*/ 1666138 h 2264898"/>
+              <a:gd name="connsiteX5" fmla="*/ 2047138 w 2302538"/>
+              <a:gd name="connsiteY5" fmla="*/ 1856935 h 2264898"/>
+              <a:gd name="connsiteX6" fmla="*/ 138630 w 2302538"/>
+              <a:gd name="connsiteY6" fmla="*/ 2264898 h 2264898"/>
+              <a:gd name="connsiteX7" fmla="*/ 0 w 2302538"/>
+              <a:gd name="connsiteY7" fmla="*/ 2012261 h 2264898"/>
+              <a:gd name="connsiteX8" fmla="*/ 171450 w 2302538"/>
+              <a:gd name="connsiteY8" fmla="*/ 248534 h 2264898"/>
+              <a:gd name="connsiteX0" fmla="*/ 171450 w 2302538"/>
+              <a:gd name="connsiteY0" fmla="*/ 248534 h 2264898"/>
+              <a:gd name="connsiteX1" fmla="*/ 419984 w 2302538"/>
+              <a:gd name="connsiteY1" fmla="*/ 0 h 2264898"/>
+              <a:gd name="connsiteX2" fmla="*/ 2230018 w 2302538"/>
+              <a:gd name="connsiteY2" fmla="*/ 0 h 2264898"/>
+              <a:gd name="connsiteX3" fmla="*/ 2267536 w 2302538"/>
+              <a:gd name="connsiteY3" fmla="*/ 248534 h 2264898"/>
+              <a:gd name="connsiteX4" fmla="*/ 2197198 w 2302538"/>
+              <a:gd name="connsiteY4" fmla="*/ 1666138 h 2264898"/>
+              <a:gd name="connsiteX5" fmla="*/ 2047138 w 2302538"/>
+              <a:gd name="connsiteY5" fmla="*/ 1856935 h 2264898"/>
+              <a:gd name="connsiteX6" fmla="*/ 138630 w 2302538"/>
+              <a:gd name="connsiteY6" fmla="*/ 2264898 h 2264898"/>
+              <a:gd name="connsiteX7" fmla="*/ 0 w 2302538"/>
+              <a:gd name="connsiteY7" fmla="*/ 2012261 h 2264898"/>
+              <a:gd name="connsiteX8" fmla="*/ 171450 w 2302538"/>
+              <a:gd name="connsiteY8" fmla="*/ 248534 h 2264898"/>
+              <a:gd name="connsiteX0" fmla="*/ 171450 w 2302538"/>
+              <a:gd name="connsiteY0" fmla="*/ 248534 h 2264898"/>
+              <a:gd name="connsiteX1" fmla="*/ 419984 w 2302538"/>
+              <a:gd name="connsiteY1" fmla="*/ 0 h 2264898"/>
+              <a:gd name="connsiteX2" fmla="*/ 2230018 w 2302538"/>
+              <a:gd name="connsiteY2" fmla="*/ 0 h 2264898"/>
+              <a:gd name="connsiteX3" fmla="*/ 2267536 w 2302538"/>
+              <a:gd name="connsiteY3" fmla="*/ 248534 h 2264898"/>
+              <a:gd name="connsiteX4" fmla="*/ 2197198 w 2302538"/>
+              <a:gd name="connsiteY4" fmla="*/ 1666138 h 2264898"/>
+              <a:gd name="connsiteX5" fmla="*/ 2043328 w 2302538"/>
+              <a:gd name="connsiteY5" fmla="*/ 1856935 h 2264898"/>
+              <a:gd name="connsiteX6" fmla="*/ 138630 w 2302538"/>
+              <a:gd name="connsiteY6" fmla="*/ 2264898 h 2264898"/>
+              <a:gd name="connsiteX7" fmla="*/ 0 w 2302538"/>
+              <a:gd name="connsiteY7" fmla="*/ 2012261 h 2264898"/>
+              <a:gd name="connsiteX8" fmla="*/ 171450 w 2302538"/>
+              <a:gd name="connsiteY8" fmla="*/ 248534 h 2264898"/>
+              <a:gd name="connsiteX0" fmla="*/ 171450 w 2302538"/>
+              <a:gd name="connsiteY0" fmla="*/ 248534 h 2264898"/>
+              <a:gd name="connsiteX1" fmla="*/ 419984 w 2302538"/>
+              <a:gd name="connsiteY1" fmla="*/ 0 h 2264898"/>
+              <a:gd name="connsiteX2" fmla="*/ 2230018 w 2302538"/>
+              <a:gd name="connsiteY2" fmla="*/ 0 h 2264898"/>
+              <a:gd name="connsiteX3" fmla="*/ 2267536 w 2302538"/>
+              <a:gd name="connsiteY3" fmla="*/ 248534 h 2264898"/>
+              <a:gd name="connsiteX4" fmla="*/ 2197198 w 2302538"/>
+              <a:gd name="connsiteY4" fmla="*/ 1666138 h 2264898"/>
+              <a:gd name="connsiteX5" fmla="*/ 2043328 w 2302538"/>
+              <a:gd name="connsiteY5" fmla="*/ 1856935 h 2264898"/>
+              <a:gd name="connsiteX6" fmla="*/ 138630 w 2302538"/>
+              <a:gd name="connsiteY6" fmla="*/ 2264898 h 2264898"/>
+              <a:gd name="connsiteX7" fmla="*/ 0 w 2302538"/>
+              <a:gd name="connsiteY7" fmla="*/ 2012261 h 2264898"/>
+              <a:gd name="connsiteX8" fmla="*/ 171450 w 2302538"/>
+              <a:gd name="connsiteY8" fmla="*/ 248534 h 2264898"/>
+              <a:gd name="connsiteX0" fmla="*/ 171450 w 2302538"/>
+              <a:gd name="connsiteY0" fmla="*/ 248534 h 2264898"/>
+              <a:gd name="connsiteX1" fmla="*/ 419984 w 2302538"/>
+              <a:gd name="connsiteY1" fmla="*/ 0 h 2264898"/>
+              <a:gd name="connsiteX2" fmla="*/ 2230018 w 2302538"/>
+              <a:gd name="connsiteY2" fmla="*/ 0 h 2264898"/>
+              <a:gd name="connsiteX3" fmla="*/ 2267536 w 2302538"/>
+              <a:gd name="connsiteY3" fmla="*/ 248534 h 2264898"/>
+              <a:gd name="connsiteX4" fmla="*/ 2189578 w 2302538"/>
+              <a:gd name="connsiteY4" fmla="*/ 1677568 h 2264898"/>
+              <a:gd name="connsiteX5" fmla="*/ 2043328 w 2302538"/>
+              <a:gd name="connsiteY5" fmla="*/ 1856935 h 2264898"/>
+              <a:gd name="connsiteX6" fmla="*/ 138630 w 2302538"/>
+              <a:gd name="connsiteY6" fmla="*/ 2264898 h 2264898"/>
+              <a:gd name="connsiteX7" fmla="*/ 0 w 2302538"/>
+              <a:gd name="connsiteY7" fmla="*/ 2012261 h 2264898"/>
+              <a:gd name="connsiteX8" fmla="*/ 171450 w 2302538"/>
+              <a:gd name="connsiteY8" fmla="*/ 248534 h 2264898"/>
+              <a:gd name="connsiteX0" fmla="*/ 171450 w 2302538"/>
+              <a:gd name="connsiteY0" fmla="*/ 248534 h 2264898"/>
+              <a:gd name="connsiteX1" fmla="*/ 419984 w 2302538"/>
+              <a:gd name="connsiteY1" fmla="*/ 0 h 2264898"/>
+              <a:gd name="connsiteX2" fmla="*/ 2230018 w 2302538"/>
+              <a:gd name="connsiteY2" fmla="*/ 0 h 2264898"/>
+              <a:gd name="connsiteX3" fmla="*/ 2267536 w 2302538"/>
+              <a:gd name="connsiteY3" fmla="*/ 248534 h 2264898"/>
+              <a:gd name="connsiteX4" fmla="*/ 2189578 w 2302538"/>
+              <a:gd name="connsiteY4" fmla="*/ 1677568 h 2264898"/>
+              <a:gd name="connsiteX5" fmla="*/ 2043328 w 2302538"/>
+              <a:gd name="connsiteY5" fmla="*/ 1856935 h 2264898"/>
+              <a:gd name="connsiteX6" fmla="*/ 138630 w 2302538"/>
+              <a:gd name="connsiteY6" fmla="*/ 2264898 h 2264898"/>
+              <a:gd name="connsiteX7" fmla="*/ 0 w 2302538"/>
+              <a:gd name="connsiteY7" fmla="*/ 2012261 h 2264898"/>
+              <a:gd name="connsiteX8" fmla="*/ 171450 w 2302538"/>
+              <a:gd name="connsiteY8" fmla="*/ 248534 h 2264898"/>
+              <a:gd name="connsiteX0" fmla="*/ 171450 w 2302538"/>
+              <a:gd name="connsiteY0" fmla="*/ 248534 h 2264898"/>
+              <a:gd name="connsiteX1" fmla="*/ 419984 w 2302538"/>
+              <a:gd name="connsiteY1" fmla="*/ 0 h 2264898"/>
+              <a:gd name="connsiteX2" fmla="*/ 2230018 w 2302538"/>
+              <a:gd name="connsiteY2" fmla="*/ 0 h 2264898"/>
+              <a:gd name="connsiteX3" fmla="*/ 2267536 w 2302538"/>
+              <a:gd name="connsiteY3" fmla="*/ 248534 h 2264898"/>
+              <a:gd name="connsiteX4" fmla="*/ 2189578 w 2302538"/>
+              <a:gd name="connsiteY4" fmla="*/ 1677568 h 2264898"/>
+              <a:gd name="connsiteX5" fmla="*/ 2043328 w 2302538"/>
+              <a:gd name="connsiteY5" fmla="*/ 1856935 h 2264898"/>
+              <a:gd name="connsiteX6" fmla="*/ 138630 w 2302538"/>
+              <a:gd name="connsiteY6" fmla="*/ 2264898 h 2264898"/>
+              <a:gd name="connsiteX7" fmla="*/ 0 w 2302538"/>
+              <a:gd name="connsiteY7" fmla="*/ 2012261 h 2264898"/>
+              <a:gd name="connsiteX8" fmla="*/ 171450 w 2302538"/>
+              <a:gd name="connsiteY8" fmla="*/ 248534 h 2264898"/>
+              <a:gd name="connsiteX0" fmla="*/ 171450 w 2296034"/>
+              <a:gd name="connsiteY0" fmla="*/ 248534 h 2264898"/>
+              <a:gd name="connsiteX1" fmla="*/ 419984 w 2296034"/>
+              <a:gd name="connsiteY1" fmla="*/ 0 h 2264898"/>
+              <a:gd name="connsiteX2" fmla="*/ 2230018 w 2296034"/>
+              <a:gd name="connsiteY2" fmla="*/ 0 h 2264898"/>
+              <a:gd name="connsiteX3" fmla="*/ 2267536 w 2296034"/>
+              <a:gd name="connsiteY3" fmla="*/ 248534 h 2264898"/>
+              <a:gd name="connsiteX4" fmla="*/ 2189578 w 2296034"/>
+              <a:gd name="connsiteY4" fmla="*/ 1677568 h 2264898"/>
+              <a:gd name="connsiteX5" fmla="*/ 2043328 w 2296034"/>
+              <a:gd name="connsiteY5" fmla="*/ 1856935 h 2264898"/>
+              <a:gd name="connsiteX6" fmla="*/ 138630 w 2296034"/>
+              <a:gd name="connsiteY6" fmla="*/ 2264898 h 2264898"/>
+              <a:gd name="connsiteX7" fmla="*/ 0 w 2296034"/>
+              <a:gd name="connsiteY7" fmla="*/ 2012261 h 2264898"/>
+              <a:gd name="connsiteX8" fmla="*/ 171450 w 2296034"/>
+              <a:gd name="connsiteY8" fmla="*/ 248534 h 2264898"/>
+              <a:gd name="connsiteX0" fmla="*/ 171450 w 2300669"/>
+              <a:gd name="connsiteY0" fmla="*/ 248534 h 2264898"/>
+              <a:gd name="connsiteX1" fmla="*/ 419984 w 2300669"/>
+              <a:gd name="connsiteY1" fmla="*/ 0 h 2264898"/>
+              <a:gd name="connsiteX2" fmla="*/ 2230018 w 2300669"/>
+              <a:gd name="connsiteY2" fmla="*/ 0 h 2264898"/>
+              <a:gd name="connsiteX3" fmla="*/ 2278966 w 2300669"/>
+              <a:gd name="connsiteY3" fmla="*/ 248534 h 2264898"/>
+              <a:gd name="connsiteX4" fmla="*/ 2189578 w 2300669"/>
+              <a:gd name="connsiteY4" fmla="*/ 1677568 h 2264898"/>
+              <a:gd name="connsiteX5" fmla="*/ 2043328 w 2300669"/>
+              <a:gd name="connsiteY5" fmla="*/ 1856935 h 2264898"/>
+              <a:gd name="connsiteX6" fmla="*/ 138630 w 2300669"/>
+              <a:gd name="connsiteY6" fmla="*/ 2264898 h 2264898"/>
+              <a:gd name="connsiteX7" fmla="*/ 0 w 2300669"/>
+              <a:gd name="connsiteY7" fmla="*/ 2012261 h 2264898"/>
+              <a:gd name="connsiteX8" fmla="*/ 171450 w 2300669"/>
+              <a:gd name="connsiteY8" fmla="*/ 248534 h 2264898"/>
+              <a:gd name="connsiteX0" fmla="*/ 171450 w 2300669"/>
+              <a:gd name="connsiteY0" fmla="*/ 248534 h 2264898"/>
+              <a:gd name="connsiteX1" fmla="*/ 419984 w 2300669"/>
+              <a:gd name="connsiteY1" fmla="*/ 0 h 2264898"/>
+              <a:gd name="connsiteX2" fmla="*/ 2230018 w 2300669"/>
+              <a:gd name="connsiteY2" fmla="*/ 0 h 2264898"/>
+              <a:gd name="connsiteX3" fmla="*/ 2278966 w 2300669"/>
+              <a:gd name="connsiteY3" fmla="*/ 248534 h 2264898"/>
+              <a:gd name="connsiteX4" fmla="*/ 2189578 w 2300669"/>
+              <a:gd name="connsiteY4" fmla="*/ 1677568 h 2264898"/>
+              <a:gd name="connsiteX5" fmla="*/ 2043328 w 2300669"/>
+              <a:gd name="connsiteY5" fmla="*/ 1856935 h 2264898"/>
+              <a:gd name="connsiteX6" fmla="*/ 138630 w 2300669"/>
+              <a:gd name="connsiteY6" fmla="*/ 2264898 h 2264898"/>
+              <a:gd name="connsiteX7" fmla="*/ 0 w 2300669"/>
+              <a:gd name="connsiteY7" fmla="*/ 2012261 h 2264898"/>
+              <a:gd name="connsiteX8" fmla="*/ 171450 w 2300669"/>
+              <a:gd name="connsiteY8" fmla="*/ 248534 h 2264898"/>
+              <a:gd name="connsiteX0" fmla="*/ 171450 w 2300669"/>
+              <a:gd name="connsiteY0" fmla="*/ 248534 h 2264898"/>
+              <a:gd name="connsiteX1" fmla="*/ 419984 w 2300669"/>
+              <a:gd name="connsiteY1" fmla="*/ 0 h 2264898"/>
+              <a:gd name="connsiteX2" fmla="*/ 2230018 w 2300669"/>
+              <a:gd name="connsiteY2" fmla="*/ 0 h 2264898"/>
+              <a:gd name="connsiteX3" fmla="*/ 2278966 w 2300669"/>
+              <a:gd name="connsiteY3" fmla="*/ 248534 h 2264898"/>
+              <a:gd name="connsiteX4" fmla="*/ 2189578 w 2300669"/>
+              <a:gd name="connsiteY4" fmla="*/ 1677568 h 2264898"/>
+              <a:gd name="connsiteX5" fmla="*/ 2043328 w 2300669"/>
+              <a:gd name="connsiteY5" fmla="*/ 1856935 h 2264898"/>
+              <a:gd name="connsiteX6" fmla="*/ 138630 w 2300669"/>
+              <a:gd name="connsiteY6" fmla="*/ 2264898 h 2264898"/>
+              <a:gd name="connsiteX7" fmla="*/ 0 w 2300669"/>
+              <a:gd name="connsiteY7" fmla="*/ 2012261 h 2264898"/>
+              <a:gd name="connsiteX8" fmla="*/ 171450 w 2300669"/>
+              <a:gd name="connsiteY8" fmla="*/ 248534 h 2264898"/>
+              <a:gd name="connsiteX0" fmla="*/ 171450 w 2299392"/>
+              <a:gd name="connsiteY0" fmla="*/ 248534 h 2264898"/>
+              <a:gd name="connsiteX1" fmla="*/ 419984 w 2299392"/>
+              <a:gd name="connsiteY1" fmla="*/ 0 h 2264898"/>
+              <a:gd name="connsiteX2" fmla="*/ 2230018 w 2299392"/>
+              <a:gd name="connsiteY2" fmla="*/ 0 h 2264898"/>
+              <a:gd name="connsiteX3" fmla="*/ 2278966 w 2299392"/>
+              <a:gd name="connsiteY3" fmla="*/ 248534 h 2264898"/>
+              <a:gd name="connsiteX4" fmla="*/ 2189578 w 2299392"/>
+              <a:gd name="connsiteY4" fmla="*/ 1677568 h 2264898"/>
+              <a:gd name="connsiteX5" fmla="*/ 2043328 w 2299392"/>
+              <a:gd name="connsiteY5" fmla="*/ 1856935 h 2264898"/>
+              <a:gd name="connsiteX6" fmla="*/ 138630 w 2299392"/>
+              <a:gd name="connsiteY6" fmla="*/ 2264898 h 2264898"/>
+              <a:gd name="connsiteX7" fmla="*/ 0 w 2299392"/>
+              <a:gd name="connsiteY7" fmla="*/ 2012261 h 2264898"/>
+              <a:gd name="connsiteX8" fmla="*/ 171450 w 2299392"/>
+              <a:gd name="connsiteY8" fmla="*/ 248534 h 2264898"/>
+              <a:gd name="connsiteX0" fmla="*/ 171450 w 2301034"/>
+              <a:gd name="connsiteY0" fmla="*/ 248534 h 2264898"/>
+              <a:gd name="connsiteX1" fmla="*/ 419984 w 2301034"/>
+              <a:gd name="connsiteY1" fmla="*/ 0 h 2264898"/>
+              <a:gd name="connsiteX2" fmla="*/ 2230018 w 2301034"/>
+              <a:gd name="connsiteY2" fmla="*/ 0 h 2264898"/>
+              <a:gd name="connsiteX3" fmla="*/ 2282776 w 2301034"/>
+              <a:gd name="connsiteY3" fmla="*/ 122804 h 2264898"/>
+              <a:gd name="connsiteX4" fmla="*/ 2189578 w 2301034"/>
+              <a:gd name="connsiteY4" fmla="*/ 1677568 h 2264898"/>
+              <a:gd name="connsiteX5" fmla="*/ 2043328 w 2301034"/>
+              <a:gd name="connsiteY5" fmla="*/ 1856935 h 2264898"/>
+              <a:gd name="connsiteX6" fmla="*/ 138630 w 2301034"/>
+              <a:gd name="connsiteY6" fmla="*/ 2264898 h 2264898"/>
+              <a:gd name="connsiteX7" fmla="*/ 0 w 2301034"/>
+              <a:gd name="connsiteY7" fmla="*/ 2012261 h 2264898"/>
+              <a:gd name="connsiteX8" fmla="*/ 171450 w 2301034"/>
+              <a:gd name="connsiteY8" fmla="*/ 248534 h 2264898"/>
+              <a:gd name="connsiteX0" fmla="*/ 171450 w 2297227"/>
+              <a:gd name="connsiteY0" fmla="*/ 248534 h 2264898"/>
+              <a:gd name="connsiteX1" fmla="*/ 419984 w 2297227"/>
+              <a:gd name="connsiteY1" fmla="*/ 0 h 2264898"/>
+              <a:gd name="connsiteX2" fmla="*/ 2230018 w 2297227"/>
+              <a:gd name="connsiteY2" fmla="*/ 0 h 2264898"/>
+              <a:gd name="connsiteX3" fmla="*/ 2282776 w 2297227"/>
+              <a:gd name="connsiteY3" fmla="*/ 122804 h 2264898"/>
+              <a:gd name="connsiteX4" fmla="*/ 2189578 w 2297227"/>
+              <a:gd name="connsiteY4" fmla="*/ 1677568 h 2264898"/>
+              <a:gd name="connsiteX5" fmla="*/ 2043328 w 2297227"/>
+              <a:gd name="connsiteY5" fmla="*/ 1856935 h 2264898"/>
+              <a:gd name="connsiteX6" fmla="*/ 138630 w 2297227"/>
+              <a:gd name="connsiteY6" fmla="*/ 2264898 h 2264898"/>
+              <a:gd name="connsiteX7" fmla="*/ 0 w 2297227"/>
+              <a:gd name="connsiteY7" fmla="*/ 2012261 h 2264898"/>
+              <a:gd name="connsiteX8" fmla="*/ 171450 w 2297227"/>
+              <a:gd name="connsiteY8" fmla="*/ 248534 h 2264898"/>
+              <a:gd name="connsiteX0" fmla="*/ 171450 w 2285371"/>
+              <a:gd name="connsiteY0" fmla="*/ 248534 h 2264898"/>
+              <a:gd name="connsiteX1" fmla="*/ 419984 w 2285371"/>
+              <a:gd name="connsiteY1" fmla="*/ 0 h 2264898"/>
+              <a:gd name="connsiteX2" fmla="*/ 2230018 w 2285371"/>
+              <a:gd name="connsiteY2" fmla="*/ 0 h 2264898"/>
+              <a:gd name="connsiteX3" fmla="*/ 2282776 w 2285371"/>
+              <a:gd name="connsiteY3" fmla="*/ 122804 h 2264898"/>
+              <a:gd name="connsiteX4" fmla="*/ 2189578 w 2285371"/>
+              <a:gd name="connsiteY4" fmla="*/ 1677568 h 2264898"/>
+              <a:gd name="connsiteX5" fmla="*/ 2043328 w 2285371"/>
+              <a:gd name="connsiteY5" fmla="*/ 1856935 h 2264898"/>
+              <a:gd name="connsiteX6" fmla="*/ 138630 w 2285371"/>
+              <a:gd name="connsiteY6" fmla="*/ 2264898 h 2264898"/>
+              <a:gd name="connsiteX7" fmla="*/ 0 w 2285371"/>
+              <a:gd name="connsiteY7" fmla="*/ 2012261 h 2264898"/>
+              <a:gd name="connsiteX8" fmla="*/ 171450 w 2285371"/>
+              <a:gd name="connsiteY8" fmla="*/ 248534 h 2264898"/>
+            </a:gdLst>
+            <a:ahLst/>
+            <a:cxnLst>
+              <a:cxn ang="0">
+                <a:pos x="connsiteX0" y="connsiteY0"/>
+              </a:cxn>
+              <a:cxn ang="0">
+                <a:pos x="connsiteX1" y="connsiteY1"/>
+              </a:cxn>
+              <a:cxn ang="0">
+                <a:pos x="connsiteX2" y="connsiteY2"/>
+              </a:cxn>
+              <a:cxn ang="0">
+                <a:pos x="connsiteX3" y="connsiteY3"/>
+              </a:cxn>
+              <a:cxn ang="0">
+                <a:pos x="connsiteX4" y="connsiteY4"/>
+              </a:cxn>
+              <a:cxn ang="0">
+                <a:pos x="connsiteX5" y="connsiteY5"/>
+              </a:cxn>
+              <a:cxn ang="0">
+                <a:pos x="connsiteX6" y="connsiteY6"/>
+              </a:cxn>
+              <a:cxn ang="0">
+                <a:pos x="connsiteX7" y="connsiteY7"/>
+              </a:cxn>
+              <a:cxn ang="0">
+                <a:pos x="connsiteX8" y="connsiteY8"/>
+              </a:cxn>
+            </a:cxnLst>
+            <a:rect l="l" t="t" r="r" b="b"/>
+            <a:pathLst>
+              <a:path w="2285371" h="2264898">
+                <a:moveTo>
+                  <a:pt x="171450" y="248534"/>
+                </a:moveTo>
+                <a:cubicBezTo>
+                  <a:pt x="171450" y="111272"/>
+                  <a:pt x="282722" y="0"/>
+                  <a:pt x="419984" y="0"/>
+                </a:cubicBezTo>
+                <a:lnTo>
+                  <a:pt x="2230018" y="0"/>
+                </a:lnTo>
+                <a:cubicBezTo>
+                  <a:pt x="2352040" y="3810"/>
+                  <a:pt x="2225626" y="282722"/>
+                  <a:pt x="2282776" y="122804"/>
+                </a:cubicBezTo>
+                <a:cubicBezTo>
+                  <a:pt x="2282776" y="454173"/>
+                  <a:pt x="2220058" y="1346199"/>
+                  <a:pt x="2189578" y="1677568"/>
+                </a:cubicBezTo>
+                <a:cubicBezTo>
+                  <a:pt x="2155288" y="1814830"/>
+                  <a:pt x="2203450" y="1822645"/>
+                  <a:pt x="2043328" y="1856935"/>
+                </a:cubicBezTo>
+                <a:lnTo>
+                  <a:pt x="138630" y="2264898"/>
+                </a:lnTo>
+                <a:cubicBezTo>
+                  <a:pt x="1368" y="2264898"/>
+                  <a:pt x="0" y="2149523"/>
+                  <a:pt x="0" y="2012261"/>
+                </a:cubicBezTo>
+                <a:lnTo>
+                  <a:pt x="171450" y="248534"/>
+                </a:lnTo>
+                <a:close/>
+              </a:path>
+            </a:pathLst>
+          </a:custGeom>
+          <a:solidFill>
+            <a:schemeClr val="accent1">
+              <a:lumMod val="75000"/>
+              <a:alpha val="44000"/>
+            </a:schemeClr>
+          </a:solidFill>
+          <a:ln w="1270">
+            <a:solidFill>
+              <a:srgbClr val="25557B">
+                <a:alpha val="66000"/>
+              </a:srgbClr>
+            </a:solidFill>
+          </a:ln>
+        </p:spPr>
+        <p:style>
+          <a:lnRef idx="2">
+            <a:schemeClr val="accent1">
+              <a:shade val="50000"/>
+            </a:schemeClr>
+          </a:lnRef>
+          <a:fillRef idx="1">
+            <a:schemeClr val="accent1"/>
+          </a:fillRef>
+          <a:effectRef idx="0">
+            <a:schemeClr val="accent1"/>
+          </a:effectRef>
+          <a:fontRef idx="minor">
+            <a:schemeClr val="lt1"/>
+          </a:fontRef>
+        </p:style>
+        <p:txBody>
+          <a:bodyPr rtlCol="0" anchor="ctr"/>
+          <a:lstStyle/>
+          <a:p>
+            <a:pPr algn="ctr"/>
+            <a:endParaRPr lang="es-MX"/>
+          </a:p>
+        </p:txBody>
+      </p:sp>
+      <p:cxnSp>
+        <p:nvCxnSpPr>
+          <p:cNvPr id="18" name="Conector: angular 17">
+            <a:extLst>
+              <a:ext uri="{FF2B5EF4-FFF2-40B4-BE49-F238E27FC236}">
+                <a16:creationId xmlns:a16="http://schemas.microsoft.com/office/drawing/2014/main" id="{325E7F2C-AD07-42F1-BEEB-831B31DB7E1D}"/>
+              </a:ext>
+            </a:extLst>
+          </p:cNvPr>
+          <p:cNvCxnSpPr>
+            <a:cxnSpLocks/>
+          </p:cNvCxnSpPr>
+          <p:nvPr/>
+        </p:nvCxnSpPr>
+        <p:spPr>
+          <a:xfrm flipV="1">
+            <a:off x="830064" y="1117943"/>
+            <a:ext cx="3958518" cy="2215240"/>
+          </a:xfrm>
+          <a:prstGeom prst="bentConnector3">
+            <a:avLst>
+              <a:gd name="adj1" fmla="val 77846"/>
+            </a:avLst>
+          </a:prstGeom>
+          <a:ln w="3175">
+            <a:solidFill>
+              <a:schemeClr val="accent1">
+                <a:alpha val="24000"/>
+              </a:schemeClr>
+            </a:solidFill>
+          </a:ln>
+        </p:spPr>
+        <p:style>
+          <a:lnRef idx="1">
+            <a:schemeClr val="accent1"/>
+          </a:lnRef>
+          <a:fillRef idx="0">
+            <a:schemeClr val="accent1"/>
+          </a:fillRef>
+          <a:effectRef idx="0">
+            <a:schemeClr val="accent1"/>
+          </a:effectRef>
+          <a:fontRef idx="minor">
+            <a:schemeClr val="tx1"/>
+          </a:fontRef>
+        </p:style>
+      </p:cxnSp>
+      <p:cxnSp>
+        <p:nvCxnSpPr>
+          <p:cNvPr id="28" name="Conector: angular 27">
+            <a:extLst>
+              <a:ext uri="{FF2B5EF4-FFF2-40B4-BE49-F238E27FC236}">
+                <a16:creationId xmlns:a16="http://schemas.microsoft.com/office/drawing/2014/main" id="{3FD57BC0-9198-4DC0-B994-1429D8F346E1}"/>
+              </a:ext>
+            </a:extLst>
+          </p:cNvPr>
+          <p:cNvCxnSpPr>
+            <a:cxnSpLocks/>
+          </p:cNvCxnSpPr>
+          <p:nvPr/>
+        </p:nvCxnSpPr>
+        <p:spPr>
+          <a:xfrm flipV="1">
+            <a:off x="812094" y="1042891"/>
+            <a:ext cx="3960322" cy="1390025"/>
+          </a:xfrm>
+          <a:prstGeom prst="bentConnector3">
+            <a:avLst>
+              <a:gd name="adj1" fmla="val 50000"/>
+            </a:avLst>
+          </a:prstGeom>
+          <a:ln w="3175">
+            <a:solidFill>
+              <a:schemeClr val="accent1">
+                <a:alpha val="24000"/>
+              </a:schemeClr>
+            </a:solidFill>
+          </a:ln>
+        </p:spPr>
+        <p:style>
+          <a:lnRef idx="1">
+            <a:schemeClr val="accent1"/>
+          </a:lnRef>
+          <a:fillRef idx="0">
+            <a:schemeClr val="accent1"/>
+          </a:fillRef>
+          <a:effectRef idx="0">
+            <a:schemeClr val="accent1"/>
+          </a:effectRef>
+          <a:fontRef idx="minor">
+            <a:schemeClr val="tx1"/>
+          </a:fontRef>
+        </p:style>
+      </p:cxnSp>
+      <p:cxnSp>
+        <p:nvCxnSpPr>
+          <p:cNvPr id="32" name="Conector: angular 31">
+            <a:extLst>
+              <a:ext uri="{FF2B5EF4-FFF2-40B4-BE49-F238E27FC236}">
+                <a16:creationId xmlns:a16="http://schemas.microsoft.com/office/drawing/2014/main" id="{A6034737-46F9-4A5E-8571-0B58C1E66BFE}"/>
+              </a:ext>
+            </a:extLst>
+          </p:cNvPr>
+          <p:cNvCxnSpPr>
+            <a:cxnSpLocks/>
+          </p:cNvCxnSpPr>
+          <p:nvPr/>
+        </p:nvCxnSpPr>
+        <p:spPr>
+          <a:xfrm>
+            <a:off x="889223" y="1434697"/>
+            <a:ext cx="3883193" cy="1331295"/>
+          </a:xfrm>
+          <a:prstGeom prst="bentConnector3">
+            <a:avLst>
+              <a:gd name="adj1" fmla="val 13550"/>
+            </a:avLst>
+          </a:prstGeom>
+          <a:ln w="3175">
+            <a:solidFill>
+              <a:schemeClr val="accent1">
+                <a:alpha val="24000"/>
+              </a:schemeClr>
+            </a:solidFill>
+          </a:ln>
+        </p:spPr>
+        <p:style>
+          <a:lnRef idx="1">
+            <a:schemeClr val="accent1"/>
+          </a:lnRef>
+          <a:fillRef idx="0">
+            <a:schemeClr val="accent1"/>
+          </a:fillRef>
+          <a:effectRef idx="0">
+            <a:schemeClr val="accent1"/>
+          </a:effectRef>
+          <a:fontRef idx="minor">
+            <a:schemeClr val="tx1"/>
+          </a:fontRef>
+        </p:style>
+      </p:cxnSp>
+      <p:sp>
+        <p:nvSpPr>
+          <p:cNvPr id="38" name="Elipse 37">
+            <a:extLst>
+              <a:ext uri="{FF2B5EF4-FFF2-40B4-BE49-F238E27FC236}">
+                <a16:creationId xmlns:a16="http://schemas.microsoft.com/office/drawing/2014/main" id="{1BD1473E-87EB-4478-9DFC-00B33D36F902}"/>
+              </a:ext>
+            </a:extLst>
+          </p:cNvPr>
+          <p:cNvSpPr/>
+          <p:nvPr/>
+        </p:nvSpPr>
+        <p:spPr>
+          <a:xfrm>
+            <a:off x="7559957" y="1717313"/>
+            <a:ext cx="551616" cy="519282"/>
+          </a:xfrm>
+          <a:prstGeom prst="ellipse">
+            <a:avLst/>
+          </a:prstGeom>
+          <a:solidFill>
+            <a:schemeClr val="bg1">
+              <a:lumMod val="50000"/>
+            </a:schemeClr>
+          </a:solidFill>
+          <a:ln w="12700">
+            <a:solidFill>
+              <a:schemeClr val="bg1">
+                <a:lumMod val="50000"/>
+              </a:schemeClr>
+            </a:solidFill>
+          </a:ln>
+          <a:scene3d>
+            <a:camera prst="orthographicFront"/>
+            <a:lightRig rig="threePt" dir="t"/>
+          </a:scene3d>
+          <a:sp3d>
+            <a:bevelT prst="angle"/>
+          </a:sp3d>
+        </p:spPr>
+        <p:style>
+          <a:lnRef idx="2">
+            <a:schemeClr val="accent1">
+              <a:shade val="50000"/>
+            </a:schemeClr>
+          </a:lnRef>
+          <a:fillRef idx="1">
+            <a:schemeClr val="accent1"/>
+          </a:fillRef>
+          <a:effectRef idx="0">
+            <a:schemeClr val="accent1"/>
+          </a:effectRef>
+          <a:fontRef idx="minor">
+            <a:schemeClr val="lt1"/>
+          </a:fontRef>
+        </p:style>
+        <p:txBody>
+          <a:bodyPr rtlCol="0" anchor="ctr"/>
+          <a:lstStyle/>
+          <a:p>
+            <a:pPr algn="ctr"/>
+            <a:endParaRPr lang="es-MX" dirty="0"/>
+          </a:p>
+        </p:txBody>
+      </p:sp>
+      <p:sp>
+        <p:nvSpPr>
+          <p:cNvPr id="39" name="Elipse 38">
+            <a:extLst>
+              <a:ext uri="{FF2B5EF4-FFF2-40B4-BE49-F238E27FC236}">
+                <a16:creationId xmlns:a16="http://schemas.microsoft.com/office/drawing/2014/main" id="{1F6EBF21-73A0-4DEE-B2AC-63475F486FE4}"/>
+              </a:ext>
+            </a:extLst>
+          </p:cNvPr>
+          <p:cNvSpPr/>
+          <p:nvPr/>
+        </p:nvSpPr>
+        <p:spPr>
+          <a:xfrm>
+            <a:off x="7663608" y="1817932"/>
+            <a:ext cx="345692" cy="332572"/>
+          </a:xfrm>
+          <a:prstGeom prst="ellipse">
+            <a:avLst/>
+          </a:prstGeom>
+          <a:ln>
+            <a:solidFill>
+              <a:schemeClr val="tx1">
+                <a:lumMod val="95000"/>
+                <a:lumOff val="5000"/>
+              </a:schemeClr>
+            </a:solidFill>
+          </a:ln>
+        </p:spPr>
+        <p:style>
+          <a:lnRef idx="2">
+            <a:schemeClr val="dk1">
+              <a:shade val="50000"/>
+            </a:schemeClr>
+          </a:lnRef>
+          <a:fillRef idx="1">
+            <a:schemeClr val="dk1"/>
+          </a:fillRef>
+          <a:effectRef idx="0">
+            <a:schemeClr val="dk1"/>
+          </a:effectRef>
+          <a:fontRef idx="minor">
+            <a:schemeClr val="lt1"/>
+          </a:fontRef>
+        </p:style>
+        <p:txBody>
+          <a:bodyPr rtlCol="0" anchor="ctr"/>
+          <a:lstStyle/>
+          <a:p>
+            <a:pPr algn="ctr"/>
+            <a:endParaRPr lang="es-MX" dirty="0"/>
+          </a:p>
+        </p:txBody>
+      </p:sp>
+      <p:sp>
+        <p:nvSpPr>
+          <p:cNvPr id="40" name="Elipse 39">
+            <a:extLst>
+              <a:ext uri="{FF2B5EF4-FFF2-40B4-BE49-F238E27FC236}">
+                <a16:creationId xmlns:a16="http://schemas.microsoft.com/office/drawing/2014/main" id="{EB7FD4CA-C09D-4A1E-9E69-0156A8BA3385}"/>
+              </a:ext>
+            </a:extLst>
+          </p:cNvPr>
+          <p:cNvSpPr/>
+          <p:nvPr/>
+        </p:nvSpPr>
+        <p:spPr>
+          <a:xfrm>
+            <a:off x="7752956" y="1904511"/>
+            <a:ext cx="159695" cy="158400"/>
+          </a:xfrm>
+          <a:prstGeom prst="ellipse">
+            <a:avLst/>
+          </a:prstGeom>
+          <a:solidFill>
+            <a:schemeClr val="bg1">
+              <a:lumMod val="50000"/>
+            </a:schemeClr>
+          </a:solidFill>
+          <a:ln>
+            <a:solidFill>
+              <a:schemeClr val="tx1">
+                <a:lumMod val="95000"/>
+                <a:lumOff val="5000"/>
+              </a:schemeClr>
+            </a:solidFill>
+          </a:ln>
+        </p:spPr>
+        <p:style>
+          <a:lnRef idx="2">
+            <a:schemeClr val="dk1">
+              <a:shade val="50000"/>
+            </a:schemeClr>
+          </a:lnRef>
+          <a:fillRef idx="1">
+            <a:schemeClr val="dk1"/>
+          </a:fillRef>
+          <a:effectRef idx="0">
+            <a:schemeClr val="dk1"/>
+          </a:effectRef>
+          <a:fontRef idx="minor">
+            <a:schemeClr val="lt1"/>
+          </a:fontRef>
+        </p:style>
+        <p:txBody>
+          <a:bodyPr rtlCol="0" anchor="ctr"/>
+          <a:lstStyle/>
+          <a:p>
+            <a:pPr algn="ctr"/>
+            <a:endParaRPr lang="es-MX" dirty="0"/>
+          </a:p>
+        </p:txBody>
+      </p:sp>
+      <p:cxnSp>
+        <p:nvCxnSpPr>
+          <p:cNvPr id="42" name="Conector recto 41">
+            <a:extLst>
+              <a:ext uri="{FF2B5EF4-FFF2-40B4-BE49-F238E27FC236}">
+                <a16:creationId xmlns:a16="http://schemas.microsoft.com/office/drawing/2014/main" id="{E0916917-0833-479D-A3B9-DB9AC7C0D81B}"/>
+              </a:ext>
+            </a:extLst>
+          </p:cNvPr>
+          <p:cNvCxnSpPr>
+            <a:cxnSpLocks/>
+          </p:cNvCxnSpPr>
+          <p:nvPr/>
+        </p:nvCxnSpPr>
+        <p:spPr>
+          <a:xfrm>
+            <a:off x="7390029" y="1443357"/>
+            <a:ext cx="45273" cy="49267"/>
+          </a:xfrm>
+          <a:prstGeom prst="line">
+            <a:avLst/>
+          </a:prstGeom>
+        </p:spPr>
+        <p:style>
+          <a:lnRef idx="1">
+            <a:schemeClr val="accent1"/>
+          </a:lnRef>
+          <a:fillRef idx="0">
+            <a:schemeClr val="accent1"/>
+          </a:fillRef>
+          <a:effectRef idx="0">
+            <a:schemeClr val="accent1"/>
+          </a:effectRef>
+          <a:fontRef idx="minor">
+            <a:schemeClr val="tx1"/>
+          </a:fontRef>
+        </p:style>
+      </p:cxnSp>
+      <p:cxnSp>
+        <p:nvCxnSpPr>
+          <p:cNvPr id="43" name="Conector recto 42">
+            <a:extLst>
+              <a:ext uri="{FF2B5EF4-FFF2-40B4-BE49-F238E27FC236}">
+                <a16:creationId xmlns:a16="http://schemas.microsoft.com/office/drawing/2014/main" id="{DAA16CD5-4938-4581-9493-117501B754BD}"/>
+              </a:ext>
+            </a:extLst>
+          </p:cNvPr>
+          <p:cNvCxnSpPr>
+            <a:cxnSpLocks/>
+          </p:cNvCxnSpPr>
+          <p:nvPr/>
+        </p:nvCxnSpPr>
+        <p:spPr>
+          <a:xfrm>
+            <a:off x="7839478" y="1456832"/>
+            <a:ext cx="0" cy="93586"/>
+          </a:xfrm>
+          <a:prstGeom prst="line">
+            <a:avLst/>
+          </a:prstGeom>
+        </p:spPr>
+        <p:style>
+          <a:lnRef idx="1">
+            <a:schemeClr val="accent1"/>
+          </a:lnRef>
+          <a:fillRef idx="0">
+            <a:schemeClr val="accent1"/>
+          </a:fillRef>
+          <a:effectRef idx="0">
+            <a:schemeClr val="accent1"/>
+          </a:effectRef>
+          <a:fontRef idx="minor">
+            <a:schemeClr val="tx1"/>
+          </a:fontRef>
+        </p:style>
+      </p:cxnSp>
+      <p:cxnSp>
+        <p:nvCxnSpPr>
+          <p:cNvPr id="44" name="Conector recto 43">
+            <a:extLst>
+              <a:ext uri="{FF2B5EF4-FFF2-40B4-BE49-F238E27FC236}">
+                <a16:creationId xmlns:a16="http://schemas.microsoft.com/office/drawing/2014/main" id="{D9EBF327-8AE7-41C7-8E54-36618FFBFF86}"/>
+              </a:ext>
+            </a:extLst>
+          </p:cNvPr>
+          <p:cNvCxnSpPr>
+            <a:cxnSpLocks/>
+          </p:cNvCxnSpPr>
+          <p:nvPr/>
+        </p:nvCxnSpPr>
+        <p:spPr>
+          <a:xfrm>
+            <a:off x="8177022" y="2262689"/>
+            <a:ext cx="49887" cy="54558"/>
+          </a:xfrm>
+          <a:prstGeom prst="line">
+            <a:avLst/>
+          </a:prstGeom>
+        </p:spPr>
+        <p:style>
+          <a:lnRef idx="1">
+            <a:schemeClr val="accent1"/>
+          </a:lnRef>
+          <a:fillRef idx="0">
+            <a:schemeClr val="accent1"/>
+          </a:fillRef>
+          <a:effectRef idx="0">
+            <a:schemeClr val="accent1"/>
+          </a:effectRef>
+          <a:fontRef idx="minor">
+            <a:schemeClr val="tx1"/>
+          </a:fontRef>
+        </p:style>
+      </p:cxnSp>
+      <p:cxnSp>
+        <p:nvCxnSpPr>
+          <p:cNvPr id="45" name="Conector recto 44">
+            <a:extLst>
+              <a:ext uri="{FF2B5EF4-FFF2-40B4-BE49-F238E27FC236}">
+                <a16:creationId xmlns:a16="http://schemas.microsoft.com/office/drawing/2014/main" id="{F7F081A4-2B18-4AB0-BE2C-CAAE2A9EDFA4}"/>
+              </a:ext>
+            </a:extLst>
+          </p:cNvPr>
+          <p:cNvCxnSpPr>
+            <a:cxnSpLocks/>
+          </p:cNvCxnSpPr>
+          <p:nvPr/>
+        </p:nvCxnSpPr>
+        <p:spPr>
+          <a:xfrm flipV="1">
+            <a:off x="7297783" y="2377412"/>
+            <a:ext cx="58266" cy="38902"/>
+          </a:xfrm>
+          <a:prstGeom prst="line">
+            <a:avLst/>
+          </a:prstGeom>
+        </p:spPr>
+        <p:style>
+          <a:lnRef idx="1">
+            <a:schemeClr val="accent1"/>
+          </a:lnRef>
+          <a:fillRef idx="0">
+            <a:schemeClr val="accent1"/>
+          </a:fillRef>
+          <a:effectRef idx="0">
+            <a:schemeClr val="accent1"/>
+          </a:effectRef>
+          <a:fontRef idx="minor">
+            <a:schemeClr val="tx1"/>
+          </a:fontRef>
+        </p:style>
+      </p:cxnSp>
+      <p:cxnSp>
+        <p:nvCxnSpPr>
+          <p:cNvPr id="46" name="Conector recto 45">
+            <a:extLst>
+              <a:ext uri="{FF2B5EF4-FFF2-40B4-BE49-F238E27FC236}">
+                <a16:creationId xmlns:a16="http://schemas.microsoft.com/office/drawing/2014/main" id="{CB022795-190D-4BB4-8B4E-48DE20EDB440}"/>
+              </a:ext>
+            </a:extLst>
+          </p:cNvPr>
+          <p:cNvCxnSpPr>
+            <a:cxnSpLocks/>
+          </p:cNvCxnSpPr>
+          <p:nvPr/>
+        </p:nvCxnSpPr>
+        <p:spPr>
+          <a:xfrm>
+            <a:off x="7542404" y="1595904"/>
+            <a:ext cx="48464" cy="49079"/>
+          </a:xfrm>
+          <a:prstGeom prst="line">
+            <a:avLst/>
+          </a:prstGeom>
+        </p:spPr>
+        <p:style>
+          <a:lnRef idx="1">
+            <a:schemeClr val="accent1"/>
+          </a:lnRef>
+          <a:fillRef idx="0">
+            <a:schemeClr val="accent1"/>
+          </a:fillRef>
+          <a:effectRef idx="0">
+            <a:schemeClr val="accent1"/>
+          </a:effectRef>
+          <a:fontRef idx="minor">
+            <a:schemeClr val="tx1"/>
+          </a:fontRef>
+        </p:style>
+      </p:cxnSp>
+      <p:cxnSp>
+        <p:nvCxnSpPr>
+          <p:cNvPr id="48" name="Conector recto 47">
+            <a:extLst>
+              <a:ext uri="{FF2B5EF4-FFF2-40B4-BE49-F238E27FC236}">
+                <a16:creationId xmlns:a16="http://schemas.microsoft.com/office/drawing/2014/main" id="{33FCD3F8-B43B-4D45-A5C8-3C697B045FDA}"/>
+              </a:ext>
+            </a:extLst>
+          </p:cNvPr>
+          <p:cNvCxnSpPr>
+            <a:cxnSpLocks/>
+          </p:cNvCxnSpPr>
+          <p:nvPr/>
+        </p:nvCxnSpPr>
+        <p:spPr>
+          <a:xfrm>
+            <a:off x="7837449" y="1278050"/>
+            <a:ext cx="0" cy="83743"/>
+          </a:xfrm>
+          <a:prstGeom prst="line">
+            <a:avLst/>
+          </a:prstGeom>
+        </p:spPr>
+        <p:style>
+          <a:lnRef idx="1">
+            <a:schemeClr val="accent1"/>
+          </a:lnRef>
+          <a:fillRef idx="0">
+            <a:schemeClr val="accent1"/>
+          </a:fillRef>
+          <a:effectRef idx="0">
+            <a:schemeClr val="accent1"/>
+          </a:effectRef>
+          <a:fontRef idx="minor">
+            <a:schemeClr val="tx1"/>
+          </a:fontRef>
+        </p:style>
+      </p:cxnSp>
+      <p:cxnSp>
+        <p:nvCxnSpPr>
+          <p:cNvPr id="49" name="Conector recto 48">
+            <a:extLst>
+              <a:ext uri="{FF2B5EF4-FFF2-40B4-BE49-F238E27FC236}">
+                <a16:creationId xmlns:a16="http://schemas.microsoft.com/office/drawing/2014/main" id="{33DAC1A8-044E-4B36-8A6B-1730150E0036}"/>
+              </a:ext>
+            </a:extLst>
+          </p:cNvPr>
+          <p:cNvCxnSpPr>
+            <a:cxnSpLocks/>
+          </p:cNvCxnSpPr>
+          <p:nvPr/>
+        </p:nvCxnSpPr>
+        <p:spPr>
+          <a:xfrm>
+            <a:off x="8262285" y="1987107"/>
+            <a:ext cx="111532" cy="603"/>
+          </a:xfrm>
+          <a:prstGeom prst="line">
+            <a:avLst/>
+          </a:prstGeom>
+        </p:spPr>
+        <p:style>
+          <a:lnRef idx="1">
+            <a:schemeClr val="accent1"/>
+          </a:lnRef>
+          <a:fillRef idx="0">
+            <a:schemeClr val="accent1"/>
+          </a:fillRef>
+          <a:effectRef idx="0">
+            <a:schemeClr val="accent1"/>
+          </a:effectRef>
+          <a:fontRef idx="minor">
+            <a:schemeClr val="tx1"/>
+          </a:fontRef>
+        </p:style>
+      </p:cxnSp>
+      <p:cxnSp>
+        <p:nvCxnSpPr>
+          <p:cNvPr id="50" name="Conector recto 49">
+            <a:extLst>
+              <a:ext uri="{FF2B5EF4-FFF2-40B4-BE49-F238E27FC236}">
+                <a16:creationId xmlns:a16="http://schemas.microsoft.com/office/drawing/2014/main" id="{E9332781-141A-48F7-BB84-317ECE6ABDC3}"/>
+              </a:ext>
+            </a:extLst>
+          </p:cNvPr>
+          <p:cNvCxnSpPr>
+            <a:cxnSpLocks/>
+          </p:cNvCxnSpPr>
+          <p:nvPr/>
+        </p:nvCxnSpPr>
+        <p:spPr>
+          <a:xfrm flipV="1">
+            <a:off x="8524529" y="1988237"/>
+            <a:ext cx="63665" cy="3937"/>
+          </a:xfrm>
+          <a:prstGeom prst="line">
+            <a:avLst/>
+          </a:prstGeom>
+        </p:spPr>
+        <p:style>
+          <a:lnRef idx="1">
+            <a:schemeClr val="accent1"/>
+          </a:lnRef>
+          <a:fillRef idx="0">
+            <a:schemeClr val="accent1"/>
+          </a:fillRef>
+          <a:effectRef idx="0">
+            <a:schemeClr val="accent1"/>
+          </a:effectRef>
+          <a:fontRef idx="minor">
+            <a:schemeClr val="tx1"/>
+          </a:fontRef>
+        </p:style>
+      </p:cxnSp>
+      <p:cxnSp>
+        <p:nvCxnSpPr>
+          <p:cNvPr id="51" name="Conector recto 50">
+            <a:extLst>
+              <a:ext uri="{FF2B5EF4-FFF2-40B4-BE49-F238E27FC236}">
+                <a16:creationId xmlns:a16="http://schemas.microsoft.com/office/drawing/2014/main" id="{81628A03-2689-4920-9125-E25D5C74BC47}"/>
+              </a:ext>
+            </a:extLst>
+          </p:cNvPr>
+          <p:cNvCxnSpPr>
+            <a:cxnSpLocks/>
+          </p:cNvCxnSpPr>
+          <p:nvPr/>
+        </p:nvCxnSpPr>
+        <p:spPr>
+          <a:xfrm>
+            <a:off x="7093698" y="1976864"/>
+            <a:ext cx="127329" cy="0"/>
+          </a:xfrm>
+          <a:prstGeom prst="line">
+            <a:avLst/>
+          </a:prstGeom>
+        </p:spPr>
+        <p:style>
+          <a:lnRef idx="1">
+            <a:schemeClr val="accent1"/>
+          </a:lnRef>
+          <a:fillRef idx="0">
+            <a:schemeClr val="accent1"/>
+          </a:fillRef>
+          <a:effectRef idx="0">
+            <a:schemeClr val="accent1"/>
+          </a:effectRef>
+          <a:fontRef idx="minor">
+            <a:schemeClr val="tx1"/>
+          </a:fontRef>
+        </p:style>
+      </p:cxnSp>
+      <p:cxnSp>
+        <p:nvCxnSpPr>
+          <p:cNvPr id="52" name="Conector recto 51">
+            <a:extLst>
+              <a:ext uri="{FF2B5EF4-FFF2-40B4-BE49-F238E27FC236}">
+                <a16:creationId xmlns:a16="http://schemas.microsoft.com/office/drawing/2014/main" id="{D198F3DB-C071-4AD6-AD9C-2F7CF068D9E8}"/>
+              </a:ext>
+            </a:extLst>
+          </p:cNvPr>
+          <p:cNvCxnSpPr>
+            <a:cxnSpLocks/>
+          </p:cNvCxnSpPr>
+          <p:nvPr/>
+        </p:nvCxnSpPr>
+        <p:spPr>
+          <a:xfrm>
+            <a:off x="7852205" y="2377412"/>
+            <a:ext cx="0" cy="82698"/>
+          </a:xfrm>
+          <a:prstGeom prst="line">
+            <a:avLst/>
+          </a:prstGeom>
+        </p:spPr>
+        <p:style>
+          <a:lnRef idx="1">
+            <a:schemeClr val="accent1"/>
+          </a:lnRef>
+          <a:fillRef idx="0">
+            <a:schemeClr val="accent1"/>
+          </a:fillRef>
+          <a:effectRef idx="0">
+            <a:schemeClr val="accent1"/>
+          </a:effectRef>
+          <a:fontRef idx="minor">
+            <a:schemeClr val="tx1"/>
+          </a:fontRef>
+        </p:style>
+      </p:cxnSp>
+      <p:cxnSp>
+        <p:nvCxnSpPr>
+          <p:cNvPr id="53" name="Conector recto 52">
+            <a:extLst>
+              <a:ext uri="{FF2B5EF4-FFF2-40B4-BE49-F238E27FC236}">
+                <a16:creationId xmlns:a16="http://schemas.microsoft.com/office/drawing/2014/main" id="{5AFE5566-2B65-4E6B-B4D7-918802986F90}"/>
+              </a:ext>
+            </a:extLst>
+          </p:cNvPr>
+          <p:cNvCxnSpPr>
+            <a:cxnSpLocks/>
+          </p:cNvCxnSpPr>
+          <p:nvPr/>
+        </p:nvCxnSpPr>
+        <p:spPr>
+          <a:xfrm>
+            <a:off x="7856546" y="2596513"/>
+            <a:ext cx="0" cy="87424"/>
+          </a:xfrm>
+          <a:prstGeom prst="line">
+            <a:avLst/>
+          </a:prstGeom>
+        </p:spPr>
+        <p:style>
+          <a:lnRef idx="1">
+            <a:schemeClr val="accent1"/>
+          </a:lnRef>
+          <a:fillRef idx="0">
+            <a:schemeClr val="accent1"/>
+          </a:fillRef>
+          <a:effectRef idx="0">
+            <a:schemeClr val="accent1"/>
+          </a:effectRef>
+          <a:fontRef idx="minor">
+            <a:schemeClr val="tx1"/>
+          </a:fontRef>
+        </p:style>
+      </p:cxnSp>
+      <p:cxnSp>
+        <p:nvCxnSpPr>
+          <p:cNvPr id="54" name="Conector recto 53">
+            <a:extLst>
+              <a:ext uri="{FF2B5EF4-FFF2-40B4-BE49-F238E27FC236}">
+                <a16:creationId xmlns:a16="http://schemas.microsoft.com/office/drawing/2014/main" id="{82171D0D-7A78-4821-8FDB-3B1B2B5C2DB6}"/>
+              </a:ext>
+            </a:extLst>
+          </p:cNvPr>
+          <p:cNvCxnSpPr>
+            <a:cxnSpLocks/>
+          </p:cNvCxnSpPr>
+          <p:nvPr/>
+        </p:nvCxnSpPr>
+        <p:spPr>
+          <a:xfrm>
+            <a:off x="7351260" y="1976472"/>
+            <a:ext cx="75747" cy="0"/>
+          </a:xfrm>
+          <a:prstGeom prst="line">
+            <a:avLst/>
+          </a:prstGeom>
+        </p:spPr>
+        <p:style>
+          <a:lnRef idx="1">
+            <a:schemeClr val="accent1"/>
+          </a:lnRef>
+          <a:fillRef idx="0">
+            <a:schemeClr val="accent1"/>
+          </a:fillRef>
+          <a:effectRef idx="0">
+            <a:schemeClr val="accent1"/>
+          </a:effectRef>
+          <a:fontRef idx="minor">
+            <a:schemeClr val="tx1"/>
+          </a:fontRef>
+        </p:style>
+      </p:cxnSp>
+      <p:cxnSp>
+        <p:nvCxnSpPr>
+          <p:cNvPr id="55" name="Conector recto 54">
+            <a:extLst>
+              <a:ext uri="{FF2B5EF4-FFF2-40B4-BE49-F238E27FC236}">
+                <a16:creationId xmlns:a16="http://schemas.microsoft.com/office/drawing/2014/main" id="{E2DE23B6-DCCA-4643-B5A0-A12395ABBE0C}"/>
+              </a:ext>
+            </a:extLst>
+          </p:cNvPr>
+          <p:cNvCxnSpPr>
+            <a:cxnSpLocks/>
+          </p:cNvCxnSpPr>
+          <p:nvPr/>
+        </p:nvCxnSpPr>
+        <p:spPr>
+          <a:xfrm flipV="1">
+            <a:off x="8159182" y="1620444"/>
+            <a:ext cx="84793" cy="73337"/>
+          </a:xfrm>
+          <a:prstGeom prst="line">
+            <a:avLst/>
+          </a:prstGeom>
+        </p:spPr>
+        <p:style>
+          <a:lnRef idx="1">
+            <a:schemeClr val="accent1"/>
+          </a:lnRef>
+          <a:fillRef idx="0">
+            <a:schemeClr val="accent1"/>
+          </a:fillRef>
+          <a:effectRef idx="0">
+            <a:schemeClr val="accent1"/>
+          </a:effectRef>
+          <a:fontRef idx="minor">
+            <a:schemeClr val="tx1"/>
+          </a:fontRef>
+        </p:style>
+      </p:cxnSp>
+      <p:cxnSp>
+        <p:nvCxnSpPr>
+          <p:cNvPr id="56" name="Conector recto 55">
+            <a:extLst>
+              <a:ext uri="{FF2B5EF4-FFF2-40B4-BE49-F238E27FC236}">
+                <a16:creationId xmlns:a16="http://schemas.microsoft.com/office/drawing/2014/main" id="{B6D7DD8E-A5F8-4107-A9FC-F7F228E4CC13}"/>
+              </a:ext>
+            </a:extLst>
+          </p:cNvPr>
+          <p:cNvCxnSpPr>
+            <a:cxnSpLocks/>
+          </p:cNvCxnSpPr>
+          <p:nvPr/>
+        </p:nvCxnSpPr>
+        <p:spPr>
+          <a:xfrm flipV="1">
+            <a:off x="8351929" y="1478094"/>
+            <a:ext cx="64842" cy="62657"/>
+          </a:xfrm>
+          <a:prstGeom prst="line">
+            <a:avLst/>
+          </a:prstGeom>
+        </p:spPr>
+        <p:style>
+          <a:lnRef idx="1">
+            <a:schemeClr val="accent1"/>
+          </a:lnRef>
+          <a:fillRef idx="0">
+            <a:schemeClr val="accent1"/>
+          </a:fillRef>
+          <a:effectRef idx="0">
+            <a:schemeClr val="accent1"/>
+          </a:effectRef>
+          <a:fontRef idx="minor">
+            <a:schemeClr val="tx1"/>
+          </a:fontRef>
+        </p:style>
+      </p:cxnSp>
+      <p:cxnSp>
+        <p:nvCxnSpPr>
+          <p:cNvPr id="57" name="Conector recto 56">
+            <a:extLst>
+              <a:ext uri="{FF2B5EF4-FFF2-40B4-BE49-F238E27FC236}">
+                <a16:creationId xmlns:a16="http://schemas.microsoft.com/office/drawing/2014/main" id="{5F023397-6EF3-49C1-B991-F91DCD0BA2BC}"/>
+              </a:ext>
+            </a:extLst>
+          </p:cNvPr>
+          <p:cNvCxnSpPr>
+            <a:cxnSpLocks/>
+          </p:cNvCxnSpPr>
+          <p:nvPr/>
+        </p:nvCxnSpPr>
+        <p:spPr>
+          <a:xfrm>
+            <a:off x="8319743" y="2416312"/>
+            <a:ext cx="64373" cy="65687"/>
+          </a:xfrm>
+          <a:prstGeom prst="line">
+            <a:avLst/>
+          </a:prstGeom>
+        </p:spPr>
+        <p:style>
+          <a:lnRef idx="1">
+            <a:schemeClr val="accent1"/>
+          </a:lnRef>
+          <a:fillRef idx="0">
+            <a:schemeClr val="accent1"/>
+          </a:fillRef>
+          <a:effectRef idx="0">
+            <a:schemeClr val="accent1"/>
+          </a:effectRef>
+          <a:fontRef idx="minor">
+            <a:schemeClr val="tx1"/>
+          </a:fontRef>
+        </p:style>
+      </p:cxnSp>
+      <p:cxnSp>
+        <p:nvCxnSpPr>
+          <p:cNvPr id="58" name="Conector recto 57">
+            <a:extLst>
+              <a:ext uri="{FF2B5EF4-FFF2-40B4-BE49-F238E27FC236}">
+                <a16:creationId xmlns:a16="http://schemas.microsoft.com/office/drawing/2014/main" id="{069C8A5A-5B72-4E24-AE29-19A918662EC7}"/>
+              </a:ext>
+            </a:extLst>
+          </p:cNvPr>
+          <p:cNvCxnSpPr>
+            <a:cxnSpLocks/>
+          </p:cNvCxnSpPr>
+          <p:nvPr/>
+        </p:nvCxnSpPr>
+        <p:spPr>
+          <a:xfrm flipV="1">
+            <a:off x="7457227" y="2234877"/>
+            <a:ext cx="58285" cy="47800"/>
+          </a:xfrm>
+          <a:prstGeom prst="line">
+            <a:avLst/>
+          </a:prstGeom>
+        </p:spPr>
+        <p:style>
+          <a:lnRef idx="1">
+            <a:schemeClr val="accent1"/>
+          </a:lnRef>
+          <a:fillRef idx="0">
+            <a:schemeClr val="accent1"/>
+          </a:fillRef>
+          <a:effectRef idx="0">
+            <a:schemeClr val="accent1"/>
+          </a:effectRef>
+          <a:fontRef idx="minor">
+            <a:schemeClr val="tx1"/>
+          </a:fontRef>
+        </p:style>
+      </p:cxnSp>
+      <p:sp>
+        <p:nvSpPr>
+          <p:cNvPr id="99" name="Rectángulo: esquinas redondeadas 98">
+            <a:extLst>
+              <a:ext uri="{FF2B5EF4-FFF2-40B4-BE49-F238E27FC236}">
+                <a16:creationId xmlns:a16="http://schemas.microsoft.com/office/drawing/2014/main" id="{9FDD043D-5527-4124-B1DF-55C10C55F3F3}"/>
+              </a:ext>
+            </a:extLst>
+          </p:cNvPr>
+          <p:cNvSpPr/>
+          <p:nvPr/>
+        </p:nvSpPr>
+        <p:spPr>
+          <a:xfrm>
+            <a:off x="1793949" y="1397090"/>
+            <a:ext cx="1780739" cy="1656945"/>
+          </a:xfrm>
+          <a:prstGeom prst="roundRect">
+            <a:avLst/>
+          </a:prstGeom>
+          <a:solidFill>
+            <a:srgbClr val="072561"/>
+          </a:solidFill>
+          <a:ln>
+            <a:noFill/>
+          </a:ln>
+          <a:effectLst>
+            <a:outerShdw blurRad="44450" dist="27940" dir="5400000" algn="ctr">
+              <a:srgbClr val="000000">
+                <a:alpha val="32000"/>
+              </a:srgbClr>
+            </a:outerShdw>
+          </a:effectLst>
+          <a:scene3d>
+            <a:camera prst="orthographicFront">
+              <a:rot lat="0" lon="0" rev="0"/>
+            </a:camera>
+            <a:lightRig rig="balanced" dir="t">
+              <a:rot lat="0" lon="0" rev="8700000"/>
+            </a:lightRig>
+          </a:scene3d>
+          <a:sp3d>
+            <a:bevelT w="190500" h="38100"/>
+          </a:sp3d>
+        </p:spPr>
+        <p:style>
+          <a:lnRef idx="2">
+            <a:schemeClr val="accent1">
+              <a:shade val="50000"/>
+            </a:schemeClr>
+          </a:lnRef>
+          <a:fillRef idx="1">
+            <a:schemeClr val="accent1"/>
+          </a:fillRef>
+          <a:effectRef idx="0">
+            <a:schemeClr val="accent1"/>
+          </a:effectRef>
+          <a:fontRef idx="minor">
+            <a:schemeClr val="lt1"/>
+          </a:fontRef>
+        </p:style>
+        <p:txBody>
+          <a:bodyPr rtlCol="0" anchor="ctr"/>
+          <a:lstStyle/>
+          <a:p>
+            <a:pPr algn="ctr"/>
+            <a:endParaRPr lang="es-MX"/>
+          </a:p>
+        </p:txBody>
+      </p:sp>
       <p:pic>
         <p:nvPicPr>
-          <p:cNvPr id="25" name="Imagen 24">
+          <p:cNvPr id="100" name="Imagen 99">
             <a:extLst>
               <a:ext uri="{FF2B5EF4-FFF2-40B4-BE49-F238E27FC236}">
-                <a16:creationId xmlns:a16="http://schemas.microsoft.com/office/drawing/2014/main" id="{3EBF31BD-E1BA-4C66-A6C8-6C248F385AA4}"/>
+                <a16:creationId xmlns:a16="http://schemas.microsoft.com/office/drawing/2014/main" id="{5BEA07F5-D4AC-4719-ACC2-BAA9D1B90681}"/>
               </a:ext>
             </a:extLst>
           </p:cNvPr>
@@ -14132,14 +15528,883 @@
         </p:blipFill>
         <p:spPr>
           <a:xfrm>
-            <a:off x="5135875" y="951292"/>
-            <a:ext cx="2597230" cy="3626591"/>
+            <a:off x="1923167" y="1519332"/>
+            <a:ext cx="1499746" cy="1414395"/>
           </a:xfrm>
           <a:prstGeom prst="rect">
             <a:avLst/>
           </a:prstGeom>
         </p:spPr>
       </p:pic>
+      <p:sp>
+        <p:nvSpPr>
+          <p:cNvPr id="102" name="CuadroTexto 101">
+            <a:extLst>
+              <a:ext uri="{FF2B5EF4-FFF2-40B4-BE49-F238E27FC236}">
+                <a16:creationId xmlns:a16="http://schemas.microsoft.com/office/drawing/2014/main" id="{231A4704-F8D2-4E0B-85F6-962919D11776}"/>
+              </a:ext>
+            </a:extLst>
+          </p:cNvPr>
+          <p:cNvSpPr txBox="1"/>
+          <p:nvPr/>
+        </p:nvSpPr>
+        <p:spPr>
+          <a:xfrm>
+            <a:off x="2631621" y="1444022"/>
+            <a:ext cx="88291" cy="76944"/>
+          </a:xfrm>
+          <a:prstGeom prst="rect">
+            <a:avLst/>
+          </a:prstGeom>
+          <a:noFill/>
+        </p:spPr>
+        <p:txBody>
+          <a:bodyPr wrap="square" lIns="0" tIns="0" rIns="0" bIns="0" rtlCol="0">
+            <a:spAutoFit/>
+          </a:bodyPr>
+          <a:lstStyle/>
+          <a:p>
+            <a:r>
+              <a:rPr lang="es-ES" sz="500" dirty="0">
+                <a:solidFill>
+                  <a:schemeClr val="bg1"/>
+                </a:solidFill>
+              </a:rPr>
+              <a:t>1</a:t>
+            </a:r>
+            <a:endParaRPr lang="es-MX" sz="500" dirty="0">
+              <a:solidFill>
+                <a:schemeClr val="bg1"/>
+              </a:solidFill>
+            </a:endParaRPr>
+          </a:p>
+        </p:txBody>
+      </p:sp>
+      <p:sp>
+        <p:nvSpPr>
+          <p:cNvPr id="105" name="CuadroTexto 104">
+            <a:extLst>
+              <a:ext uri="{FF2B5EF4-FFF2-40B4-BE49-F238E27FC236}">
+                <a16:creationId xmlns:a16="http://schemas.microsoft.com/office/drawing/2014/main" id="{C5000404-398A-4119-9969-1E54343B774A}"/>
+              </a:ext>
+            </a:extLst>
+          </p:cNvPr>
+          <p:cNvSpPr txBox="1"/>
+          <p:nvPr/>
+        </p:nvSpPr>
+        <p:spPr>
+          <a:xfrm>
+            <a:off x="1876605" y="2176861"/>
+            <a:ext cx="88291" cy="76944"/>
+          </a:xfrm>
+          <a:prstGeom prst="rect">
+            <a:avLst/>
+          </a:prstGeom>
+          <a:noFill/>
+        </p:spPr>
+        <p:txBody>
+          <a:bodyPr wrap="square" lIns="0" tIns="0" rIns="0" bIns="0" rtlCol="0">
+            <a:spAutoFit/>
+          </a:bodyPr>
+          <a:lstStyle/>
+          <a:p>
+            <a:r>
+              <a:rPr lang="es-ES" sz="500" dirty="0">
+                <a:solidFill>
+                  <a:schemeClr val="bg1"/>
+                </a:solidFill>
+              </a:rPr>
+              <a:t>60</a:t>
+            </a:r>
+            <a:endParaRPr lang="es-MX" sz="500" dirty="0">
+              <a:solidFill>
+                <a:schemeClr val="bg1"/>
+              </a:solidFill>
+            </a:endParaRPr>
+          </a:p>
+        </p:txBody>
+      </p:sp>
+      <p:sp>
+        <p:nvSpPr>
+          <p:cNvPr id="106" name="CuadroTexto 105">
+            <a:extLst>
+              <a:ext uri="{FF2B5EF4-FFF2-40B4-BE49-F238E27FC236}">
+                <a16:creationId xmlns:a16="http://schemas.microsoft.com/office/drawing/2014/main" id="{3CEF50CA-6220-42B3-9334-F90886D4831B}"/>
+              </a:ext>
+            </a:extLst>
+          </p:cNvPr>
+          <p:cNvSpPr txBox="1"/>
+          <p:nvPr/>
+        </p:nvSpPr>
+        <p:spPr>
+          <a:xfrm>
+            <a:off x="2653540" y="2946406"/>
+            <a:ext cx="88291" cy="76944"/>
+          </a:xfrm>
+          <a:prstGeom prst="rect">
+            <a:avLst/>
+          </a:prstGeom>
+          <a:noFill/>
+        </p:spPr>
+        <p:txBody>
+          <a:bodyPr wrap="square" lIns="0" tIns="0" rIns="0" bIns="0" rtlCol="0">
+            <a:spAutoFit/>
+          </a:bodyPr>
+          <a:lstStyle/>
+          <a:p>
+            <a:r>
+              <a:rPr lang="es-ES" sz="500" dirty="0">
+                <a:solidFill>
+                  <a:schemeClr val="bg1"/>
+                </a:solidFill>
+              </a:rPr>
+              <a:t>40</a:t>
+            </a:r>
+            <a:endParaRPr lang="es-MX" sz="500" dirty="0">
+              <a:solidFill>
+                <a:schemeClr val="bg1"/>
+              </a:solidFill>
+            </a:endParaRPr>
+          </a:p>
+        </p:txBody>
+      </p:sp>
+      <p:sp>
+        <p:nvSpPr>
+          <p:cNvPr id="107" name="CuadroTexto 106">
+            <a:extLst>
+              <a:ext uri="{FF2B5EF4-FFF2-40B4-BE49-F238E27FC236}">
+                <a16:creationId xmlns:a16="http://schemas.microsoft.com/office/drawing/2014/main" id="{F7845A00-845A-4C86-B21B-BB9F8208E1FD}"/>
+              </a:ext>
+            </a:extLst>
+          </p:cNvPr>
+          <p:cNvSpPr txBox="1"/>
+          <p:nvPr/>
+        </p:nvSpPr>
+        <p:spPr>
+          <a:xfrm>
+            <a:off x="3440883" y="2188478"/>
+            <a:ext cx="88291" cy="76944"/>
+          </a:xfrm>
+          <a:prstGeom prst="rect">
+            <a:avLst/>
+          </a:prstGeom>
+          <a:noFill/>
+        </p:spPr>
+        <p:txBody>
+          <a:bodyPr wrap="square" lIns="0" tIns="0" rIns="0" bIns="0" rtlCol="0">
+            <a:spAutoFit/>
+          </a:bodyPr>
+          <a:lstStyle/>
+          <a:p>
+            <a:r>
+              <a:rPr lang="es-ES" sz="500" dirty="0">
+                <a:solidFill>
+                  <a:schemeClr val="bg1"/>
+                </a:solidFill>
+              </a:rPr>
+              <a:t>20</a:t>
+            </a:r>
+            <a:endParaRPr lang="es-MX" sz="500" dirty="0">
+              <a:solidFill>
+                <a:schemeClr val="bg1"/>
+              </a:solidFill>
+            </a:endParaRPr>
+          </a:p>
+        </p:txBody>
+      </p:sp>
+      <p:sp>
+        <p:nvSpPr>
+          <p:cNvPr id="108" name="CuadroTexto 107">
+            <a:extLst>
+              <a:ext uri="{FF2B5EF4-FFF2-40B4-BE49-F238E27FC236}">
+                <a16:creationId xmlns:a16="http://schemas.microsoft.com/office/drawing/2014/main" id="{689917B0-9CE8-4340-A43D-624461BD25E0}"/>
+              </a:ext>
+            </a:extLst>
+          </p:cNvPr>
+          <p:cNvSpPr txBox="1"/>
+          <p:nvPr/>
+        </p:nvSpPr>
+        <p:spPr>
+          <a:xfrm rot="19016570">
+            <a:off x="2141382" y="1619821"/>
+            <a:ext cx="88291" cy="76944"/>
+          </a:xfrm>
+          <a:prstGeom prst="rect">
+            <a:avLst/>
+          </a:prstGeom>
+          <a:noFill/>
+        </p:spPr>
+        <p:txBody>
+          <a:bodyPr wrap="square" lIns="0" tIns="0" rIns="0" bIns="0" rtlCol="0">
+            <a:spAutoFit/>
+          </a:bodyPr>
+          <a:lstStyle/>
+          <a:p>
+            <a:r>
+              <a:rPr lang="es-ES" sz="500" dirty="0">
+                <a:solidFill>
+                  <a:schemeClr val="bg1"/>
+                </a:solidFill>
+              </a:rPr>
+              <a:t>70</a:t>
+            </a:r>
+            <a:endParaRPr lang="es-MX" sz="500" dirty="0">
+              <a:solidFill>
+                <a:schemeClr val="bg1"/>
+              </a:solidFill>
+            </a:endParaRPr>
+          </a:p>
+        </p:txBody>
+      </p:sp>
+      <p:sp>
+        <p:nvSpPr>
+          <p:cNvPr id="109" name="CuadroTexto 108">
+            <a:extLst>
+              <a:ext uri="{FF2B5EF4-FFF2-40B4-BE49-F238E27FC236}">
+                <a16:creationId xmlns:a16="http://schemas.microsoft.com/office/drawing/2014/main" id="{1A3C472F-2155-4CA9-B6B1-BBDB050B43A8}"/>
+              </a:ext>
+            </a:extLst>
+          </p:cNvPr>
+          <p:cNvSpPr txBox="1"/>
+          <p:nvPr/>
+        </p:nvSpPr>
+        <p:spPr>
+          <a:xfrm rot="19156328">
+            <a:off x="2106821" y="2712063"/>
+            <a:ext cx="88291" cy="76944"/>
+          </a:xfrm>
+          <a:prstGeom prst="rect">
+            <a:avLst/>
+          </a:prstGeom>
+          <a:noFill/>
+        </p:spPr>
+        <p:txBody>
+          <a:bodyPr wrap="square" lIns="0" tIns="0" rIns="0" bIns="0" rtlCol="0">
+            <a:spAutoFit/>
+          </a:bodyPr>
+          <a:lstStyle/>
+          <a:p>
+            <a:r>
+              <a:rPr lang="es-ES" sz="500" dirty="0">
+                <a:solidFill>
+                  <a:schemeClr val="bg1"/>
+                </a:solidFill>
+              </a:rPr>
+              <a:t>50</a:t>
+            </a:r>
+            <a:endParaRPr lang="es-MX" sz="500" dirty="0">
+              <a:solidFill>
+                <a:schemeClr val="bg1"/>
+              </a:solidFill>
+            </a:endParaRPr>
+          </a:p>
+        </p:txBody>
+      </p:sp>
+      <p:sp>
+        <p:nvSpPr>
+          <p:cNvPr id="110" name="CuadroTexto 109">
+            <a:extLst>
+              <a:ext uri="{FF2B5EF4-FFF2-40B4-BE49-F238E27FC236}">
+                <a16:creationId xmlns:a16="http://schemas.microsoft.com/office/drawing/2014/main" id="{7A8D371F-00E5-42C4-B557-E9AF8209BA4A}"/>
+              </a:ext>
+            </a:extLst>
+          </p:cNvPr>
+          <p:cNvSpPr txBox="1"/>
+          <p:nvPr/>
+        </p:nvSpPr>
+        <p:spPr>
+          <a:xfrm rot="19156328">
+            <a:off x="3244016" y="1634893"/>
+            <a:ext cx="88291" cy="76944"/>
+          </a:xfrm>
+          <a:prstGeom prst="rect">
+            <a:avLst/>
+          </a:prstGeom>
+          <a:noFill/>
+        </p:spPr>
+        <p:txBody>
+          <a:bodyPr wrap="square" lIns="0" tIns="0" rIns="0" bIns="0" rtlCol="0">
+            <a:spAutoFit/>
+          </a:bodyPr>
+          <a:lstStyle/>
+          <a:p>
+            <a:r>
+              <a:rPr lang="es-ES" sz="500" dirty="0">
+                <a:solidFill>
+                  <a:schemeClr val="bg1"/>
+                </a:solidFill>
+              </a:rPr>
+              <a:t>10</a:t>
+            </a:r>
+            <a:endParaRPr lang="es-MX" sz="500" dirty="0">
+              <a:solidFill>
+                <a:schemeClr val="bg1"/>
+              </a:solidFill>
+            </a:endParaRPr>
+          </a:p>
+        </p:txBody>
+      </p:sp>
+      <p:sp>
+        <p:nvSpPr>
+          <p:cNvPr id="112" name="CuadroTexto 111">
+            <a:extLst>
+              <a:ext uri="{FF2B5EF4-FFF2-40B4-BE49-F238E27FC236}">
+                <a16:creationId xmlns:a16="http://schemas.microsoft.com/office/drawing/2014/main" id="{29EE1A2D-A1BB-4E09-9CF5-66D9DF336BCC}"/>
+              </a:ext>
+            </a:extLst>
+          </p:cNvPr>
+          <p:cNvSpPr txBox="1"/>
+          <p:nvPr/>
+        </p:nvSpPr>
+        <p:spPr>
+          <a:xfrm rot="19016570">
+            <a:off x="3220882" y="2724432"/>
+            <a:ext cx="88291" cy="76944"/>
+          </a:xfrm>
+          <a:prstGeom prst="rect">
+            <a:avLst/>
+          </a:prstGeom>
+          <a:noFill/>
+        </p:spPr>
+        <p:txBody>
+          <a:bodyPr wrap="square" lIns="0" tIns="0" rIns="0" bIns="0" rtlCol="0">
+            <a:spAutoFit/>
+          </a:bodyPr>
+          <a:lstStyle/>
+          <a:p>
+            <a:r>
+              <a:rPr lang="es-ES" sz="500" dirty="0">
+                <a:solidFill>
+                  <a:schemeClr val="bg1"/>
+                </a:solidFill>
+              </a:rPr>
+              <a:t>30</a:t>
+            </a:r>
+            <a:endParaRPr lang="es-MX" sz="500" dirty="0">
+              <a:solidFill>
+                <a:schemeClr val="bg1"/>
+              </a:solidFill>
+            </a:endParaRPr>
+          </a:p>
+        </p:txBody>
+      </p:sp>
+      <p:sp>
+        <p:nvSpPr>
+          <p:cNvPr id="113" name="CuadroTexto 112">
+            <a:extLst>
+              <a:ext uri="{FF2B5EF4-FFF2-40B4-BE49-F238E27FC236}">
+                <a16:creationId xmlns:a16="http://schemas.microsoft.com/office/drawing/2014/main" id="{9906DD9E-EA0E-4A23-A2A0-8DFEFCC7D952}"/>
+              </a:ext>
+            </a:extLst>
+          </p:cNvPr>
+          <p:cNvSpPr txBox="1"/>
+          <p:nvPr/>
+        </p:nvSpPr>
+        <p:spPr>
+          <a:xfrm rot="19016570">
+            <a:off x="2323153" y="1748156"/>
+            <a:ext cx="88291" cy="76944"/>
+          </a:xfrm>
+          <a:prstGeom prst="rect">
+            <a:avLst/>
+          </a:prstGeom>
+          <a:noFill/>
+        </p:spPr>
+        <p:txBody>
+          <a:bodyPr wrap="square" lIns="0" tIns="0" rIns="0" bIns="0" rtlCol="0">
+            <a:spAutoFit/>
+          </a:bodyPr>
+          <a:lstStyle/>
+          <a:p>
+            <a:r>
+              <a:rPr lang="es-ES" sz="500" dirty="0">
+                <a:solidFill>
+                  <a:schemeClr val="bg1"/>
+                </a:solidFill>
+              </a:rPr>
+              <a:t>T</a:t>
+            </a:r>
+            <a:endParaRPr lang="es-MX" sz="500" dirty="0">
+              <a:solidFill>
+                <a:schemeClr val="bg1"/>
+              </a:solidFill>
+            </a:endParaRPr>
+          </a:p>
+        </p:txBody>
+      </p:sp>
+      <p:sp>
+        <p:nvSpPr>
+          <p:cNvPr id="114" name="CuadroTexto 113">
+            <a:extLst>
+              <a:ext uri="{FF2B5EF4-FFF2-40B4-BE49-F238E27FC236}">
+                <a16:creationId xmlns:a16="http://schemas.microsoft.com/office/drawing/2014/main" id="{267DA093-8774-428C-B35C-868AE8A46031}"/>
+              </a:ext>
+            </a:extLst>
+          </p:cNvPr>
+          <p:cNvSpPr txBox="1"/>
+          <p:nvPr/>
+        </p:nvSpPr>
+        <p:spPr>
+          <a:xfrm rot="19016570">
+            <a:off x="3053401" y="2543503"/>
+            <a:ext cx="88291" cy="76944"/>
+          </a:xfrm>
+          <a:prstGeom prst="rect">
+            <a:avLst/>
+          </a:prstGeom>
+          <a:noFill/>
+        </p:spPr>
+        <p:txBody>
+          <a:bodyPr wrap="square" lIns="0" tIns="0" rIns="0" bIns="0" rtlCol="0">
+            <a:spAutoFit/>
+          </a:bodyPr>
+          <a:lstStyle/>
+          <a:p>
+            <a:r>
+              <a:rPr lang="es-ES" sz="500" dirty="0">
+                <a:solidFill>
+                  <a:schemeClr val="bg1"/>
+                </a:solidFill>
+              </a:rPr>
+              <a:t>M</a:t>
+            </a:r>
+            <a:endParaRPr lang="es-MX" sz="500" dirty="0">
+              <a:solidFill>
+                <a:schemeClr val="bg1"/>
+              </a:solidFill>
+            </a:endParaRPr>
+          </a:p>
+        </p:txBody>
+      </p:sp>
+      <p:sp>
+        <p:nvSpPr>
+          <p:cNvPr id="115" name="CuadroTexto 114">
+            <a:extLst>
+              <a:ext uri="{FF2B5EF4-FFF2-40B4-BE49-F238E27FC236}">
+                <a16:creationId xmlns:a16="http://schemas.microsoft.com/office/drawing/2014/main" id="{AAC9EFF1-1B60-4E81-BECD-708CDE7CE7A8}"/>
+              </a:ext>
+            </a:extLst>
+          </p:cNvPr>
+          <p:cNvSpPr txBox="1"/>
+          <p:nvPr/>
+        </p:nvSpPr>
+        <p:spPr>
+          <a:xfrm>
+            <a:off x="2657328" y="1618420"/>
+            <a:ext cx="88291" cy="76944"/>
+          </a:xfrm>
+          <a:prstGeom prst="rect">
+            <a:avLst/>
+          </a:prstGeom>
+          <a:noFill/>
+        </p:spPr>
+        <p:txBody>
+          <a:bodyPr wrap="square" lIns="0" tIns="0" rIns="0" bIns="0" rtlCol="0">
+            <a:spAutoFit/>
+          </a:bodyPr>
+          <a:lstStyle/>
+          <a:p>
+            <a:r>
+              <a:rPr lang="es-ES" sz="500" dirty="0">
+                <a:solidFill>
+                  <a:schemeClr val="bg1"/>
+                </a:solidFill>
+              </a:rPr>
+              <a:t>A</a:t>
+            </a:r>
+            <a:endParaRPr lang="es-MX" sz="500" dirty="0">
+              <a:solidFill>
+                <a:schemeClr val="bg1"/>
+              </a:solidFill>
+            </a:endParaRPr>
+          </a:p>
+        </p:txBody>
+      </p:sp>
+      <p:sp>
+        <p:nvSpPr>
+          <p:cNvPr id="116" name="CuadroTexto 115">
+            <a:extLst>
+              <a:ext uri="{FF2B5EF4-FFF2-40B4-BE49-F238E27FC236}">
+                <a16:creationId xmlns:a16="http://schemas.microsoft.com/office/drawing/2014/main" id="{8FB385A1-9907-4F8B-B76D-D1AE34F82211}"/>
+              </a:ext>
+            </a:extLst>
+          </p:cNvPr>
+          <p:cNvSpPr txBox="1"/>
+          <p:nvPr/>
+        </p:nvSpPr>
+        <p:spPr>
+          <a:xfrm>
+            <a:off x="2141745" y="2176861"/>
+            <a:ext cx="88291" cy="76944"/>
+          </a:xfrm>
+          <a:prstGeom prst="rect">
+            <a:avLst/>
+          </a:prstGeom>
+          <a:noFill/>
+        </p:spPr>
+        <p:txBody>
+          <a:bodyPr wrap="square" lIns="0" tIns="0" rIns="0" bIns="0" rtlCol="0">
+            <a:spAutoFit/>
+          </a:bodyPr>
+          <a:lstStyle/>
+          <a:p>
+            <a:r>
+              <a:rPr lang="es-ES" sz="500" dirty="0">
+                <a:solidFill>
+                  <a:schemeClr val="bg1"/>
+                </a:solidFill>
+              </a:rPr>
+              <a:t>X</a:t>
+            </a:r>
+            <a:endParaRPr lang="es-MX" sz="500" dirty="0">
+              <a:solidFill>
+                <a:schemeClr val="bg1"/>
+              </a:solidFill>
+            </a:endParaRPr>
+          </a:p>
+        </p:txBody>
+      </p:sp>
+      <p:sp>
+        <p:nvSpPr>
+          <p:cNvPr id="117" name="CuadroTexto 116">
+            <a:extLst>
+              <a:ext uri="{FF2B5EF4-FFF2-40B4-BE49-F238E27FC236}">
+                <a16:creationId xmlns:a16="http://schemas.microsoft.com/office/drawing/2014/main" id="{681E5AD5-BF11-4E63-92A8-181682E1D1BE}"/>
+              </a:ext>
+            </a:extLst>
+          </p:cNvPr>
+          <p:cNvSpPr txBox="1"/>
+          <p:nvPr/>
+        </p:nvSpPr>
+        <p:spPr>
+          <a:xfrm>
+            <a:off x="3082708" y="1804798"/>
+            <a:ext cx="88291" cy="76944"/>
+          </a:xfrm>
+          <a:prstGeom prst="rect">
+            <a:avLst/>
+          </a:prstGeom>
+          <a:noFill/>
+        </p:spPr>
+        <p:txBody>
+          <a:bodyPr wrap="square" lIns="0" tIns="0" rIns="0" bIns="0" rtlCol="0">
+            <a:spAutoFit/>
+          </a:bodyPr>
+          <a:lstStyle/>
+          <a:p>
+            <a:r>
+              <a:rPr lang="es-ES" sz="500" dirty="0">
+                <a:solidFill>
+                  <a:schemeClr val="bg1"/>
+                </a:solidFill>
+              </a:rPr>
+              <a:t>G</a:t>
+            </a:r>
+            <a:endParaRPr lang="es-MX" sz="500" dirty="0">
+              <a:solidFill>
+                <a:schemeClr val="bg1"/>
+              </a:solidFill>
+            </a:endParaRPr>
+          </a:p>
+        </p:txBody>
+      </p:sp>
+      <p:sp>
+        <p:nvSpPr>
+          <p:cNvPr id="118" name="CuadroTexto 117">
+            <a:extLst>
+              <a:ext uri="{FF2B5EF4-FFF2-40B4-BE49-F238E27FC236}">
+                <a16:creationId xmlns:a16="http://schemas.microsoft.com/office/drawing/2014/main" id="{EC7544C9-BFD5-4ACA-8AA7-A077A4B82C0B}"/>
+              </a:ext>
+            </a:extLst>
+          </p:cNvPr>
+          <p:cNvSpPr txBox="1"/>
+          <p:nvPr/>
+        </p:nvSpPr>
+        <p:spPr>
+          <a:xfrm>
+            <a:off x="2665562" y="2701288"/>
+            <a:ext cx="88291" cy="76944"/>
+          </a:xfrm>
+          <a:prstGeom prst="rect">
+            <a:avLst/>
+          </a:prstGeom>
+          <a:noFill/>
+        </p:spPr>
+        <p:txBody>
+          <a:bodyPr wrap="square" lIns="0" tIns="0" rIns="0" bIns="0" rtlCol="0">
+            <a:spAutoFit/>
+          </a:bodyPr>
+          <a:lstStyle/>
+          <a:p>
+            <a:r>
+              <a:rPr lang="es-ES" sz="500" dirty="0">
+                <a:solidFill>
+                  <a:schemeClr val="bg1"/>
+                </a:solidFill>
+              </a:rPr>
+              <a:t>L</a:t>
+            </a:r>
+            <a:endParaRPr lang="es-MX" sz="500" dirty="0">
+              <a:solidFill>
+                <a:schemeClr val="bg1"/>
+              </a:solidFill>
+            </a:endParaRPr>
+          </a:p>
+        </p:txBody>
+      </p:sp>
+      <p:sp>
+        <p:nvSpPr>
+          <p:cNvPr id="119" name="CuadroTexto 118">
+            <a:extLst>
+              <a:ext uri="{FF2B5EF4-FFF2-40B4-BE49-F238E27FC236}">
+                <a16:creationId xmlns:a16="http://schemas.microsoft.com/office/drawing/2014/main" id="{7DA9FE3E-97C1-4E38-9A3B-99A6D1AD376D}"/>
+              </a:ext>
+            </a:extLst>
+          </p:cNvPr>
+          <p:cNvSpPr txBox="1"/>
+          <p:nvPr/>
+        </p:nvSpPr>
+        <p:spPr>
+          <a:xfrm rot="19305924">
+            <a:off x="2244448" y="2480641"/>
+            <a:ext cx="88291" cy="76944"/>
+          </a:xfrm>
+          <a:prstGeom prst="rect">
+            <a:avLst/>
+          </a:prstGeom>
+          <a:noFill/>
+        </p:spPr>
+        <p:txBody>
+          <a:bodyPr wrap="square" lIns="0" tIns="0" rIns="0" bIns="0" rtlCol="0">
+            <a:spAutoFit/>
+          </a:bodyPr>
+          <a:lstStyle/>
+          <a:p>
+            <a:r>
+              <a:rPr lang="es-ES" sz="500" dirty="0">
+                <a:solidFill>
+                  <a:schemeClr val="bg1"/>
+                </a:solidFill>
+              </a:rPr>
+              <a:t>J</a:t>
+            </a:r>
+            <a:endParaRPr lang="es-MX" sz="500" dirty="0">
+              <a:solidFill>
+                <a:schemeClr val="bg1"/>
+              </a:solidFill>
+            </a:endParaRPr>
+          </a:p>
+        </p:txBody>
+      </p:sp>
+      <p:sp>
+        <p:nvSpPr>
+          <p:cNvPr id="122" name="Rectángulo: esquinas redondeadas 121">
+            <a:extLst>
+              <a:ext uri="{FF2B5EF4-FFF2-40B4-BE49-F238E27FC236}">
+                <a16:creationId xmlns:a16="http://schemas.microsoft.com/office/drawing/2014/main" id="{2E5B38E7-B659-4FC0-B4BD-CC67B46AAD77}"/>
+              </a:ext>
+            </a:extLst>
+          </p:cNvPr>
+          <p:cNvSpPr/>
+          <p:nvPr/>
+        </p:nvSpPr>
+        <p:spPr>
+          <a:xfrm>
+            <a:off x="4649821" y="4303749"/>
+            <a:ext cx="1780739" cy="1656945"/>
+          </a:xfrm>
+          <a:prstGeom prst="roundRect">
+            <a:avLst/>
+          </a:prstGeom>
+          <a:solidFill>
+            <a:srgbClr val="072561"/>
+          </a:solidFill>
+          <a:ln>
+            <a:noFill/>
+          </a:ln>
+          <a:effectLst>
+            <a:outerShdw blurRad="44450" dist="27940" dir="5400000" algn="ctr">
+              <a:srgbClr val="000000">
+                <a:alpha val="32000"/>
+              </a:srgbClr>
+            </a:outerShdw>
+          </a:effectLst>
+          <a:scene3d>
+            <a:camera prst="orthographicFront">
+              <a:rot lat="0" lon="0" rev="0"/>
+            </a:camera>
+            <a:lightRig rig="balanced" dir="t">
+              <a:rot lat="0" lon="0" rev="8700000"/>
+            </a:lightRig>
+          </a:scene3d>
+          <a:sp3d>
+            <a:bevelT w="190500" h="38100" prst="slope"/>
+          </a:sp3d>
+        </p:spPr>
+        <p:style>
+          <a:lnRef idx="2">
+            <a:schemeClr val="accent1">
+              <a:shade val="50000"/>
+            </a:schemeClr>
+          </a:lnRef>
+          <a:fillRef idx="1">
+            <a:schemeClr val="accent1"/>
+          </a:fillRef>
+          <a:effectRef idx="0">
+            <a:schemeClr val="accent1"/>
+          </a:effectRef>
+          <a:fontRef idx="minor">
+            <a:schemeClr val="lt1"/>
+          </a:fontRef>
+        </p:style>
+        <p:txBody>
+          <a:bodyPr rtlCol="0" anchor="ctr"/>
+          <a:lstStyle/>
+          <a:p>
+            <a:pPr algn="ctr"/>
+            <a:endParaRPr lang="es-MX"/>
+          </a:p>
+        </p:txBody>
+      </p:sp>
+      <p:sp>
+        <p:nvSpPr>
+          <p:cNvPr id="124" name="Rectángulo: esquinas redondeadas 123">
+            <a:extLst>
+              <a:ext uri="{FF2B5EF4-FFF2-40B4-BE49-F238E27FC236}">
+                <a16:creationId xmlns:a16="http://schemas.microsoft.com/office/drawing/2014/main" id="{7084B73A-D125-46FC-8E24-BAF201400B62}"/>
+              </a:ext>
+            </a:extLst>
+          </p:cNvPr>
+          <p:cNvSpPr/>
+          <p:nvPr/>
+        </p:nvSpPr>
+        <p:spPr>
+          <a:xfrm>
+            <a:off x="5901742" y="4432182"/>
+            <a:ext cx="1255620" cy="1656945"/>
+          </a:xfrm>
+          <a:prstGeom prst="roundRect">
+            <a:avLst/>
+          </a:prstGeom>
+          <a:solidFill>
+            <a:srgbClr val="072561"/>
+          </a:solidFill>
+          <a:ln>
+            <a:noFill/>
+          </a:ln>
+          <a:effectLst>
+            <a:outerShdw blurRad="44450" dist="27940" dir="5400000" algn="ctr">
+              <a:srgbClr val="000000">
+                <a:alpha val="32000"/>
+              </a:srgbClr>
+            </a:outerShdw>
+          </a:effectLst>
+          <a:scene3d>
+            <a:camera prst="isometricOffAxis1Left"/>
+            <a:lightRig rig="balanced" dir="t">
+              <a:rot lat="0" lon="0" rev="8700000"/>
+            </a:lightRig>
+          </a:scene3d>
+          <a:sp3d>
+            <a:bevelT w="190500" h="38100" prst="cross"/>
+          </a:sp3d>
+        </p:spPr>
+        <p:style>
+          <a:lnRef idx="2">
+            <a:schemeClr val="accent1">
+              <a:shade val="50000"/>
+            </a:schemeClr>
+          </a:lnRef>
+          <a:fillRef idx="1">
+            <a:schemeClr val="accent1"/>
+          </a:fillRef>
+          <a:effectRef idx="0">
+            <a:schemeClr val="accent1"/>
+          </a:effectRef>
+          <a:fontRef idx="minor">
+            <a:schemeClr val="lt1"/>
+          </a:fontRef>
+        </p:style>
+        <p:txBody>
+          <a:bodyPr rtlCol="0" anchor="ctr"/>
+          <a:lstStyle/>
+          <a:p>
+            <a:pPr algn="ctr"/>
+            <a:endParaRPr lang="es-MX"/>
+          </a:p>
+        </p:txBody>
+      </p:sp>
+      <p:pic>
+        <p:nvPicPr>
+          <p:cNvPr id="127" name="Imagen 126">
+            <a:extLst>
+              <a:ext uri="{FF2B5EF4-FFF2-40B4-BE49-F238E27FC236}">
+                <a16:creationId xmlns:a16="http://schemas.microsoft.com/office/drawing/2014/main" id="{830DD27C-9553-4063-AF52-6C10B893B8F9}"/>
+              </a:ext>
+            </a:extLst>
+          </p:cNvPr>
+          <p:cNvPicPr>
+            <a:picLocks noChangeAspect="1"/>
+          </p:cNvPicPr>
+          <p:nvPr/>
+        </p:nvPicPr>
+        <p:blipFill rotWithShape="1">
+          <a:blip r:embed="rId4">
+            <a:extLst>
+              <a:ext uri="{28A0092B-C50C-407E-A947-70E740481C1C}">
+                <a14:useLocalDpi xmlns:a14="http://schemas.microsoft.com/office/drawing/2010/main" val="0"/>
+              </a:ext>
+            </a:extLst>
+          </a:blip>
+          <a:srcRect l="34342" t="27403" r="33565" b="27404"/>
+          <a:stretch/>
+        </p:blipFill>
+        <p:spPr>
+          <a:xfrm>
+            <a:off x="4796466" y="4542866"/>
+            <a:ext cx="1487448" cy="1178709"/>
+          </a:xfrm>
+          <a:prstGeom prst="rect">
+            <a:avLst/>
+          </a:prstGeom>
+        </p:spPr>
+      </p:pic>
+      <p:sp>
+        <p:nvSpPr>
+          <p:cNvPr id="128" name="CuadroTexto 127">
+            <a:extLst>
+              <a:ext uri="{FF2B5EF4-FFF2-40B4-BE49-F238E27FC236}">
+                <a16:creationId xmlns:a16="http://schemas.microsoft.com/office/drawing/2014/main" id="{289229C3-2C37-4B42-AECA-E119EFEAF9E5}"/>
+              </a:ext>
+            </a:extLst>
+          </p:cNvPr>
+          <p:cNvSpPr txBox="1"/>
+          <p:nvPr/>
+        </p:nvSpPr>
+        <p:spPr>
+          <a:xfrm>
+            <a:off x="3801420" y="3879075"/>
+            <a:ext cx="3611245" cy="369332"/>
+          </a:xfrm>
+          <a:prstGeom prst="rect">
+            <a:avLst/>
+          </a:prstGeom>
+          <a:noFill/>
+        </p:spPr>
+        <p:txBody>
+          <a:bodyPr wrap="none" rtlCol="0">
+            <a:spAutoFit/>
+          </a:bodyPr>
+          <a:lstStyle/>
+          <a:p>
+            <a:r>
+              <a:rPr lang="es-ES" dirty="0"/>
+              <a:t>EL PROGRAMA YA ESTA REGISTRADO</a:t>
+            </a:r>
+            <a:endParaRPr lang="es-MX" dirty="0"/>
+          </a:p>
+        </p:txBody>
+      </p:sp>
     </p:spTree>
     <p:extLst>
       <p:ext uri="{BB962C8B-B14F-4D97-AF65-F5344CB8AC3E}">
@@ -14153,7 +16418,7 @@
 </p:sld>
 </file>
 
-<file path=ppt/slides/slide5.xml><?xml version="1.0" encoding="utf-8"?>
+<file path=ppt/slides/slide6.xml><?xml version="1.0" encoding="utf-8"?>
 <p:sld xmlns:a="http://schemas.openxmlformats.org/drawingml/2006/main" xmlns:r="http://schemas.openxmlformats.org/officeDocument/2006/relationships" xmlns:p="http://schemas.openxmlformats.org/presentationml/2006/main">
   <p:cSld>
     <p:spTree>
@@ -18207,7 +20472,7 @@
 </p:sld>
 </file>
 
-<file path=ppt/slides/slide6.xml><?xml version="1.0" encoding="utf-8"?>
+<file path=ppt/slides/slide7.xml><?xml version="1.0" encoding="utf-8"?>
 <p:sld xmlns:a="http://schemas.openxmlformats.org/drawingml/2006/main" xmlns:r="http://schemas.openxmlformats.org/officeDocument/2006/relationships" xmlns:p="http://schemas.openxmlformats.org/presentationml/2006/main">
   <p:cSld>
     <p:spTree>
@@ -18989,7 +21254,7 @@
 </p:sld>
 </file>
 
-<file path=ppt/slides/slide7.xml><?xml version="1.0" encoding="utf-8"?>
+<file path=ppt/slides/slide8.xml><?xml version="1.0" encoding="utf-8"?>
 <p:sld xmlns:a="http://schemas.openxmlformats.org/drawingml/2006/main" xmlns:r="http://schemas.openxmlformats.org/officeDocument/2006/relationships" xmlns:p="http://schemas.openxmlformats.org/presentationml/2006/main">
   <p:cSld>
     <p:spTree>
@@ -19439,7 +21704,7 @@
 </p:sld>
 </file>
 
-<file path=ppt/slides/slide8.xml><?xml version="1.0" encoding="utf-8"?>
+<file path=ppt/slides/slide9.xml><?xml version="1.0" encoding="utf-8"?>
 <p:sld xmlns:a="http://schemas.openxmlformats.org/drawingml/2006/main" xmlns:r="http://schemas.openxmlformats.org/officeDocument/2006/relationships" xmlns:p="http://schemas.openxmlformats.org/presentationml/2006/main">
   <p:cSld>
     <p:spTree>

--- a/Presentación1.pptx
+++ b/Presentación1.pptx
@@ -251,7 +251,7 @@
           <a:p>
             <a:fld id="{99BE347A-6433-4F03-8E3B-34733628B187}" type="datetimeFigureOut">
               <a:rPr lang="es-MX" smtClean="0"/>
-              <a:t>28/06/2018</a:t>
+              <a:t>09/07/2018</a:t>
             </a:fld>
             <a:endParaRPr lang="es-MX"/>
           </a:p>
@@ -421,7 +421,7 @@
           <a:p>
             <a:fld id="{99BE347A-6433-4F03-8E3B-34733628B187}" type="datetimeFigureOut">
               <a:rPr lang="es-MX" smtClean="0"/>
-              <a:t>28/06/2018</a:t>
+              <a:t>09/07/2018</a:t>
             </a:fld>
             <a:endParaRPr lang="es-MX"/>
           </a:p>
@@ -601,7 +601,7 @@
           <a:p>
             <a:fld id="{99BE347A-6433-4F03-8E3B-34733628B187}" type="datetimeFigureOut">
               <a:rPr lang="es-MX" smtClean="0"/>
-              <a:t>28/06/2018</a:t>
+              <a:t>09/07/2018</a:t>
             </a:fld>
             <a:endParaRPr lang="es-MX"/>
           </a:p>
@@ -771,7 +771,7 @@
           <a:p>
             <a:fld id="{99BE347A-6433-4F03-8E3B-34733628B187}" type="datetimeFigureOut">
               <a:rPr lang="es-MX" smtClean="0"/>
-              <a:t>28/06/2018</a:t>
+              <a:t>09/07/2018</a:t>
             </a:fld>
             <a:endParaRPr lang="es-MX"/>
           </a:p>
@@ -1017,7 +1017,7 @@
           <a:p>
             <a:fld id="{99BE347A-6433-4F03-8E3B-34733628B187}" type="datetimeFigureOut">
               <a:rPr lang="es-MX" smtClean="0"/>
-              <a:t>28/06/2018</a:t>
+              <a:t>09/07/2018</a:t>
             </a:fld>
             <a:endParaRPr lang="es-MX"/>
           </a:p>
@@ -1249,7 +1249,7 @@
           <a:p>
             <a:fld id="{99BE347A-6433-4F03-8E3B-34733628B187}" type="datetimeFigureOut">
               <a:rPr lang="es-MX" smtClean="0"/>
-              <a:t>28/06/2018</a:t>
+              <a:t>09/07/2018</a:t>
             </a:fld>
             <a:endParaRPr lang="es-MX"/>
           </a:p>
@@ -1616,7 +1616,7 @@
           <a:p>
             <a:fld id="{99BE347A-6433-4F03-8E3B-34733628B187}" type="datetimeFigureOut">
               <a:rPr lang="es-MX" smtClean="0"/>
-              <a:t>28/06/2018</a:t>
+              <a:t>09/07/2018</a:t>
             </a:fld>
             <a:endParaRPr lang="es-MX"/>
           </a:p>
@@ -1734,7 +1734,7 @@
           <a:p>
             <a:fld id="{99BE347A-6433-4F03-8E3B-34733628B187}" type="datetimeFigureOut">
               <a:rPr lang="es-MX" smtClean="0"/>
-              <a:t>28/06/2018</a:t>
+              <a:t>09/07/2018</a:t>
             </a:fld>
             <a:endParaRPr lang="es-MX"/>
           </a:p>
@@ -1829,7 +1829,7 @@
           <a:p>
             <a:fld id="{99BE347A-6433-4F03-8E3B-34733628B187}" type="datetimeFigureOut">
               <a:rPr lang="es-MX" smtClean="0"/>
-              <a:t>28/06/2018</a:t>
+              <a:t>09/07/2018</a:t>
             </a:fld>
             <a:endParaRPr lang="es-MX"/>
           </a:p>
@@ -2106,7 +2106,7 @@
           <a:p>
             <a:fld id="{99BE347A-6433-4F03-8E3B-34733628B187}" type="datetimeFigureOut">
               <a:rPr lang="es-MX" smtClean="0"/>
-              <a:t>28/06/2018</a:t>
+              <a:t>09/07/2018</a:t>
             </a:fld>
             <a:endParaRPr lang="es-MX"/>
           </a:p>
@@ -2363,7 +2363,7 @@
           <a:p>
             <a:fld id="{99BE347A-6433-4F03-8E3B-34733628B187}" type="datetimeFigureOut">
               <a:rPr lang="es-MX" smtClean="0"/>
-              <a:t>28/06/2018</a:t>
+              <a:t>09/07/2018</a:t>
             </a:fld>
             <a:endParaRPr lang="es-MX"/>
           </a:p>
@@ -2576,7 +2576,7 @@
           <a:p>
             <a:fld id="{99BE347A-6433-4F03-8E3B-34733628B187}" type="datetimeFigureOut">
               <a:rPr lang="es-MX" smtClean="0"/>
-              <a:t>28/06/2018</a:t>
+              <a:t>09/07/2018</a:t>
             </a:fld>
             <a:endParaRPr lang="es-MX"/>
           </a:p>
@@ -3900,6 +3900,91 @@
       </p:grpSpPr>
       <p:sp>
         <p:nvSpPr>
+          <p:cNvPr id="17" name="Elipse 16">
+            <a:extLst>
+              <a:ext uri="{FF2B5EF4-FFF2-40B4-BE49-F238E27FC236}">
+                <a16:creationId xmlns:a16="http://schemas.microsoft.com/office/drawing/2014/main" id="{F4A41A8F-4CE0-43FF-A6E8-4F88906F1B1D}"/>
+              </a:ext>
+            </a:extLst>
+          </p:cNvPr>
+          <p:cNvSpPr/>
+          <p:nvPr/>
+        </p:nvSpPr>
+        <p:spPr>
+          <a:xfrm>
+            <a:off x="5812481" y="3077574"/>
+            <a:ext cx="560843" cy="553978"/>
+          </a:xfrm>
+          <a:prstGeom prst="ellipse">
+            <a:avLst/>
+          </a:prstGeom>
+          <a:ln>
+            <a:noFill/>
+          </a:ln>
+          <a:effectLst>
+            <a:glow rad="63500">
+              <a:schemeClr val="accent1">
+                <a:satMod val="175000"/>
+                <a:alpha val="40000"/>
+              </a:schemeClr>
+            </a:glow>
+            <a:outerShdw blurRad="44450" dist="27940" dir="5400000" algn="ctr">
+              <a:srgbClr val="000000">
+                <a:alpha val="32000"/>
+              </a:srgbClr>
+            </a:outerShdw>
+          </a:effectLst>
+          <a:scene3d>
+            <a:camera prst="orthographicFront">
+              <a:rot lat="0" lon="0" rev="0"/>
+            </a:camera>
+            <a:lightRig rig="balanced" dir="t">
+              <a:rot lat="0" lon="0" rev="8700000"/>
+            </a:lightRig>
+          </a:scene3d>
+          <a:sp3d>
+            <a:bevelT w="190500" h="38100"/>
+          </a:sp3d>
+        </p:spPr>
+        <p:style>
+          <a:lnRef idx="2">
+            <a:schemeClr val="accent1">
+              <a:shade val="50000"/>
+            </a:schemeClr>
+          </a:lnRef>
+          <a:fillRef idx="1">
+            <a:schemeClr val="accent1"/>
+          </a:fillRef>
+          <a:effectRef idx="0">
+            <a:schemeClr val="accent1"/>
+          </a:effectRef>
+          <a:fontRef idx="minor">
+            <a:schemeClr val="lt1"/>
+          </a:fontRef>
+        </p:style>
+        <p:txBody>
+          <a:bodyPr rtlCol="0" anchor="ctr"/>
+          <a:lstStyle/>
+          <a:p>
+            <a:pPr algn="ctr"/>
+            <a:endParaRPr lang="es-MX" dirty="0">
+              <a:solidFill>
+                <a:schemeClr val="bg1"/>
+              </a:solidFill>
+              <a:effectLst>
+                <a:glow rad="101600">
+                  <a:schemeClr val="accent2">
+                    <a:satMod val="175000"/>
+                    <a:alpha val="40000"/>
+                  </a:schemeClr>
+                </a:glow>
+              </a:effectLst>
+            </a:endParaRPr>
+          </a:p>
+        </p:txBody>
+      </p:sp>
+      <p:sp>
+        <p:nvSpPr>
           <p:cNvPr id="10" name="Elipse 9">
             <a:extLst>
               <a:ext uri="{FF2B5EF4-FFF2-40B4-BE49-F238E27FC236}">
@@ -4416,6 +4501,766 @@
           <a:prstGeom prst="rect">
             <a:avLst/>
           </a:prstGeom>
+        </p:spPr>
+      </p:pic>
+      <p:sp>
+        <p:nvSpPr>
+          <p:cNvPr id="15" name="Elipse 14">
+            <a:extLst>
+              <a:ext uri="{FF2B5EF4-FFF2-40B4-BE49-F238E27FC236}">
+                <a16:creationId xmlns:a16="http://schemas.microsoft.com/office/drawing/2014/main" id="{2C15F6E6-AA54-4716-A2E3-A4D44FB50CBA}"/>
+              </a:ext>
+            </a:extLst>
+          </p:cNvPr>
+          <p:cNvSpPr/>
+          <p:nvPr/>
+        </p:nvSpPr>
+        <p:spPr>
+          <a:xfrm>
+            <a:off x="5812482" y="3069845"/>
+            <a:ext cx="560843" cy="553978"/>
+          </a:xfrm>
+          <a:prstGeom prst="ellipse">
+            <a:avLst/>
+          </a:prstGeom>
+          <a:ln>
+            <a:noFill/>
+          </a:ln>
+          <a:effectLst>
+            <a:outerShdw blurRad="44450" dist="27940" dir="5400000" algn="ctr">
+              <a:srgbClr val="000000">
+                <a:alpha val="32000"/>
+              </a:srgbClr>
+            </a:outerShdw>
+          </a:effectLst>
+          <a:scene3d>
+            <a:camera prst="orthographicFront">
+              <a:rot lat="0" lon="0" rev="0"/>
+            </a:camera>
+            <a:lightRig rig="balanced" dir="t">
+              <a:rot lat="0" lon="0" rev="8700000"/>
+            </a:lightRig>
+          </a:scene3d>
+          <a:sp3d>
+            <a:bevelT w="190500" h="38100"/>
+          </a:sp3d>
+        </p:spPr>
+        <p:style>
+          <a:lnRef idx="2">
+            <a:schemeClr val="accent1">
+              <a:shade val="50000"/>
+            </a:schemeClr>
+          </a:lnRef>
+          <a:fillRef idx="1">
+            <a:schemeClr val="accent1"/>
+          </a:fillRef>
+          <a:effectRef idx="0">
+            <a:schemeClr val="accent1"/>
+          </a:effectRef>
+          <a:fontRef idx="minor">
+            <a:schemeClr val="lt1"/>
+          </a:fontRef>
+        </p:style>
+        <p:txBody>
+          <a:bodyPr rtlCol="0" anchor="ctr"/>
+          <a:lstStyle/>
+          <a:p>
+            <a:pPr algn="ctr"/>
+            <a:endParaRPr lang="es-MX" dirty="0">
+              <a:solidFill>
+                <a:schemeClr val="bg1"/>
+              </a:solidFill>
+            </a:endParaRPr>
+          </a:p>
+        </p:txBody>
+      </p:sp>
+      <p:pic>
+        <p:nvPicPr>
+          <p:cNvPr id="16" name="Imagen 15">
+            <a:extLst>
+              <a:ext uri="{FF2B5EF4-FFF2-40B4-BE49-F238E27FC236}">
+                <a16:creationId xmlns:a16="http://schemas.microsoft.com/office/drawing/2014/main" id="{5C8FD658-49A5-42B5-AA05-05E5625FAE74}"/>
+              </a:ext>
+            </a:extLst>
+          </p:cNvPr>
+          <p:cNvPicPr>
+            <a:picLocks noChangeAspect="1"/>
+          </p:cNvPicPr>
+          <p:nvPr/>
+        </p:nvPicPr>
+        <p:blipFill>
+          <a:blip r:embed="rId10">
+            <a:extLst>
+              <a:ext uri="{28A0092B-C50C-407E-A947-70E740481C1C}">
+                <a14:useLocalDpi xmlns:a14="http://schemas.microsoft.com/office/drawing/2010/main" val="0"/>
+              </a:ext>
+            </a:extLst>
+          </a:blip>
+          <a:stretch>
+            <a:fillRect/>
+          </a:stretch>
+        </p:blipFill>
+        <p:spPr>
+          <a:xfrm>
+            <a:off x="5799287" y="3055155"/>
+            <a:ext cx="560843" cy="561707"/>
+          </a:xfrm>
+          <a:prstGeom prst="rect">
+            <a:avLst/>
+          </a:prstGeom>
+          <a:effectLst>
+            <a:glow rad="63500">
+              <a:schemeClr val="accent1">
+                <a:satMod val="175000"/>
+                <a:alpha val="40000"/>
+              </a:schemeClr>
+            </a:glow>
+          </a:effectLst>
+        </p:spPr>
+      </p:pic>
+      <p:pic>
+        <p:nvPicPr>
+          <p:cNvPr id="8" name="Imagen 7">
+            <a:extLst>
+              <a:ext uri="{FF2B5EF4-FFF2-40B4-BE49-F238E27FC236}">
+                <a16:creationId xmlns:a16="http://schemas.microsoft.com/office/drawing/2014/main" id="{72B1B6D4-8BA3-4235-AFF7-559A84B491EF}"/>
+              </a:ext>
+            </a:extLst>
+          </p:cNvPr>
+          <p:cNvPicPr>
+            <a:picLocks noChangeAspect="1"/>
+          </p:cNvPicPr>
+          <p:nvPr/>
+        </p:nvPicPr>
+        <p:blipFill rotWithShape="1">
+          <a:blip r:embed="rId11">
+            <a:extLst>
+              <a:ext uri="{28A0092B-C50C-407E-A947-70E740481C1C}">
+                <a14:useLocalDpi xmlns:a14="http://schemas.microsoft.com/office/drawing/2010/main" val="0"/>
+              </a:ext>
+            </a:extLst>
+          </a:blip>
+          <a:srcRect b="10450"/>
+          <a:stretch/>
+        </p:blipFill>
+        <p:spPr>
+          <a:xfrm>
+            <a:off x="6676609" y="3390614"/>
+            <a:ext cx="489600" cy="438436"/>
+          </a:xfrm>
+          <a:prstGeom prst="rect">
+            <a:avLst/>
+          </a:prstGeom>
+        </p:spPr>
+      </p:pic>
+      <p:pic>
+        <p:nvPicPr>
+          <p:cNvPr id="13" name="Imagen 12">
+            <a:extLst>
+              <a:ext uri="{FF2B5EF4-FFF2-40B4-BE49-F238E27FC236}">
+                <a16:creationId xmlns:a16="http://schemas.microsoft.com/office/drawing/2014/main" id="{D84ACD80-E0F4-46CE-A21B-F3A84695ED6E}"/>
+              </a:ext>
+            </a:extLst>
+          </p:cNvPr>
+          <p:cNvPicPr>
+            <a:picLocks noChangeAspect="1"/>
+          </p:cNvPicPr>
+          <p:nvPr/>
+        </p:nvPicPr>
+        <p:blipFill rotWithShape="1">
+          <a:blip r:embed="rId12">
+            <a:extLst>
+              <a:ext uri="{28A0092B-C50C-407E-A947-70E740481C1C}">
+                <a14:useLocalDpi xmlns:a14="http://schemas.microsoft.com/office/drawing/2010/main" val="0"/>
+              </a:ext>
+            </a:extLst>
+          </a:blip>
+          <a:srcRect l="701" t="175" r="-1402" b="-1"/>
+          <a:stretch/>
+        </p:blipFill>
+        <p:spPr>
+          <a:xfrm>
+            <a:off x="6676608" y="2699600"/>
+            <a:ext cx="489600" cy="489600"/>
+          </a:xfrm>
+          <a:prstGeom prst="rect">
+            <a:avLst/>
+          </a:prstGeom>
+        </p:spPr>
+      </p:pic>
+      <p:pic>
+        <p:nvPicPr>
+          <p:cNvPr id="19" name="Imagen 18">
+            <a:extLst>
+              <a:ext uri="{FF2B5EF4-FFF2-40B4-BE49-F238E27FC236}">
+                <a16:creationId xmlns:a16="http://schemas.microsoft.com/office/drawing/2014/main" id="{82C7CCED-611B-4CC9-B55F-BFA62C09403B}"/>
+              </a:ext>
+            </a:extLst>
+          </p:cNvPr>
+          <p:cNvPicPr>
+            <a:picLocks noChangeAspect="1"/>
+          </p:cNvPicPr>
+          <p:nvPr/>
+        </p:nvPicPr>
+        <p:blipFill>
+          <a:blip r:embed="rId13">
+            <a:extLst>
+              <a:ext uri="{28A0092B-C50C-407E-A947-70E740481C1C}">
+                <a14:useLocalDpi xmlns:a14="http://schemas.microsoft.com/office/drawing/2010/main" val="0"/>
+              </a:ext>
+            </a:extLst>
+          </a:blip>
+          <a:stretch>
+            <a:fillRect/>
+          </a:stretch>
+        </p:blipFill>
+        <p:spPr>
+          <a:xfrm>
+            <a:off x="4249411" y="3524275"/>
+            <a:ext cx="1487301" cy="304775"/>
+          </a:xfrm>
+          <a:prstGeom prst="rect">
+            <a:avLst/>
+          </a:prstGeom>
+        </p:spPr>
+      </p:pic>
+      <p:sp>
+        <p:nvSpPr>
+          <p:cNvPr id="20" name="Rectángulo: esquinas redondeadas 19">
+            <a:extLst>
+              <a:ext uri="{FF2B5EF4-FFF2-40B4-BE49-F238E27FC236}">
+                <a16:creationId xmlns:a16="http://schemas.microsoft.com/office/drawing/2014/main" id="{7D1A92A9-844B-4BCA-BF20-ADEF221CB975}"/>
+              </a:ext>
+            </a:extLst>
+          </p:cNvPr>
+          <p:cNvSpPr/>
+          <p:nvPr/>
+        </p:nvSpPr>
+        <p:spPr>
+          <a:xfrm>
+            <a:off x="4174940" y="3042958"/>
+            <a:ext cx="1485900" cy="308610"/>
+          </a:xfrm>
+          <a:prstGeom prst="roundRect">
+            <a:avLst/>
+          </a:prstGeom>
+          <a:solidFill>
+            <a:srgbClr val="2A668E"/>
+          </a:solidFill>
+          <a:ln>
+            <a:solidFill>
+              <a:srgbClr val="71BED1"/>
+            </a:solidFill>
+          </a:ln>
+        </p:spPr>
+        <p:style>
+          <a:lnRef idx="2">
+            <a:schemeClr val="accent1">
+              <a:shade val="50000"/>
+            </a:schemeClr>
+          </a:lnRef>
+          <a:fillRef idx="1">
+            <a:schemeClr val="accent1"/>
+          </a:fillRef>
+          <a:effectRef idx="0">
+            <a:schemeClr val="accent1"/>
+          </a:effectRef>
+          <a:fontRef idx="minor">
+            <a:schemeClr val="lt1"/>
+          </a:fontRef>
+        </p:style>
+        <p:txBody>
+          <a:bodyPr rtlCol="0" anchor="ctr"/>
+          <a:lstStyle/>
+          <a:p>
+            <a:pPr algn="ctr"/>
+            <a:endParaRPr lang="es-MX"/>
+          </a:p>
+        </p:txBody>
+      </p:sp>
+      <p:pic>
+        <p:nvPicPr>
+          <p:cNvPr id="27" name="Picture 2" descr="Imagen relacionada">
+            <a:extLst>
+              <a:ext uri="{FF2B5EF4-FFF2-40B4-BE49-F238E27FC236}">
+                <a16:creationId xmlns:a16="http://schemas.microsoft.com/office/drawing/2014/main" id="{6B1C307E-FAEF-4593-9A49-E712BB0229AD}"/>
+              </a:ext>
+            </a:extLst>
+          </p:cNvPr>
+          <p:cNvPicPr>
+            <a:picLocks noChangeAspect="1" noChangeArrowheads="1"/>
+          </p:cNvPicPr>
+          <p:nvPr/>
+        </p:nvPicPr>
+        <p:blipFill>
+          <a:blip r:embed="rId14">
+            <a:extLst>
+              <a:ext uri="{28A0092B-C50C-407E-A947-70E740481C1C}">
+                <a14:useLocalDpi xmlns:a14="http://schemas.microsoft.com/office/drawing/2010/main" val="0"/>
+              </a:ext>
+            </a:extLst>
+          </a:blip>
+          <a:srcRect/>
+          <a:stretch>
+            <a:fillRect/>
+          </a:stretch>
+        </p:blipFill>
+        <p:spPr bwMode="auto">
+          <a:xfrm>
+            <a:off x="5282829" y="3042580"/>
+            <a:ext cx="414636" cy="308610"/>
+          </a:xfrm>
+          <a:prstGeom prst="rect">
+            <a:avLst/>
+          </a:prstGeom>
+          <a:noFill/>
+          <a:extLst>
+            <a:ext uri="{909E8E84-426E-40DD-AFC4-6F175D3DCCD1}">
+              <a14:hiddenFill xmlns:a14="http://schemas.microsoft.com/office/drawing/2010/main">
+                <a:solidFill>
+                  <a:srgbClr val="FFFFFF"/>
+                </a:solidFill>
+              </a14:hiddenFill>
+            </a:ext>
+          </a:extLst>
+        </p:spPr>
+      </p:pic>
+      <p:sp>
+        <p:nvSpPr>
+          <p:cNvPr id="29" name="Rectángulo: esquinas redondeadas 28">
+            <a:extLst>
+              <a:ext uri="{FF2B5EF4-FFF2-40B4-BE49-F238E27FC236}">
+                <a16:creationId xmlns:a16="http://schemas.microsoft.com/office/drawing/2014/main" id="{9CD18BA4-99BA-4115-960B-4053C06C6B8F}"/>
+              </a:ext>
+            </a:extLst>
+          </p:cNvPr>
+          <p:cNvSpPr/>
+          <p:nvPr/>
+        </p:nvSpPr>
+        <p:spPr>
+          <a:xfrm>
+            <a:off x="4133030" y="2579943"/>
+            <a:ext cx="1485900" cy="308610"/>
+          </a:xfrm>
+          <a:prstGeom prst="roundRect">
+            <a:avLst/>
+          </a:prstGeom>
+          <a:solidFill>
+            <a:srgbClr val="2A668E"/>
+          </a:solidFill>
+          <a:ln>
+            <a:solidFill>
+              <a:srgbClr val="71BED1"/>
+            </a:solidFill>
+          </a:ln>
+        </p:spPr>
+        <p:style>
+          <a:lnRef idx="2">
+            <a:schemeClr val="accent1">
+              <a:shade val="50000"/>
+            </a:schemeClr>
+          </a:lnRef>
+          <a:fillRef idx="1">
+            <a:schemeClr val="accent1"/>
+          </a:fillRef>
+          <a:effectRef idx="0">
+            <a:schemeClr val="accent1"/>
+          </a:effectRef>
+          <a:fontRef idx="minor">
+            <a:schemeClr val="lt1"/>
+          </a:fontRef>
+        </p:style>
+        <p:txBody>
+          <a:bodyPr rtlCol="0" anchor="ctr"/>
+          <a:lstStyle/>
+          <a:p>
+            <a:pPr algn="ctr"/>
+            <a:endParaRPr lang="es-MX"/>
+          </a:p>
+        </p:txBody>
+      </p:sp>
+      <p:pic>
+        <p:nvPicPr>
+          <p:cNvPr id="30" name="Picture 4" descr="Resultado de imagen para smartphone.png">
+            <a:extLst>
+              <a:ext uri="{FF2B5EF4-FFF2-40B4-BE49-F238E27FC236}">
+                <a16:creationId xmlns:a16="http://schemas.microsoft.com/office/drawing/2014/main" id="{790D9A2D-3C70-4066-A3FD-87413E814986}"/>
+              </a:ext>
+            </a:extLst>
+          </p:cNvPr>
+          <p:cNvPicPr>
+            <a:picLocks noChangeAspect="1" noChangeArrowheads="1"/>
+          </p:cNvPicPr>
+          <p:nvPr/>
+        </p:nvPicPr>
+        <p:blipFill>
+          <a:blip r:embed="rId15">
+            <a:extLst>
+              <a:ext uri="{28A0092B-C50C-407E-A947-70E740481C1C}">
+                <a14:useLocalDpi xmlns:a14="http://schemas.microsoft.com/office/drawing/2010/main" val="0"/>
+              </a:ext>
+            </a:extLst>
+          </a:blip>
+          <a:srcRect/>
+          <a:stretch>
+            <a:fillRect/>
+          </a:stretch>
+        </p:blipFill>
+        <p:spPr bwMode="auto">
+          <a:xfrm>
+            <a:off x="5298846" y="2627805"/>
+            <a:ext cx="297744" cy="212886"/>
+          </a:xfrm>
+          <a:prstGeom prst="rect">
+            <a:avLst/>
+          </a:prstGeom>
+          <a:noFill/>
+          <a:extLst>
+            <a:ext uri="{909E8E84-426E-40DD-AFC4-6F175D3DCCD1}">
+              <a14:hiddenFill xmlns:a14="http://schemas.microsoft.com/office/drawing/2010/main">
+                <a:solidFill>
+                  <a:srgbClr val="FFFFFF"/>
+                </a:solidFill>
+              </a14:hiddenFill>
+            </a:ext>
+          </a:extLst>
+        </p:spPr>
+      </p:pic>
+      <p:sp>
+        <p:nvSpPr>
+          <p:cNvPr id="32" name="Rectángulo: esquinas redondeadas 31">
+            <a:extLst>
+              <a:ext uri="{FF2B5EF4-FFF2-40B4-BE49-F238E27FC236}">
+                <a16:creationId xmlns:a16="http://schemas.microsoft.com/office/drawing/2014/main" id="{71BD4338-6167-495F-A757-07F5CEB8E48D}"/>
+              </a:ext>
+            </a:extLst>
+          </p:cNvPr>
+          <p:cNvSpPr/>
+          <p:nvPr/>
+        </p:nvSpPr>
+        <p:spPr>
+          <a:xfrm>
+            <a:off x="5851927" y="3909993"/>
+            <a:ext cx="709466" cy="183528"/>
+          </a:xfrm>
+          <a:prstGeom prst="roundRect">
+            <a:avLst/>
+          </a:prstGeom>
+          <a:solidFill>
+            <a:srgbClr val="31859C"/>
+          </a:solidFill>
+          <a:ln>
+            <a:noFill/>
+          </a:ln>
+          <a:effectLst>
+            <a:outerShdw blurRad="44450" dist="27940" dir="5400000" algn="ctr">
+              <a:srgbClr val="000000">
+                <a:alpha val="32000"/>
+              </a:srgbClr>
+            </a:outerShdw>
+          </a:effectLst>
+          <a:scene3d>
+            <a:camera prst="orthographicFront"/>
+            <a:lightRig rig="flat" dir="t"/>
+          </a:scene3d>
+          <a:sp3d prstMaterial="matte">
+            <a:bevelT w="19050" h="31750"/>
+            <a:bevelB/>
+          </a:sp3d>
+        </p:spPr>
+        <p:style>
+          <a:lnRef idx="2">
+            <a:schemeClr val="accent1">
+              <a:shade val="50000"/>
+            </a:schemeClr>
+          </a:lnRef>
+          <a:fillRef idx="1">
+            <a:schemeClr val="accent1"/>
+          </a:fillRef>
+          <a:effectRef idx="0">
+            <a:schemeClr val="accent1"/>
+          </a:effectRef>
+          <a:fontRef idx="minor">
+            <a:schemeClr val="lt1"/>
+          </a:fontRef>
+        </p:style>
+        <p:txBody>
+          <a:bodyPr lIns="36000" rtlCol="0" anchor="ctr"/>
+          <a:lstStyle/>
+          <a:p>
+            <a:r>
+              <a:rPr lang="es-ES" sz="1050" dirty="0"/>
+              <a:t>Abonar</a:t>
+            </a:r>
+            <a:endParaRPr lang="es-MX" sz="1050" dirty="0"/>
+          </a:p>
+        </p:txBody>
+      </p:sp>
+      <p:pic>
+        <p:nvPicPr>
+          <p:cNvPr id="22" name="Picture 10" descr="Resultado de imagen para pagar.png">
+            <a:extLst>
+              <a:ext uri="{FF2B5EF4-FFF2-40B4-BE49-F238E27FC236}">
+                <a16:creationId xmlns:a16="http://schemas.microsoft.com/office/drawing/2014/main" id="{1E4027C9-CB19-4E80-9B79-F41A6F8BB075}"/>
+              </a:ext>
+            </a:extLst>
+          </p:cNvPr>
+          <p:cNvPicPr>
+            <a:picLocks noChangeAspect="1" noChangeArrowheads="1"/>
+          </p:cNvPicPr>
+          <p:nvPr/>
+        </p:nvPicPr>
+        <p:blipFill>
+          <a:blip r:embed="rId16">
+            <a:extLst>
+              <a:ext uri="{28A0092B-C50C-407E-A947-70E740481C1C}">
+                <a14:useLocalDpi xmlns:a14="http://schemas.microsoft.com/office/drawing/2010/main" val="0"/>
+              </a:ext>
+            </a:extLst>
+          </a:blip>
+          <a:srcRect/>
+          <a:stretch>
+            <a:fillRect/>
+          </a:stretch>
+        </p:blipFill>
+        <p:spPr bwMode="auto">
+          <a:xfrm>
+            <a:off x="6360130" y="3914989"/>
+            <a:ext cx="173536" cy="173536"/>
+          </a:xfrm>
+          <a:prstGeom prst="rect">
+            <a:avLst/>
+          </a:prstGeom>
+          <a:noFill/>
+          <a:extLst>
+            <a:ext uri="{909E8E84-426E-40DD-AFC4-6F175D3DCCD1}">
+              <a14:hiddenFill xmlns:a14="http://schemas.microsoft.com/office/drawing/2010/main">
+                <a:solidFill>
+                  <a:srgbClr val="FFFFFF"/>
+                </a:solidFill>
+              </a14:hiddenFill>
+            </a:ext>
+          </a:extLst>
+        </p:spPr>
+      </p:pic>
+      <p:pic>
+        <p:nvPicPr>
+          <p:cNvPr id="24" name="Imagen 23">
+            <a:extLst>
+              <a:ext uri="{FF2B5EF4-FFF2-40B4-BE49-F238E27FC236}">
+                <a16:creationId xmlns:a16="http://schemas.microsoft.com/office/drawing/2014/main" id="{113EBE03-E733-4F7F-9BF8-EE0F059B219F}"/>
+              </a:ext>
+            </a:extLst>
+          </p:cNvPr>
+          <p:cNvPicPr>
+            <a:picLocks noChangeAspect="1"/>
+          </p:cNvPicPr>
+          <p:nvPr/>
+        </p:nvPicPr>
+        <p:blipFill>
+          <a:blip r:embed="rId17">
+            <a:extLst>
+              <a:ext uri="{28A0092B-C50C-407E-A947-70E740481C1C}">
+                <a14:useLocalDpi xmlns:a14="http://schemas.microsoft.com/office/drawing/2010/main" val="0"/>
+              </a:ext>
+            </a:extLst>
+          </a:blip>
+          <a:stretch>
+            <a:fillRect/>
+          </a:stretch>
+        </p:blipFill>
+        <p:spPr>
+          <a:xfrm>
+            <a:off x="5504737" y="3276612"/>
+            <a:ext cx="1182526" cy="304775"/>
+          </a:xfrm>
+          <a:prstGeom prst="rect">
+            <a:avLst/>
+          </a:prstGeom>
+        </p:spPr>
+      </p:pic>
+      <p:pic>
+        <p:nvPicPr>
+          <p:cNvPr id="28" name="Imagen 27">
+            <a:extLst>
+              <a:ext uri="{FF2B5EF4-FFF2-40B4-BE49-F238E27FC236}">
+                <a16:creationId xmlns:a16="http://schemas.microsoft.com/office/drawing/2014/main" id="{00D6F09C-2656-459D-B558-16E7F041C177}"/>
+              </a:ext>
+            </a:extLst>
+          </p:cNvPr>
+          <p:cNvPicPr>
+            <a:picLocks noChangeAspect="1"/>
+          </p:cNvPicPr>
+          <p:nvPr/>
+        </p:nvPicPr>
+        <p:blipFill>
+          <a:blip r:embed="rId18">
+            <a:extLst>
+              <a:ext uri="{28A0092B-C50C-407E-A947-70E740481C1C}">
+                <a14:useLocalDpi xmlns:a14="http://schemas.microsoft.com/office/drawing/2010/main" val="0"/>
+              </a:ext>
+            </a:extLst>
+          </a:blip>
+          <a:stretch>
+            <a:fillRect/>
+          </a:stretch>
+        </p:blipFill>
+        <p:spPr>
+          <a:xfrm>
+            <a:off x="5490147" y="2892110"/>
+            <a:ext cx="1170335" cy="304775"/>
+          </a:xfrm>
+          <a:prstGeom prst="rect">
+            <a:avLst/>
+          </a:prstGeom>
+        </p:spPr>
+      </p:pic>
+      <p:sp>
+        <p:nvSpPr>
+          <p:cNvPr id="31" name="Rectángulo: esquinas redondeadas 30">
+            <a:extLst>
+              <a:ext uri="{FF2B5EF4-FFF2-40B4-BE49-F238E27FC236}">
+                <a16:creationId xmlns:a16="http://schemas.microsoft.com/office/drawing/2014/main" id="{EB917AAD-66FF-483A-BE99-908E5C279BF4}"/>
+              </a:ext>
+            </a:extLst>
+          </p:cNvPr>
+          <p:cNvSpPr/>
+          <p:nvPr/>
+        </p:nvSpPr>
+        <p:spPr>
+          <a:xfrm>
+            <a:off x="4004246" y="2163112"/>
+            <a:ext cx="2369077" cy="308610"/>
+          </a:xfrm>
+          <a:prstGeom prst="roundRect">
+            <a:avLst/>
+          </a:prstGeom>
+          <a:solidFill>
+            <a:srgbClr val="2A668E"/>
+          </a:solidFill>
+          <a:ln>
+            <a:solidFill>
+              <a:srgbClr val="71BED1"/>
+            </a:solidFill>
+          </a:ln>
+        </p:spPr>
+        <p:style>
+          <a:lnRef idx="2">
+            <a:schemeClr val="accent1">
+              <a:shade val="50000"/>
+            </a:schemeClr>
+          </a:lnRef>
+          <a:fillRef idx="1">
+            <a:schemeClr val="accent1"/>
+          </a:fillRef>
+          <a:effectRef idx="0">
+            <a:schemeClr val="accent1"/>
+          </a:effectRef>
+          <a:fontRef idx="minor">
+            <a:schemeClr val="lt1"/>
+          </a:fontRef>
+        </p:style>
+        <p:txBody>
+          <a:bodyPr rtlCol="0" anchor="ctr"/>
+          <a:lstStyle/>
+          <a:p>
+            <a:pPr algn="ctr"/>
+            <a:endParaRPr lang="es-MX"/>
+          </a:p>
+        </p:txBody>
+      </p:sp>
+      <p:pic>
+        <p:nvPicPr>
+          <p:cNvPr id="33" name="Picture 2" descr="Resultado de imagen para signo de peso.png">
+            <a:extLst>
+              <a:ext uri="{FF2B5EF4-FFF2-40B4-BE49-F238E27FC236}">
+                <a16:creationId xmlns:a16="http://schemas.microsoft.com/office/drawing/2014/main" id="{B5826A05-84AF-4B34-BD4B-DC14C688835A}"/>
+              </a:ext>
+            </a:extLst>
+          </p:cNvPr>
+          <p:cNvPicPr>
+            <a:picLocks noChangeAspect="1" noChangeArrowheads="1"/>
+          </p:cNvPicPr>
+          <p:nvPr/>
+        </p:nvPicPr>
+        <p:blipFill>
+          <a:blip r:embed="rId19">
+            <a:extLst>
+              <a:ext uri="{28A0092B-C50C-407E-A947-70E740481C1C}">
+                <a14:useLocalDpi xmlns:a14="http://schemas.microsoft.com/office/drawing/2010/main" val="0"/>
+              </a:ext>
+            </a:extLst>
+          </a:blip>
+          <a:srcRect/>
+          <a:stretch>
+            <a:fillRect/>
+          </a:stretch>
+        </p:blipFill>
+        <p:spPr bwMode="auto">
+          <a:xfrm>
+            <a:off x="6341606" y="1246863"/>
+            <a:ext cx="45719" cy="45719"/>
+          </a:xfrm>
+          <a:prstGeom prst="rect">
+            <a:avLst/>
+          </a:prstGeom>
+          <a:noFill/>
+          <a:extLst>
+            <a:ext uri="{909E8E84-426E-40DD-AFC4-6F175D3DCCD1}">
+              <a14:hiddenFill xmlns:a14="http://schemas.microsoft.com/office/drawing/2010/main">
+                <a:solidFill>
+                  <a:srgbClr val="FFFFFF"/>
+                </a:solidFill>
+              </a14:hiddenFill>
+            </a:ext>
+          </a:extLst>
+        </p:spPr>
+      </p:pic>
+      <p:pic>
+        <p:nvPicPr>
+          <p:cNvPr id="1028" name="Picture 4" descr="Imagen relacionada">
+            <a:extLst>
+              <a:ext uri="{FF2B5EF4-FFF2-40B4-BE49-F238E27FC236}">
+                <a16:creationId xmlns:a16="http://schemas.microsoft.com/office/drawing/2014/main" id="{38E2247C-D1B8-43AC-9B6E-DE68454818D7}"/>
+              </a:ext>
+            </a:extLst>
+          </p:cNvPr>
+          <p:cNvPicPr>
+            <a:picLocks noChangeAspect="1" noChangeArrowheads="1"/>
+          </p:cNvPicPr>
+          <p:nvPr/>
+        </p:nvPicPr>
+        <p:blipFill>
+          <a:blip r:embed="rId20">
+            <a:extLst>
+              <a:ext uri="{28A0092B-C50C-407E-A947-70E740481C1C}">
+                <a14:useLocalDpi xmlns:a14="http://schemas.microsoft.com/office/drawing/2010/main" val="0"/>
+              </a:ext>
+            </a:extLst>
+          </a:blip>
+          <a:srcRect/>
+          <a:stretch>
+            <a:fillRect/>
+          </a:stretch>
+        </p:blipFill>
+        <p:spPr bwMode="auto">
+          <a:xfrm>
+            <a:off x="6060903" y="2165534"/>
+            <a:ext cx="299227" cy="299227"/>
+          </a:xfrm>
+          <a:prstGeom prst="rect">
+            <a:avLst/>
+          </a:prstGeom>
+          <a:noFill/>
+          <a:extLst>
+            <a:ext uri="{909E8E84-426E-40DD-AFC4-6F175D3DCCD1}">
+              <a14:hiddenFill xmlns:a14="http://schemas.microsoft.com/office/drawing/2010/main">
+                <a:solidFill>
+                  <a:srgbClr val="FFFFFF"/>
+                </a:solidFill>
+              </a14:hiddenFill>
+            </a:ext>
+          </a:extLst>
         </p:spPr>
       </p:pic>
     </p:spTree>
